--- a/architecture.pptx
+++ b/architecture.pptx
@@ -260,7 +260,7 @@
           <a:p>
             <a:fld id="{474C422C-BDF9-41D1-A812-954CCA4F011F}" type="datetimeFigureOut">
               <a:rPr lang="zh-CN" altLang="en-US" smtClean="0"/>
-              <a:t>2018/7/20</a:t>
+              <a:t>2018/7/23</a:t>
             </a:fld>
             <a:endParaRPr lang="zh-CN" altLang="en-US"/>
           </a:p>
@@ -458,7 +458,7 @@
           <a:p>
             <a:fld id="{474C422C-BDF9-41D1-A812-954CCA4F011F}" type="datetimeFigureOut">
               <a:rPr lang="zh-CN" altLang="en-US" smtClean="0"/>
-              <a:t>2018/7/20</a:t>
+              <a:t>2018/7/23</a:t>
             </a:fld>
             <a:endParaRPr lang="zh-CN" altLang="en-US"/>
           </a:p>
@@ -666,7 +666,7 @@
           <a:p>
             <a:fld id="{474C422C-BDF9-41D1-A812-954CCA4F011F}" type="datetimeFigureOut">
               <a:rPr lang="zh-CN" altLang="en-US" smtClean="0"/>
-              <a:t>2018/7/20</a:t>
+              <a:t>2018/7/23</a:t>
             </a:fld>
             <a:endParaRPr lang="zh-CN" altLang="en-US"/>
           </a:p>
@@ -864,7 +864,7 @@
           <a:p>
             <a:fld id="{474C422C-BDF9-41D1-A812-954CCA4F011F}" type="datetimeFigureOut">
               <a:rPr lang="zh-CN" altLang="en-US" smtClean="0"/>
-              <a:t>2018/7/20</a:t>
+              <a:t>2018/7/23</a:t>
             </a:fld>
             <a:endParaRPr lang="zh-CN" altLang="en-US"/>
           </a:p>
@@ -1139,7 +1139,7 @@
           <a:p>
             <a:fld id="{474C422C-BDF9-41D1-A812-954CCA4F011F}" type="datetimeFigureOut">
               <a:rPr lang="zh-CN" altLang="en-US" smtClean="0"/>
-              <a:t>2018/7/20</a:t>
+              <a:t>2018/7/23</a:t>
             </a:fld>
             <a:endParaRPr lang="zh-CN" altLang="en-US"/>
           </a:p>
@@ -1404,7 +1404,7 @@
           <a:p>
             <a:fld id="{474C422C-BDF9-41D1-A812-954CCA4F011F}" type="datetimeFigureOut">
               <a:rPr lang="zh-CN" altLang="en-US" smtClean="0"/>
-              <a:t>2018/7/20</a:t>
+              <a:t>2018/7/23</a:t>
             </a:fld>
             <a:endParaRPr lang="zh-CN" altLang="en-US"/>
           </a:p>
@@ -1816,7 +1816,7 @@
           <a:p>
             <a:fld id="{474C422C-BDF9-41D1-A812-954CCA4F011F}" type="datetimeFigureOut">
               <a:rPr lang="zh-CN" altLang="en-US" smtClean="0"/>
-              <a:t>2018/7/20</a:t>
+              <a:t>2018/7/23</a:t>
             </a:fld>
             <a:endParaRPr lang="zh-CN" altLang="en-US"/>
           </a:p>
@@ -1957,7 +1957,7 @@
           <a:p>
             <a:fld id="{474C422C-BDF9-41D1-A812-954CCA4F011F}" type="datetimeFigureOut">
               <a:rPr lang="zh-CN" altLang="en-US" smtClean="0"/>
-              <a:t>2018/7/20</a:t>
+              <a:t>2018/7/23</a:t>
             </a:fld>
             <a:endParaRPr lang="zh-CN" altLang="en-US"/>
           </a:p>
@@ -2070,7 +2070,7 @@
           <a:p>
             <a:fld id="{474C422C-BDF9-41D1-A812-954CCA4F011F}" type="datetimeFigureOut">
               <a:rPr lang="zh-CN" altLang="en-US" smtClean="0"/>
-              <a:t>2018/7/20</a:t>
+              <a:t>2018/7/23</a:t>
             </a:fld>
             <a:endParaRPr lang="zh-CN" altLang="en-US"/>
           </a:p>
@@ -2381,7 +2381,7 @@
           <a:p>
             <a:fld id="{474C422C-BDF9-41D1-A812-954CCA4F011F}" type="datetimeFigureOut">
               <a:rPr lang="zh-CN" altLang="en-US" smtClean="0"/>
-              <a:t>2018/7/20</a:t>
+              <a:t>2018/7/23</a:t>
             </a:fld>
             <a:endParaRPr lang="zh-CN" altLang="en-US"/>
           </a:p>
@@ -2669,7 +2669,7 @@
           <a:p>
             <a:fld id="{474C422C-BDF9-41D1-A812-954CCA4F011F}" type="datetimeFigureOut">
               <a:rPr lang="zh-CN" altLang="en-US" smtClean="0"/>
-              <a:t>2018/7/20</a:t>
+              <a:t>2018/7/23</a:t>
             </a:fld>
             <a:endParaRPr lang="zh-CN" altLang="en-US"/>
           </a:p>
@@ -2910,7 +2910,7 @@
           <a:p>
             <a:fld id="{474C422C-BDF9-41D1-A812-954CCA4F011F}" type="datetimeFigureOut">
               <a:rPr lang="zh-CN" altLang="en-US" smtClean="0"/>
-              <a:t>2018/7/20</a:t>
+              <a:t>2018/7/23</a:t>
             </a:fld>
             <a:endParaRPr lang="zh-CN" altLang="en-US"/>
           </a:p>
@@ -7416,96 +7416,6 @@
           </a:p>
         </p:txBody>
       </p:sp>
-      <p:cxnSp>
-        <p:nvCxnSpPr>
-          <p:cNvPr id="229" name="直接箭头连接符 228">
-            <a:extLst>
-              <a:ext uri="{FF2B5EF4-FFF2-40B4-BE49-F238E27FC236}">
-                <a16:creationId xmlns:a16="http://schemas.microsoft.com/office/drawing/2014/main" id="{1224F96F-A5C5-4930-B0CC-EAD20904CCA2}"/>
-              </a:ext>
-            </a:extLst>
-          </p:cNvPr>
-          <p:cNvCxnSpPr>
-            <a:cxnSpLocks/>
-          </p:cNvCxnSpPr>
-          <p:nvPr/>
-        </p:nvCxnSpPr>
-        <p:spPr>
-          <a:xfrm flipH="1">
-            <a:off x="4507519" y="5272586"/>
-            <a:ext cx="2707778" cy="0"/>
-          </a:xfrm>
-          <a:prstGeom prst="straightConnector1">
-            <a:avLst/>
-          </a:prstGeom>
-          <a:ln w="12700">
-            <a:solidFill>
-              <a:schemeClr val="accent2"/>
-            </a:solidFill>
-            <a:tailEnd type="triangle"/>
-          </a:ln>
-        </p:spPr>
-        <p:style>
-          <a:lnRef idx="1">
-            <a:schemeClr val="accent1"/>
-          </a:lnRef>
-          <a:fillRef idx="0">
-            <a:schemeClr val="accent1"/>
-          </a:fillRef>
-          <a:effectRef idx="0">
-            <a:schemeClr val="accent1"/>
-          </a:effectRef>
-          <a:fontRef idx="minor">
-            <a:schemeClr val="tx1"/>
-          </a:fontRef>
-        </p:style>
-      </p:cxnSp>
-      <p:cxnSp>
-        <p:nvCxnSpPr>
-          <p:cNvPr id="232" name="连接符: 肘形 231">
-            <a:extLst>
-              <a:ext uri="{FF2B5EF4-FFF2-40B4-BE49-F238E27FC236}">
-                <a16:creationId xmlns:a16="http://schemas.microsoft.com/office/drawing/2014/main" id="{B4E774DD-F9E6-4027-9C2B-16BAB6AD3185}"/>
-              </a:ext>
-            </a:extLst>
-          </p:cNvPr>
-          <p:cNvCxnSpPr>
-            <a:endCxn id="141" idx="2"/>
-          </p:cNvCxnSpPr>
-          <p:nvPr/>
-        </p:nvCxnSpPr>
-        <p:spPr>
-          <a:xfrm rot="5400000" flipH="1" flipV="1">
-            <a:off x="8056887" y="4394899"/>
-            <a:ext cx="1012574" cy="795476"/>
-          </a:xfrm>
-          <a:prstGeom prst="bentConnector3">
-            <a:avLst>
-              <a:gd name="adj1" fmla="val 658"/>
-            </a:avLst>
-          </a:prstGeom>
-          <a:ln w="12700">
-            <a:solidFill>
-              <a:schemeClr val="accent2"/>
-            </a:solidFill>
-            <a:tailEnd type="triangle"/>
-          </a:ln>
-        </p:spPr>
-        <p:style>
-          <a:lnRef idx="1">
-            <a:schemeClr val="accent1"/>
-          </a:lnRef>
-          <a:fillRef idx="0">
-            <a:schemeClr val="accent1"/>
-          </a:fillRef>
-          <a:effectRef idx="0">
-            <a:schemeClr val="accent1"/>
-          </a:effectRef>
-          <a:fontRef idx="minor">
-            <a:schemeClr val="tx1"/>
-          </a:fontRef>
-        </p:style>
-      </p:cxnSp>
       <p:sp>
         <p:nvSpPr>
           <p:cNvPr id="234" name="文本框 233">
@@ -7520,7 +7430,7 @@
         </p:nvSpPr>
         <p:spPr>
           <a:xfrm>
-            <a:off x="8199056" y="5308458"/>
+            <a:off x="8197649" y="5186794"/>
             <a:ext cx="1739139" cy="276999"/>
           </a:xfrm>
           <a:prstGeom prst="rect">
@@ -7552,52 +7462,6 @@
           </a:p>
         </p:txBody>
       </p:sp>
-      <p:cxnSp>
-        <p:nvCxnSpPr>
-          <p:cNvPr id="236" name="连接符: 肘形 235">
-            <a:extLst>
-              <a:ext uri="{FF2B5EF4-FFF2-40B4-BE49-F238E27FC236}">
-                <a16:creationId xmlns:a16="http://schemas.microsoft.com/office/drawing/2014/main" id="{0A3B459A-4C84-4D6B-8F59-93A7381C1AD2}"/>
-              </a:ext>
-            </a:extLst>
-          </p:cNvPr>
-          <p:cNvCxnSpPr>
-            <a:cxnSpLocks/>
-            <a:stCxn id="149" idx="3"/>
-            <a:endCxn id="213" idx="0"/>
-          </p:cNvCxnSpPr>
-          <p:nvPr/>
-        </p:nvCxnSpPr>
-        <p:spPr>
-          <a:xfrm>
-            <a:off x="6812916" y="3666619"/>
-            <a:ext cx="876923" cy="1018690"/>
-          </a:xfrm>
-          <a:prstGeom prst="bentConnector2">
-            <a:avLst/>
-          </a:prstGeom>
-          <a:ln w="12700">
-            <a:solidFill>
-              <a:schemeClr val="accent2"/>
-            </a:solidFill>
-            <a:tailEnd type="triangle"/>
-          </a:ln>
-        </p:spPr>
-        <p:style>
-          <a:lnRef idx="1">
-            <a:schemeClr val="accent1"/>
-          </a:lnRef>
-          <a:fillRef idx="0">
-            <a:schemeClr val="accent1"/>
-          </a:fillRef>
-          <a:effectRef idx="0">
-            <a:schemeClr val="accent1"/>
-          </a:effectRef>
-          <a:fontRef idx="minor">
-            <a:schemeClr val="tx1"/>
-          </a:fontRef>
-        </p:style>
-      </p:cxnSp>
       <p:sp>
         <p:nvSpPr>
           <p:cNvPr id="239" name="文本框 238">
@@ -7658,7 +7522,7 @@
         </p:nvSpPr>
         <p:spPr>
           <a:xfrm>
-            <a:off x="8405473" y="4967775"/>
+            <a:off x="8418218" y="4849248"/>
             <a:ext cx="498539" cy="276999"/>
           </a:xfrm>
           <a:prstGeom prst="rect">
@@ -8096,6 +7960,133 @@
             <a:ext cx="0" cy="655433"/>
           </a:xfrm>
           <a:prstGeom prst="straightConnector1">
+            <a:avLst/>
+          </a:prstGeom>
+          <a:ln w="12700">
+            <a:solidFill>
+              <a:schemeClr val="accent2"/>
+            </a:solidFill>
+            <a:tailEnd type="triangle"/>
+          </a:ln>
+        </p:spPr>
+        <p:style>
+          <a:lnRef idx="1">
+            <a:schemeClr val="accent1"/>
+          </a:lnRef>
+          <a:fillRef idx="0">
+            <a:schemeClr val="accent1"/>
+          </a:fillRef>
+          <a:effectRef idx="0">
+            <a:schemeClr val="accent1"/>
+          </a:effectRef>
+          <a:fontRef idx="minor">
+            <a:schemeClr val="tx1"/>
+          </a:fontRef>
+        </p:style>
+      </p:cxnSp>
+      <p:cxnSp>
+        <p:nvCxnSpPr>
+          <p:cNvPr id="136" name="连接符: 肘形 135">
+            <a:extLst>
+              <a:ext uri="{FF2B5EF4-FFF2-40B4-BE49-F238E27FC236}">
+                <a16:creationId xmlns:a16="http://schemas.microsoft.com/office/drawing/2014/main" id="{AA51A0E5-A4DB-4AA3-BD56-702FF13BBC80}"/>
+              </a:ext>
+            </a:extLst>
+          </p:cNvPr>
+          <p:cNvCxnSpPr/>
+          <p:nvPr/>
+        </p:nvCxnSpPr>
+        <p:spPr>
+          <a:xfrm flipV="1">
+            <a:off x="8257005" y="4286350"/>
+            <a:ext cx="703907" cy="830006"/>
+          </a:xfrm>
+          <a:prstGeom prst="bentConnector2">
+            <a:avLst/>
+          </a:prstGeom>
+          <a:ln w="12700">
+            <a:solidFill>
+              <a:schemeClr val="accent2"/>
+            </a:solidFill>
+            <a:headEnd type="triangle"/>
+            <a:tailEnd type="triangle"/>
+          </a:ln>
+        </p:spPr>
+        <p:style>
+          <a:lnRef idx="1">
+            <a:schemeClr val="accent1"/>
+          </a:lnRef>
+          <a:fillRef idx="0">
+            <a:schemeClr val="accent1"/>
+          </a:fillRef>
+          <a:effectRef idx="0">
+            <a:schemeClr val="accent1"/>
+          </a:effectRef>
+          <a:fontRef idx="minor">
+            <a:schemeClr val="tx1"/>
+          </a:fontRef>
+        </p:style>
+      </p:cxnSp>
+      <p:cxnSp>
+        <p:nvCxnSpPr>
+          <p:cNvPr id="139" name="直接箭头连接符 138">
+            <a:extLst>
+              <a:ext uri="{FF2B5EF4-FFF2-40B4-BE49-F238E27FC236}">
+                <a16:creationId xmlns:a16="http://schemas.microsoft.com/office/drawing/2014/main" id="{2E717FEA-7486-4B02-9C21-07CCCA759D98}"/>
+              </a:ext>
+            </a:extLst>
+          </p:cNvPr>
+          <p:cNvCxnSpPr/>
+          <p:nvPr/>
+        </p:nvCxnSpPr>
+        <p:spPr>
+          <a:xfrm>
+            <a:off x="4507519" y="5248186"/>
+            <a:ext cx="2707778" cy="0"/>
+          </a:xfrm>
+          <a:prstGeom prst="straightConnector1">
+            <a:avLst/>
+          </a:prstGeom>
+          <a:ln w="12700">
+            <a:solidFill>
+              <a:schemeClr val="accent2"/>
+            </a:solidFill>
+            <a:tailEnd type="triangle"/>
+          </a:ln>
+        </p:spPr>
+        <p:style>
+          <a:lnRef idx="1">
+            <a:schemeClr val="accent1"/>
+          </a:lnRef>
+          <a:fillRef idx="0">
+            <a:schemeClr val="accent1"/>
+          </a:fillRef>
+          <a:effectRef idx="0">
+            <a:schemeClr val="accent1"/>
+          </a:effectRef>
+          <a:fontRef idx="minor">
+            <a:schemeClr val="tx1"/>
+          </a:fontRef>
+        </p:style>
+      </p:cxnSp>
+      <p:cxnSp>
+        <p:nvCxnSpPr>
+          <p:cNvPr id="143" name="连接符: 肘形 142">
+            <a:extLst>
+              <a:ext uri="{FF2B5EF4-FFF2-40B4-BE49-F238E27FC236}">
+                <a16:creationId xmlns:a16="http://schemas.microsoft.com/office/drawing/2014/main" id="{CABCE4B3-5209-45B6-B542-2121A33870FD}"/>
+              </a:ext>
+            </a:extLst>
+          </p:cNvPr>
+          <p:cNvCxnSpPr/>
+          <p:nvPr/>
+        </p:nvCxnSpPr>
+        <p:spPr>
+          <a:xfrm rot="16200000" flipV="1">
+            <a:off x="6733971" y="3747957"/>
+            <a:ext cx="1018690" cy="876923"/>
+          </a:xfrm>
+          <a:prstGeom prst="bentConnector2">
             <a:avLst/>
           </a:prstGeom>
           <a:ln w="12700">
@@ -12177,7 +12168,7 @@
         </p:nvSpPr>
         <p:spPr>
           <a:xfrm>
-            <a:off x="5557276" y="4903796"/>
+            <a:off x="5268336" y="5016131"/>
             <a:ext cx="1658021" cy="276999"/>
           </a:xfrm>
           <a:prstGeom prst="rect">
@@ -12203,96 +12194,6 @@
           </a:p>
         </p:txBody>
       </p:sp>
-      <p:cxnSp>
-        <p:nvCxnSpPr>
-          <p:cNvPr id="229" name="直接箭头连接符 228">
-            <a:extLst>
-              <a:ext uri="{FF2B5EF4-FFF2-40B4-BE49-F238E27FC236}">
-                <a16:creationId xmlns:a16="http://schemas.microsoft.com/office/drawing/2014/main" id="{1224F96F-A5C5-4930-B0CC-EAD20904CCA2}"/>
-              </a:ext>
-            </a:extLst>
-          </p:cNvPr>
-          <p:cNvCxnSpPr>
-            <a:cxnSpLocks/>
-          </p:cNvCxnSpPr>
-          <p:nvPr/>
-        </p:nvCxnSpPr>
-        <p:spPr>
-          <a:xfrm flipH="1">
-            <a:off x="4507519" y="5272586"/>
-            <a:ext cx="2707778" cy="0"/>
-          </a:xfrm>
-          <a:prstGeom prst="straightConnector1">
-            <a:avLst/>
-          </a:prstGeom>
-          <a:ln w="12700">
-            <a:solidFill>
-              <a:schemeClr val="tx1"/>
-            </a:solidFill>
-            <a:tailEnd type="triangle"/>
-          </a:ln>
-        </p:spPr>
-        <p:style>
-          <a:lnRef idx="1">
-            <a:schemeClr val="accent1"/>
-          </a:lnRef>
-          <a:fillRef idx="0">
-            <a:schemeClr val="accent1"/>
-          </a:fillRef>
-          <a:effectRef idx="0">
-            <a:schemeClr val="accent1"/>
-          </a:effectRef>
-          <a:fontRef idx="minor">
-            <a:schemeClr val="tx1"/>
-          </a:fontRef>
-        </p:style>
-      </p:cxnSp>
-      <p:cxnSp>
-        <p:nvCxnSpPr>
-          <p:cNvPr id="232" name="连接符: 肘形 231">
-            <a:extLst>
-              <a:ext uri="{FF2B5EF4-FFF2-40B4-BE49-F238E27FC236}">
-                <a16:creationId xmlns:a16="http://schemas.microsoft.com/office/drawing/2014/main" id="{B4E774DD-F9E6-4027-9C2B-16BAB6AD3185}"/>
-              </a:ext>
-            </a:extLst>
-          </p:cNvPr>
-          <p:cNvCxnSpPr>
-            <a:endCxn id="141" idx="2"/>
-          </p:cNvCxnSpPr>
-          <p:nvPr/>
-        </p:nvCxnSpPr>
-        <p:spPr>
-          <a:xfrm rot="5400000" flipH="1" flipV="1">
-            <a:off x="8056887" y="4394899"/>
-            <a:ext cx="1012574" cy="795476"/>
-          </a:xfrm>
-          <a:prstGeom prst="bentConnector3">
-            <a:avLst>
-              <a:gd name="adj1" fmla="val 658"/>
-            </a:avLst>
-          </a:prstGeom>
-          <a:ln w="12700">
-            <a:solidFill>
-              <a:schemeClr val="tx1"/>
-            </a:solidFill>
-            <a:tailEnd type="triangle"/>
-          </a:ln>
-        </p:spPr>
-        <p:style>
-          <a:lnRef idx="1">
-            <a:schemeClr val="accent1"/>
-          </a:lnRef>
-          <a:fillRef idx="0">
-            <a:schemeClr val="accent1"/>
-          </a:fillRef>
-          <a:effectRef idx="0">
-            <a:schemeClr val="accent1"/>
-          </a:effectRef>
-          <a:fontRef idx="minor">
-            <a:schemeClr val="tx1"/>
-          </a:fontRef>
-        </p:style>
-      </p:cxnSp>
       <p:sp>
         <p:nvSpPr>
           <p:cNvPr id="234" name="文本框 233">
@@ -12307,7 +12208,7 @@
         </p:nvSpPr>
         <p:spPr>
           <a:xfrm>
-            <a:off x="8199056" y="5308458"/>
+            <a:off x="8199056" y="5186794"/>
             <a:ext cx="1739139" cy="276999"/>
           </a:xfrm>
           <a:prstGeom prst="rect">
@@ -12333,52 +12234,6 @@
           </a:p>
         </p:txBody>
       </p:sp>
-      <p:cxnSp>
-        <p:nvCxnSpPr>
-          <p:cNvPr id="236" name="连接符: 肘形 235">
-            <a:extLst>
-              <a:ext uri="{FF2B5EF4-FFF2-40B4-BE49-F238E27FC236}">
-                <a16:creationId xmlns:a16="http://schemas.microsoft.com/office/drawing/2014/main" id="{0A3B459A-4C84-4D6B-8F59-93A7381C1AD2}"/>
-              </a:ext>
-            </a:extLst>
-          </p:cNvPr>
-          <p:cNvCxnSpPr>
-            <a:cxnSpLocks/>
-            <a:stCxn id="149" idx="3"/>
-            <a:endCxn id="213" idx="0"/>
-          </p:cNvCxnSpPr>
-          <p:nvPr/>
-        </p:nvCxnSpPr>
-        <p:spPr>
-          <a:xfrm>
-            <a:off x="6812916" y="3666619"/>
-            <a:ext cx="876923" cy="1018690"/>
-          </a:xfrm>
-          <a:prstGeom prst="bentConnector2">
-            <a:avLst/>
-          </a:prstGeom>
-          <a:ln w="12700">
-            <a:solidFill>
-              <a:schemeClr val="tx1"/>
-            </a:solidFill>
-            <a:tailEnd type="triangle"/>
-          </a:ln>
-        </p:spPr>
-        <p:style>
-          <a:lnRef idx="1">
-            <a:schemeClr val="accent1"/>
-          </a:lnRef>
-          <a:fillRef idx="0">
-            <a:schemeClr val="accent1"/>
-          </a:fillRef>
-          <a:effectRef idx="0">
-            <a:schemeClr val="accent1"/>
-          </a:effectRef>
-          <a:fontRef idx="minor">
-            <a:schemeClr val="tx1"/>
-          </a:fontRef>
-        </p:style>
-      </p:cxnSp>
       <p:sp>
         <p:nvSpPr>
           <p:cNvPr id="239" name="文本框 238">
@@ -12393,7 +12248,7 @@
         </p:nvSpPr>
         <p:spPr>
           <a:xfrm>
-            <a:off x="6947222" y="3427278"/>
+            <a:off x="7039449" y="3428999"/>
             <a:ext cx="498539" cy="276999"/>
           </a:xfrm>
           <a:prstGeom prst="rect">
@@ -12433,7 +12288,7 @@
         </p:nvSpPr>
         <p:spPr>
           <a:xfrm>
-            <a:off x="8405473" y="4967775"/>
+            <a:off x="8395903" y="4825506"/>
             <a:ext cx="498539" cy="276999"/>
           </a:xfrm>
           <a:prstGeom prst="rect">
@@ -12889,6 +12744,139 @@
           </a:fontRef>
         </p:style>
       </p:cxnSp>
+      <p:cxnSp>
+        <p:nvCxnSpPr>
+          <p:cNvPr id="14" name="连接符: 肘形 13">
+            <a:extLst>
+              <a:ext uri="{FF2B5EF4-FFF2-40B4-BE49-F238E27FC236}">
+                <a16:creationId xmlns:a16="http://schemas.microsoft.com/office/drawing/2014/main" id="{0994527D-0C8F-424C-B3AE-62201EBC1080}"/>
+              </a:ext>
+            </a:extLst>
+          </p:cNvPr>
+          <p:cNvCxnSpPr>
+            <a:stCxn id="213" idx="3"/>
+            <a:endCxn id="141" idx="2"/>
+          </p:cNvCxnSpPr>
+          <p:nvPr/>
+        </p:nvCxnSpPr>
+        <p:spPr>
+          <a:xfrm flipV="1">
+            <a:off x="8257005" y="4286350"/>
+            <a:ext cx="703907" cy="830006"/>
+          </a:xfrm>
+          <a:prstGeom prst="bentConnector2">
+            <a:avLst/>
+          </a:prstGeom>
+          <a:ln>
+            <a:solidFill>
+              <a:schemeClr val="tx1"/>
+            </a:solidFill>
+            <a:headEnd type="triangle"/>
+            <a:tailEnd type="triangle"/>
+          </a:ln>
+        </p:spPr>
+        <p:style>
+          <a:lnRef idx="1">
+            <a:schemeClr val="accent1"/>
+          </a:lnRef>
+          <a:fillRef idx="0">
+            <a:schemeClr val="accent1"/>
+          </a:fillRef>
+          <a:effectRef idx="0">
+            <a:schemeClr val="accent1"/>
+          </a:effectRef>
+          <a:fontRef idx="minor">
+            <a:schemeClr val="tx1"/>
+          </a:fontRef>
+        </p:style>
+      </p:cxnSp>
+      <p:cxnSp>
+        <p:nvCxnSpPr>
+          <p:cNvPr id="29" name="直接箭头连接符 28">
+            <a:extLst>
+              <a:ext uri="{FF2B5EF4-FFF2-40B4-BE49-F238E27FC236}">
+                <a16:creationId xmlns:a16="http://schemas.microsoft.com/office/drawing/2014/main" id="{518F0E5B-7274-4F3D-949E-8AA7297AF067}"/>
+              </a:ext>
+            </a:extLst>
+          </p:cNvPr>
+          <p:cNvCxnSpPr/>
+          <p:nvPr/>
+        </p:nvCxnSpPr>
+        <p:spPr>
+          <a:xfrm>
+            <a:off x="4507519" y="5298924"/>
+            <a:ext cx="2707778" cy="0"/>
+          </a:xfrm>
+          <a:prstGeom prst="straightConnector1">
+            <a:avLst/>
+          </a:prstGeom>
+          <a:ln w="12700">
+            <a:solidFill>
+              <a:schemeClr val="tx1"/>
+            </a:solidFill>
+            <a:tailEnd type="triangle"/>
+          </a:ln>
+        </p:spPr>
+        <p:style>
+          <a:lnRef idx="1">
+            <a:schemeClr val="accent1"/>
+          </a:lnRef>
+          <a:fillRef idx="0">
+            <a:schemeClr val="accent1"/>
+          </a:fillRef>
+          <a:effectRef idx="0">
+            <a:schemeClr val="accent1"/>
+          </a:effectRef>
+          <a:fontRef idx="minor">
+            <a:schemeClr val="tx1"/>
+          </a:fontRef>
+        </p:style>
+      </p:cxnSp>
+      <p:cxnSp>
+        <p:nvCxnSpPr>
+          <p:cNvPr id="31" name="连接符: 肘形 30">
+            <a:extLst>
+              <a:ext uri="{FF2B5EF4-FFF2-40B4-BE49-F238E27FC236}">
+                <a16:creationId xmlns:a16="http://schemas.microsoft.com/office/drawing/2014/main" id="{82A3D6DD-04DC-4D80-B5A9-D914432E2B12}"/>
+              </a:ext>
+            </a:extLst>
+          </p:cNvPr>
+          <p:cNvCxnSpPr>
+            <a:stCxn id="213" idx="0"/>
+            <a:endCxn id="149" idx="3"/>
+          </p:cNvCxnSpPr>
+          <p:nvPr/>
+        </p:nvCxnSpPr>
+        <p:spPr>
+          <a:xfrm rot="16200000" flipV="1">
+            <a:off x="6742033" y="3737502"/>
+            <a:ext cx="1018690" cy="876923"/>
+          </a:xfrm>
+          <a:prstGeom prst="bentConnector2">
+            <a:avLst/>
+          </a:prstGeom>
+          <a:ln w="12700">
+            <a:solidFill>
+              <a:schemeClr val="tx1"/>
+            </a:solidFill>
+            <a:tailEnd type="triangle"/>
+          </a:ln>
+        </p:spPr>
+        <p:style>
+          <a:lnRef idx="1">
+            <a:schemeClr val="accent1"/>
+          </a:lnRef>
+          <a:fillRef idx="0">
+            <a:schemeClr val="accent1"/>
+          </a:fillRef>
+          <a:effectRef idx="0">
+            <a:schemeClr val="accent1"/>
+          </a:effectRef>
+          <a:fontRef idx="minor">
+            <a:schemeClr val="tx1"/>
+          </a:fontRef>
+        </p:style>
+      </p:cxnSp>
     </p:spTree>
     <p:extLst>
       <p:ext uri="{BB962C8B-B14F-4D97-AF65-F5344CB8AC3E}">

--- a/architecture.pptx
+++ b/architecture.pptx
@@ -5,8 +5,8 @@
     <p:sldMasterId id="2147483648" r:id="rId1"/>
   </p:sldMasterIdLst>
   <p:sldIdLst>
-    <p:sldId id="256" r:id="rId2"/>
-    <p:sldId id="257" r:id="rId3"/>
+    <p:sldId id="257" r:id="rId2"/>
+    <p:sldId id="256" r:id="rId3"/>
   </p:sldIdLst>
   <p:sldSz cx="12192000" cy="6858000"/>
   <p:notesSz cx="6858000" cy="9144000"/>
@@ -3311,6 +3311,4771 @@
 </file>
 
 <file path=ppt/slides/slide1.xml><?xml version="1.0" encoding="utf-8"?>
+<p:sld xmlns:a="http://schemas.openxmlformats.org/drawingml/2006/main" xmlns:r="http://schemas.openxmlformats.org/officeDocument/2006/relationships" xmlns:p="http://schemas.openxmlformats.org/presentationml/2006/main">
+  <p:cSld>
+    <p:spTree>
+      <p:nvGrpSpPr>
+        <p:cNvPr id="1" name=""/>
+        <p:cNvGrpSpPr/>
+        <p:nvPr/>
+      </p:nvGrpSpPr>
+      <p:grpSpPr>
+        <a:xfrm>
+          <a:off x="0" y="0"/>
+          <a:ext cx="0" cy="0"/>
+          <a:chOff x="0" y="0"/>
+          <a:chExt cx="0" cy="0"/>
+        </a:xfrm>
+      </p:grpSpPr>
+      <p:sp>
+        <p:nvSpPr>
+          <p:cNvPr id="4" name="矩形 3">
+            <a:extLst>
+              <a:ext uri="{FF2B5EF4-FFF2-40B4-BE49-F238E27FC236}">
+                <a16:creationId xmlns:a16="http://schemas.microsoft.com/office/drawing/2014/main" id="{CD5B3467-2AD4-4D80-88E3-5CBBC71DDD47}"/>
+              </a:ext>
+            </a:extLst>
+          </p:cNvPr>
+          <p:cNvSpPr/>
+          <p:nvPr/>
+        </p:nvSpPr>
+        <p:spPr>
+          <a:xfrm>
+            <a:off x="1433253" y="400171"/>
+            <a:ext cx="3933247" cy="6242383"/>
+          </a:xfrm>
+          <a:prstGeom prst="rect">
+            <a:avLst/>
+          </a:prstGeom>
+          <a:noFill/>
+          <a:ln w="19050">
+            <a:solidFill>
+              <a:schemeClr val="tx1"/>
+            </a:solidFill>
+          </a:ln>
+        </p:spPr>
+        <p:style>
+          <a:lnRef idx="2">
+            <a:schemeClr val="accent1">
+              <a:shade val="50000"/>
+            </a:schemeClr>
+          </a:lnRef>
+          <a:fillRef idx="1">
+            <a:schemeClr val="accent1"/>
+          </a:fillRef>
+          <a:effectRef idx="0">
+            <a:schemeClr val="accent1"/>
+          </a:effectRef>
+          <a:fontRef idx="minor">
+            <a:schemeClr val="lt1"/>
+          </a:fontRef>
+        </p:style>
+        <p:txBody>
+          <a:bodyPr rtlCol="0" anchor="ctr"/>
+          <a:lstStyle/>
+          <a:p>
+            <a:pPr algn="ctr"/>
+            <a:endParaRPr lang="zh-CN" altLang="en-US"/>
+          </a:p>
+        </p:txBody>
+      </p:sp>
+      <p:sp>
+        <p:nvSpPr>
+          <p:cNvPr id="8" name="文本框 7">
+            <a:extLst>
+              <a:ext uri="{FF2B5EF4-FFF2-40B4-BE49-F238E27FC236}">
+                <a16:creationId xmlns:a16="http://schemas.microsoft.com/office/drawing/2014/main" id="{FB546184-561B-4522-8A6C-A467932DF935}"/>
+              </a:ext>
+            </a:extLst>
+          </p:cNvPr>
+          <p:cNvSpPr txBox="1"/>
+          <p:nvPr/>
+        </p:nvSpPr>
+        <p:spPr>
+          <a:xfrm>
+            <a:off x="2699452" y="3237762"/>
+            <a:ext cx="430887" cy="402666"/>
+          </a:xfrm>
+          <a:prstGeom prst="rect">
+            <a:avLst/>
+          </a:prstGeom>
+          <a:noFill/>
+        </p:spPr>
+        <p:txBody>
+          <a:bodyPr vert="vert270" wrap="square" rtlCol="0" anchor="ctr" anchorCtr="1">
+            <a:spAutoFit/>
+          </a:bodyPr>
+          <a:lstStyle/>
+          <a:p>
+            <a:r>
+              <a:rPr lang="en-US" altLang="zh-CN" sz="1600" kern="0" spc="500" dirty="0">
+                <a:latin typeface="Arial Rounded MT Bold" panose="020F0704030504030204" pitchFamily="34" charset="0"/>
+              </a:rPr>
+              <a:t>…</a:t>
+            </a:r>
+            <a:endParaRPr lang="zh-CN" altLang="en-US" sz="1600" kern="0" spc="500" dirty="0">
+              <a:latin typeface="Arial Rounded MT Bold" panose="020F0704030504030204" pitchFamily="34" charset="0"/>
+            </a:endParaRPr>
+          </a:p>
+        </p:txBody>
+      </p:sp>
+      <p:grpSp>
+        <p:nvGrpSpPr>
+          <p:cNvPr id="98" name="组合 97">
+            <a:extLst>
+              <a:ext uri="{FF2B5EF4-FFF2-40B4-BE49-F238E27FC236}">
+                <a16:creationId xmlns:a16="http://schemas.microsoft.com/office/drawing/2014/main" id="{E6CB0459-1304-4F56-ACBE-1DE3A70729EF}"/>
+              </a:ext>
+            </a:extLst>
+          </p:cNvPr>
+          <p:cNvGrpSpPr/>
+          <p:nvPr/>
+        </p:nvGrpSpPr>
+        <p:grpSpPr>
+          <a:xfrm>
+            <a:off x="1957980" y="481104"/>
+            <a:ext cx="2006631" cy="2867091"/>
+            <a:chOff x="1539197" y="790508"/>
+            <a:chExt cx="2006631" cy="2867091"/>
+          </a:xfrm>
+        </p:grpSpPr>
+        <p:sp>
+          <p:nvSpPr>
+            <p:cNvPr id="7" name="矩形: 圆角 6">
+              <a:extLst>
+                <a:ext uri="{FF2B5EF4-FFF2-40B4-BE49-F238E27FC236}">
+                  <a16:creationId xmlns:a16="http://schemas.microsoft.com/office/drawing/2014/main" id="{409BAC9F-1571-4028-AC81-E675A0EE397B}"/>
+                </a:ext>
+              </a:extLst>
+            </p:cNvPr>
+            <p:cNvSpPr/>
+            <p:nvPr/>
+          </p:nvSpPr>
+          <p:spPr>
+            <a:xfrm>
+              <a:off x="1539197" y="810704"/>
+              <a:ext cx="2006631" cy="2846895"/>
+            </a:xfrm>
+            <a:prstGeom prst="roundRect">
+              <a:avLst/>
+            </a:prstGeom>
+            <a:noFill/>
+            <a:ln w="19050">
+              <a:solidFill>
+                <a:schemeClr val="tx1"/>
+              </a:solidFill>
+            </a:ln>
+          </p:spPr>
+          <p:style>
+            <a:lnRef idx="2">
+              <a:schemeClr val="accent1">
+                <a:shade val="50000"/>
+              </a:schemeClr>
+            </a:lnRef>
+            <a:fillRef idx="1">
+              <a:schemeClr val="accent1"/>
+            </a:fillRef>
+            <a:effectRef idx="0">
+              <a:schemeClr val="accent1"/>
+            </a:effectRef>
+            <a:fontRef idx="minor">
+              <a:schemeClr val="lt1"/>
+            </a:fontRef>
+          </p:style>
+          <p:txBody>
+            <a:bodyPr rtlCol="0" anchor="ctr"/>
+            <a:lstStyle/>
+            <a:p>
+              <a:pPr algn="ctr"/>
+              <a:endParaRPr lang="zh-CN" altLang="en-US"/>
+            </a:p>
+          </p:txBody>
+        </p:sp>
+        <p:sp>
+          <p:nvSpPr>
+            <p:cNvPr id="10" name="文本框 9">
+              <a:extLst>
+                <a:ext uri="{FF2B5EF4-FFF2-40B4-BE49-F238E27FC236}">
+                  <a16:creationId xmlns:a16="http://schemas.microsoft.com/office/drawing/2014/main" id="{111A9B66-1AF0-441A-97E9-97B791AC27B0}"/>
+                </a:ext>
+              </a:extLst>
+            </p:cNvPr>
+            <p:cNvSpPr txBox="1"/>
+            <p:nvPr/>
+          </p:nvSpPr>
+          <p:spPr>
+            <a:xfrm>
+              <a:off x="2127732" y="790508"/>
+              <a:ext cx="829558" cy="307777"/>
+            </a:xfrm>
+            <a:prstGeom prst="rect">
+              <a:avLst/>
+            </a:prstGeom>
+            <a:noFill/>
+          </p:spPr>
+          <p:txBody>
+            <a:bodyPr wrap="square" rtlCol="0">
+              <a:spAutoFit/>
+            </a:bodyPr>
+            <a:lstStyle/>
+            <a:p>
+              <a:r>
+                <a:rPr lang="en-US" altLang="zh-CN" sz="1400" dirty="0">
+                  <a:latin typeface="Arial Rounded MT Bold" panose="020F0704030504030204" pitchFamily="34" charset="0"/>
+                </a:rPr>
+                <a:t>Node 1</a:t>
+              </a:r>
+              <a:endParaRPr lang="zh-CN" altLang="en-US" sz="1400" dirty="0">
+                <a:latin typeface="Arial Rounded MT Bold" panose="020F0704030504030204" pitchFamily="34" charset="0"/>
+              </a:endParaRPr>
+            </a:p>
+          </p:txBody>
+        </p:sp>
+        <p:grpSp>
+          <p:nvGrpSpPr>
+            <p:cNvPr id="40" name="组合 39">
+              <a:extLst>
+                <a:ext uri="{FF2B5EF4-FFF2-40B4-BE49-F238E27FC236}">
+                  <a16:creationId xmlns:a16="http://schemas.microsoft.com/office/drawing/2014/main" id="{48203AA4-F473-44D8-BC4B-94B6E2634966}"/>
+                </a:ext>
+              </a:extLst>
+            </p:cNvPr>
+            <p:cNvGrpSpPr/>
+            <p:nvPr/>
+          </p:nvGrpSpPr>
+          <p:grpSpPr>
+            <a:xfrm>
+              <a:off x="2006030" y="1077467"/>
+              <a:ext cx="1072962" cy="717171"/>
+              <a:chOff x="5762699" y="1259083"/>
+              <a:chExt cx="1300997" cy="850728"/>
+            </a:xfrm>
+          </p:grpSpPr>
+          <p:grpSp>
+            <p:nvGrpSpPr>
+              <p:cNvPr id="15" name="组合 14">
+                <a:extLst>
+                  <a:ext uri="{FF2B5EF4-FFF2-40B4-BE49-F238E27FC236}">
+                    <a16:creationId xmlns:a16="http://schemas.microsoft.com/office/drawing/2014/main" id="{D1528CAE-FDEA-4690-BBAA-366E0B651747}"/>
+                  </a:ext>
+                </a:extLst>
+              </p:cNvPr>
+              <p:cNvGrpSpPr/>
+              <p:nvPr/>
+            </p:nvGrpSpPr>
+            <p:grpSpPr>
+              <a:xfrm>
+                <a:off x="5762699" y="1259083"/>
+                <a:ext cx="1277332" cy="848535"/>
+                <a:chOff x="5222449" y="1179815"/>
+                <a:chExt cx="1725106" cy="1181860"/>
+              </a:xfrm>
+            </p:grpSpPr>
+            <p:sp>
+              <p:nvSpPr>
+                <p:cNvPr id="16" name="矩形: 圆角 15">
+                  <a:extLst>
+                    <a:ext uri="{FF2B5EF4-FFF2-40B4-BE49-F238E27FC236}">
+                      <a16:creationId xmlns:a16="http://schemas.microsoft.com/office/drawing/2014/main" id="{79C75420-8861-4577-B365-F1908CEB2CA6}"/>
+                    </a:ext>
+                  </a:extLst>
+                </p:cNvPr>
+                <p:cNvSpPr/>
+                <p:nvPr/>
+              </p:nvSpPr>
+              <p:spPr>
+                <a:xfrm>
+                  <a:off x="5222449" y="1241030"/>
+                  <a:ext cx="1725106" cy="1120645"/>
+                </a:xfrm>
+                <a:prstGeom prst="roundRect">
+                  <a:avLst/>
+                </a:prstGeom>
+                <a:solidFill>
+                  <a:srgbClr val="0FF0F1"/>
+                </a:solidFill>
+                <a:ln>
+                  <a:solidFill>
+                    <a:schemeClr val="accent1"/>
+                  </a:solidFill>
+                </a:ln>
+              </p:spPr>
+              <p:style>
+                <a:lnRef idx="2">
+                  <a:schemeClr val="accent1">
+                    <a:shade val="50000"/>
+                  </a:schemeClr>
+                </a:lnRef>
+                <a:fillRef idx="1">
+                  <a:schemeClr val="accent1"/>
+                </a:fillRef>
+                <a:effectRef idx="0">
+                  <a:schemeClr val="accent1"/>
+                </a:effectRef>
+                <a:fontRef idx="minor">
+                  <a:schemeClr val="lt1"/>
+                </a:fontRef>
+              </p:style>
+              <p:txBody>
+                <a:bodyPr rtlCol="0" anchor="ctr"/>
+                <a:lstStyle/>
+                <a:p>
+                  <a:pPr algn="ctr"/>
+                  <a:endParaRPr lang="zh-CN" altLang="en-US" dirty="0"/>
+                </a:p>
+              </p:txBody>
+            </p:sp>
+            <p:sp>
+              <p:nvSpPr>
+                <p:cNvPr id="17" name="文本框 16">
+                  <a:extLst>
+                    <a:ext uri="{FF2B5EF4-FFF2-40B4-BE49-F238E27FC236}">
+                      <a16:creationId xmlns:a16="http://schemas.microsoft.com/office/drawing/2014/main" id="{03599BA0-689E-4F78-9C2D-1421805BFFE6}"/>
+                    </a:ext>
+                  </a:extLst>
+                </p:cNvPr>
+                <p:cNvSpPr txBox="1"/>
+                <p:nvPr/>
+              </p:nvSpPr>
+              <p:spPr>
+                <a:xfrm>
+                  <a:off x="5741462" y="1179815"/>
+                  <a:ext cx="800740" cy="406808"/>
+                </a:xfrm>
+                <a:prstGeom prst="rect">
+                  <a:avLst/>
+                </a:prstGeom>
+                <a:noFill/>
+              </p:spPr>
+              <p:txBody>
+                <a:bodyPr wrap="square" rtlCol="0">
+                  <a:spAutoFit/>
+                </a:bodyPr>
+                <a:lstStyle/>
+                <a:p>
+                  <a:r>
+                    <a:rPr lang="en-US" altLang="zh-CN" sz="1000" dirty="0">
+                      <a:latin typeface="Arial Rounded MT Bold" panose="020F0704030504030204" pitchFamily="34" charset="0"/>
+                    </a:rPr>
+                    <a:t>Pod</a:t>
+                  </a:r>
+                  <a:endParaRPr lang="zh-CN" altLang="en-US" sz="1000" dirty="0">
+                    <a:latin typeface="Arial Rounded MT Bold" panose="020F0704030504030204" pitchFamily="34" charset="0"/>
+                  </a:endParaRPr>
+                </a:p>
+              </p:txBody>
+            </p:sp>
+            <p:sp>
+              <p:nvSpPr>
+                <p:cNvPr id="18" name="矩形: 圆角 17">
+                  <a:extLst>
+                    <a:ext uri="{FF2B5EF4-FFF2-40B4-BE49-F238E27FC236}">
+                      <a16:creationId xmlns:a16="http://schemas.microsoft.com/office/drawing/2014/main" id="{ACE6589E-646A-459A-BBA2-B14534E64469}"/>
+                    </a:ext>
+                  </a:extLst>
+                </p:cNvPr>
+                <p:cNvSpPr/>
+                <p:nvPr/>
+              </p:nvSpPr>
+              <p:spPr>
+                <a:xfrm>
+                  <a:off x="5627802" y="1522586"/>
+                  <a:ext cx="914400" cy="556181"/>
+                </a:xfrm>
+                <a:prstGeom prst="roundRect">
+                  <a:avLst/>
+                </a:prstGeom>
+                <a:solidFill>
+                  <a:srgbClr val="BFFFBF"/>
+                </a:solidFill>
+                <a:ln>
+                  <a:solidFill>
+                    <a:schemeClr val="accent1"/>
+                  </a:solidFill>
+                </a:ln>
+              </p:spPr>
+              <p:style>
+                <a:lnRef idx="2">
+                  <a:schemeClr val="accent1">
+                    <a:shade val="50000"/>
+                  </a:schemeClr>
+                </a:lnRef>
+                <a:fillRef idx="1">
+                  <a:schemeClr val="accent1"/>
+                </a:fillRef>
+                <a:effectRef idx="0">
+                  <a:schemeClr val="accent1"/>
+                </a:effectRef>
+                <a:fontRef idx="minor">
+                  <a:schemeClr val="lt1"/>
+                </a:fontRef>
+              </p:style>
+              <p:txBody>
+                <a:bodyPr rtlCol="0" anchor="ctr"/>
+                <a:lstStyle/>
+                <a:p>
+                  <a:pPr algn="ctr"/>
+                  <a:endParaRPr lang="zh-CN" altLang="en-US"/>
+                </a:p>
+              </p:txBody>
+            </p:sp>
+          </p:grpSp>
+          <p:sp>
+            <p:nvSpPr>
+              <p:cNvPr id="19" name="文本框 18">
+                <a:extLst>
+                  <a:ext uri="{FF2B5EF4-FFF2-40B4-BE49-F238E27FC236}">
+                    <a16:creationId xmlns:a16="http://schemas.microsoft.com/office/drawing/2014/main" id="{E5651CEA-4E1C-4D3C-AFB8-8DBF6EE12FFD}"/>
+                  </a:ext>
+                </a:extLst>
+              </p:cNvPr>
+              <p:cNvSpPr txBox="1"/>
+              <p:nvPr/>
+            </p:nvSpPr>
+            <p:spPr>
+              <a:xfrm>
+                <a:off x="5786364" y="1890755"/>
+                <a:ext cx="1277332" cy="219056"/>
+              </a:xfrm>
+              <a:prstGeom prst="rect">
+                <a:avLst/>
+              </a:prstGeom>
+              <a:noFill/>
+            </p:spPr>
+            <p:txBody>
+              <a:bodyPr wrap="square" rtlCol="0">
+                <a:spAutoFit/>
+              </a:bodyPr>
+              <a:lstStyle/>
+              <a:p>
+                <a:r>
+                  <a:rPr lang="en-US" altLang="zh-CN" sz="600" dirty="0" err="1">
+                    <a:latin typeface="Arial Rounded MT Bold" panose="020F0704030504030204" pitchFamily="34" charset="0"/>
+                  </a:rPr>
+                  <a:t>Filebeat</a:t>
+                </a:r>
+                <a:r>
+                  <a:rPr lang="en-US" altLang="zh-CN" sz="600" dirty="0">
+                    <a:latin typeface="Arial Rounded MT Bold" panose="020F0704030504030204" pitchFamily="34" charset="0"/>
+                  </a:rPr>
+                  <a:t> as </a:t>
+                </a:r>
+                <a:r>
+                  <a:rPr lang="en-US" altLang="zh-CN" sz="600" dirty="0" err="1">
+                    <a:latin typeface="Arial Rounded MT Bold" panose="020F0704030504030204" pitchFamily="34" charset="0"/>
+                  </a:rPr>
+                  <a:t>DaemonSet</a:t>
+                </a:r>
+                <a:endParaRPr lang="zh-CN" altLang="en-US" sz="600" dirty="0">
+                  <a:latin typeface="Arial Rounded MT Bold" panose="020F0704030504030204" pitchFamily="34" charset="0"/>
+                </a:endParaRPr>
+              </a:p>
+            </p:txBody>
+          </p:sp>
+          <p:pic>
+            <p:nvPicPr>
+              <p:cNvPr id="35" name="图片 34">
+                <a:extLst>
+                  <a:ext uri="{FF2B5EF4-FFF2-40B4-BE49-F238E27FC236}">
+                    <a16:creationId xmlns:a16="http://schemas.microsoft.com/office/drawing/2014/main" id="{6651F26B-2EE7-4AF1-81F1-9D1278CBAE58}"/>
+                  </a:ext>
+                </a:extLst>
+              </p:cNvPr>
+              <p:cNvPicPr>
+                <a:picLocks noChangeAspect="1"/>
+              </p:cNvPicPr>
+              <p:nvPr/>
+            </p:nvPicPr>
+            <p:blipFill>
+              <a:blip r:embed="rId2">
+                <a:extLst>
+                  <a:ext uri="{28A0092B-C50C-407E-A947-70E740481C1C}">
+                    <a14:useLocalDpi xmlns:a14="http://schemas.microsoft.com/office/drawing/2010/main" val="0"/>
+                  </a:ext>
+                </a:extLst>
+              </a:blip>
+              <a:stretch>
+                <a:fillRect/>
+              </a:stretch>
+            </p:blipFill>
+            <p:spPr>
+              <a:xfrm>
+                <a:off x="6182440" y="1505181"/>
+                <a:ext cx="397518" cy="393543"/>
+              </a:xfrm>
+              <a:prstGeom prst="rect">
+                <a:avLst/>
+              </a:prstGeom>
+            </p:spPr>
+          </p:pic>
+        </p:grpSp>
+        <p:grpSp>
+          <p:nvGrpSpPr>
+            <p:cNvPr id="48" name="组合 47">
+              <a:extLst>
+                <a:ext uri="{FF2B5EF4-FFF2-40B4-BE49-F238E27FC236}">
+                  <a16:creationId xmlns:a16="http://schemas.microsoft.com/office/drawing/2014/main" id="{7D83A4FE-E922-4148-A332-2005BF5866D9}"/>
+                </a:ext>
+              </a:extLst>
+            </p:cNvPr>
+            <p:cNvGrpSpPr/>
+            <p:nvPr/>
+          </p:nvGrpSpPr>
+          <p:grpSpPr>
+            <a:xfrm>
+              <a:off x="2011830" y="1901772"/>
+              <a:ext cx="1310697" cy="658721"/>
+              <a:chOff x="6059009" y="3101297"/>
+              <a:chExt cx="1645714" cy="848536"/>
+            </a:xfrm>
+          </p:grpSpPr>
+          <p:grpSp>
+            <p:nvGrpSpPr>
+              <p:cNvPr id="46" name="组合 45">
+                <a:extLst>
+                  <a:ext uri="{FF2B5EF4-FFF2-40B4-BE49-F238E27FC236}">
+                    <a16:creationId xmlns:a16="http://schemas.microsoft.com/office/drawing/2014/main" id="{E5C6A2FB-142C-48FA-A4F6-54B5DFC5903E}"/>
+                  </a:ext>
+                </a:extLst>
+              </p:cNvPr>
+              <p:cNvGrpSpPr/>
+              <p:nvPr/>
+            </p:nvGrpSpPr>
+            <p:grpSpPr>
+              <a:xfrm>
+                <a:off x="6059009" y="3101297"/>
+                <a:ext cx="1322707" cy="848536"/>
+                <a:chOff x="5775702" y="3122898"/>
+                <a:chExt cx="1322707" cy="848536"/>
+              </a:xfrm>
+            </p:grpSpPr>
+            <p:sp>
+              <p:nvSpPr>
+                <p:cNvPr id="27" name="AutoShape 2" descr="Logo">
+                  <a:extLst>
+                    <a:ext uri="{FF2B5EF4-FFF2-40B4-BE49-F238E27FC236}">
+                      <a16:creationId xmlns:a16="http://schemas.microsoft.com/office/drawing/2014/main" id="{92ADCC79-B1DC-458C-9F6D-1C76840B26CD}"/>
+                    </a:ext>
+                  </a:extLst>
+                </p:cNvPr>
+                <p:cNvSpPr>
+                  <a:spLocks noChangeAspect="1" noChangeArrowheads="1"/>
+                </p:cNvSpPr>
+                <p:nvPr/>
+              </p:nvSpPr>
+              <p:spPr bwMode="auto">
+                <a:xfrm>
+                  <a:off x="5943600" y="3276600"/>
+                  <a:ext cx="304800" cy="304800"/>
+                </a:xfrm>
+                <a:prstGeom prst="rect">
+                  <a:avLst/>
+                </a:prstGeom>
+                <a:noFill/>
+                <a:extLst>
+                  <a:ext uri="{909E8E84-426E-40DD-AFC4-6F175D3DCCD1}">
+                    <a14:hiddenFill xmlns:a14="http://schemas.microsoft.com/office/drawing/2010/main">
+                      <a:solidFill>
+                        <a:srgbClr val="FFFFFF"/>
+                      </a:solidFill>
+                    </a14:hiddenFill>
+                  </a:ext>
+                </a:extLst>
+              </p:spPr>
+              <p:txBody>
+                <a:bodyPr vert="horz" wrap="square" lIns="91440" tIns="45720" rIns="91440" bIns="45720" numCol="1" anchor="t" anchorCtr="0" compatLnSpc="1">
+                  <a:prstTxWarp prst="textNoShape">
+                    <a:avLst/>
+                  </a:prstTxWarp>
+                </a:bodyPr>
+                <a:lstStyle/>
+                <a:p>
+                  <a:endParaRPr lang="zh-CN" altLang="en-US"/>
+                </a:p>
+              </p:txBody>
+            </p:sp>
+            <p:grpSp>
+              <p:nvGrpSpPr>
+                <p:cNvPr id="45" name="组合 44">
+                  <a:extLst>
+                    <a:ext uri="{FF2B5EF4-FFF2-40B4-BE49-F238E27FC236}">
+                      <a16:creationId xmlns:a16="http://schemas.microsoft.com/office/drawing/2014/main" id="{DB473681-2315-489E-A0D1-394F07DDE3AF}"/>
+                    </a:ext>
+                  </a:extLst>
+                </p:cNvPr>
+                <p:cNvGrpSpPr/>
+                <p:nvPr/>
+              </p:nvGrpSpPr>
+              <p:grpSpPr>
+                <a:xfrm>
+                  <a:off x="5775702" y="3122898"/>
+                  <a:ext cx="1322707" cy="848536"/>
+                  <a:chOff x="5775702" y="3122898"/>
+                  <a:chExt cx="1322707" cy="848536"/>
+                </a:xfrm>
+              </p:grpSpPr>
+              <p:grpSp>
+                <p:nvGrpSpPr>
+                  <p:cNvPr id="20" name="组合 19">
+                    <a:extLst>
+                      <a:ext uri="{FF2B5EF4-FFF2-40B4-BE49-F238E27FC236}">
+                        <a16:creationId xmlns:a16="http://schemas.microsoft.com/office/drawing/2014/main" id="{DA0A925F-522F-48B7-9972-6313ED7D10D8}"/>
+                      </a:ext>
+                    </a:extLst>
+                  </p:cNvPr>
+                  <p:cNvGrpSpPr/>
+                  <p:nvPr/>
+                </p:nvGrpSpPr>
+                <p:grpSpPr>
+                  <a:xfrm>
+                    <a:off x="5775702" y="3122898"/>
+                    <a:ext cx="1322707" cy="848536"/>
+                    <a:chOff x="5222449" y="1179815"/>
+                    <a:chExt cx="1786387" cy="1181863"/>
+                  </a:xfrm>
+                </p:grpSpPr>
+                <p:sp>
+                  <p:nvSpPr>
+                    <p:cNvPr id="21" name="矩形: 圆角 20">
+                      <a:extLst>
+                        <a:ext uri="{FF2B5EF4-FFF2-40B4-BE49-F238E27FC236}">
+                          <a16:creationId xmlns:a16="http://schemas.microsoft.com/office/drawing/2014/main" id="{F07BC399-5DB5-48FF-8323-95E1CBC2BE99}"/>
+                        </a:ext>
+                      </a:extLst>
+                    </p:cNvPr>
+                    <p:cNvSpPr/>
+                    <p:nvPr/>
+                  </p:nvSpPr>
+                  <p:spPr>
+                    <a:xfrm>
+                      <a:off x="5222449" y="1211265"/>
+                      <a:ext cx="1786387" cy="1150413"/>
+                    </a:xfrm>
+                    <a:prstGeom prst="roundRect">
+                      <a:avLst/>
+                    </a:prstGeom>
+                    <a:solidFill>
+                      <a:srgbClr val="0FF0F1"/>
+                    </a:solidFill>
+                    <a:ln>
+                      <a:solidFill>
+                        <a:schemeClr val="accent1"/>
+                      </a:solidFill>
+                    </a:ln>
+                  </p:spPr>
+                  <p:style>
+                    <a:lnRef idx="2">
+                      <a:schemeClr val="accent1">
+                        <a:shade val="50000"/>
+                      </a:schemeClr>
+                    </a:lnRef>
+                    <a:fillRef idx="1">
+                      <a:schemeClr val="accent1"/>
+                    </a:fillRef>
+                    <a:effectRef idx="0">
+                      <a:schemeClr val="accent1"/>
+                    </a:effectRef>
+                    <a:fontRef idx="minor">
+                      <a:schemeClr val="lt1"/>
+                    </a:fontRef>
+                  </p:style>
+                  <p:txBody>
+                    <a:bodyPr rtlCol="0" anchor="ctr"/>
+                    <a:lstStyle/>
+                    <a:p>
+                      <a:pPr algn="ctr"/>
+                      <a:endParaRPr lang="zh-CN" altLang="en-US"/>
+                    </a:p>
+                  </p:txBody>
+                </p:sp>
+                <p:sp>
+                  <p:nvSpPr>
+                    <p:cNvPr id="22" name="文本框 21">
+                      <a:extLst>
+                        <a:ext uri="{FF2B5EF4-FFF2-40B4-BE49-F238E27FC236}">
+                          <a16:creationId xmlns:a16="http://schemas.microsoft.com/office/drawing/2014/main" id="{32A74A8B-84F6-4D56-AD3E-44E227A28488}"/>
+                        </a:ext>
+                      </a:extLst>
+                    </p:cNvPr>
+                    <p:cNvSpPr txBox="1"/>
+                    <p:nvPr/>
+                  </p:nvSpPr>
+                  <p:spPr>
+                    <a:xfrm>
+                      <a:off x="5741459" y="1179815"/>
+                      <a:ext cx="840064" cy="672357"/>
+                    </a:xfrm>
+                    <a:prstGeom prst="rect">
+                      <a:avLst/>
+                    </a:prstGeom>
+                    <a:noFill/>
+                  </p:spPr>
+                  <p:txBody>
+                    <a:bodyPr wrap="square" rtlCol="0">
+                      <a:spAutoFit/>
+                    </a:bodyPr>
+                    <a:lstStyle/>
+                    <a:p>
+                      <a:r>
+                        <a:rPr lang="en-US" altLang="zh-CN" sz="1000" dirty="0">
+                          <a:latin typeface="Arial Rounded MT Bold" panose="020F0704030504030204" pitchFamily="34" charset="0"/>
+                        </a:rPr>
+                        <a:t>Pod</a:t>
+                      </a:r>
+                      <a:endParaRPr lang="zh-CN" altLang="en-US" sz="1000" dirty="0">
+                        <a:latin typeface="Arial Rounded MT Bold" panose="020F0704030504030204" pitchFamily="34" charset="0"/>
+                      </a:endParaRPr>
+                    </a:p>
+                  </p:txBody>
+                </p:sp>
+                <p:sp>
+                  <p:nvSpPr>
+                    <p:cNvPr id="23" name="矩形: 圆角 22">
+                      <a:extLst>
+                        <a:ext uri="{FF2B5EF4-FFF2-40B4-BE49-F238E27FC236}">
+                          <a16:creationId xmlns:a16="http://schemas.microsoft.com/office/drawing/2014/main" id="{031C34A3-840E-42CE-8243-216BB6C38418}"/>
+                        </a:ext>
+                      </a:extLst>
+                    </p:cNvPr>
+                    <p:cNvSpPr/>
+                    <p:nvPr/>
+                  </p:nvSpPr>
+                  <p:spPr>
+                    <a:xfrm>
+                      <a:off x="5319347" y="1539319"/>
+                      <a:ext cx="692869" cy="504980"/>
+                    </a:xfrm>
+                    <a:prstGeom prst="roundRect">
+                      <a:avLst/>
+                    </a:prstGeom>
+                    <a:solidFill>
+                      <a:srgbClr val="BFFFBF"/>
+                    </a:solidFill>
+                    <a:ln>
+                      <a:solidFill>
+                        <a:schemeClr val="accent1"/>
+                      </a:solidFill>
+                    </a:ln>
+                  </p:spPr>
+                  <p:style>
+                    <a:lnRef idx="2">
+                      <a:schemeClr val="accent1">
+                        <a:shade val="50000"/>
+                      </a:schemeClr>
+                    </a:lnRef>
+                    <a:fillRef idx="1">
+                      <a:schemeClr val="accent1"/>
+                    </a:fillRef>
+                    <a:effectRef idx="0">
+                      <a:schemeClr val="accent1"/>
+                    </a:effectRef>
+                    <a:fontRef idx="minor">
+                      <a:schemeClr val="lt1"/>
+                    </a:fontRef>
+                  </p:style>
+                  <p:txBody>
+                    <a:bodyPr rtlCol="0" anchor="ctr"/>
+                    <a:lstStyle/>
+                    <a:p>
+                      <a:pPr algn="ctr"/>
+                      <a:endParaRPr lang="zh-CN" altLang="en-US" dirty="0"/>
+                    </a:p>
+                  </p:txBody>
+                </p:sp>
+              </p:grpSp>
+              <p:grpSp>
+                <p:nvGrpSpPr>
+                  <p:cNvPr id="44" name="组合 43">
+                    <a:extLst>
+                      <a:ext uri="{FF2B5EF4-FFF2-40B4-BE49-F238E27FC236}">
+                        <a16:creationId xmlns:a16="http://schemas.microsoft.com/office/drawing/2014/main" id="{01219974-6BDD-4CA1-8FF9-4300C7A12B98}"/>
+                      </a:ext>
+                    </a:extLst>
+                  </p:cNvPr>
+                  <p:cNvGrpSpPr/>
+                  <p:nvPr/>
+                </p:nvGrpSpPr>
+                <p:grpSpPr>
+                  <a:xfrm>
+                    <a:off x="5880415" y="3365970"/>
+                    <a:ext cx="1115990" cy="411524"/>
+                    <a:chOff x="5880415" y="3365970"/>
+                    <a:chExt cx="1115990" cy="411524"/>
+                  </a:xfrm>
+                </p:grpSpPr>
+                <p:sp>
+                  <p:nvSpPr>
+                    <p:cNvPr id="26" name="矩形: 圆角 25">
+                      <a:extLst>
+                        <a:ext uri="{FF2B5EF4-FFF2-40B4-BE49-F238E27FC236}">
+                          <a16:creationId xmlns:a16="http://schemas.microsoft.com/office/drawing/2014/main" id="{1A578813-747D-4155-B0BC-78435A763EC7}"/>
+                        </a:ext>
+                      </a:extLst>
+                    </p:cNvPr>
+                    <p:cNvSpPr/>
+                    <p:nvPr/>
+                  </p:nvSpPr>
+                  <p:spPr>
+                    <a:xfrm>
+                      <a:off x="6483379" y="3381008"/>
+                      <a:ext cx="513026" cy="362558"/>
+                    </a:xfrm>
+                    <a:prstGeom prst="roundRect">
+                      <a:avLst/>
+                    </a:prstGeom>
+                    <a:solidFill>
+                      <a:srgbClr val="BFFFBF"/>
+                    </a:solidFill>
+                    <a:ln>
+                      <a:solidFill>
+                        <a:schemeClr val="accent1"/>
+                      </a:solidFill>
+                    </a:ln>
+                  </p:spPr>
+                  <p:style>
+                    <a:lnRef idx="2">
+                      <a:schemeClr val="accent1">
+                        <a:shade val="50000"/>
+                      </a:schemeClr>
+                    </a:lnRef>
+                    <a:fillRef idx="1">
+                      <a:schemeClr val="accent1"/>
+                    </a:fillRef>
+                    <a:effectRef idx="0">
+                      <a:schemeClr val="accent1"/>
+                    </a:effectRef>
+                    <a:fontRef idx="minor">
+                      <a:schemeClr val="lt1"/>
+                    </a:fontRef>
+                  </p:style>
+                  <p:txBody>
+                    <a:bodyPr rtlCol="0" anchor="ctr"/>
+                    <a:lstStyle/>
+                    <a:p>
+                      <a:pPr algn="ctr"/>
+                      <a:endParaRPr lang="zh-CN" altLang="en-US" dirty="0"/>
+                    </a:p>
+                  </p:txBody>
+                </p:sp>
+                <p:pic>
+                  <p:nvPicPr>
+                    <p:cNvPr id="33" name="图片 32">
+                      <a:extLst>
+                        <a:ext uri="{FF2B5EF4-FFF2-40B4-BE49-F238E27FC236}">
+                          <a16:creationId xmlns:a16="http://schemas.microsoft.com/office/drawing/2014/main" id="{995F33F6-B9F1-4E96-BC4B-55C3A0C50524}"/>
+                        </a:ext>
+                      </a:extLst>
+                    </p:cNvPr>
+                    <p:cNvPicPr>
+                      <a:picLocks noChangeAspect="1"/>
+                    </p:cNvPicPr>
+                    <p:nvPr/>
+                  </p:nvPicPr>
+                  <p:blipFill>
+                    <a:blip r:embed="rId3">
+                      <a:extLst>
+                        <a:ext uri="{28A0092B-C50C-407E-A947-70E740481C1C}">
+                          <a14:useLocalDpi xmlns:a14="http://schemas.microsoft.com/office/drawing/2010/main" val="0"/>
+                        </a:ext>
+                      </a:extLst>
+                    </a:blip>
+                    <a:stretch>
+                      <a:fillRect/>
+                    </a:stretch>
+                  </p:blipFill>
+                  <p:spPr>
+                    <a:xfrm>
+                      <a:off x="5880415" y="3365970"/>
+                      <a:ext cx="446709" cy="411524"/>
+                    </a:xfrm>
+                    <a:prstGeom prst="rect">
+                      <a:avLst/>
+                    </a:prstGeom>
+                  </p:spPr>
+                </p:pic>
+                <p:pic>
+                  <p:nvPicPr>
+                    <p:cNvPr id="39" name="图片 38">
+                      <a:extLst>
+                        <a:ext uri="{FF2B5EF4-FFF2-40B4-BE49-F238E27FC236}">
+                          <a16:creationId xmlns:a16="http://schemas.microsoft.com/office/drawing/2014/main" id="{2F89BE69-78C4-4D08-B72F-A0612487E868}"/>
+                        </a:ext>
+                      </a:extLst>
+                    </p:cNvPr>
+                    <p:cNvPicPr>
+                      <a:picLocks noChangeAspect="1"/>
+                    </p:cNvPicPr>
+                    <p:nvPr/>
+                  </p:nvPicPr>
+                  <p:blipFill>
+                    <a:blip r:embed="rId4">
+                      <a:extLst>
+                        <a:ext uri="{28A0092B-C50C-407E-A947-70E740481C1C}">
+                          <a14:useLocalDpi xmlns:a14="http://schemas.microsoft.com/office/drawing/2010/main" val="0"/>
+                        </a:ext>
+                      </a:extLst>
+                    </a:blip>
+                    <a:stretch>
+                      <a:fillRect/>
+                    </a:stretch>
+                  </p:blipFill>
+                  <p:spPr>
+                    <a:xfrm>
+                      <a:off x="6543522" y="3403835"/>
+                      <a:ext cx="409821" cy="302444"/>
+                    </a:xfrm>
+                    <a:prstGeom prst="rect">
+                      <a:avLst/>
+                    </a:prstGeom>
+                  </p:spPr>
+                </p:pic>
+              </p:grpSp>
+            </p:grpSp>
+          </p:grpSp>
+          <p:sp>
+            <p:nvSpPr>
+              <p:cNvPr id="47" name="文本框 46">
+                <a:extLst>
+                  <a:ext uri="{FF2B5EF4-FFF2-40B4-BE49-F238E27FC236}">
+                    <a16:creationId xmlns:a16="http://schemas.microsoft.com/office/drawing/2014/main" id="{EC2CB09B-FEC3-4FCD-9C05-1866ABE6A8F1}"/>
+                  </a:ext>
+                </a:extLst>
+              </p:cNvPr>
+              <p:cNvSpPr txBox="1"/>
+              <p:nvPr/>
+            </p:nvSpPr>
+            <p:spPr>
+              <a:xfrm>
+                <a:off x="6213598" y="3712600"/>
+                <a:ext cx="1491125" cy="222798"/>
+              </a:xfrm>
+              <a:prstGeom prst="rect">
+                <a:avLst/>
+              </a:prstGeom>
+              <a:noFill/>
+            </p:spPr>
+            <p:txBody>
+              <a:bodyPr wrap="square" rtlCol="0">
+                <a:spAutoFit/>
+              </a:bodyPr>
+              <a:lstStyle/>
+              <a:p>
+                <a:r>
+                  <a:rPr lang="en-US" altLang="zh-CN" sz="600" dirty="0">
+                    <a:latin typeface="Arial Rounded MT Bold" panose="020F0704030504030204" pitchFamily="34" charset="0"/>
+                  </a:rPr>
+                  <a:t>Envoy as sidecar</a:t>
+                </a:r>
+                <a:endParaRPr lang="zh-CN" altLang="en-US" sz="600" dirty="0">
+                  <a:latin typeface="Arial Rounded MT Bold" panose="020F0704030504030204" pitchFamily="34" charset="0"/>
+                </a:endParaRPr>
+              </a:p>
+            </p:txBody>
+          </p:sp>
+        </p:grpSp>
+        <p:grpSp>
+          <p:nvGrpSpPr>
+            <p:cNvPr id="49" name="组合 48">
+              <a:extLst>
+                <a:ext uri="{FF2B5EF4-FFF2-40B4-BE49-F238E27FC236}">
+                  <a16:creationId xmlns:a16="http://schemas.microsoft.com/office/drawing/2014/main" id="{5991C566-220A-49FD-9D68-10F06165F7D3}"/>
+                </a:ext>
+              </a:extLst>
+            </p:cNvPr>
+            <p:cNvGrpSpPr/>
+            <p:nvPr/>
+          </p:nvGrpSpPr>
+          <p:grpSpPr>
+            <a:xfrm>
+              <a:off x="2024693" y="2877534"/>
+              <a:ext cx="1310697" cy="658721"/>
+              <a:chOff x="6059009" y="3101297"/>
+              <a:chExt cx="1645714" cy="848536"/>
+            </a:xfrm>
+          </p:grpSpPr>
+          <p:grpSp>
+            <p:nvGrpSpPr>
+              <p:cNvPr id="50" name="组合 49">
+                <a:extLst>
+                  <a:ext uri="{FF2B5EF4-FFF2-40B4-BE49-F238E27FC236}">
+                    <a16:creationId xmlns:a16="http://schemas.microsoft.com/office/drawing/2014/main" id="{4F69DA83-BB9B-404E-A005-0DB8E19F700F}"/>
+                  </a:ext>
+                </a:extLst>
+              </p:cNvPr>
+              <p:cNvGrpSpPr/>
+              <p:nvPr/>
+            </p:nvGrpSpPr>
+            <p:grpSpPr>
+              <a:xfrm>
+                <a:off x="6059009" y="3101297"/>
+                <a:ext cx="1322707" cy="848536"/>
+                <a:chOff x="5775702" y="3122898"/>
+                <a:chExt cx="1322707" cy="848536"/>
+              </a:xfrm>
+            </p:grpSpPr>
+            <p:sp>
+              <p:nvSpPr>
+                <p:cNvPr id="52" name="AutoShape 2" descr="Logo">
+                  <a:extLst>
+                    <a:ext uri="{FF2B5EF4-FFF2-40B4-BE49-F238E27FC236}">
+                      <a16:creationId xmlns:a16="http://schemas.microsoft.com/office/drawing/2014/main" id="{48531821-A1A5-4E6E-8245-4CC8ED3B7091}"/>
+                    </a:ext>
+                  </a:extLst>
+                </p:cNvPr>
+                <p:cNvSpPr>
+                  <a:spLocks noChangeAspect="1" noChangeArrowheads="1"/>
+                </p:cNvSpPr>
+                <p:nvPr/>
+              </p:nvSpPr>
+              <p:spPr bwMode="auto">
+                <a:xfrm>
+                  <a:off x="5943600" y="3276600"/>
+                  <a:ext cx="304800" cy="304800"/>
+                </a:xfrm>
+                <a:prstGeom prst="rect">
+                  <a:avLst/>
+                </a:prstGeom>
+                <a:noFill/>
+                <a:extLst>
+                  <a:ext uri="{909E8E84-426E-40DD-AFC4-6F175D3DCCD1}">
+                    <a14:hiddenFill xmlns:a14="http://schemas.microsoft.com/office/drawing/2010/main">
+                      <a:solidFill>
+                        <a:srgbClr val="FFFFFF"/>
+                      </a:solidFill>
+                    </a14:hiddenFill>
+                  </a:ext>
+                </a:extLst>
+              </p:spPr>
+              <p:txBody>
+                <a:bodyPr vert="horz" wrap="square" lIns="91440" tIns="45720" rIns="91440" bIns="45720" numCol="1" anchor="t" anchorCtr="0" compatLnSpc="1">
+                  <a:prstTxWarp prst="textNoShape">
+                    <a:avLst/>
+                  </a:prstTxWarp>
+                </a:bodyPr>
+                <a:lstStyle/>
+                <a:p>
+                  <a:endParaRPr lang="zh-CN" altLang="en-US"/>
+                </a:p>
+              </p:txBody>
+            </p:sp>
+            <p:grpSp>
+              <p:nvGrpSpPr>
+                <p:cNvPr id="53" name="组合 52">
+                  <a:extLst>
+                    <a:ext uri="{FF2B5EF4-FFF2-40B4-BE49-F238E27FC236}">
+                      <a16:creationId xmlns:a16="http://schemas.microsoft.com/office/drawing/2014/main" id="{97D3AE21-7AC3-4ADD-9F82-E35FD90A85A2}"/>
+                    </a:ext>
+                  </a:extLst>
+                </p:cNvPr>
+                <p:cNvGrpSpPr/>
+                <p:nvPr/>
+              </p:nvGrpSpPr>
+              <p:grpSpPr>
+                <a:xfrm>
+                  <a:off x="5775702" y="3122898"/>
+                  <a:ext cx="1322707" cy="848536"/>
+                  <a:chOff x="5775702" y="3122898"/>
+                  <a:chExt cx="1322707" cy="848536"/>
+                </a:xfrm>
+              </p:grpSpPr>
+              <p:grpSp>
+                <p:nvGrpSpPr>
+                  <p:cNvPr id="54" name="组合 53">
+                    <a:extLst>
+                      <a:ext uri="{FF2B5EF4-FFF2-40B4-BE49-F238E27FC236}">
+                        <a16:creationId xmlns:a16="http://schemas.microsoft.com/office/drawing/2014/main" id="{7A6F9188-21EF-4477-BD13-3E6A2BC268E6}"/>
+                      </a:ext>
+                    </a:extLst>
+                  </p:cNvPr>
+                  <p:cNvGrpSpPr/>
+                  <p:nvPr/>
+                </p:nvGrpSpPr>
+                <p:grpSpPr>
+                  <a:xfrm>
+                    <a:off x="5775702" y="3122898"/>
+                    <a:ext cx="1322707" cy="848536"/>
+                    <a:chOff x="5222449" y="1179815"/>
+                    <a:chExt cx="1786387" cy="1181863"/>
+                  </a:xfrm>
+                </p:grpSpPr>
+                <p:sp>
+                  <p:nvSpPr>
+                    <p:cNvPr id="59" name="矩形: 圆角 58">
+                      <a:extLst>
+                        <a:ext uri="{FF2B5EF4-FFF2-40B4-BE49-F238E27FC236}">
+                          <a16:creationId xmlns:a16="http://schemas.microsoft.com/office/drawing/2014/main" id="{6B5036FC-39D0-4830-8DE4-A27643AD55D7}"/>
+                        </a:ext>
+                      </a:extLst>
+                    </p:cNvPr>
+                    <p:cNvSpPr/>
+                    <p:nvPr/>
+                  </p:nvSpPr>
+                  <p:spPr>
+                    <a:xfrm>
+                      <a:off x="5222449" y="1211265"/>
+                      <a:ext cx="1786387" cy="1150413"/>
+                    </a:xfrm>
+                    <a:prstGeom prst="roundRect">
+                      <a:avLst/>
+                    </a:prstGeom>
+                    <a:solidFill>
+                      <a:srgbClr val="0FF0F1"/>
+                    </a:solidFill>
+                    <a:ln>
+                      <a:solidFill>
+                        <a:schemeClr val="accent1"/>
+                      </a:solidFill>
+                    </a:ln>
+                  </p:spPr>
+                  <p:style>
+                    <a:lnRef idx="2">
+                      <a:schemeClr val="accent1">
+                        <a:shade val="50000"/>
+                      </a:schemeClr>
+                    </a:lnRef>
+                    <a:fillRef idx="1">
+                      <a:schemeClr val="accent1"/>
+                    </a:fillRef>
+                    <a:effectRef idx="0">
+                      <a:schemeClr val="accent1"/>
+                    </a:effectRef>
+                    <a:fontRef idx="minor">
+                      <a:schemeClr val="lt1"/>
+                    </a:fontRef>
+                  </p:style>
+                  <p:txBody>
+                    <a:bodyPr rtlCol="0" anchor="ctr"/>
+                    <a:lstStyle/>
+                    <a:p>
+                      <a:pPr algn="ctr"/>
+                      <a:endParaRPr lang="zh-CN" altLang="en-US"/>
+                    </a:p>
+                  </p:txBody>
+                </p:sp>
+                <p:sp>
+                  <p:nvSpPr>
+                    <p:cNvPr id="60" name="文本框 59">
+                      <a:extLst>
+                        <a:ext uri="{FF2B5EF4-FFF2-40B4-BE49-F238E27FC236}">
+                          <a16:creationId xmlns:a16="http://schemas.microsoft.com/office/drawing/2014/main" id="{1953FF47-6694-44FD-AEAA-E5F5F30F1EBD}"/>
+                        </a:ext>
+                      </a:extLst>
+                    </p:cNvPr>
+                    <p:cNvSpPr txBox="1"/>
+                    <p:nvPr/>
+                  </p:nvSpPr>
+                  <p:spPr>
+                    <a:xfrm>
+                      <a:off x="5741459" y="1179815"/>
+                      <a:ext cx="840064" cy="672357"/>
+                    </a:xfrm>
+                    <a:prstGeom prst="rect">
+                      <a:avLst/>
+                    </a:prstGeom>
+                    <a:noFill/>
+                  </p:spPr>
+                  <p:txBody>
+                    <a:bodyPr wrap="square" rtlCol="0">
+                      <a:spAutoFit/>
+                    </a:bodyPr>
+                    <a:lstStyle/>
+                    <a:p>
+                      <a:r>
+                        <a:rPr lang="en-US" altLang="zh-CN" sz="1000" dirty="0">
+                          <a:latin typeface="Arial Rounded MT Bold" panose="020F0704030504030204" pitchFamily="34" charset="0"/>
+                        </a:rPr>
+                        <a:t>Pod</a:t>
+                      </a:r>
+                      <a:endParaRPr lang="zh-CN" altLang="en-US" sz="1000" dirty="0">
+                        <a:latin typeface="Arial Rounded MT Bold" panose="020F0704030504030204" pitchFamily="34" charset="0"/>
+                      </a:endParaRPr>
+                    </a:p>
+                  </p:txBody>
+                </p:sp>
+                <p:sp>
+                  <p:nvSpPr>
+                    <p:cNvPr id="61" name="矩形: 圆角 60">
+                      <a:extLst>
+                        <a:ext uri="{FF2B5EF4-FFF2-40B4-BE49-F238E27FC236}">
+                          <a16:creationId xmlns:a16="http://schemas.microsoft.com/office/drawing/2014/main" id="{73D1B0A3-9216-46A4-9539-23970ED277D8}"/>
+                        </a:ext>
+                      </a:extLst>
+                    </p:cNvPr>
+                    <p:cNvSpPr/>
+                    <p:nvPr/>
+                  </p:nvSpPr>
+                  <p:spPr>
+                    <a:xfrm>
+                      <a:off x="5319347" y="1539319"/>
+                      <a:ext cx="692869" cy="504980"/>
+                    </a:xfrm>
+                    <a:prstGeom prst="roundRect">
+                      <a:avLst/>
+                    </a:prstGeom>
+                    <a:solidFill>
+                      <a:srgbClr val="BFFFBF"/>
+                    </a:solidFill>
+                    <a:ln>
+                      <a:solidFill>
+                        <a:schemeClr val="accent1"/>
+                      </a:solidFill>
+                    </a:ln>
+                  </p:spPr>
+                  <p:style>
+                    <a:lnRef idx="2">
+                      <a:schemeClr val="accent1">
+                        <a:shade val="50000"/>
+                      </a:schemeClr>
+                    </a:lnRef>
+                    <a:fillRef idx="1">
+                      <a:schemeClr val="accent1"/>
+                    </a:fillRef>
+                    <a:effectRef idx="0">
+                      <a:schemeClr val="accent1"/>
+                    </a:effectRef>
+                    <a:fontRef idx="minor">
+                      <a:schemeClr val="lt1"/>
+                    </a:fontRef>
+                  </p:style>
+                  <p:txBody>
+                    <a:bodyPr rtlCol="0" anchor="ctr"/>
+                    <a:lstStyle/>
+                    <a:p>
+                      <a:pPr algn="ctr"/>
+                      <a:endParaRPr lang="zh-CN" altLang="en-US" dirty="0"/>
+                    </a:p>
+                  </p:txBody>
+                </p:sp>
+              </p:grpSp>
+              <p:grpSp>
+                <p:nvGrpSpPr>
+                  <p:cNvPr id="55" name="组合 54">
+                    <a:extLst>
+                      <a:ext uri="{FF2B5EF4-FFF2-40B4-BE49-F238E27FC236}">
+                        <a16:creationId xmlns:a16="http://schemas.microsoft.com/office/drawing/2014/main" id="{AA71C30E-7F19-4319-8709-CD42F771EA02}"/>
+                      </a:ext>
+                    </a:extLst>
+                  </p:cNvPr>
+                  <p:cNvGrpSpPr/>
+                  <p:nvPr/>
+                </p:nvGrpSpPr>
+                <p:grpSpPr>
+                  <a:xfrm>
+                    <a:off x="5880415" y="3365970"/>
+                    <a:ext cx="1115990" cy="411524"/>
+                    <a:chOff x="5880415" y="3365970"/>
+                    <a:chExt cx="1115990" cy="411524"/>
+                  </a:xfrm>
+                </p:grpSpPr>
+                <p:sp>
+                  <p:nvSpPr>
+                    <p:cNvPr id="56" name="矩形: 圆角 55">
+                      <a:extLst>
+                        <a:ext uri="{FF2B5EF4-FFF2-40B4-BE49-F238E27FC236}">
+                          <a16:creationId xmlns:a16="http://schemas.microsoft.com/office/drawing/2014/main" id="{FCD5AD6C-9D99-4054-8E68-056807B2378F}"/>
+                        </a:ext>
+                      </a:extLst>
+                    </p:cNvPr>
+                    <p:cNvSpPr/>
+                    <p:nvPr/>
+                  </p:nvSpPr>
+                  <p:spPr>
+                    <a:xfrm>
+                      <a:off x="6483379" y="3381008"/>
+                      <a:ext cx="513026" cy="362558"/>
+                    </a:xfrm>
+                    <a:prstGeom prst="roundRect">
+                      <a:avLst/>
+                    </a:prstGeom>
+                    <a:solidFill>
+                      <a:srgbClr val="BFFFBF"/>
+                    </a:solidFill>
+                    <a:ln>
+                      <a:solidFill>
+                        <a:schemeClr val="accent1"/>
+                      </a:solidFill>
+                    </a:ln>
+                  </p:spPr>
+                  <p:style>
+                    <a:lnRef idx="2">
+                      <a:schemeClr val="accent1">
+                        <a:shade val="50000"/>
+                      </a:schemeClr>
+                    </a:lnRef>
+                    <a:fillRef idx="1">
+                      <a:schemeClr val="accent1"/>
+                    </a:fillRef>
+                    <a:effectRef idx="0">
+                      <a:schemeClr val="accent1"/>
+                    </a:effectRef>
+                    <a:fontRef idx="minor">
+                      <a:schemeClr val="lt1"/>
+                    </a:fontRef>
+                  </p:style>
+                  <p:txBody>
+                    <a:bodyPr rtlCol="0" anchor="ctr"/>
+                    <a:lstStyle/>
+                    <a:p>
+                      <a:pPr algn="ctr"/>
+                      <a:endParaRPr lang="zh-CN" altLang="en-US" dirty="0"/>
+                    </a:p>
+                  </p:txBody>
+                </p:sp>
+                <p:pic>
+                  <p:nvPicPr>
+                    <p:cNvPr id="57" name="图片 56">
+                      <a:extLst>
+                        <a:ext uri="{FF2B5EF4-FFF2-40B4-BE49-F238E27FC236}">
+                          <a16:creationId xmlns:a16="http://schemas.microsoft.com/office/drawing/2014/main" id="{7B8A9675-87CB-4EBF-BBCB-1B180DFCBA8E}"/>
+                        </a:ext>
+                      </a:extLst>
+                    </p:cNvPr>
+                    <p:cNvPicPr>
+                      <a:picLocks noChangeAspect="1"/>
+                    </p:cNvPicPr>
+                    <p:nvPr/>
+                  </p:nvPicPr>
+                  <p:blipFill>
+                    <a:blip r:embed="rId3">
+                      <a:extLst>
+                        <a:ext uri="{28A0092B-C50C-407E-A947-70E740481C1C}">
+                          <a14:useLocalDpi xmlns:a14="http://schemas.microsoft.com/office/drawing/2010/main" val="0"/>
+                        </a:ext>
+                      </a:extLst>
+                    </a:blip>
+                    <a:stretch>
+                      <a:fillRect/>
+                    </a:stretch>
+                  </p:blipFill>
+                  <p:spPr>
+                    <a:xfrm>
+                      <a:off x="5880415" y="3365970"/>
+                      <a:ext cx="446709" cy="411524"/>
+                    </a:xfrm>
+                    <a:prstGeom prst="rect">
+                      <a:avLst/>
+                    </a:prstGeom>
+                  </p:spPr>
+                </p:pic>
+                <p:pic>
+                  <p:nvPicPr>
+                    <p:cNvPr id="58" name="图片 57">
+                      <a:extLst>
+                        <a:ext uri="{FF2B5EF4-FFF2-40B4-BE49-F238E27FC236}">
+                          <a16:creationId xmlns:a16="http://schemas.microsoft.com/office/drawing/2014/main" id="{10F046C1-969F-4A95-96EB-56ACF3459F5A}"/>
+                        </a:ext>
+                      </a:extLst>
+                    </p:cNvPr>
+                    <p:cNvPicPr>
+                      <a:picLocks noChangeAspect="1"/>
+                    </p:cNvPicPr>
+                    <p:nvPr/>
+                  </p:nvPicPr>
+                  <p:blipFill>
+                    <a:blip r:embed="rId4">
+                      <a:extLst>
+                        <a:ext uri="{28A0092B-C50C-407E-A947-70E740481C1C}">
+                          <a14:useLocalDpi xmlns:a14="http://schemas.microsoft.com/office/drawing/2010/main" val="0"/>
+                        </a:ext>
+                      </a:extLst>
+                    </a:blip>
+                    <a:stretch>
+                      <a:fillRect/>
+                    </a:stretch>
+                  </p:blipFill>
+                  <p:spPr>
+                    <a:xfrm>
+                      <a:off x="6543522" y="3403835"/>
+                      <a:ext cx="409821" cy="302444"/>
+                    </a:xfrm>
+                    <a:prstGeom prst="rect">
+                      <a:avLst/>
+                    </a:prstGeom>
+                  </p:spPr>
+                </p:pic>
+              </p:grpSp>
+            </p:grpSp>
+          </p:grpSp>
+          <p:sp>
+            <p:nvSpPr>
+              <p:cNvPr id="51" name="文本框 50">
+                <a:extLst>
+                  <a:ext uri="{FF2B5EF4-FFF2-40B4-BE49-F238E27FC236}">
+                    <a16:creationId xmlns:a16="http://schemas.microsoft.com/office/drawing/2014/main" id="{3B1E949D-B69C-4C46-A53D-AA0A3D207EB1}"/>
+                  </a:ext>
+                </a:extLst>
+              </p:cNvPr>
+              <p:cNvSpPr txBox="1"/>
+              <p:nvPr/>
+            </p:nvSpPr>
+            <p:spPr>
+              <a:xfrm>
+                <a:off x="6213598" y="3712600"/>
+                <a:ext cx="1491125" cy="222798"/>
+              </a:xfrm>
+              <a:prstGeom prst="rect">
+                <a:avLst/>
+              </a:prstGeom>
+              <a:noFill/>
+            </p:spPr>
+            <p:txBody>
+              <a:bodyPr wrap="square" rtlCol="0">
+                <a:spAutoFit/>
+              </a:bodyPr>
+              <a:lstStyle/>
+              <a:p>
+                <a:r>
+                  <a:rPr lang="en-US" altLang="zh-CN" sz="600" dirty="0">
+                    <a:latin typeface="Arial Rounded MT Bold" panose="020F0704030504030204" pitchFamily="34" charset="0"/>
+                  </a:rPr>
+                  <a:t>Envoy as sidecar</a:t>
+                </a:r>
+                <a:endParaRPr lang="zh-CN" altLang="en-US" sz="600" dirty="0">
+                  <a:latin typeface="Arial Rounded MT Bold" panose="020F0704030504030204" pitchFamily="34" charset="0"/>
+                </a:endParaRPr>
+              </a:p>
+            </p:txBody>
+          </p:sp>
+        </p:grpSp>
+        <p:sp>
+          <p:nvSpPr>
+            <p:cNvPr id="62" name="文本框 61">
+              <a:extLst>
+                <a:ext uri="{FF2B5EF4-FFF2-40B4-BE49-F238E27FC236}">
+                  <a16:creationId xmlns:a16="http://schemas.microsoft.com/office/drawing/2014/main" id="{EA46B4B1-0EF9-4728-8D0F-A2641FC5D04C}"/>
+                </a:ext>
+              </a:extLst>
+            </p:cNvPr>
+            <p:cNvSpPr txBox="1"/>
+            <p:nvPr/>
+          </p:nvSpPr>
+          <p:spPr>
+            <a:xfrm>
+              <a:off x="2244681" y="2512306"/>
+              <a:ext cx="430887" cy="402666"/>
+            </a:xfrm>
+            <a:prstGeom prst="rect">
+              <a:avLst/>
+            </a:prstGeom>
+            <a:noFill/>
+          </p:spPr>
+          <p:txBody>
+            <a:bodyPr vert="vert270" wrap="square" rtlCol="0" anchor="ctr" anchorCtr="1">
+              <a:spAutoFit/>
+            </a:bodyPr>
+            <a:lstStyle/>
+            <a:p>
+              <a:r>
+                <a:rPr lang="en-US" altLang="zh-CN" sz="1600" kern="0" spc="500" dirty="0">
+                  <a:latin typeface="Arial Rounded MT Bold" panose="020F0704030504030204" pitchFamily="34" charset="0"/>
+                </a:rPr>
+                <a:t>…</a:t>
+              </a:r>
+              <a:endParaRPr lang="zh-CN" altLang="en-US" sz="1600" kern="0" spc="500" dirty="0">
+                <a:latin typeface="Arial Rounded MT Bold" panose="020F0704030504030204" pitchFamily="34" charset="0"/>
+              </a:endParaRPr>
+            </a:p>
+          </p:txBody>
+        </p:sp>
+      </p:grpSp>
+      <p:grpSp>
+        <p:nvGrpSpPr>
+          <p:cNvPr id="241" name="组合 240">
+            <a:extLst>
+              <a:ext uri="{FF2B5EF4-FFF2-40B4-BE49-F238E27FC236}">
+                <a16:creationId xmlns:a16="http://schemas.microsoft.com/office/drawing/2014/main" id="{7EBF87D7-41BA-4F34-B8E0-E2C1B207D09F}"/>
+              </a:ext>
+            </a:extLst>
+          </p:cNvPr>
+          <p:cNvGrpSpPr/>
+          <p:nvPr/>
+        </p:nvGrpSpPr>
+        <p:grpSpPr>
+          <a:xfrm>
+            <a:off x="1990913" y="3622379"/>
+            <a:ext cx="2006631" cy="2867091"/>
+            <a:chOff x="1270472" y="3530016"/>
+            <a:chExt cx="2006631" cy="2867091"/>
+          </a:xfrm>
+        </p:grpSpPr>
+        <p:sp>
+          <p:nvSpPr>
+            <p:cNvPr id="100" name="矩形: 圆角 99">
+              <a:extLst>
+                <a:ext uri="{FF2B5EF4-FFF2-40B4-BE49-F238E27FC236}">
+                  <a16:creationId xmlns:a16="http://schemas.microsoft.com/office/drawing/2014/main" id="{B97F5007-EC0B-4812-A9C9-2D2935E9096D}"/>
+                </a:ext>
+              </a:extLst>
+            </p:cNvPr>
+            <p:cNvSpPr/>
+            <p:nvPr/>
+          </p:nvSpPr>
+          <p:spPr>
+            <a:xfrm>
+              <a:off x="1270472" y="3550212"/>
+              <a:ext cx="2006631" cy="2846895"/>
+            </a:xfrm>
+            <a:prstGeom prst="roundRect">
+              <a:avLst/>
+            </a:prstGeom>
+            <a:noFill/>
+            <a:ln w="19050">
+              <a:solidFill>
+                <a:schemeClr val="tx1"/>
+              </a:solidFill>
+            </a:ln>
+          </p:spPr>
+          <p:style>
+            <a:lnRef idx="2">
+              <a:schemeClr val="accent1">
+                <a:shade val="50000"/>
+              </a:schemeClr>
+            </a:lnRef>
+            <a:fillRef idx="1">
+              <a:schemeClr val="accent1"/>
+            </a:fillRef>
+            <a:effectRef idx="0">
+              <a:schemeClr val="accent1"/>
+            </a:effectRef>
+            <a:fontRef idx="minor">
+              <a:schemeClr val="lt1"/>
+            </a:fontRef>
+          </p:style>
+          <p:txBody>
+            <a:bodyPr rtlCol="0" anchor="ctr"/>
+            <a:lstStyle/>
+            <a:p>
+              <a:pPr algn="ctr"/>
+              <a:endParaRPr lang="zh-CN" altLang="en-US"/>
+            </a:p>
+          </p:txBody>
+        </p:sp>
+        <p:sp>
+          <p:nvSpPr>
+            <p:cNvPr id="101" name="文本框 100">
+              <a:extLst>
+                <a:ext uri="{FF2B5EF4-FFF2-40B4-BE49-F238E27FC236}">
+                  <a16:creationId xmlns:a16="http://schemas.microsoft.com/office/drawing/2014/main" id="{BFB322D7-12AC-4DD6-9D5C-47BBC8A22A87}"/>
+                </a:ext>
+              </a:extLst>
+            </p:cNvPr>
+            <p:cNvSpPr txBox="1"/>
+            <p:nvPr/>
+          </p:nvSpPr>
+          <p:spPr>
+            <a:xfrm>
+              <a:off x="1859007" y="3530016"/>
+              <a:ext cx="829558" cy="307777"/>
+            </a:xfrm>
+            <a:prstGeom prst="rect">
+              <a:avLst/>
+            </a:prstGeom>
+            <a:noFill/>
+          </p:spPr>
+          <p:txBody>
+            <a:bodyPr wrap="square" rtlCol="0">
+              <a:spAutoFit/>
+            </a:bodyPr>
+            <a:lstStyle/>
+            <a:p>
+              <a:r>
+                <a:rPr lang="en-US" altLang="zh-CN" sz="1400" dirty="0">
+                  <a:latin typeface="Arial Rounded MT Bold" panose="020F0704030504030204" pitchFamily="34" charset="0"/>
+                </a:rPr>
+                <a:t>Node n</a:t>
+              </a:r>
+              <a:endParaRPr lang="zh-CN" altLang="en-US" sz="1400" dirty="0">
+                <a:latin typeface="Arial Rounded MT Bold" panose="020F0704030504030204" pitchFamily="34" charset="0"/>
+              </a:endParaRPr>
+            </a:p>
+          </p:txBody>
+        </p:sp>
+        <p:grpSp>
+          <p:nvGrpSpPr>
+            <p:cNvPr id="102" name="组合 101">
+              <a:extLst>
+                <a:ext uri="{FF2B5EF4-FFF2-40B4-BE49-F238E27FC236}">
+                  <a16:creationId xmlns:a16="http://schemas.microsoft.com/office/drawing/2014/main" id="{97F91050-D4D2-4C8B-9789-31CA5F0ED197}"/>
+                </a:ext>
+              </a:extLst>
+            </p:cNvPr>
+            <p:cNvGrpSpPr/>
+            <p:nvPr/>
+          </p:nvGrpSpPr>
+          <p:grpSpPr>
+            <a:xfrm>
+              <a:off x="1723889" y="5589377"/>
+              <a:ext cx="1072962" cy="717172"/>
+              <a:chOff x="5762702" y="1259082"/>
+              <a:chExt cx="1300997" cy="850729"/>
+            </a:xfrm>
+          </p:grpSpPr>
+          <p:grpSp>
+            <p:nvGrpSpPr>
+              <p:cNvPr id="130" name="组合 129">
+                <a:extLst>
+                  <a:ext uri="{FF2B5EF4-FFF2-40B4-BE49-F238E27FC236}">
+                    <a16:creationId xmlns:a16="http://schemas.microsoft.com/office/drawing/2014/main" id="{DDE9FA27-131B-4529-8226-0C8A60078139}"/>
+                  </a:ext>
+                </a:extLst>
+              </p:cNvPr>
+              <p:cNvGrpSpPr/>
+              <p:nvPr/>
+            </p:nvGrpSpPr>
+            <p:grpSpPr>
+              <a:xfrm>
+                <a:off x="5762702" y="1259082"/>
+                <a:ext cx="1277332" cy="848536"/>
+                <a:chOff x="5222453" y="1179813"/>
+                <a:chExt cx="1725106" cy="1181861"/>
+              </a:xfrm>
+            </p:grpSpPr>
+            <p:sp>
+              <p:nvSpPr>
+                <p:cNvPr id="133" name="矩形: 圆角 132">
+                  <a:extLst>
+                    <a:ext uri="{FF2B5EF4-FFF2-40B4-BE49-F238E27FC236}">
+                      <a16:creationId xmlns:a16="http://schemas.microsoft.com/office/drawing/2014/main" id="{7095FE7F-38D3-4F18-BA41-4462696A32E7}"/>
+                    </a:ext>
+                  </a:extLst>
+                </p:cNvPr>
+                <p:cNvSpPr/>
+                <p:nvPr/>
+              </p:nvSpPr>
+              <p:spPr>
+                <a:xfrm>
+                  <a:off x="5222453" y="1241029"/>
+                  <a:ext cx="1725106" cy="1120645"/>
+                </a:xfrm>
+                <a:prstGeom prst="roundRect">
+                  <a:avLst/>
+                </a:prstGeom>
+                <a:solidFill>
+                  <a:srgbClr val="0FF0F1"/>
+                </a:solidFill>
+                <a:ln>
+                  <a:solidFill>
+                    <a:schemeClr val="accent1"/>
+                  </a:solidFill>
+                </a:ln>
+              </p:spPr>
+              <p:style>
+                <a:lnRef idx="2">
+                  <a:schemeClr val="accent1">
+                    <a:shade val="50000"/>
+                  </a:schemeClr>
+                </a:lnRef>
+                <a:fillRef idx="1">
+                  <a:schemeClr val="accent1"/>
+                </a:fillRef>
+                <a:effectRef idx="0">
+                  <a:schemeClr val="accent1"/>
+                </a:effectRef>
+                <a:fontRef idx="minor">
+                  <a:schemeClr val="lt1"/>
+                </a:fontRef>
+              </p:style>
+              <p:txBody>
+                <a:bodyPr rtlCol="0" anchor="ctr"/>
+                <a:lstStyle/>
+                <a:p>
+                  <a:pPr algn="ctr"/>
+                  <a:endParaRPr lang="zh-CN" altLang="en-US" dirty="0"/>
+                </a:p>
+              </p:txBody>
+            </p:sp>
+            <p:sp>
+              <p:nvSpPr>
+                <p:cNvPr id="134" name="文本框 133">
+                  <a:extLst>
+                    <a:ext uri="{FF2B5EF4-FFF2-40B4-BE49-F238E27FC236}">
+                      <a16:creationId xmlns:a16="http://schemas.microsoft.com/office/drawing/2014/main" id="{73B21EE1-418C-4894-AC80-F91245EF6033}"/>
+                    </a:ext>
+                  </a:extLst>
+                </p:cNvPr>
+                <p:cNvSpPr txBox="1"/>
+                <p:nvPr/>
+              </p:nvSpPr>
+              <p:spPr>
+                <a:xfrm>
+                  <a:off x="5741465" y="1179813"/>
+                  <a:ext cx="800740" cy="406808"/>
+                </a:xfrm>
+                <a:prstGeom prst="rect">
+                  <a:avLst/>
+                </a:prstGeom>
+                <a:noFill/>
+              </p:spPr>
+              <p:txBody>
+                <a:bodyPr wrap="square" rtlCol="0">
+                  <a:spAutoFit/>
+                </a:bodyPr>
+                <a:lstStyle/>
+                <a:p>
+                  <a:r>
+                    <a:rPr lang="en-US" altLang="zh-CN" sz="1000" dirty="0">
+                      <a:latin typeface="Arial Rounded MT Bold" panose="020F0704030504030204" pitchFamily="34" charset="0"/>
+                    </a:rPr>
+                    <a:t>Pod</a:t>
+                  </a:r>
+                  <a:endParaRPr lang="zh-CN" altLang="en-US" sz="1000" dirty="0">
+                    <a:latin typeface="Arial Rounded MT Bold" panose="020F0704030504030204" pitchFamily="34" charset="0"/>
+                  </a:endParaRPr>
+                </a:p>
+              </p:txBody>
+            </p:sp>
+            <p:sp>
+              <p:nvSpPr>
+                <p:cNvPr id="135" name="矩形: 圆角 134">
+                  <a:extLst>
+                    <a:ext uri="{FF2B5EF4-FFF2-40B4-BE49-F238E27FC236}">
+                      <a16:creationId xmlns:a16="http://schemas.microsoft.com/office/drawing/2014/main" id="{B965C621-96FB-4B2D-A72C-D553F2B97EDC}"/>
+                    </a:ext>
+                  </a:extLst>
+                </p:cNvPr>
+                <p:cNvSpPr/>
+                <p:nvPr/>
+              </p:nvSpPr>
+              <p:spPr>
+                <a:xfrm>
+                  <a:off x="5627801" y="1522585"/>
+                  <a:ext cx="914400" cy="556181"/>
+                </a:xfrm>
+                <a:prstGeom prst="roundRect">
+                  <a:avLst/>
+                </a:prstGeom>
+                <a:solidFill>
+                  <a:srgbClr val="BFFFBF"/>
+                </a:solidFill>
+                <a:ln>
+                  <a:solidFill>
+                    <a:schemeClr val="accent1"/>
+                  </a:solidFill>
+                </a:ln>
+              </p:spPr>
+              <p:style>
+                <a:lnRef idx="2">
+                  <a:schemeClr val="accent1">
+                    <a:shade val="50000"/>
+                  </a:schemeClr>
+                </a:lnRef>
+                <a:fillRef idx="1">
+                  <a:schemeClr val="accent1"/>
+                </a:fillRef>
+                <a:effectRef idx="0">
+                  <a:schemeClr val="accent1"/>
+                </a:effectRef>
+                <a:fontRef idx="minor">
+                  <a:schemeClr val="lt1"/>
+                </a:fontRef>
+              </p:style>
+              <p:txBody>
+                <a:bodyPr rtlCol="0" anchor="ctr"/>
+                <a:lstStyle/>
+                <a:p>
+                  <a:pPr algn="ctr"/>
+                  <a:endParaRPr lang="zh-CN" altLang="en-US"/>
+                </a:p>
+              </p:txBody>
+            </p:sp>
+          </p:grpSp>
+          <p:sp>
+            <p:nvSpPr>
+              <p:cNvPr id="131" name="文本框 130">
+                <a:extLst>
+                  <a:ext uri="{FF2B5EF4-FFF2-40B4-BE49-F238E27FC236}">
+                    <a16:creationId xmlns:a16="http://schemas.microsoft.com/office/drawing/2014/main" id="{33844BF6-9B67-4F01-AC4A-39919754F9ED}"/>
+                  </a:ext>
+                </a:extLst>
+              </p:cNvPr>
+              <p:cNvSpPr txBox="1"/>
+              <p:nvPr/>
+            </p:nvSpPr>
+            <p:spPr>
+              <a:xfrm>
+                <a:off x="5786367" y="1890755"/>
+                <a:ext cx="1277332" cy="219056"/>
+              </a:xfrm>
+              <a:prstGeom prst="rect">
+                <a:avLst/>
+              </a:prstGeom>
+              <a:noFill/>
+            </p:spPr>
+            <p:txBody>
+              <a:bodyPr wrap="square" rtlCol="0">
+                <a:spAutoFit/>
+              </a:bodyPr>
+              <a:lstStyle/>
+              <a:p>
+                <a:r>
+                  <a:rPr lang="en-US" altLang="zh-CN" sz="600" dirty="0" err="1">
+                    <a:latin typeface="Arial Rounded MT Bold" panose="020F0704030504030204" pitchFamily="34" charset="0"/>
+                  </a:rPr>
+                  <a:t>Filebeat</a:t>
+                </a:r>
+                <a:r>
+                  <a:rPr lang="en-US" altLang="zh-CN" sz="600" dirty="0">
+                    <a:latin typeface="Arial Rounded MT Bold" panose="020F0704030504030204" pitchFamily="34" charset="0"/>
+                  </a:rPr>
+                  <a:t> as </a:t>
+                </a:r>
+                <a:r>
+                  <a:rPr lang="en-US" altLang="zh-CN" sz="600" dirty="0" err="1">
+                    <a:latin typeface="Arial Rounded MT Bold" panose="020F0704030504030204" pitchFamily="34" charset="0"/>
+                  </a:rPr>
+                  <a:t>DaemonSet</a:t>
+                </a:r>
+                <a:endParaRPr lang="zh-CN" altLang="en-US" sz="600" dirty="0">
+                  <a:latin typeface="Arial Rounded MT Bold" panose="020F0704030504030204" pitchFamily="34" charset="0"/>
+                </a:endParaRPr>
+              </a:p>
+            </p:txBody>
+          </p:sp>
+          <p:pic>
+            <p:nvPicPr>
+              <p:cNvPr id="132" name="图片 131">
+                <a:extLst>
+                  <a:ext uri="{FF2B5EF4-FFF2-40B4-BE49-F238E27FC236}">
+                    <a16:creationId xmlns:a16="http://schemas.microsoft.com/office/drawing/2014/main" id="{957ECCA2-48A6-4D6C-8763-33AC630D8083}"/>
+                  </a:ext>
+                </a:extLst>
+              </p:cNvPr>
+              <p:cNvPicPr>
+                <a:picLocks noChangeAspect="1"/>
+              </p:cNvPicPr>
+              <p:nvPr/>
+            </p:nvPicPr>
+            <p:blipFill>
+              <a:blip r:embed="rId2">
+                <a:extLst>
+                  <a:ext uri="{28A0092B-C50C-407E-A947-70E740481C1C}">
+                    <a14:useLocalDpi xmlns:a14="http://schemas.microsoft.com/office/drawing/2010/main" val="0"/>
+                  </a:ext>
+                </a:extLst>
+              </a:blip>
+              <a:stretch>
+                <a:fillRect/>
+              </a:stretch>
+            </p:blipFill>
+            <p:spPr>
+              <a:xfrm>
+                <a:off x="6182439" y="1505182"/>
+                <a:ext cx="397518" cy="393543"/>
+              </a:xfrm>
+              <a:prstGeom prst="rect">
+                <a:avLst/>
+              </a:prstGeom>
+            </p:spPr>
+          </p:pic>
+        </p:grpSp>
+        <p:grpSp>
+          <p:nvGrpSpPr>
+            <p:cNvPr id="103" name="组合 102">
+              <a:extLst>
+                <a:ext uri="{FF2B5EF4-FFF2-40B4-BE49-F238E27FC236}">
+                  <a16:creationId xmlns:a16="http://schemas.microsoft.com/office/drawing/2014/main" id="{F0FCA246-B8DD-4001-B777-878CFF1D63E1}"/>
+                </a:ext>
+              </a:extLst>
+            </p:cNvPr>
+            <p:cNvGrpSpPr/>
+            <p:nvPr/>
+          </p:nvGrpSpPr>
+          <p:grpSpPr>
+            <a:xfrm>
+              <a:off x="1704372" y="3814999"/>
+              <a:ext cx="1310697" cy="658723"/>
+              <a:chOff x="6059009" y="3101297"/>
+              <a:chExt cx="1645713" cy="848538"/>
+            </a:xfrm>
+          </p:grpSpPr>
+          <p:grpSp>
+            <p:nvGrpSpPr>
+              <p:cNvPr id="118" name="组合 117">
+                <a:extLst>
+                  <a:ext uri="{FF2B5EF4-FFF2-40B4-BE49-F238E27FC236}">
+                    <a16:creationId xmlns:a16="http://schemas.microsoft.com/office/drawing/2014/main" id="{7B9CCB60-2187-46AB-989E-DA3B707770D9}"/>
+                  </a:ext>
+                </a:extLst>
+              </p:cNvPr>
+              <p:cNvGrpSpPr/>
+              <p:nvPr/>
+            </p:nvGrpSpPr>
+            <p:grpSpPr>
+              <a:xfrm>
+                <a:off x="6059009" y="3101297"/>
+                <a:ext cx="1322707" cy="848538"/>
+                <a:chOff x="5775702" y="3122898"/>
+                <a:chExt cx="1322707" cy="848538"/>
+              </a:xfrm>
+            </p:grpSpPr>
+            <p:sp>
+              <p:nvSpPr>
+                <p:cNvPr id="120" name="AutoShape 2" descr="Logo">
+                  <a:extLst>
+                    <a:ext uri="{FF2B5EF4-FFF2-40B4-BE49-F238E27FC236}">
+                      <a16:creationId xmlns:a16="http://schemas.microsoft.com/office/drawing/2014/main" id="{D406D59B-0FDB-41D4-A8E5-92D53781076F}"/>
+                    </a:ext>
+                  </a:extLst>
+                </p:cNvPr>
+                <p:cNvSpPr>
+                  <a:spLocks noChangeAspect="1" noChangeArrowheads="1"/>
+                </p:cNvSpPr>
+                <p:nvPr/>
+              </p:nvSpPr>
+              <p:spPr bwMode="auto">
+                <a:xfrm>
+                  <a:off x="5943600" y="3276600"/>
+                  <a:ext cx="304800" cy="304800"/>
+                </a:xfrm>
+                <a:prstGeom prst="rect">
+                  <a:avLst/>
+                </a:prstGeom>
+                <a:noFill/>
+                <a:extLst>
+                  <a:ext uri="{909E8E84-426E-40DD-AFC4-6F175D3DCCD1}">
+                    <a14:hiddenFill xmlns:a14="http://schemas.microsoft.com/office/drawing/2010/main">
+                      <a:solidFill>
+                        <a:srgbClr val="FFFFFF"/>
+                      </a:solidFill>
+                    </a14:hiddenFill>
+                  </a:ext>
+                </a:extLst>
+              </p:spPr>
+              <p:txBody>
+                <a:bodyPr vert="horz" wrap="square" lIns="91440" tIns="45720" rIns="91440" bIns="45720" numCol="1" anchor="t" anchorCtr="0" compatLnSpc="1">
+                  <a:prstTxWarp prst="textNoShape">
+                    <a:avLst/>
+                  </a:prstTxWarp>
+                </a:bodyPr>
+                <a:lstStyle/>
+                <a:p>
+                  <a:endParaRPr lang="zh-CN" altLang="en-US"/>
+                </a:p>
+              </p:txBody>
+            </p:sp>
+            <p:grpSp>
+              <p:nvGrpSpPr>
+                <p:cNvPr id="121" name="组合 120">
+                  <a:extLst>
+                    <a:ext uri="{FF2B5EF4-FFF2-40B4-BE49-F238E27FC236}">
+                      <a16:creationId xmlns:a16="http://schemas.microsoft.com/office/drawing/2014/main" id="{C9B7F3BC-4457-4099-95E2-BDDC7BA1EF69}"/>
+                    </a:ext>
+                  </a:extLst>
+                </p:cNvPr>
+                <p:cNvGrpSpPr/>
+                <p:nvPr/>
+              </p:nvGrpSpPr>
+              <p:grpSpPr>
+                <a:xfrm>
+                  <a:off x="5775702" y="3122898"/>
+                  <a:ext cx="1322707" cy="848538"/>
+                  <a:chOff x="5775702" y="3122898"/>
+                  <a:chExt cx="1322707" cy="848538"/>
+                </a:xfrm>
+              </p:grpSpPr>
+              <p:grpSp>
+                <p:nvGrpSpPr>
+                  <p:cNvPr id="122" name="组合 121">
+                    <a:extLst>
+                      <a:ext uri="{FF2B5EF4-FFF2-40B4-BE49-F238E27FC236}">
+                        <a16:creationId xmlns:a16="http://schemas.microsoft.com/office/drawing/2014/main" id="{5507FD58-234B-49DF-B999-B34A0705D4A5}"/>
+                      </a:ext>
+                    </a:extLst>
+                  </p:cNvPr>
+                  <p:cNvGrpSpPr/>
+                  <p:nvPr/>
+                </p:nvGrpSpPr>
+                <p:grpSpPr>
+                  <a:xfrm>
+                    <a:off x="5775702" y="3122898"/>
+                    <a:ext cx="1322707" cy="848538"/>
+                    <a:chOff x="5222449" y="1179814"/>
+                    <a:chExt cx="1786387" cy="1181865"/>
+                  </a:xfrm>
+                </p:grpSpPr>
+                <p:sp>
+                  <p:nvSpPr>
+                    <p:cNvPr id="127" name="矩形: 圆角 126">
+                      <a:extLst>
+                        <a:ext uri="{FF2B5EF4-FFF2-40B4-BE49-F238E27FC236}">
+                          <a16:creationId xmlns:a16="http://schemas.microsoft.com/office/drawing/2014/main" id="{C4E86BC8-F36D-43B5-825D-07CEFE4B9EC3}"/>
+                        </a:ext>
+                      </a:extLst>
+                    </p:cNvPr>
+                    <p:cNvSpPr/>
+                    <p:nvPr/>
+                  </p:nvSpPr>
+                  <p:spPr>
+                    <a:xfrm>
+                      <a:off x="5222449" y="1211265"/>
+                      <a:ext cx="1786387" cy="1150414"/>
+                    </a:xfrm>
+                    <a:prstGeom prst="roundRect">
+                      <a:avLst/>
+                    </a:prstGeom>
+                    <a:solidFill>
+                      <a:srgbClr val="0FF0F1"/>
+                    </a:solidFill>
+                    <a:ln>
+                      <a:solidFill>
+                        <a:schemeClr val="accent1"/>
+                      </a:solidFill>
+                    </a:ln>
+                  </p:spPr>
+                  <p:style>
+                    <a:lnRef idx="2">
+                      <a:schemeClr val="accent1">
+                        <a:shade val="50000"/>
+                      </a:schemeClr>
+                    </a:lnRef>
+                    <a:fillRef idx="1">
+                      <a:schemeClr val="accent1"/>
+                    </a:fillRef>
+                    <a:effectRef idx="0">
+                      <a:schemeClr val="accent1"/>
+                    </a:effectRef>
+                    <a:fontRef idx="minor">
+                      <a:schemeClr val="lt1"/>
+                    </a:fontRef>
+                  </p:style>
+                  <p:txBody>
+                    <a:bodyPr rtlCol="0" anchor="ctr"/>
+                    <a:lstStyle/>
+                    <a:p>
+                      <a:pPr algn="ctr"/>
+                      <a:endParaRPr lang="zh-CN" altLang="en-US"/>
+                    </a:p>
+                  </p:txBody>
+                </p:sp>
+                <p:sp>
+                  <p:nvSpPr>
+                    <p:cNvPr id="128" name="文本框 127">
+                      <a:extLst>
+                        <a:ext uri="{FF2B5EF4-FFF2-40B4-BE49-F238E27FC236}">
+                          <a16:creationId xmlns:a16="http://schemas.microsoft.com/office/drawing/2014/main" id="{0EB8009D-8C1B-45E1-AFD2-0BEC3854297C}"/>
+                        </a:ext>
+                      </a:extLst>
+                    </p:cNvPr>
+                    <p:cNvSpPr txBox="1"/>
+                    <p:nvPr/>
+                  </p:nvSpPr>
+                  <p:spPr>
+                    <a:xfrm>
+                      <a:off x="5741464" y="1179814"/>
+                      <a:ext cx="840065" cy="672359"/>
+                    </a:xfrm>
+                    <a:prstGeom prst="rect">
+                      <a:avLst/>
+                    </a:prstGeom>
+                    <a:noFill/>
+                  </p:spPr>
+                  <p:txBody>
+                    <a:bodyPr wrap="square" rtlCol="0">
+                      <a:spAutoFit/>
+                    </a:bodyPr>
+                    <a:lstStyle/>
+                    <a:p>
+                      <a:r>
+                        <a:rPr lang="en-US" altLang="zh-CN" sz="1000" dirty="0">
+                          <a:latin typeface="Arial Rounded MT Bold" panose="020F0704030504030204" pitchFamily="34" charset="0"/>
+                        </a:rPr>
+                        <a:t>Pod</a:t>
+                      </a:r>
+                      <a:endParaRPr lang="zh-CN" altLang="en-US" sz="1000" dirty="0">
+                        <a:latin typeface="Arial Rounded MT Bold" panose="020F0704030504030204" pitchFamily="34" charset="0"/>
+                      </a:endParaRPr>
+                    </a:p>
+                  </p:txBody>
+                </p:sp>
+                <p:sp>
+                  <p:nvSpPr>
+                    <p:cNvPr id="129" name="矩形: 圆角 128">
+                      <a:extLst>
+                        <a:ext uri="{FF2B5EF4-FFF2-40B4-BE49-F238E27FC236}">
+                          <a16:creationId xmlns:a16="http://schemas.microsoft.com/office/drawing/2014/main" id="{5FA46B16-41BB-44B6-9383-353056309753}"/>
+                        </a:ext>
+                      </a:extLst>
+                    </p:cNvPr>
+                    <p:cNvSpPr/>
+                    <p:nvPr/>
+                  </p:nvSpPr>
+                  <p:spPr>
+                    <a:xfrm>
+                      <a:off x="5319347" y="1539319"/>
+                      <a:ext cx="692869" cy="504980"/>
+                    </a:xfrm>
+                    <a:prstGeom prst="roundRect">
+                      <a:avLst/>
+                    </a:prstGeom>
+                    <a:solidFill>
+                      <a:srgbClr val="BFFFBF"/>
+                    </a:solidFill>
+                    <a:ln>
+                      <a:solidFill>
+                        <a:schemeClr val="accent1"/>
+                      </a:solidFill>
+                    </a:ln>
+                  </p:spPr>
+                  <p:style>
+                    <a:lnRef idx="2">
+                      <a:schemeClr val="accent1">
+                        <a:shade val="50000"/>
+                      </a:schemeClr>
+                    </a:lnRef>
+                    <a:fillRef idx="1">
+                      <a:schemeClr val="accent1"/>
+                    </a:fillRef>
+                    <a:effectRef idx="0">
+                      <a:schemeClr val="accent1"/>
+                    </a:effectRef>
+                    <a:fontRef idx="minor">
+                      <a:schemeClr val="lt1"/>
+                    </a:fontRef>
+                  </p:style>
+                  <p:txBody>
+                    <a:bodyPr rtlCol="0" anchor="ctr"/>
+                    <a:lstStyle/>
+                    <a:p>
+                      <a:pPr algn="ctr"/>
+                      <a:endParaRPr lang="zh-CN" altLang="en-US" dirty="0"/>
+                    </a:p>
+                  </p:txBody>
+                </p:sp>
+              </p:grpSp>
+              <p:grpSp>
+                <p:nvGrpSpPr>
+                  <p:cNvPr id="123" name="组合 122">
+                    <a:extLst>
+                      <a:ext uri="{FF2B5EF4-FFF2-40B4-BE49-F238E27FC236}">
+                        <a16:creationId xmlns:a16="http://schemas.microsoft.com/office/drawing/2014/main" id="{DBDDF1E8-4122-4EBA-B3A3-261643A86EB9}"/>
+                      </a:ext>
+                    </a:extLst>
+                  </p:cNvPr>
+                  <p:cNvGrpSpPr/>
+                  <p:nvPr/>
+                </p:nvGrpSpPr>
+                <p:grpSpPr>
+                  <a:xfrm>
+                    <a:off x="5880418" y="3365969"/>
+                    <a:ext cx="1115987" cy="411524"/>
+                    <a:chOff x="5880418" y="3365969"/>
+                    <a:chExt cx="1115987" cy="411524"/>
+                  </a:xfrm>
+                </p:grpSpPr>
+                <p:sp>
+                  <p:nvSpPr>
+                    <p:cNvPr id="124" name="矩形: 圆角 123">
+                      <a:extLst>
+                        <a:ext uri="{FF2B5EF4-FFF2-40B4-BE49-F238E27FC236}">
+                          <a16:creationId xmlns:a16="http://schemas.microsoft.com/office/drawing/2014/main" id="{AB491738-8A12-4370-A010-1B72F868A3C3}"/>
+                        </a:ext>
+                      </a:extLst>
+                    </p:cNvPr>
+                    <p:cNvSpPr/>
+                    <p:nvPr/>
+                  </p:nvSpPr>
+                  <p:spPr>
+                    <a:xfrm>
+                      <a:off x="6483379" y="3381008"/>
+                      <a:ext cx="513026" cy="362558"/>
+                    </a:xfrm>
+                    <a:prstGeom prst="roundRect">
+                      <a:avLst/>
+                    </a:prstGeom>
+                    <a:solidFill>
+                      <a:srgbClr val="BFFFBF"/>
+                    </a:solidFill>
+                    <a:ln>
+                      <a:solidFill>
+                        <a:schemeClr val="accent1"/>
+                      </a:solidFill>
+                    </a:ln>
+                  </p:spPr>
+                  <p:style>
+                    <a:lnRef idx="2">
+                      <a:schemeClr val="accent1">
+                        <a:shade val="50000"/>
+                      </a:schemeClr>
+                    </a:lnRef>
+                    <a:fillRef idx="1">
+                      <a:schemeClr val="accent1"/>
+                    </a:fillRef>
+                    <a:effectRef idx="0">
+                      <a:schemeClr val="accent1"/>
+                    </a:effectRef>
+                    <a:fontRef idx="minor">
+                      <a:schemeClr val="lt1"/>
+                    </a:fontRef>
+                  </p:style>
+                  <p:txBody>
+                    <a:bodyPr rtlCol="0" anchor="ctr"/>
+                    <a:lstStyle/>
+                    <a:p>
+                      <a:pPr algn="ctr"/>
+                      <a:endParaRPr lang="zh-CN" altLang="en-US" dirty="0"/>
+                    </a:p>
+                  </p:txBody>
+                </p:sp>
+                <p:pic>
+                  <p:nvPicPr>
+                    <p:cNvPr id="125" name="图片 124">
+                      <a:extLst>
+                        <a:ext uri="{FF2B5EF4-FFF2-40B4-BE49-F238E27FC236}">
+                          <a16:creationId xmlns:a16="http://schemas.microsoft.com/office/drawing/2014/main" id="{7BED39EC-3B40-4106-81B0-9D5F153DA022}"/>
+                        </a:ext>
+                      </a:extLst>
+                    </p:cNvPr>
+                    <p:cNvPicPr>
+                      <a:picLocks noChangeAspect="1"/>
+                    </p:cNvPicPr>
+                    <p:nvPr/>
+                  </p:nvPicPr>
+                  <p:blipFill>
+                    <a:blip r:embed="rId3">
+                      <a:extLst>
+                        <a:ext uri="{28A0092B-C50C-407E-A947-70E740481C1C}">
+                          <a14:useLocalDpi xmlns:a14="http://schemas.microsoft.com/office/drawing/2010/main" val="0"/>
+                        </a:ext>
+                      </a:extLst>
+                    </a:blip>
+                    <a:stretch>
+                      <a:fillRect/>
+                    </a:stretch>
+                  </p:blipFill>
+                  <p:spPr>
+                    <a:xfrm>
+                      <a:off x="5880418" y="3365969"/>
+                      <a:ext cx="446709" cy="411524"/>
+                    </a:xfrm>
+                    <a:prstGeom prst="rect">
+                      <a:avLst/>
+                    </a:prstGeom>
+                  </p:spPr>
+                </p:pic>
+                <p:pic>
+                  <p:nvPicPr>
+                    <p:cNvPr id="126" name="图片 125">
+                      <a:extLst>
+                        <a:ext uri="{FF2B5EF4-FFF2-40B4-BE49-F238E27FC236}">
+                          <a16:creationId xmlns:a16="http://schemas.microsoft.com/office/drawing/2014/main" id="{87DB0A14-C1AB-4610-BD30-89FC9B2EDE2E}"/>
+                        </a:ext>
+                      </a:extLst>
+                    </p:cNvPr>
+                    <p:cNvPicPr>
+                      <a:picLocks noChangeAspect="1"/>
+                    </p:cNvPicPr>
+                    <p:nvPr/>
+                  </p:nvPicPr>
+                  <p:blipFill>
+                    <a:blip r:embed="rId4">
+                      <a:extLst>
+                        <a:ext uri="{28A0092B-C50C-407E-A947-70E740481C1C}">
+                          <a14:useLocalDpi xmlns:a14="http://schemas.microsoft.com/office/drawing/2010/main" val="0"/>
+                        </a:ext>
+                      </a:extLst>
+                    </a:blip>
+                    <a:stretch>
+                      <a:fillRect/>
+                    </a:stretch>
+                  </p:blipFill>
+                  <p:spPr>
+                    <a:xfrm>
+                      <a:off x="6543527" y="3403835"/>
+                      <a:ext cx="409821" cy="302444"/>
+                    </a:xfrm>
+                    <a:prstGeom prst="rect">
+                      <a:avLst/>
+                    </a:prstGeom>
+                  </p:spPr>
+                </p:pic>
+              </p:grpSp>
+            </p:grpSp>
+          </p:grpSp>
+          <p:sp>
+            <p:nvSpPr>
+              <p:cNvPr id="119" name="文本框 118">
+                <a:extLst>
+                  <a:ext uri="{FF2B5EF4-FFF2-40B4-BE49-F238E27FC236}">
+                    <a16:creationId xmlns:a16="http://schemas.microsoft.com/office/drawing/2014/main" id="{C3539AA8-7DD5-43D8-9225-A85CAA58B981}"/>
+                  </a:ext>
+                </a:extLst>
+              </p:cNvPr>
+              <p:cNvSpPr txBox="1"/>
+              <p:nvPr/>
+            </p:nvSpPr>
+            <p:spPr>
+              <a:xfrm>
+                <a:off x="6213596" y="3712598"/>
+                <a:ext cx="1491126" cy="222798"/>
+              </a:xfrm>
+              <a:prstGeom prst="rect">
+                <a:avLst/>
+              </a:prstGeom>
+              <a:noFill/>
+            </p:spPr>
+            <p:txBody>
+              <a:bodyPr wrap="square" rtlCol="0">
+                <a:spAutoFit/>
+              </a:bodyPr>
+              <a:lstStyle/>
+              <a:p>
+                <a:r>
+                  <a:rPr lang="en-US" altLang="zh-CN" sz="600" dirty="0">
+                    <a:latin typeface="Arial Rounded MT Bold" panose="020F0704030504030204" pitchFamily="34" charset="0"/>
+                  </a:rPr>
+                  <a:t>Envoy as sidecar</a:t>
+                </a:r>
+                <a:endParaRPr lang="zh-CN" altLang="en-US" sz="600" dirty="0">
+                  <a:latin typeface="Arial Rounded MT Bold" panose="020F0704030504030204" pitchFamily="34" charset="0"/>
+                </a:endParaRPr>
+              </a:p>
+            </p:txBody>
+          </p:sp>
+        </p:grpSp>
+        <p:grpSp>
+          <p:nvGrpSpPr>
+            <p:cNvPr id="104" name="组合 103">
+              <a:extLst>
+                <a:ext uri="{FF2B5EF4-FFF2-40B4-BE49-F238E27FC236}">
+                  <a16:creationId xmlns:a16="http://schemas.microsoft.com/office/drawing/2014/main" id="{C84DF0A4-5D88-4EF7-B210-D40F05CB26FA}"/>
+                </a:ext>
+              </a:extLst>
+            </p:cNvPr>
+            <p:cNvGrpSpPr/>
+            <p:nvPr/>
+          </p:nvGrpSpPr>
+          <p:grpSpPr>
+            <a:xfrm>
+              <a:off x="1717233" y="4790760"/>
+              <a:ext cx="1310698" cy="658721"/>
+              <a:chOff x="6059009" y="3101298"/>
+              <a:chExt cx="1645715" cy="848536"/>
+            </a:xfrm>
+          </p:grpSpPr>
+          <p:grpSp>
+            <p:nvGrpSpPr>
+              <p:cNvPr id="106" name="组合 105">
+                <a:extLst>
+                  <a:ext uri="{FF2B5EF4-FFF2-40B4-BE49-F238E27FC236}">
+                    <a16:creationId xmlns:a16="http://schemas.microsoft.com/office/drawing/2014/main" id="{5F3036BC-70F9-45D1-90C7-A26B5883329C}"/>
+                  </a:ext>
+                </a:extLst>
+              </p:cNvPr>
+              <p:cNvGrpSpPr/>
+              <p:nvPr/>
+            </p:nvGrpSpPr>
+            <p:grpSpPr>
+              <a:xfrm>
+                <a:off x="6059009" y="3101298"/>
+                <a:ext cx="1322707" cy="848536"/>
+                <a:chOff x="5775702" y="3122899"/>
+                <a:chExt cx="1322707" cy="848536"/>
+              </a:xfrm>
+            </p:grpSpPr>
+            <p:sp>
+              <p:nvSpPr>
+                <p:cNvPr id="108" name="AutoShape 2" descr="Logo">
+                  <a:extLst>
+                    <a:ext uri="{FF2B5EF4-FFF2-40B4-BE49-F238E27FC236}">
+                      <a16:creationId xmlns:a16="http://schemas.microsoft.com/office/drawing/2014/main" id="{9806CF33-E2A0-44A8-80C1-9D5B6C25CB92}"/>
+                    </a:ext>
+                  </a:extLst>
+                </p:cNvPr>
+                <p:cNvSpPr>
+                  <a:spLocks noChangeAspect="1" noChangeArrowheads="1"/>
+                </p:cNvSpPr>
+                <p:nvPr/>
+              </p:nvSpPr>
+              <p:spPr bwMode="auto">
+                <a:xfrm>
+                  <a:off x="5943600" y="3276600"/>
+                  <a:ext cx="304800" cy="304800"/>
+                </a:xfrm>
+                <a:prstGeom prst="rect">
+                  <a:avLst/>
+                </a:prstGeom>
+                <a:noFill/>
+                <a:extLst>
+                  <a:ext uri="{909E8E84-426E-40DD-AFC4-6F175D3DCCD1}">
+                    <a14:hiddenFill xmlns:a14="http://schemas.microsoft.com/office/drawing/2010/main">
+                      <a:solidFill>
+                        <a:srgbClr val="FFFFFF"/>
+                      </a:solidFill>
+                    </a14:hiddenFill>
+                  </a:ext>
+                </a:extLst>
+              </p:spPr>
+              <p:txBody>
+                <a:bodyPr vert="horz" wrap="square" lIns="91440" tIns="45720" rIns="91440" bIns="45720" numCol="1" anchor="t" anchorCtr="0" compatLnSpc="1">
+                  <a:prstTxWarp prst="textNoShape">
+                    <a:avLst/>
+                  </a:prstTxWarp>
+                </a:bodyPr>
+                <a:lstStyle/>
+                <a:p>
+                  <a:endParaRPr lang="zh-CN" altLang="en-US"/>
+                </a:p>
+              </p:txBody>
+            </p:sp>
+            <p:grpSp>
+              <p:nvGrpSpPr>
+                <p:cNvPr id="109" name="组合 108">
+                  <a:extLst>
+                    <a:ext uri="{FF2B5EF4-FFF2-40B4-BE49-F238E27FC236}">
+                      <a16:creationId xmlns:a16="http://schemas.microsoft.com/office/drawing/2014/main" id="{D580B504-C8AA-45C2-8859-77C286720C21}"/>
+                    </a:ext>
+                  </a:extLst>
+                </p:cNvPr>
+                <p:cNvGrpSpPr/>
+                <p:nvPr/>
+              </p:nvGrpSpPr>
+              <p:grpSpPr>
+                <a:xfrm>
+                  <a:off x="5775702" y="3122899"/>
+                  <a:ext cx="1322707" cy="848536"/>
+                  <a:chOff x="5775702" y="3122899"/>
+                  <a:chExt cx="1322707" cy="848536"/>
+                </a:xfrm>
+              </p:grpSpPr>
+              <p:grpSp>
+                <p:nvGrpSpPr>
+                  <p:cNvPr id="110" name="组合 109">
+                    <a:extLst>
+                      <a:ext uri="{FF2B5EF4-FFF2-40B4-BE49-F238E27FC236}">
+                        <a16:creationId xmlns:a16="http://schemas.microsoft.com/office/drawing/2014/main" id="{FF695B86-F3DD-4A11-BAE3-EA3B30A47C0D}"/>
+                      </a:ext>
+                    </a:extLst>
+                  </p:cNvPr>
+                  <p:cNvGrpSpPr/>
+                  <p:nvPr/>
+                </p:nvGrpSpPr>
+                <p:grpSpPr>
+                  <a:xfrm>
+                    <a:off x="5775702" y="3122899"/>
+                    <a:ext cx="1322707" cy="848536"/>
+                    <a:chOff x="5222448" y="1179816"/>
+                    <a:chExt cx="1786387" cy="1181863"/>
+                  </a:xfrm>
+                </p:grpSpPr>
+                <p:sp>
+                  <p:nvSpPr>
+                    <p:cNvPr id="115" name="矩形: 圆角 114">
+                      <a:extLst>
+                        <a:ext uri="{FF2B5EF4-FFF2-40B4-BE49-F238E27FC236}">
+                          <a16:creationId xmlns:a16="http://schemas.microsoft.com/office/drawing/2014/main" id="{3FD6C1EF-EDF8-413E-8ECE-6116D33AE364}"/>
+                        </a:ext>
+                      </a:extLst>
+                    </p:cNvPr>
+                    <p:cNvSpPr/>
+                    <p:nvPr/>
+                  </p:nvSpPr>
+                  <p:spPr>
+                    <a:xfrm>
+                      <a:off x="5222448" y="1211266"/>
+                      <a:ext cx="1786387" cy="1150413"/>
+                    </a:xfrm>
+                    <a:prstGeom prst="roundRect">
+                      <a:avLst/>
+                    </a:prstGeom>
+                    <a:solidFill>
+                      <a:srgbClr val="0FF0F1"/>
+                    </a:solidFill>
+                    <a:ln>
+                      <a:solidFill>
+                        <a:schemeClr val="accent1"/>
+                      </a:solidFill>
+                    </a:ln>
+                  </p:spPr>
+                  <p:style>
+                    <a:lnRef idx="2">
+                      <a:schemeClr val="accent1">
+                        <a:shade val="50000"/>
+                      </a:schemeClr>
+                    </a:lnRef>
+                    <a:fillRef idx="1">
+                      <a:schemeClr val="accent1"/>
+                    </a:fillRef>
+                    <a:effectRef idx="0">
+                      <a:schemeClr val="accent1"/>
+                    </a:effectRef>
+                    <a:fontRef idx="minor">
+                      <a:schemeClr val="lt1"/>
+                    </a:fontRef>
+                  </p:style>
+                  <p:txBody>
+                    <a:bodyPr rtlCol="0" anchor="ctr"/>
+                    <a:lstStyle/>
+                    <a:p>
+                      <a:pPr algn="ctr"/>
+                      <a:endParaRPr lang="zh-CN" altLang="en-US"/>
+                    </a:p>
+                  </p:txBody>
+                </p:sp>
+                <p:sp>
+                  <p:nvSpPr>
+                    <p:cNvPr id="116" name="文本框 115">
+                      <a:extLst>
+                        <a:ext uri="{FF2B5EF4-FFF2-40B4-BE49-F238E27FC236}">
+                          <a16:creationId xmlns:a16="http://schemas.microsoft.com/office/drawing/2014/main" id="{9E8148D7-5D3B-4926-99A2-740F1C7AB058}"/>
+                        </a:ext>
+                      </a:extLst>
+                    </p:cNvPr>
+                    <p:cNvSpPr txBox="1"/>
+                    <p:nvPr/>
+                  </p:nvSpPr>
+                  <p:spPr>
+                    <a:xfrm>
+                      <a:off x="5741463" y="1179816"/>
+                      <a:ext cx="840065" cy="672358"/>
+                    </a:xfrm>
+                    <a:prstGeom prst="rect">
+                      <a:avLst/>
+                    </a:prstGeom>
+                    <a:noFill/>
+                  </p:spPr>
+                  <p:txBody>
+                    <a:bodyPr wrap="square" rtlCol="0">
+                      <a:spAutoFit/>
+                    </a:bodyPr>
+                    <a:lstStyle/>
+                    <a:p>
+                      <a:r>
+                        <a:rPr lang="en-US" altLang="zh-CN" sz="1000" dirty="0">
+                          <a:latin typeface="Arial Rounded MT Bold" panose="020F0704030504030204" pitchFamily="34" charset="0"/>
+                        </a:rPr>
+                        <a:t>Pod</a:t>
+                      </a:r>
+                      <a:endParaRPr lang="zh-CN" altLang="en-US" sz="1000" dirty="0">
+                        <a:latin typeface="Arial Rounded MT Bold" panose="020F0704030504030204" pitchFamily="34" charset="0"/>
+                      </a:endParaRPr>
+                    </a:p>
+                  </p:txBody>
+                </p:sp>
+                <p:sp>
+                  <p:nvSpPr>
+                    <p:cNvPr id="117" name="矩形: 圆角 116">
+                      <a:extLst>
+                        <a:ext uri="{FF2B5EF4-FFF2-40B4-BE49-F238E27FC236}">
+                          <a16:creationId xmlns:a16="http://schemas.microsoft.com/office/drawing/2014/main" id="{D2B14383-B416-4700-8D5C-5F6671668CE9}"/>
+                        </a:ext>
+                      </a:extLst>
+                    </p:cNvPr>
+                    <p:cNvSpPr/>
+                    <p:nvPr/>
+                  </p:nvSpPr>
+                  <p:spPr>
+                    <a:xfrm>
+                      <a:off x="5319347" y="1539319"/>
+                      <a:ext cx="692869" cy="504980"/>
+                    </a:xfrm>
+                    <a:prstGeom prst="roundRect">
+                      <a:avLst/>
+                    </a:prstGeom>
+                    <a:solidFill>
+                      <a:srgbClr val="BFFFBF"/>
+                    </a:solidFill>
+                    <a:ln>
+                      <a:solidFill>
+                        <a:schemeClr val="accent1"/>
+                      </a:solidFill>
+                    </a:ln>
+                  </p:spPr>
+                  <p:style>
+                    <a:lnRef idx="2">
+                      <a:schemeClr val="accent1">
+                        <a:shade val="50000"/>
+                      </a:schemeClr>
+                    </a:lnRef>
+                    <a:fillRef idx="1">
+                      <a:schemeClr val="accent1"/>
+                    </a:fillRef>
+                    <a:effectRef idx="0">
+                      <a:schemeClr val="accent1"/>
+                    </a:effectRef>
+                    <a:fontRef idx="minor">
+                      <a:schemeClr val="lt1"/>
+                    </a:fontRef>
+                  </p:style>
+                  <p:txBody>
+                    <a:bodyPr rtlCol="0" anchor="ctr"/>
+                    <a:lstStyle/>
+                    <a:p>
+                      <a:pPr algn="ctr"/>
+                      <a:endParaRPr lang="zh-CN" altLang="en-US" dirty="0"/>
+                    </a:p>
+                  </p:txBody>
+                </p:sp>
+              </p:grpSp>
+              <p:grpSp>
+                <p:nvGrpSpPr>
+                  <p:cNvPr id="111" name="组合 110">
+                    <a:extLst>
+                      <a:ext uri="{FF2B5EF4-FFF2-40B4-BE49-F238E27FC236}">
+                        <a16:creationId xmlns:a16="http://schemas.microsoft.com/office/drawing/2014/main" id="{DE8C7B7E-EBC0-4C9F-B180-C2E477002D34}"/>
+                      </a:ext>
+                    </a:extLst>
+                  </p:cNvPr>
+                  <p:cNvGrpSpPr/>
+                  <p:nvPr/>
+                </p:nvGrpSpPr>
+                <p:grpSpPr>
+                  <a:xfrm>
+                    <a:off x="5880419" y="3365970"/>
+                    <a:ext cx="1115986" cy="411524"/>
+                    <a:chOff x="5880419" y="3365970"/>
+                    <a:chExt cx="1115986" cy="411524"/>
+                  </a:xfrm>
+                </p:grpSpPr>
+                <p:sp>
+                  <p:nvSpPr>
+                    <p:cNvPr id="112" name="矩形: 圆角 111">
+                      <a:extLst>
+                        <a:ext uri="{FF2B5EF4-FFF2-40B4-BE49-F238E27FC236}">
+                          <a16:creationId xmlns:a16="http://schemas.microsoft.com/office/drawing/2014/main" id="{331285D7-D9B6-4465-BF31-F5A52936909A}"/>
+                        </a:ext>
+                      </a:extLst>
+                    </p:cNvPr>
+                    <p:cNvSpPr/>
+                    <p:nvPr/>
+                  </p:nvSpPr>
+                  <p:spPr>
+                    <a:xfrm>
+                      <a:off x="6483379" y="3381008"/>
+                      <a:ext cx="513026" cy="362558"/>
+                    </a:xfrm>
+                    <a:prstGeom prst="roundRect">
+                      <a:avLst/>
+                    </a:prstGeom>
+                    <a:solidFill>
+                      <a:srgbClr val="BFFFBF"/>
+                    </a:solidFill>
+                    <a:ln>
+                      <a:solidFill>
+                        <a:schemeClr val="accent1"/>
+                      </a:solidFill>
+                    </a:ln>
+                  </p:spPr>
+                  <p:style>
+                    <a:lnRef idx="2">
+                      <a:schemeClr val="accent1">
+                        <a:shade val="50000"/>
+                      </a:schemeClr>
+                    </a:lnRef>
+                    <a:fillRef idx="1">
+                      <a:schemeClr val="accent1"/>
+                    </a:fillRef>
+                    <a:effectRef idx="0">
+                      <a:schemeClr val="accent1"/>
+                    </a:effectRef>
+                    <a:fontRef idx="minor">
+                      <a:schemeClr val="lt1"/>
+                    </a:fontRef>
+                  </p:style>
+                  <p:txBody>
+                    <a:bodyPr rtlCol="0" anchor="ctr"/>
+                    <a:lstStyle/>
+                    <a:p>
+                      <a:pPr algn="ctr"/>
+                      <a:endParaRPr lang="zh-CN" altLang="en-US" dirty="0"/>
+                    </a:p>
+                  </p:txBody>
+                </p:sp>
+                <p:pic>
+                  <p:nvPicPr>
+                    <p:cNvPr id="113" name="图片 112">
+                      <a:extLst>
+                        <a:ext uri="{FF2B5EF4-FFF2-40B4-BE49-F238E27FC236}">
+                          <a16:creationId xmlns:a16="http://schemas.microsoft.com/office/drawing/2014/main" id="{ADB40BE7-CA46-44DE-BEA2-238F95923D11}"/>
+                        </a:ext>
+                      </a:extLst>
+                    </p:cNvPr>
+                    <p:cNvPicPr>
+                      <a:picLocks noChangeAspect="1"/>
+                    </p:cNvPicPr>
+                    <p:nvPr/>
+                  </p:nvPicPr>
+                  <p:blipFill>
+                    <a:blip r:embed="rId3">
+                      <a:extLst>
+                        <a:ext uri="{28A0092B-C50C-407E-A947-70E740481C1C}">
+                          <a14:useLocalDpi xmlns:a14="http://schemas.microsoft.com/office/drawing/2010/main" val="0"/>
+                        </a:ext>
+                      </a:extLst>
+                    </a:blip>
+                    <a:stretch>
+                      <a:fillRect/>
+                    </a:stretch>
+                  </p:blipFill>
+                  <p:spPr>
+                    <a:xfrm>
+                      <a:off x="5880419" y="3365970"/>
+                      <a:ext cx="446710" cy="411524"/>
+                    </a:xfrm>
+                    <a:prstGeom prst="rect">
+                      <a:avLst/>
+                    </a:prstGeom>
+                  </p:spPr>
+                </p:pic>
+                <p:pic>
+                  <p:nvPicPr>
+                    <p:cNvPr id="114" name="图片 113">
+                      <a:extLst>
+                        <a:ext uri="{FF2B5EF4-FFF2-40B4-BE49-F238E27FC236}">
+                          <a16:creationId xmlns:a16="http://schemas.microsoft.com/office/drawing/2014/main" id="{BBFF377B-E2DA-49F9-85A3-C5A5B9DF0E22}"/>
+                        </a:ext>
+                      </a:extLst>
+                    </p:cNvPr>
+                    <p:cNvPicPr>
+                      <a:picLocks noChangeAspect="1"/>
+                    </p:cNvPicPr>
+                    <p:nvPr/>
+                  </p:nvPicPr>
+                  <p:blipFill>
+                    <a:blip r:embed="rId4">
+                      <a:extLst>
+                        <a:ext uri="{28A0092B-C50C-407E-A947-70E740481C1C}">
+                          <a14:useLocalDpi xmlns:a14="http://schemas.microsoft.com/office/drawing/2010/main" val="0"/>
+                        </a:ext>
+                      </a:extLst>
+                    </a:blip>
+                    <a:stretch>
+                      <a:fillRect/>
+                    </a:stretch>
+                  </p:blipFill>
+                  <p:spPr>
+                    <a:xfrm>
+                      <a:off x="6543527" y="3403837"/>
+                      <a:ext cx="409821" cy="302444"/>
+                    </a:xfrm>
+                    <a:prstGeom prst="rect">
+                      <a:avLst/>
+                    </a:prstGeom>
+                  </p:spPr>
+                </p:pic>
+              </p:grpSp>
+            </p:grpSp>
+          </p:grpSp>
+          <p:sp>
+            <p:nvSpPr>
+              <p:cNvPr id="107" name="文本框 106">
+                <a:extLst>
+                  <a:ext uri="{FF2B5EF4-FFF2-40B4-BE49-F238E27FC236}">
+                    <a16:creationId xmlns:a16="http://schemas.microsoft.com/office/drawing/2014/main" id="{A20060BC-D248-4975-8960-06A0B28D6888}"/>
+                  </a:ext>
+                </a:extLst>
+              </p:cNvPr>
+              <p:cNvSpPr txBox="1"/>
+              <p:nvPr/>
+            </p:nvSpPr>
+            <p:spPr>
+              <a:xfrm>
+                <a:off x="6213599" y="3712600"/>
+                <a:ext cx="1491125" cy="222798"/>
+              </a:xfrm>
+              <a:prstGeom prst="rect">
+                <a:avLst/>
+              </a:prstGeom>
+              <a:noFill/>
+            </p:spPr>
+            <p:txBody>
+              <a:bodyPr wrap="square" rtlCol="0">
+                <a:spAutoFit/>
+              </a:bodyPr>
+              <a:lstStyle/>
+              <a:p>
+                <a:r>
+                  <a:rPr lang="en-US" altLang="zh-CN" sz="600" dirty="0">
+                    <a:latin typeface="Arial Rounded MT Bold" panose="020F0704030504030204" pitchFamily="34" charset="0"/>
+                  </a:rPr>
+                  <a:t>Envoy as sidecar</a:t>
+                </a:r>
+                <a:endParaRPr lang="zh-CN" altLang="en-US" sz="600" dirty="0">
+                  <a:latin typeface="Arial Rounded MT Bold" panose="020F0704030504030204" pitchFamily="34" charset="0"/>
+                </a:endParaRPr>
+              </a:p>
+            </p:txBody>
+          </p:sp>
+        </p:grpSp>
+        <p:sp>
+          <p:nvSpPr>
+            <p:cNvPr id="105" name="文本框 104">
+              <a:extLst>
+                <a:ext uri="{FF2B5EF4-FFF2-40B4-BE49-F238E27FC236}">
+                  <a16:creationId xmlns:a16="http://schemas.microsoft.com/office/drawing/2014/main" id="{64391450-D623-49BE-8B62-C44F6E9434C4}"/>
+                </a:ext>
+              </a:extLst>
+            </p:cNvPr>
+            <p:cNvSpPr txBox="1"/>
+            <p:nvPr/>
+          </p:nvSpPr>
+          <p:spPr>
+            <a:xfrm>
+              <a:off x="1937220" y="4425531"/>
+              <a:ext cx="430887" cy="402666"/>
+            </a:xfrm>
+            <a:prstGeom prst="rect">
+              <a:avLst/>
+            </a:prstGeom>
+            <a:noFill/>
+          </p:spPr>
+          <p:txBody>
+            <a:bodyPr vert="vert270" wrap="square" rtlCol="0" anchor="ctr" anchorCtr="1">
+              <a:spAutoFit/>
+            </a:bodyPr>
+            <a:lstStyle/>
+            <a:p>
+              <a:r>
+                <a:rPr lang="en-US" altLang="zh-CN" sz="1600" kern="0" spc="500" dirty="0">
+                  <a:latin typeface="Arial Rounded MT Bold" panose="020F0704030504030204" pitchFamily="34" charset="0"/>
+                </a:rPr>
+                <a:t>…</a:t>
+              </a:r>
+              <a:endParaRPr lang="zh-CN" altLang="en-US" sz="1600" kern="0" spc="500" dirty="0">
+                <a:latin typeface="Arial Rounded MT Bold" panose="020F0704030504030204" pitchFamily="34" charset="0"/>
+              </a:endParaRPr>
+            </a:p>
+          </p:txBody>
+        </p:sp>
+      </p:grpSp>
+      <p:grpSp>
+        <p:nvGrpSpPr>
+          <p:cNvPr id="142" name="组合 141">
+            <a:extLst>
+              <a:ext uri="{FF2B5EF4-FFF2-40B4-BE49-F238E27FC236}">
+                <a16:creationId xmlns:a16="http://schemas.microsoft.com/office/drawing/2014/main" id="{10FF194F-E8A6-46C6-B898-AD7F057A8E61}"/>
+              </a:ext>
+            </a:extLst>
+          </p:cNvPr>
+          <p:cNvGrpSpPr/>
+          <p:nvPr/>
+        </p:nvGrpSpPr>
+        <p:grpSpPr>
+          <a:xfrm>
+            <a:off x="9024417" y="2755502"/>
+            <a:ext cx="1590952" cy="1623211"/>
+            <a:chOff x="5950973" y="2354091"/>
+            <a:chExt cx="1590952" cy="1623211"/>
+          </a:xfrm>
+        </p:grpSpPr>
+        <p:pic>
+          <p:nvPicPr>
+            <p:cNvPr id="140" name="图片 139">
+              <a:extLst>
+                <a:ext uri="{FF2B5EF4-FFF2-40B4-BE49-F238E27FC236}">
+                  <a16:creationId xmlns:a16="http://schemas.microsoft.com/office/drawing/2014/main" id="{17A9F8E6-1A96-40C9-8F86-520FD696DE03}"/>
+                </a:ext>
+              </a:extLst>
+            </p:cNvPr>
+            <p:cNvPicPr>
+              <a:picLocks noChangeAspect="1"/>
+            </p:cNvPicPr>
+            <p:nvPr/>
+          </p:nvPicPr>
+          <p:blipFill>
+            <a:blip r:embed="rId5">
+              <a:extLst>
+                <a:ext uri="{28A0092B-C50C-407E-A947-70E740481C1C}">
+                  <a14:useLocalDpi xmlns:a14="http://schemas.microsoft.com/office/drawing/2010/main" val="0"/>
+                </a:ext>
+              </a:extLst>
+            </a:blip>
+            <a:stretch>
+              <a:fillRect/>
+            </a:stretch>
+          </p:blipFill>
+          <p:spPr>
+            <a:xfrm>
+              <a:off x="5950973" y="2354091"/>
+              <a:ext cx="1458013" cy="1414273"/>
+            </a:xfrm>
+            <a:prstGeom prst="rect">
+              <a:avLst/>
+            </a:prstGeom>
+          </p:spPr>
+        </p:pic>
+        <p:sp>
+          <p:nvSpPr>
+            <p:cNvPr id="141" name="文本框 140">
+              <a:extLst>
+                <a:ext uri="{FF2B5EF4-FFF2-40B4-BE49-F238E27FC236}">
+                  <a16:creationId xmlns:a16="http://schemas.microsoft.com/office/drawing/2014/main" id="{F790856E-D274-489A-9843-6426C84C63DB}"/>
+                </a:ext>
+              </a:extLst>
+            </p:cNvPr>
+            <p:cNvSpPr txBox="1"/>
+            <p:nvPr/>
+          </p:nvSpPr>
+          <p:spPr>
+            <a:xfrm>
+              <a:off x="5950973" y="3638748"/>
+              <a:ext cx="1590952" cy="338554"/>
+            </a:xfrm>
+            <a:prstGeom prst="rect">
+              <a:avLst/>
+            </a:prstGeom>
+            <a:noFill/>
+          </p:spPr>
+          <p:txBody>
+            <a:bodyPr wrap="square" rtlCol="0">
+              <a:spAutoFit/>
+            </a:bodyPr>
+            <a:lstStyle/>
+            <a:p>
+              <a:r>
+                <a:rPr lang="en-US" altLang="zh-CN" sz="1600" dirty="0">
+                  <a:latin typeface="Arial Rounded MT Bold" panose="020F0704030504030204" pitchFamily="34" charset="0"/>
+                </a:rPr>
+                <a:t>Elasticsearch</a:t>
+              </a:r>
+              <a:endParaRPr lang="zh-CN" altLang="en-US" sz="1600" dirty="0">
+                <a:latin typeface="Arial Rounded MT Bold" panose="020F0704030504030204" pitchFamily="34" charset="0"/>
+              </a:endParaRPr>
+            </a:p>
+          </p:txBody>
+        </p:sp>
+      </p:grpSp>
+      <p:sp>
+        <p:nvSpPr>
+          <p:cNvPr id="147" name="文本框 146">
+            <a:extLst>
+              <a:ext uri="{FF2B5EF4-FFF2-40B4-BE49-F238E27FC236}">
+                <a16:creationId xmlns:a16="http://schemas.microsoft.com/office/drawing/2014/main" id="{724B9F02-F62E-4A02-9DCD-AD5A998239E5}"/>
+              </a:ext>
+            </a:extLst>
+          </p:cNvPr>
+          <p:cNvSpPr txBox="1"/>
+          <p:nvPr/>
+        </p:nvSpPr>
+        <p:spPr>
+          <a:xfrm>
+            <a:off x="6114601" y="873516"/>
+            <a:ext cx="875698" cy="276999"/>
+          </a:xfrm>
+          <a:prstGeom prst="rect">
+            <a:avLst/>
+          </a:prstGeom>
+          <a:noFill/>
+        </p:spPr>
+        <p:txBody>
+          <a:bodyPr wrap="square" rtlCol="0">
+            <a:spAutoFit/>
+          </a:bodyPr>
+          <a:lstStyle/>
+          <a:p>
+            <a:r>
+              <a:rPr lang="en-US" altLang="zh-CN" sz="1200" dirty="0">
+                <a:latin typeface="Arial Rounded MT Bold" panose="020F0704030504030204" pitchFamily="34" charset="0"/>
+              </a:rPr>
+              <a:t>Push(log)</a:t>
+            </a:r>
+            <a:endParaRPr lang="zh-CN" altLang="en-US" sz="1200" dirty="0">
+              <a:latin typeface="Arial Rounded MT Bold" panose="020F0704030504030204" pitchFamily="34" charset="0"/>
+            </a:endParaRPr>
+          </a:p>
+        </p:txBody>
+      </p:sp>
+      <p:sp>
+        <p:nvSpPr>
+          <p:cNvPr id="148" name="文本框 147">
+            <a:extLst>
+              <a:ext uri="{FF2B5EF4-FFF2-40B4-BE49-F238E27FC236}">
+                <a16:creationId xmlns:a16="http://schemas.microsoft.com/office/drawing/2014/main" id="{FB6D483B-32FF-425A-8A94-3783B82DD30B}"/>
+              </a:ext>
+            </a:extLst>
+          </p:cNvPr>
+          <p:cNvSpPr txBox="1"/>
+          <p:nvPr/>
+        </p:nvSpPr>
+        <p:spPr>
+          <a:xfrm>
+            <a:off x="6114601" y="6114842"/>
+            <a:ext cx="875698" cy="276999"/>
+          </a:xfrm>
+          <a:prstGeom prst="rect">
+            <a:avLst/>
+          </a:prstGeom>
+          <a:noFill/>
+        </p:spPr>
+        <p:txBody>
+          <a:bodyPr wrap="square" rtlCol="0">
+            <a:spAutoFit/>
+          </a:bodyPr>
+          <a:lstStyle/>
+          <a:p>
+            <a:r>
+              <a:rPr lang="en-US" altLang="zh-CN" sz="1200" dirty="0">
+                <a:latin typeface="Arial Rounded MT Bold" panose="020F0704030504030204" pitchFamily="34" charset="0"/>
+              </a:rPr>
+              <a:t>Push(log)</a:t>
+            </a:r>
+            <a:endParaRPr lang="zh-CN" altLang="en-US" sz="1200" dirty="0">
+              <a:latin typeface="Arial Rounded MT Bold" panose="020F0704030504030204" pitchFamily="34" charset="0"/>
+            </a:endParaRPr>
+          </a:p>
+        </p:txBody>
+      </p:sp>
+      <p:grpSp>
+        <p:nvGrpSpPr>
+          <p:cNvPr id="157" name="组合 156">
+            <a:extLst>
+              <a:ext uri="{FF2B5EF4-FFF2-40B4-BE49-F238E27FC236}">
+                <a16:creationId xmlns:a16="http://schemas.microsoft.com/office/drawing/2014/main" id="{DF9EF99A-F88E-4D35-9483-CD0300AC3543}"/>
+              </a:ext>
+            </a:extLst>
+          </p:cNvPr>
+          <p:cNvGrpSpPr/>
+          <p:nvPr/>
+        </p:nvGrpSpPr>
+        <p:grpSpPr>
+          <a:xfrm>
+            <a:off x="1452979" y="2022636"/>
+            <a:ext cx="527309" cy="2650514"/>
+            <a:chOff x="628085" y="2610358"/>
+            <a:chExt cx="527309" cy="2650514"/>
+          </a:xfrm>
+        </p:grpSpPr>
+        <p:sp>
+          <p:nvSpPr>
+            <p:cNvPr id="6" name="文本框 5">
+              <a:extLst>
+                <a:ext uri="{FF2B5EF4-FFF2-40B4-BE49-F238E27FC236}">
+                  <a16:creationId xmlns:a16="http://schemas.microsoft.com/office/drawing/2014/main" id="{463B08DA-FCA9-49C7-B972-8A98182DC8C4}"/>
+                </a:ext>
+              </a:extLst>
+            </p:cNvPr>
+            <p:cNvSpPr txBox="1"/>
+            <p:nvPr/>
+          </p:nvSpPr>
+          <p:spPr>
+            <a:xfrm>
+              <a:off x="652755" y="2610358"/>
+              <a:ext cx="430887" cy="2134647"/>
+            </a:xfrm>
+            <a:prstGeom prst="rect">
+              <a:avLst/>
+            </a:prstGeom>
+            <a:noFill/>
+          </p:spPr>
+          <p:txBody>
+            <a:bodyPr vert="vert270" wrap="square" rtlCol="0" anchor="ctr" anchorCtr="0">
+              <a:spAutoFit/>
+            </a:bodyPr>
+            <a:lstStyle/>
+            <a:p>
+              <a:r>
+                <a:rPr lang="en-US" altLang="zh-CN" sz="1600" dirty="0">
+                  <a:latin typeface="Arial Rounded MT Bold" panose="020F0704030504030204" pitchFamily="34" charset="0"/>
+                </a:rPr>
+                <a:t>Kubernetes  Cluster</a:t>
+              </a:r>
+              <a:endParaRPr lang="zh-CN" altLang="en-US" sz="1600" dirty="0">
+                <a:latin typeface="Arial Rounded MT Bold" panose="020F0704030504030204" pitchFamily="34" charset="0"/>
+              </a:endParaRPr>
+            </a:p>
+          </p:txBody>
+        </p:sp>
+        <p:pic>
+          <p:nvPicPr>
+            <p:cNvPr id="156" name="图片 155">
+              <a:extLst>
+                <a:ext uri="{FF2B5EF4-FFF2-40B4-BE49-F238E27FC236}">
+                  <a16:creationId xmlns:a16="http://schemas.microsoft.com/office/drawing/2014/main" id="{C873EBB8-616A-42D3-A193-6E7C3B1BF772}"/>
+                </a:ext>
+              </a:extLst>
+            </p:cNvPr>
+            <p:cNvPicPr>
+              <a:picLocks noChangeAspect="1"/>
+            </p:cNvPicPr>
+            <p:nvPr/>
+          </p:nvPicPr>
+          <p:blipFill>
+            <a:blip r:embed="rId6">
+              <a:extLst>
+                <a:ext uri="{28A0092B-C50C-407E-A947-70E740481C1C}">
+                  <a14:useLocalDpi xmlns:a14="http://schemas.microsoft.com/office/drawing/2010/main" val="0"/>
+                </a:ext>
+              </a:extLst>
+            </a:blip>
+            <a:stretch>
+              <a:fillRect/>
+            </a:stretch>
+          </p:blipFill>
+          <p:spPr>
+            <a:xfrm>
+              <a:off x="628085" y="4733563"/>
+              <a:ext cx="527309" cy="527309"/>
+            </a:xfrm>
+            <a:prstGeom prst="rect">
+              <a:avLst/>
+            </a:prstGeom>
+          </p:spPr>
+        </p:pic>
+      </p:grpSp>
+      <p:grpSp>
+        <p:nvGrpSpPr>
+          <p:cNvPr id="161" name="组合 160">
+            <a:extLst>
+              <a:ext uri="{FF2B5EF4-FFF2-40B4-BE49-F238E27FC236}">
+                <a16:creationId xmlns:a16="http://schemas.microsoft.com/office/drawing/2014/main" id="{9EF26797-31F0-40E3-8CE0-EC7BA448B24C}"/>
+              </a:ext>
+            </a:extLst>
+          </p:cNvPr>
+          <p:cNvGrpSpPr/>
+          <p:nvPr/>
+        </p:nvGrpSpPr>
+        <p:grpSpPr>
+          <a:xfrm>
+            <a:off x="8961402" y="508081"/>
+            <a:ext cx="1458000" cy="1584973"/>
+            <a:chOff x="10111314" y="2251946"/>
+            <a:chExt cx="1458000" cy="1584973"/>
+          </a:xfrm>
+        </p:grpSpPr>
+        <p:pic>
+          <p:nvPicPr>
+            <p:cNvPr id="159" name="图片 158">
+              <a:extLst>
+                <a:ext uri="{FF2B5EF4-FFF2-40B4-BE49-F238E27FC236}">
+                  <a16:creationId xmlns:a16="http://schemas.microsoft.com/office/drawing/2014/main" id="{1457C225-3188-4CA3-B425-457ED549C2D0}"/>
+                </a:ext>
+              </a:extLst>
+            </p:cNvPr>
+            <p:cNvPicPr preferRelativeResize="0">
+              <a:picLocks noChangeAspect="1"/>
+            </p:cNvPicPr>
+            <p:nvPr/>
+          </p:nvPicPr>
+          <p:blipFill>
+            <a:blip r:embed="rId7">
+              <a:extLst>
+                <a:ext uri="{28A0092B-C50C-407E-A947-70E740481C1C}">
+                  <a14:useLocalDpi xmlns:a14="http://schemas.microsoft.com/office/drawing/2010/main" val="0"/>
+                </a:ext>
+              </a:extLst>
+            </a:blip>
+            <a:stretch>
+              <a:fillRect/>
+            </a:stretch>
+          </p:blipFill>
+          <p:spPr>
+            <a:xfrm>
+              <a:off x="10111314" y="2251946"/>
+              <a:ext cx="1458000" cy="1377810"/>
+            </a:xfrm>
+            <a:prstGeom prst="rect">
+              <a:avLst/>
+            </a:prstGeom>
+          </p:spPr>
+        </p:pic>
+        <p:sp>
+          <p:nvSpPr>
+            <p:cNvPr id="160" name="文本框 159">
+              <a:extLst>
+                <a:ext uri="{FF2B5EF4-FFF2-40B4-BE49-F238E27FC236}">
+                  <a16:creationId xmlns:a16="http://schemas.microsoft.com/office/drawing/2014/main" id="{72A427C5-DC09-40ED-81D2-86D34B79A080}"/>
+                </a:ext>
+              </a:extLst>
+            </p:cNvPr>
+            <p:cNvSpPr txBox="1"/>
+            <p:nvPr/>
+          </p:nvSpPr>
+          <p:spPr>
+            <a:xfrm>
+              <a:off x="10367363" y="3498365"/>
+              <a:ext cx="1108330" cy="338554"/>
+            </a:xfrm>
+            <a:prstGeom prst="rect">
+              <a:avLst/>
+            </a:prstGeom>
+            <a:noFill/>
+          </p:spPr>
+          <p:txBody>
+            <a:bodyPr wrap="square" rtlCol="0">
+              <a:spAutoFit/>
+            </a:bodyPr>
+            <a:lstStyle/>
+            <a:p>
+              <a:r>
+                <a:rPr lang="en-US" altLang="zh-CN" sz="1600" dirty="0">
+                  <a:latin typeface="Arial Rounded MT Bold" panose="020F0704030504030204" pitchFamily="34" charset="0"/>
+                </a:rPr>
+                <a:t>Logstash</a:t>
+              </a:r>
+              <a:endParaRPr lang="zh-CN" altLang="en-US" sz="1600" dirty="0">
+                <a:latin typeface="Arial Rounded MT Bold" panose="020F0704030504030204" pitchFamily="34" charset="0"/>
+              </a:endParaRPr>
+            </a:p>
+          </p:txBody>
+        </p:sp>
+      </p:grpSp>
+      <p:cxnSp>
+        <p:nvCxnSpPr>
+          <p:cNvPr id="169" name="连接符: 肘形 168">
+            <a:extLst>
+              <a:ext uri="{FF2B5EF4-FFF2-40B4-BE49-F238E27FC236}">
+                <a16:creationId xmlns:a16="http://schemas.microsoft.com/office/drawing/2014/main" id="{A20C4F43-EC61-4225-BED5-FD00EAC3EA1C}"/>
+              </a:ext>
+            </a:extLst>
+          </p:cNvPr>
+          <p:cNvCxnSpPr>
+            <a:cxnSpLocks/>
+            <a:stCxn id="133" idx="3"/>
+            <a:endCxn id="159" idx="3"/>
+          </p:cNvCxnSpPr>
+          <p:nvPr/>
+        </p:nvCxnSpPr>
+        <p:spPr>
+          <a:xfrm flipV="1">
+            <a:off x="3497775" y="1196986"/>
+            <a:ext cx="6921627" cy="4860941"/>
+          </a:xfrm>
+          <a:prstGeom prst="bentConnector3">
+            <a:avLst>
+              <a:gd name="adj1" fmla="val 103303"/>
+            </a:avLst>
+          </a:prstGeom>
+          <a:ln w="12700">
+            <a:solidFill>
+              <a:schemeClr val="tx1"/>
+            </a:solidFill>
+            <a:tailEnd type="triangle"/>
+          </a:ln>
+        </p:spPr>
+        <p:style>
+          <a:lnRef idx="1">
+            <a:schemeClr val="accent1"/>
+          </a:lnRef>
+          <a:fillRef idx="0">
+            <a:schemeClr val="accent1"/>
+          </a:fillRef>
+          <a:effectRef idx="0">
+            <a:schemeClr val="accent1"/>
+          </a:effectRef>
+          <a:fontRef idx="minor">
+            <a:schemeClr val="tx1"/>
+          </a:fontRef>
+        </p:style>
+      </p:cxnSp>
+      <p:cxnSp>
+        <p:nvCxnSpPr>
+          <p:cNvPr id="183" name="直接箭头连接符 182">
+            <a:extLst>
+              <a:ext uri="{FF2B5EF4-FFF2-40B4-BE49-F238E27FC236}">
+                <a16:creationId xmlns:a16="http://schemas.microsoft.com/office/drawing/2014/main" id="{24549CCA-0112-46C1-8895-E30980A2A05A}"/>
+              </a:ext>
+            </a:extLst>
+          </p:cNvPr>
+          <p:cNvCxnSpPr>
+            <a:stCxn id="26" idx="3"/>
+            <a:endCxn id="180" idx="1"/>
+          </p:cNvCxnSpPr>
+          <p:nvPr/>
+        </p:nvCxnSpPr>
+        <p:spPr>
+          <a:xfrm>
+            <a:off x="3402818" y="1933468"/>
+            <a:ext cx="942473" cy="1753320"/>
+          </a:xfrm>
+          <a:prstGeom prst="straightConnector1">
+            <a:avLst/>
+          </a:prstGeom>
+          <a:ln>
+            <a:solidFill>
+              <a:schemeClr val="tx1"/>
+            </a:solidFill>
+            <a:tailEnd type="triangle"/>
+          </a:ln>
+        </p:spPr>
+        <p:style>
+          <a:lnRef idx="1">
+            <a:schemeClr val="accent1"/>
+          </a:lnRef>
+          <a:fillRef idx="0">
+            <a:schemeClr val="accent1"/>
+          </a:fillRef>
+          <a:effectRef idx="0">
+            <a:schemeClr val="accent1"/>
+          </a:effectRef>
+          <a:fontRef idx="minor">
+            <a:schemeClr val="tx1"/>
+          </a:fontRef>
+        </p:style>
+      </p:cxnSp>
+      <p:cxnSp>
+        <p:nvCxnSpPr>
+          <p:cNvPr id="185" name="直接箭头连接符 184">
+            <a:extLst>
+              <a:ext uri="{FF2B5EF4-FFF2-40B4-BE49-F238E27FC236}">
+                <a16:creationId xmlns:a16="http://schemas.microsoft.com/office/drawing/2014/main" id="{1D5DAD3C-D1BB-4151-A634-91ACB6AA95C5}"/>
+              </a:ext>
+            </a:extLst>
+          </p:cNvPr>
+          <p:cNvCxnSpPr>
+            <a:stCxn id="56" idx="3"/>
+            <a:endCxn id="180" idx="1"/>
+          </p:cNvCxnSpPr>
+          <p:nvPr/>
+        </p:nvCxnSpPr>
+        <p:spPr>
+          <a:xfrm>
+            <a:off x="3415681" y="2909230"/>
+            <a:ext cx="929610" cy="777558"/>
+          </a:xfrm>
+          <a:prstGeom prst="straightConnector1">
+            <a:avLst/>
+          </a:prstGeom>
+          <a:ln>
+            <a:solidFill>
+              <a:schemeClr val="tx1"/>
+            </a:solidFill>
+            <a:tailEnd type="triangle"/>
+          </a:ln>
+        </p:spPr>
+        <p:style>
+          <a:lnRef idx="1">
+            <a:schemeClr val="accent1"/>
+          </a:lnRef>
+          <a:fillRef idx="0">
+            <a:schemeClr val="accent1"/>
+          </a:fillRef>
+          <a:effectRef idx="0">
+            <a:schemeClr val="accent1"/>
+          </a:effectRef>
+          <a:fontRef idx="minor">
+            <a:schemeClr val="tx1"/>
+          </a:fontRef>
+        </p:style>
+      </p:cxnSp>
+      <p:cxnSp>
+        <p:nvCxnSpPr>
+          <p:cNvPr id="187" name="直接箭头连接符 186">
+            <a:extLst>
+              <a:ext uri="{FF2B5EF4-FFF2-40B4-BE49-F238E27FC236}">
+                <a16:creationId xmlns:a16="http://schemas.microsoft.com/office/drawing/2014/main" id="{EDCF1B36-C1C6-40CC-8020-9B550BAF7D74}"/>
+              </a:ext>
+            </a:extLst>
+          </p:cNvPr>
+          <p:cNvCxnSpPr>
+            <a:stCxn id="124" idx="3"/>
+            <a:endCxn id="180" idx="1"/>
+          </p:cNvCxnSpPr>
+          <p:nvPr/>
+        </p:nvCxnSpPr>
+        <p:spPr>
+          <a:xfrm flipV="1">
+            <a:off x="3397019" y="3686788"/>
+            <a:ext cx="948272" cy="561674"/>
+          </a:xfrm>
+          <a:prstGeom prst="straightConnector1">
+            <a:avLst/>
+          </a:prstGeom>
+          <a:ln>
+            <a:solidFill>
+              <a:schemeClr val="tx1"/>
+            </a:solidFill>
+            <a:tailEnd type="triangle"/>
+          </a:ln>
+        </p:spPr>
+        <p:style>
+          <a:lnRef idx="1">
+            <a:schemeClr val="accent1"/>
+          </a:lnRef>
+          <a:fillRef idx="0">
+            <a:schemeClr val="accent1"/>
+          </a:fillRef>
+          <a:effectRef idx="0">
+            <a:schemeClr val="accent1"/>
+          </a:effectRef>
+          <a:fontRef idx="minor">
+            <a:schemeClr val="tx1"/>
+          </a:fontRef>
+        </p:style>
+      </p:cxnSp>
+      <p:cxnSp>
+        <p:nvCxnSpPr>
+          <p:cNvPr id="189" name="直接箭头连接符 188">
+            <a:extLst>
+              <a:ext uri="{FF2B5EF4-FFF2-40B4-BE49-F238E27FC236}">
+                <a16:creationId xmlns:a16="http://schemas.microsoft.com/office/drawing/2014/main" id="{325D8166-5B03-4E19-AE5B-DAD7567DAD46}"/>
+              </a:ext>
+            </a:extLst>
+          </p:cNvPr>
+          <p:cNvCxnSpPr>
+            <a:stCxn id="114" idx="3"/>
+            <a:endCxn id="180" idx="1"/>
+          </p:cNvCxnSpPr>
+          <p:nvPr/>
+        </p:nvCxnSpPr>
+        <p:spPr>
+          <a:xfrm flipV="1">
+            <a:off x="3375588" y="3686788"/>
+            <a:ext cx="969703" cy="1531822"/>
+          </a:xfrm>
+          <a:prstGeom prst="straightConnector1">
+            <a:avLst/>
+          </a:prstGeom>
+          <a:ln>
+            <a:solidFill>
+              <a:schemeClr val="tx1"/>
+            </a:solidFill>
+            <a:tailEnd type="triangle"/>
+          </a:ln>
+        </p:spPr>
+        <p:style>
+          <a:lnRef idx="1">
+            <a:schemeClr val="accent1"/>
+          </a:lnRef>
+          <a:fillRef idx="0">
+            <a:schemeClr val="accent1"/>
+          </a:fillRef>
+          <a:effectRef idx="0">
+            <a:schemeClr val="accent1"/>
+          </a:effectRef>
+          <a:fontRef idx="minor">
+            <a:schemeClr val="tx1"/>
+          </a:fontRef>
+        </p:style>
+      </p:cxnSp>
+      <p:grpSp>
+        <p:nvGrpSpPr>
+          <p:cNvPr id="197" name="组合 196">
+            <a:extLst>
+              <a:ext uri="{FF2B5EF4-FFF2-40B4-BE49-F238E27FC236}">
+                <a16:creationId xmlns:a16="http://schemas.microsoft.com/office/drawing/2014/main" id="{9BC456F8-253F-4A76-960C-3D40B225E79F}"/>
+              </a:ext>
+            </a:extLst>
+          </p:cNvPr>
+          <p:cNvGrpSpPr/>
+          <p:nvPr/>
+        </p:nvGrpSpPr>
+        <p:grpSpPr>
+          <a:xfrm>
+            <a:off x="4162088" y="2356958"/>
+            <a:ext cx="1150070" cy="2354109"/>
+            <a:chOff x="4053251" y="2253214"/>
+            <a:chExt cx="1150070" cy="2354109"/>
+          </a:xfrm>
+        </p:grpSpPr>
+        <p:sp>
+          <p:nvSpPr>
+            <p:cNvPr id="178" name="矩形: 圆角 177">
+              <a:extLst>
+                <a:ext uri="{FF2B5EF4-FFF2-40B4-BE49-F238E27FC236}">
+                  <a16:creationId xmlns:a16="http://schemas.microsoft.com/office/drawing/2014/main" id="{B2FC15F9-CCFE-4321-ADCA-2BD3DD75F654}"/>
+                </a:ext>
+              </a:extLst>
+            </p:cNvPr>
+            <p:cNvSpPr/>
+            <p:nvPr/>
+          </p:nvSpPr>
+          <p:spPr>
+            <a:xfrm>
+              <a:off x="4053251" y="2253214"/>
+              <a:ext cx="1150070" cy="2354109"/>
+            </a:xfrm>
+            <a:prstGeom prst="roundRect">
+              <a:avLst/>
+            </a:prstGeom>
+            <a:noFill/>
+            <a:ln w="19050">
+              <a:solidFill>
+                <a:schemeClr val="tx1"/>
+              </a:solidFill>
+            </a:ln>
+          </p:spPr>
+          <p:style>
+            <a:lnRef idx="2">
+              <a:schemeClr val="accent1">
+                <a:shade val="50000"/>
+              </a:schemeClr>
+            </a:lnRef>
+            <a:fillRef idx="1">
+              <a:schemeClr val="accent1"/>
+            </a:fillRef>
+            <a:effectRef idx="0">
+              <a:schemeClr val="accent1"/>
+            </a:effectRef>
+            <a:fontRef idx="minor">
+              <a:schemeClr val="lt1"/>
+            </a:fontRef>
+          </p:style>
+          <p:txBody>
+            <a:bodyPr rtlCol="0" anchor="ctr"/>
+            <a:lstStyle/>
+            <a:p>
+              <a:pPr algn="ctr"/>
+              <a:endParaRPr lang="zh-CN" altLang="en-US"/>
+            </a:p>
+          </p:txBody>
+        </p:sp>
+        <p:sp>
+          <p:nvSpPr>
+            <p:cNvPr id="179" name="矩形: 圆角 178">
+              <a:extLst>
+                <a:ext uri="{FF2B5EF4-FFF2-40B4-BE49-F238E27FC236}">
+                  <a16:creationId xmlns:a16="http://schemas.microsoft.com/office/drawing/2014/main" id="{55F34983-3016-49E8-82E7-5182AA2D96F5}"/>
+                </a:ext>
+              </a:extLst>
+            </p:cNvPr>
+            <p:cNvSpPr/>
+            <p:nvPr/>
+          </p:nvSpPr>
+          <p:spPr>
+            <a:xfrm>
+              <a:off x="4245618" y="2793417"/>
+              <a:ext cx="790562" cy="460143"/>
+            </a:xfrm>
+            <a:prstGeom prst="roundRect">
+              <a:avLst/>
+            </a:prstGeom>
+            <a:noFill/>
+            <a:ln>
+              <a:solidFill>
+                <a:schemeClr val="tx1"/>
+              </a:solidFill>
+            </a:ln>
+          </p:spPr>
+          <p:style>
+            <a:lnRef idx="2">
+              <a:schemeClr val="accent1">
+                <a:shade val="50000"/>
+              </a:schemeClr>
+            </a:lnRef>
+            <a:fillRef idx="1">
+              <a:schemeClr val="accent1"/>
+            </a:fillRef>
+            <a:effectRef idx="0">
+              <a:schemeClr val="accent1"/>
+            </a:effectRef>
+            <a:fontRef idx="minor">
+              <a:schemeClr val="lt1"/>
+            </a:fontRef>
+          </p:style>
+          <p:txBody>
+            <a:bodyPr rtlCol="0" anchor="ctr"/>
+            <a:lstStyle/>
+            <a:p>
+              <a:pPr algn="ctr"/>
+              <a:r>
+                <a:rPr lang="en-US" altLang="zh-CN" sz="1400" dirty="0">
+                  <a:solidFill>
+                    <a:schemeClr val="tx1"/>
+                  </a:solidFill>
+                </a:rPr>
+                <a:t>Pilot</a:t>
+              </a:r>
+              <a:endParaRPr lang="zh-CN" altLang="en-US" sz="1400" dirty="0">
+                <a:solidFill>
+                  <a:schemeClr val="tx1"/>
+                </a:solidFill>
+              </a:endParaRPr>
+            </a:p>
+          </p:txBody>
+        </p:sp>
+        <p:sp>
+          <p:nvSpPr>
+            <p:cNvPr id="180" name="矩形: 圆角 179">
+              <a:extLst>
+                <a:ext uri="{FF2B5EF4-FFF2-40B4-BE49-F238E27FC236}">
+                  <a16:creationId xmlns:a16="http://schemas.microsoft.com/office/drawing/2014/main" id="{34001735-0A96-4F98-9919-4881715F0248}"/>
+                </a:ext>
+              </a:extLst>
+            </p:cNvPr>
+            <p:cNvSpPr/>
+            <p:nvPr/>
+          </p:nvSpPr>
+          <p:spPr>
+            <a:xfrm>
+              <a:off x="4236454" y="3352972"/>
+              <a:ext cx="790562" cy="460143"/>
+            </a:xfrm>
+            <a:prstGeom prst="roundRect">
+              <a:avLst/>
+            </a:prstGeom>
+            <a:noFill/>
+            <a:ln>
+              <a:solidFill>
+                <a:schemeClr val="tx1"/>
+              </a:solidFill>
+            </a:ln>
+          </p:spPr>
+          <p:style>
+            <a:lnRef idx="2">
+              <a:schemeClr val="accent1">
+                <a:shade val="50000"/>
+              </a:schemeClr>
+            </a:lnRef>
+            <a:fillRef idx="1">
+              <a:schemeClr val="accent1"/>
+            </a:fillRef>
+            <a:effectRef idx="0">
+              <a:schemeClr val="accent1"/>
+            </a:effectRef>
+            <a:fontRef idx="minor">
+              <a:schemeClr val="lt1"/>
+            </a:fontRef>
+          </p:style>
+          <p:txBody>
+            <a:bodyPr rtlCol="0" anchor="ctr"/>
+            <a:lstStyle/>
+            <a:p>
+              <a:pPr algn="ctr"/>
+              <a:r>
+                <a:rPr lang="en-US" altLang="zh-CN" sz="1400" dirty="0">
+                  <a:solidFill>
+                    <a:schemeClr val="tx1"/>
+                  </a:solidFill>
+                </a:rPr>
+                <a:t>Mixer</a:t>
+              </a:r>
+              <a:endParaRPr lang="zh-CN" altLang="en-US" sz="1400" dirty="0">
+                <a:solidFill>
+                  <a:schemeClr val="tx1"/>
+                </a:solidFill>
+              </a:endParaRPr>
+            </a:p>
+          </p:txBody>
+        </p:sp>
+        <p:sp>
+          <p:nvSpPr>
+            <p:cNvPr id="181" name="矩形: 圆角 180">
+              <a:extLst>
+                <a:ext uri="{FF2B5EF4-FFF2-40B4-BE49-F238E27FC236}">
+                  <a16:creationId xmlns:a16="http://schemas.microsoft.com/office/drawing/2014/main" id="{97EBAC6E-D363-4454-B674-3F02F1898F5C}"/>
+                </a:ext>
+              </a:extLst>
+            </p:cNvPr>
+            <p:cNvSpPr/>
+            <p:nvPr/>
+          </p:nvSpPr>
+          <p:spPr>
+            <a:xfrm>
+              <a:off x="4241343" y="3977857"/>
+              <a:ext cx="790562" cy="460143"/>
+            </a:xfrm>
+            <a:prstGeom prst="roundRect">
+              <a:avLst/>
+            </a:prstGeom>
+            <a:noFill/>
+            <a:ln>
+              <a:solidFill>
+                <a:schemeClr val="tx1"/>
+              </a:solidFill>
+            </a:ln>
+          </p:spPr>
+          <p:style>
+            <a:lnRef idx="2">
+              <a:schemeClr val="accent1">
+                <a:shade val="50000"/>
+              </a:schemeClr>
+            </a:lnRef>
+            <a:fillRef idx="1">
+              <a:schemeClr val="accent1"/>
+            </a:fillRef>
+            <a:effectRef idx="0">
+              <a:schemeClr val="accent1"/>
+            </a:effectRef>
+            <a:fontRef idx="minor">
+              <a:schemeClr val="lt1"/>
+            </a:fontRef>
+          </p:style>
+          <p:txBody>
+            <a:bodyPr rtlCol="0" anchor="ctr"/>
+            <a:lstStyle/>
+            <a:p>
+              <a:pPr algn="ctr"/>
+              <a:r>
+                <a:rPr lang="en-US" altLang="zh-CN" sz="1400" dirty="0">
+                  <a:solidFill>
+                    <a:schemeClr val="tx1"/>
+                  </a:solidFill>
+                </a:rPr>
+                <a:t>Citadel</a:t>
+              </a:r>
+              <a:endParaRPr lang="zh-CN" altLang="en-US" sz="1400" dirty="0">
+                <a:solidFill>
+                  <a:schemeClr val="tx1"/>
+                </a:solidFill>
+              </a:endParaRPr>
+            </a:p>
+          </p:txBody>
+        </p:sp>
+        <p:grpSp>
+          <p:nvGrpSpPr>
+            <p:cNvPr id="193" name="组合 192">
+              <a:extLst>
+                <a:ext uri="{FF2B5EF4-FFF2-40B4-BE49-F238E27FC236}">
+                  <a16:creationId xmlns:a16="http://schemas.microsoft.com/office/drawing/2014/main" id="{A3711D66-5BCE-4260-8539-BFA0A8B711CD}"/>
+                </a:ext>
+              </a:extLst>
+            </p:cNvPr>
+            <p:cNvGrpSpPr/>
+            <p:nvPr/>
+          </p:nvGrpSpPr>
+          <p:grpSpPr>
+            <a:xfrm>
+              <a:off x="4213064" y="2379616"/>
+              <a:ext cx="827625" cy="315772"/>
+              <a:chOff x="4184074" y="2453741"/>
+              <a:chExt cx="827625" cy="315772"/>
+            </a:xfrm>
+          </p:grpSpPr>
+          <p:sp>
+            <p:nvSpPr>
+              <p:cNvPr id="190" name="文本框 189">
+                <a:extLst>
+                  <a:ext uri="{FF2B5EF4-FFF2-40B4-BE49-F238E27FC236}">
+                    <a16:creationId xmlns:a16="http://schemas.microsoft.com/office/drawing/2014/main" id="{0593C00C-D2FE-487A-85EA-DB74C93B42C6}"/>
+                  </a:ext>
+                </a:extLst>
+              </p:cNvPr>
+              <p:cNvSpPr txBox="1"/>
+              <p:nvPr/>
+            </p:nvSpPr>
+            <p:spPr>
+              <a:xfrm>
+                <a:off x="4184074" y="2457739"/>
+                <a:ext cx="561769" cy="307777"/>
+              </a:xfrm>
+              <a:prstGeom prst="rect">
+                <a:avLst/>
+              </a:prstGeom>
+              <a:noFill/>
+            </p:spPr>
+            <p:txBody>
+              <a:bodyPr wrap="square" rtlCol="0">
+                <a:spAutoFit/>
+              </a:bodyPr>
+              <a:lstStyle/>
+              <a:p>
+                <a:r>
+                  <a:rPr lang="en-US" altLang="zh-CN" sz="1400" dirty="0">
+                    <a:latin typeface="Arial Rounded MT Bold" panose="020F0704030504030204" pitchFamily="34" charset="0"/>
+                  </a:rPr>
+                  <a:t>Istio</a:t>
+                </a:r>
+                <a:endParaRPr lang="zh-CN" altLang="en-US" sz="1400" dirty="0">
+                  <a:latin typeface="Arial Rounded MT Bold" panose="020F0704030504030204" pitchFamily="34" charset="0"/>
+                </a:endParaRPr>
+              </a:p>
+            </p:txBody>
+          </p:sp>
+          <p:pic>
+            <p:nvPicPr>
+              <p:cNvPr id="192" name="图片 191">
+                <a:extLst>
+                  <a:ext uri="{FF2B5EF4-FFF2-40B4-BE49-F238E27FC236}">
+                    <a16:creationId xmlns:a16="http://schemas.microsoft.com/office/drawing/2014/main" id="{E2C68F18-02A7-4887-B800-F8F8AA727DFE}"/>
+                  </a:ext>
+                </a:extLst>
+              </p:cNvPr>
+              <p:cNvPicPr>
+                <a:picLocks noChangeAspect="1"/>
+              </p:cNvPicPr>
+              <p:nvPr/>
+            </p:nvPicPr>
+            <p:blipFill>
+              <a:blip r:embed="rId8">
+                <a:extLst>
+                  <a:ext uri="{28A0092B-C50C-407E-A947-70E740481C1C}">
+                    <a14:useLocalDpi xmlns:a14="http://schemas.microsoft.com/office/drawing/2010/main" val="0"/>
+                  </a:ext>
+                </a:extLst>
+              </a:blip>
+              <a:stretch>
+                <a:fillRect/>
+              </a:stretch>
+            </p:blipFill>
+            <p:spPr>
+              <a:xfrm>
+                <a:off x="4716520" y="2453741"/>
+                <a:ext cx="295179" cy="315772"/>
+              </a:xfrm>
+              <a:prstGeom prst="rect">
+                <a:avLst/>
+              </a:prstGeom>
+            </p:spPr>
+          </p:pic>
+        </p:grpSp>
+      </p:grpSp>
+      <p:sp>
+        <p:nvSpPr>
+          <p:cNvPr id="208" name="文本框 207">
+            <a:extLst>
+              <a:ext uri="{FF2B5EF4-FFF2-40B4-BE49-F238E27FC236}">
+                <a16:creationId xmlns:a16="http://schemas.microsoft.com/office/drawing/2014/main" id="{87A8F02C-9224-447D-A4B5-1E7A6E0EACE2}"/>
+              </a:ext>
+            </a:extLst>
+          </p:cNvPr>
+          <p:cNvSpPr txBox="1"/>
+          <p:nvPr/>
+        </p:nvSpPr>
+        <p:spPr>
+          <a:xfrm>
+            <a:off x="5569296" y="2933797"/>
+            <a:ext cx="1146880" cy="276999"/>
+          </a:xfrm>
+          <a:prstGeom prst="rect">
+            <a:avLst/>
+          </a:prstGeom>
+          <a:noFill/>
+        </p:spPr>
+        <p:txBody>
+          <a:bodyPr wrap="square" rtlCol="0">
+            <a:spAutoFit/>
+          </a:bodyPr>
+          <a:lstStyle/>
+          <a:p>
+            <a:r>
+              <a:rPr lang="en-US" altLang="zh-CN" sz="1200" dirty="0">
+                <a:latin typeface="Arial Rounded MT Bold" panose="020F0704030504030204" pitchFamily="34" charset="0"/>
+              </a:rPr>
+              <a:t>Push(Trace)</a:t>
+            </a:r>
+            <a:endParaRPr lang="zh-CN" altLang="en-US" sz="1200" dirty="0">
+              <a:latin typeface="Arial Rounded MT Bold" panose="020F0704030504030204" pitchFamily="34" charset="0"/>
+            </a:endParaRPr>
+          </a:p>
+        </p:txBody>
+      </p:sp>
+      <p:sp>
+        <p:nvSpPr>
+          <p:cNvPr id="209" name="文本框 208">
+            <a:extLst>
+              <a:ext uri="{FF2B5EF4-FFF2-40B4-BE49-F238E27FC236}">
+                <a16:creationId xmlns:a16="http://schemas.microsoft.com/office/drawing/2014/main" id="{81F935B0-0FA6-4947-A48F-B9049C107A50}"/>
+              </a:ext>
+            </a:extLst>
+          </p:cNvPr>
+          <p:cNvSpPr txBox="1"/>
+          <p:nvPr/>
+        </p:nvSpPr>
+        <p:spPr>
+          <a:xfrm>
+            <a:off x="7801323" y="2974404"/>
+            <a:ext cx="932145" cy="276999"/>
+          </a:xfrm>
+          <a:prstGeom prst="rect">
+            <a:avLst/>
+          </a:prstGeom>
+          <a:noFill/>
+        </p:spPr>
+        <p:txBody>
+          <a:bodyPr wrap="square" rtlCol="0">
+            <a:spAutoFit/>
+          </a:bodyPr>
+          <a:lstStyle/>
+          <a:p>
+            <a:r>
+              <a:rPr lang="en-US" altLang="zh-CN" sz="1200" dirty="0">
+                <a:latin typeface="Arial Rounded MT Bold" panose="020F0704030504030204" pitchFamily="34" charset="0"/>
+              </a:rPr>
+              <a:t>Trace Info</a:t>
+            </a:r>
+            <a:endParaRPr lang="zh-CN" altLang="en-US" sz="1200" dirty="0">
+              <a:latin typeface="Arial Rounded MT Bold" panose="020F0704030504030204" pitchFamily="34" charset="0"/>
+            </a:endParaRPr>
+          </a:p>
+        </p:txBody>
+      </p:sp>
+      <p:sp>
+        <p:nvSpPr>
+          <p:cNvPr id="210" name="文本框 209">
+            <a:extLst>
+              <a:ext uri="{FF2B5EF4-FFF2-40B4-BE49-F238E27FC236}">
+                <a16:creationId xmlns:a16="http://schemas.microsoft.com/office/drawing/2014/main" id="{228FFBA9-1339-42A5-811A-4860C806587D}"/>
+              </a:ext>
+            </a:extLst>
+          </p:cNvPr>
+          <p:cNvSpPr txBox="1"/>
+          <p:nvPr/>
+        </p:nvSpPr>
+        <p:spPr>
+          <a:xfrm>
+            <a:off x="8961402" y="2286547"/>
+            <a:ext cx="842102" cy="276999"/>
+          </a:xfrm>
+          <a:prstGeom prst="rect">
+            <a:avLst/>
+          </a:prstGeom>
+          <a:noFill/>
+        </p:spPr>
+        <p:txBody>
+          <a:bodyPr wrap="square" rtlCol="0">
+            <a:spAutoFit/>
+          </a:bodyPr>
+          <a:lstStyle/>
+          <a:p>
+            <a:r>
+              <a:rPr lang="en-US" altLang="zh-CN" sz="1200" dirty="0">
+                <a:latin typeface="Arial Rounded MT Bold" panose="020F0704030504030204" pitchFamily="34" charset="0"/>
+              </a:rPr>
+              <a:t>Log Info</a:t>
+            </a:r>
+            <a:endParaRPr lang="zh-CN" altLang="en-US" sz="1200" dirty="0">
+              <a:latin typeface="Arial Rounded MT Bold" panose="020F0704030504030204" pitchFamily="34" charset="0"/>
+            </a:endParaRPr>
+          </a:p>
+        </p:txBody>
+      </p:sp>
+      <p:sp>
+        <p:nvSpPr>
+          <p:cNvPr id="211" name="文本框 210">
+            <a:extLst>
+              <a:ext uri="{FF2B5EF4-FFF2-40B4-BE49-F238E27FC236}">
+                <a16:creationId xmlns:a16="http://schemas.microsoft.com/office/drawing/2014/main" id="{E5075BDF-7A3D-47B6-9C2C-E1F004A92A14}"/>
+              </a:ext>
+            </a:extLst>
+          </p:cNvPr>
+          <p:cNvSpPr txBox="1"/>
+          <p:nvPr/>
+        </p:nvSpPr>
+        <p:spPr>
+          <a:xfrm>
+            <a:off x="6204900" y="4044383"/>
+            <a:ext cx="2023709" cy="338554"/>
+          </a:xfrm>
+          <a:prstGeom prst="rect">
+            <a:avLst/>
+          </a:prstGeom>
+          <a:noFill/>
+        </p:spPr>
+        <p:txBody>
+          <a:bodyPr wrap="square" rtlCol="0">
+            <a:spAutoFit/>
+          </a:bodyPr>
+          <a:lstStyle/>
+          <a:p>
+            <a:r>
+              <a:rPr lang="en-US" altLang="zh-CN" sz="1600" dirty="0">
+                <a:latin typeface="Arial Rounded MT Bold" panose="020F0704030504030204" pitchFamily="34" charset="0"/>
+              </a:rPr>
+              <a:t>Customized </a:t>
+            </a:r>
+            <a:r>
+              <a:rPr lang="en-US" altLang="zh-CN" sz="1600" dirty="0" err="1">
+                <a:latin typeface="Arial Rounded MT Bold" panose="020F0704030504030204" pitchFamily="34" charset="0"/>
+              </a:rPr>
+              <a:t>Zipkin</a:t>
+            </a:r>
+            <a:endParaRPr lang="zh-CN" altLang="en-US" sz="1600" dirty="0">
+              <a:latin typeface="Arial Rounded MT Bold" panose="020F0704030504030204" pitchFamily="34" charset="0"/>
+            </a:endParaRPr>
+          </a:p>
+        </p:txBody>
+      </p:sp>
+      <p:pic>
+        <p:nvPicPr>
+          <p:cNvPr id="213" name="图片 212">
+            <a:extLst>
+              <a:ext uri="{FF2B5EF4-FFF2-40B4-BE49-F238E27FC236}">
+                <a16:creationId xmlns:a16="http://schemas.microsoft.com/office/drawing/2014/main" id="{9DE30835-1E26-4F44-A16F-742FF77695DD}"/>
+              </a:ext>
+            </a:extLst>
+          </p:cNvPr>
+          <p:cNvPicPr>
+            <a:picLocks noChangeAspect="1"/>
+          </p:cNvPicPr>
+          <p:nvPr/>
+        </p:nvPicPr>
+        <p:blipFill>
+          <a:blip r:embed="rId9">
+            <a:extLst>
+              <a:ext uri="{28A0092B-C50C-407E-A947-70E740481C1C}">
+                <a14:useLocalDpi xmlns:a14="http://schemas.microsoft.com/office/drawing/2010/main" val="0"/>
+              </a:ext>
+            </a:extLst>
+          </a:blip>
+          <a:stretch>
+            <a:fillRect/>
+          </a:stretch>
+        </p:blipFill>
+        <p:spPr>
+          <a:xfrm>
+            <a:off x="7981653" y="4777672"/>
+            <a:ext cx="1134333" cy="862093"/>
+          </a:xfrm>
+          <a:prstGeom prst="rect">
+            <a:avLst/>
+          </a:prstGeom>
+        </p:spPr>
+      </p:pic>
+      <p:sp>
+        <p:nvSpPr>
+          <p:cNvPr id="214" name="文本框 213">
+            <a:extLst>
+              <a:ext uri="{FF2B5EF4-FFF2-40B4-BE49-F238E27FC236}">
+                <a16:creationId xmlns:a16="http://schemas.microsoft.com/office/drawing/2014/main" id="{9D7D98D0-C435-4188-92DE-772366D37F97}"/>
+              </a:ext>
+            </a:extLst>
+          </p:cNvPr>
+          <p:cNvSpPr txBox="1"/>
+          <p:nvPr/>
+        </p:nvSpPr>
+        <p:spPr>
+          <a:xfrm>
+            <a:off x="7661751" y="5559691"/>
+            <a:ext cx="1913902" cy="338554"/>
+          </a:xfrm>
+          <a:prstGeom prst="rect">
+            <a:avLst/>
+          </a:prstGeom>
+          <a:noFill/>
+        </p:spPr>
+        <p:txBody>
+          <a:bodyPr wrap="square" rtlCol="0">
+            <a:spAutoFit/>
+          </a:bodyPr>
+          <a:lstStyle/>
+          <a:p>
+            <a:r>
+              <a:rPr lang="en-US" altLang="zh-CN" sz="1600" dirty="0">
+                <a:latin typeface="Arial Rounded MT Bold" panose="020F0704030504030204" pitchFamily="34" charset="0"/>
+              </a:rPr>
+              <a:t>LogVisualization</a:t>
+            </a:r>
+            <a:endParaRPr lang="zh-CN" altLang="en-US" sz="1600" dirty="0">
+              <a:latin typeface="Arial Rounded MT Bold" panose="020F0704030504030204" pitchFamily="34" charset="0"/>
+            </a:endParaRPr>
+          </a:p>
+        </p:txBody>
+      </p:sp>
+      <p:sp>
+        <p:nvSpPr>
+          <p:cNvPr id="227" name="文本框 226">
+            <a:extLst>
+              <a:ext uri="{FF2B5EF4-FFF2-40B4-BE49-F238E27FC236}">
+                <a16:creationId xmlns:a16="http://schemas.microsoft.com/office/drawing/2014/main" id="{E1D79F4E-05A1-4C5D-8B9F-B1C6702C4CAA}"/>
+              </a:ext>
+            </a:extLst>
+          </p:cNvPr>
+          <p:cNvSpPr txBox="1"/>
+          <p:nvPr/>
+        </p:nvSpPr>
+        <p:spPr>
+          <a:xfrm>
+            <a:off x="6127317" y="5108494"/>
+            <a:ext cx="1658021" cy="276999"/>
+          </a:xfrm>
+          <a:prstGeom prst="rect">
+            <a:avLst/>
+          </a:prstGeom>
+          <a:noFill/>
+        </p:spPr>
+        <p:txBody>
+          <a:bodyPr wrap="square" rtlCol="0">
+            <a:spAutoFit/>
+          </a:bodyPr>
+          <a:lstStyle/>
+          <a:p>
+            <a:r>
+              <a:rPr lang="en-US" altLang="zh-CN" sz="1200" dirty="0">
+                <a:latin typeface="Arial Rounded MT Bold" panose="020F0704030504030204" pitchFamily="34" charset="0"/>
+              </a:rPr>
+              <a:t>Pull(Node, Pod Info)</a:t>
+            </a:r>
+            <a:endParaRPr lang="zh-CN" altLang="en-US" sz="1200" dirty="0">
+              <a:latin typeface="Arial Rounded MT Bold" panose="020F0704030504030204" pitchFamily="34" charset="0"/>
+            </a:endParaRPr>
+          </a:p>
+        </p:txBody>
+      </p:sp>
+      <p:sp>
+        <p:nvSpPr>
+          <p:cNvPr id="234" name="文本框 233">
+            <a:extLst>
+              <a:ext uri="{FF2B5EF4-FFF2-40B4-BE49-F238E27FC236}">
+                <a16:creationId xmlns:a16="http://schemas.microsoft.com/office/drawing/2014/main" id="{185673DB-D713-4AA5-8588-F846CBE61B53}"/>
+              </a:ext>
+            </a:extLst>
+          </p:cNvPr>
+          <p:cNvSpPr txBox="1"/>
+          <p:nvPr/>
+        </p:nvSpPr>
+        <p:spPr>
+          <a:xfrm>
+            <a:off x="8966906" y="5259456"/>
+            <a:ext cx="1739139" cy="276999"/>
+          </a:xfrm>
+          <a:prstGeom prst="rect">
+            <a:avLst/>
+          </a:prstGeom>
+          <a:noFill/>
+        </p:spPr>
+        <p:txBody>
+          <a:bodyPr wrap="square" rtlCol="0">
+            <a:spAutoFit/>
+          </a:bodyPr>
+          <a:lstStyle/>
+          <a:p>
+            <a:r>
+              <a:rPr lang="en-US" altLang="zh-CN" sz="1200" dirty="0">
+                <a:latin typeface="Arial Rounded MT Bold" panose="020F0704030504030204" pitchFamily="34" charset="0"/>
+              </a:rPr>
+              <a:t>Push(Node, Pod Info)</a:t>
+            </a:r>
+            <a:endParaRPr lang="zh-CN" altLang="en-US" sz="1200" dirty="0">
+              <a:latin typeface="Arial Rounded MT Bold" panose="020F0704030504030204" pitchFamily="34" charset="0"/>
+            </a:endParaRPr>
+          </a:p>
+        </p:txBody>
+      </p:sp>
+      <p:sp>
+        <p:nvSpPr>
+          <p:cNvPr id="239" name="文本框 238">
+            <a:extLst>
+              <a:ext uri="{FF2B5EF4-FFF2-40B4-BE49-F238E27FC236}">
+                <a16:creationId xmlns:a16="http://schemas.microsoft.com/office/drawing/2014/main" id="{11EA2359-908E-4FBD-AF35-9B9CFD3FBD93}"/>
+              </a:ext>
+            </a:extLst>
+          </p:cNvPr>
+          <p:cNvSpPr txBox="1"/>
+          <p:nvPr/>
+        </p:nvSpPr>
+        <p:spPr>
+          <a:xfrm>
+            <a:off x="7898430" y="3521362"/>
+            <a:ext cx="498539" cy="276999"/>
+          </a:xfrm>
+          <a:prstGeom prst="rect">
+            <a:avLst/>
+          </a:prstGeom>
+          <a:noFill/>
+        </p:spPr>
+        <p:txBody>
+          <a:bodyPr wrap="square" rtlCol="0">
+            <a:spAutoFit/>
+          </a:bodyPr>
+          <a:lstStyle/>
+          <a:p>
+            <a:r>
+              <a:rPr lang="en-US" altLang="zh-CN" sz="1200" dirty="0">
+                <a:latin typeface="Arial Rounded MT Bold" panose="020F0704030504030204" pitchFamily="34" charset="0"/>
+              </a:rPr>
+              <a:t>Pull</a:t>
+            </a:r>
+            <a:endParaRPr lang="zh-CN" altLang="en-US" sz="1200" dirty="0">
+              <a:latin typeface="Arial Rounded MT Bold" panose="020F0704030504030204" pitchFamily="34" charset="0"/>
+            </a:endParaRPr>
+          </a:p>
+        </p:txBody>
+      </p:sp>
+      <p:sp>
+        <p:nvSpPr>
+          <p:cNvPr id="240" name="文本框 239">
+            <a:extLst>
+              <a:ext uri="{FF2B5EF4-FFF2-40B4-BE49-F238E27FC236}">
+                <a16:creationId xmlns:a16="http://schemas.microsoft.com/office/drawing/2014/main" id="{91E98E96-BA8C-45F8-9605-C60FC977D34E}"/>
+              </a:ext>
+            </a:extLst>
+          </p:cNvPr>
+          <p:cNvSpPr txBox="1"/>
+          <p:nvPr/>
+        </p:nvSpPr>
+        <p:spPr>
+          <a:xfrm>
+            <a:off x="9254884" y="4917869"/>
+            <a:ext cx="498539" cy="276999"/>
+          </a:xfrm>
+          <a:prstGeom prst="rect">
+            <a:avLst/>
+          </a:prstGeom>
+          <a:noFill/>
+        </p:spPr>
+        <p:txBody>
+          <a:bodyPr wrap="square" rtlCol="0">
+            <a:spAutoFit/>
+          </a:bodyPr>
+          <a:lstStyle/>
+          <a:p>
+            <a:r>
+              <a:rPr lang="en-US" altLang="zh-CN" sz="1200" dirty="0">
+                <a:latin typeface="Arial Rounded MT Bold" panose="020F0704030504030204" pitchFamily="34" charset="0"/>
+              </a:rPr>
+              <a:t>Pull</a:t>
+            </a:r>
+            <a:endParaRPr lang="zh-CN" altLang="en-US" sz="1200" dirty="0">
+              <a:latin typeface="Arial Rounded MT Bold" panose="020F0704030504030204" pitchFamily="34" charset="0"/>
+            </a:endParaRPr>
+          </a:p>
+        </p:txBody>
+      </p:sp>
+      <p:grpSp>
+        <p:nvGrpSpPr>
+          <p:cNvPr id="2" name="组合 1">
+            <a:extLst>
+              <a:ext uri="{FF2B5EF4-FFF2-40B4-BE49-F238E27FC236}">
+                <a16:creationId xmlns:a16="http://schemas.microsoft.com/office/drawing/2014/main" id="{830A6843-AD55-4B88-AC40-D1E96E33FB97}"/>
+              </a:ext>
+            </a:extLst>
+          </p:cNvPr>
+          <p:cNvGrpSpPr/>
+          <p:nvPr/>
+        </p:nvGrpSpPr>
+        <p:grpSpPr>
+          <a:xfrm>
+            <a:off x="6788244" y="2628124"/>
+            <a:ext cx="958335" cy="1406214"/>
+            <a:chOff x="6067868" y="2182686"/>
+            <a:chExt cx="735815" cy="1406214"/>
+          </a:xfrm>
+        </p:grpSpPr>
+        <p:pic>
+          <p:nvPicPr>
+            <p:cNvPr id="196" name="图片 195">
+              <a:extLst>
+                <a:ext uri="{FF2B5EF4-FFF2-40B4-BE49-F238E27FC236}">
+                  <a16:creationId xmlns:a16="http://schemas.microsoft.com/office/drawing/2014/main" id="{21855B8C-D135-4B3B-95B3-8481E7CADBC1}"/>
+                </a:ext>
+              </a:extLst>
+            </p:cNvPr>
+            <p:cNvPicPr>
+              <a:picLocks noChangeAspect="1"/>
+            </p:cNvPicPr>
+            <p:nvPr/>
+          </p:nvPicPr>
+          <p:blipFill>
+            <a:blip r:embed="rId10">
+              <a:extLst>
+                <a:ext uri="{28A0092B-C50C-407E-A947-70E740481C1C}">
+                  <a14:useLocalDpi xmlns:a14="http://schemas.microsoft.com/office/drawing/2010/main" val="0"/>
+                </a:ext>
+              </a:extLst>
+            </a:blip>
+            <a:stretch>
+              <a:fillRect/>
+            </a:stretch>
+          </p:blipFill>
+          <p:spPr>
+            <a:xfrm>
+              <a:off x="6195232" y="2182686"/>
+              <a:ext cx="460423" cy="460423"/>
+            </a:xfrm>
+            <a:prstGeom prst="rect">
+              <a:avLst/>
+            </a:prstGeom>
+          </p:spPr>
+        </p:pic>
+        <p:sp>
+          <p:nvSpPr>
+            <p:cNvPr id="137" name="矩形: 圆角 136">
+              <a:extLst>
+                <a:ext uri="{FF2B5EF4-FFF2-40B4-BE49-F238E27FC236}">
+                  <a16:creationId xmlns:a16="http://schemas.microsoft.com/office/drawing/2014/main" id="{79498764-0D3E-4C81-9783-0D886AC8D9CF}"/>
+                </a:ext>
+              </a:extLst>
+            </p:cNvPr>
+            <p:cNvSpPr/>
+            <p:nvPr/>
+          </p:nvSpPr>
+          <p:spPr>
+            <a:xfrm>
+              <a:off x="6067868" y="2217749"/>
+              <a:ext cx="735815" cy="1371151"/>
+            </a:xfrm>
+            <a:prstGeom prst="roundRect">
+              <a:avLst/>
+            </a:prstGeom>
+            <a:noFill/>
+            <a:ln w="19050">
+              <a:solidFill>
+                <a:schemeClr val="tx1"/>
+              </a:solidFill>
+            </a:ln>
+          </p:spPr>
+          <p:style>
+            <a:lnRef idx="2">
+              <a:schemeClr val="accent1">
+                <a:shade val="50000"/>
+              </a:schemeClr>
+            </a:lnRef>
+            <a:fillRef idx="1">
+              <a:schemeClr val="accent1"/>
+            </a:fillRef>
+            <a:effectRef idx="0">
+              <a:schemeClr val="accent1"/>
+            </a:effectRef>
+            <a:fontRef idx="minor">
+              <a:schemeClr val="lt1"/>
+            </a:fontRef>
+          </p:style>
+          <p:txBody>
+            <a:bodyPr rtlCol="0" anchor="ctr"/>
+            <a:lstStyle/>
+            <a:p>
+              <a:pPr algn="ctr"/>
+              <a:endParaRPr lang="zh-CN" altLang="en-US"/>
+            </a:p>
+          </p:txBody>
+        </p:sp>
+        <p:sp>
+          <p:nvSpPr>
+            <p:cNvPr id="138" name="矩形: 圆角 137">
+              <a:extLst>
+                <a:ext uri="{FF2B5EF4-FFF2-40B4-BE49-F238E27FC236}">
+                  <a16:creationId xmlns:a16="http://schemas.microsoft.com/office/drawing/2014/main" id="{939B2D2D-F2D9-44AB-8E4D-C6597F248399}"/>
+                </a:ext>
+              </a:extLst>
+            </p:cNvPr>
+            <p:cNvSpPr/>
+            <p:nvPr/>
+          </p:nvSpPr>
+          <p:spPr>
+            <a:xfrm>
+              <a:off x="6132515" y="2643109"/>
+              <a:ext cx="606520" cy="336290"/>
+            </a:xfrm>
+            <a:prstGeom prst="roundRect">
+              <a:avLst/>
+            </a:prstGeom>
+            <a:noFill/>
+            <a:ln>
+              <a:solidFill>
+                <a:schemeClr val="tx1"/>
+              </a:solidFill>
+            </a:ln>
+          </p:spPr>
+          <p:style>
+            <a:lnRef idx="2">
+              <a:schemeClr val="accent1">
+                <a:shade val="50000"/>
+              </a:schemeClr>
+            </a:lnRef>
+            <a:fillRef idx="1">
+              <a:schemeClr val="accent1"/>
+            </a:fillRef>
+            <a:effectRef idx="0">
+              <a:schemeClr val="accent1"/>
+            </a:effectRef>
+            <a:fontRef idx="minor">
+              <a:schemeClr val="lt1"/>
+            </a:fontRef>
+          </p:style>
+          <p:txBody>
+            <a:bodyPr rtlCol="0" anchor="ctr"/>
+            <a:lstStyle/>
+            <a:p>
+              <a:pPr algn="ctr"/>
+              <a:r>
+                <a:rPr lang="en-US" altLang="zh-CN" sz="900" dirty="0" err="1">
+                  <a:solidFill>
+                    <a:schemeClr val="tx1"/>
+                  </a:solidFill>
+                </a:rPr>
+                <a:t>zipkin</a:t>
+              </a:r>
+              <a:r>
+                <a:rPr lang="en-US" altLang="zh-CN" sz="900" dirty="0">
+                  <a:solidFill>
+                    <a:schemeClr val="tx1"/>
+                  </a:solidFill>
+                </a:rPr>
+                <a:t>-server</a:t>
+              </a:r>
+              <a:endParaRPr lang="zh-CN" altLang="en-US" sz="900" dirty="0">
+                <a:solidFill>
+                  <a:schemeClr val="tx1"/>
+                </a:solidFill>
+              </a:endParaRPr>
+            </a:p>
+          </p:txBody>
+        </p:sp>
+        <p:sp>
+          <p:nvSpPr>
+            <p:cNvPr id="149" name="矩形: 圆角 148">
+              <a:extLst>
+                <a:ext uri="{FF2B5EF4-FFF2-40B4-BE49-F238E27FC236}">
+                  <a16:creationId xmlns:a16="http://schemas.microsoft.com/office/drawing/2014/main" id="{385F6317-E158-426A-9A88-8FB313A6BC75}"/>
+                </a:ext>
+              </a:extLst>
+            </p:cNvPr>
+            <p:cNvSpPr/>
+            <p:nvPr/>
+          </p:nvSpPr>
+          <p:spPr>
+            <a:xfrm>
+              <a:off x="6139821" y="3145399"/>
+              <a:ext cx="606520" cy="336290"/>
+            </a:xfrm>
+            <a:prstGeom prst="roundRect">
+              <a:avLst/>
+            </a:prstGeom>
+            <a:noFill/>
+            <a:ln>
+              <a:solidFill>
+                <a:schemeClr val="tx1"/>
+              </a:solidFill>
+            </a:ln>
+          </p:spPr>
+          <p:style>
+            <a:lnRef idx="2">
+              <a:schemeClr val="accent1">
+                <a:shade val="50000"/>
+              </a:schemeClr>
+            </a:lnRef>
+            <a:fillRef idx="1">
+              <a:schemeClr val="accent1"/>
+            </a:fillRef>
+            <a:effectRef idx="0">
+              <a:schemeClr val="accent1"/>
+            </a:effectRef>
+            <a:fontRef idx="minor">
+              <a:schemeClr val="lt1"/>
+            </a:fontRef>
+          </p:style>
+          <p:txBody>
+            <a:bodyPr rtlCol="0" anchor="ctr"/>
+            <a:lstStyle/>
+            <a:p>
+              <a:pPr algn="ctr"/>
+              <a:r>
+                <a:rPr lang="en-US" altLang="zh-CN" sz="900" dirty="0">
+                  <a:solidFill>
+                    <a:schemeClr val="tx1"/>
+                  </a:solidFill>
+                </a:rPr>
+                <a:t>customized-</a:t>
+              </a:r>
+              <a:r>
+                <a:rPr lang="en-US" altLang="zh-CN" sz="900" dirty="0" err="1">
+                  <a:solidFill>
+                    <a:schemeClr val="tx1"/>
+                  </a:solidFill>
+                </a:rPr>
+                <a:t>ui</a:t>
+              </a:r>
+              <a:endParaRPr lang="zh-CN" altLang="en-US" sz="900" dirty="0">
+                <a:solidFill>
+                  <a:schemeClr val="tx1"/>
+                </a:solidFill>
+              </a:endParaRPr>
+            </a:p>
+          </p:txBody>
+        </p:sp>
+      </p:grpSp>
+      <p:cxnSp>
+        <p:nvCxnSpPr>
+          <p:cNvPr id="24" name="连接符: 肘形 23">
+            <a:extLst>
+              <a:ext uri="{FF2B5EF4-FFF2-40B4-BE49-F238E27FC236}">
+                <a16:creationId xmlns:a16="http://schemas.microsoft.com/office/drawing/2014/main" id="{9B1B1A1B-D0D6-4279-83F1-B2DC510A8D7F}"/>
+              </a:ext>
+            </a:extLst>
+          </p:cNvPr>
+          <p:cNvCxnSpPr>
+            <a:stCxn id="178" idx="3"/>
+            <a:endCxn id="138" idx="1"/>
+          </p:cNvCxnSpPr>
+          <p:nvPr/>
+        </p:nvCxnSpPr>
+        <p:spPr>
+          <a:xfrm flipV="1">
+            <a:off x="5312158" y="3256692"/>
+            <a:ext cx="1560283" cy="277321"/>
+          </a:xfrm>
+          <a:prstGeom prst="bentConnector3">
+            <a:avLst/>
+          </a:prstGeom>
+          <a:ln w="12700">
+            <a:solidFill>
+              <a:schemeClr val="tx1"/>
+            </a:solidFill>
+            <a:tailEnd type="triangle"/>
+          </a:ln>
+        </p:spPr>
+        <p:style>
+          <a:lnRef idx="1">
+            <a:schemeClr val="accent1"/>
+          </a:lnRef>
+          <a:fillRef idx="0">
+            <a:schemeClr val="accent1"/>
+          </a:fillRef>
+          <a:effectRef idx="0">
+            <a:schemeClr val="accent1"/>
+          </a:effectRef>
+          <a:fontRef idx="minor">
+            <a:schemeClr val="tx1"/>
+          </a:fontRef>
+        </p:style>
+      </p:cxnSp>
+      <p:cxnSp>
+        <p:nvCxnSpPr>
+          <p:cNvPr id="28" name="连接符: 肘形 27">
+            <a:extLst>
+              <a:ext uri="{FF2B5EF4-FFF2-40B4-BE49-F238E27FC236}">
+                <a16:creationId xmlns:a16="http://schemas.microsoft.com/office/drawing/2014/main" id="{27424B7F-862D-4114-8AEC-BD688BE15433}"/>
+              </a:ext>
+            </a:extLst>
+          </p:cNvPr>
+          <p:cNvCxnSpPr>
+            <a:stCxn id="138" idx="3"/>
+          </p:cNvCxnSpPr>
+          <p:nvPr/>
+        </p:nvCxnSpPr>
+        <p:spPr>
+          <a:xfrm>
+            <a:off x="7662381" y="3256692"/>
+            <a:ext cx="1470379" cy="182403"/>
+          </a:xfrm>
+          <a:prstGeom prst="bentConnector3">
+            <a:avLst/>
+          </a:prstGeom>
+          <a:ln w="12700">
+            <a:solidFill>
+              <a:schemeClr val="tx1"/>
+            </a:solidFill>
+            <a:tailEnd type="triangle"/>
+          </a:ln>
+        </p:spPr>
+        <p:style>
+          <a:lnRef idx="1">
+            <a:schemeClr val="accent1"/>
+          </a:lnRef>
+          <a:fillRef idx="0">
+            <a:schemeClr val="accent1"/>
+          </a:fillRef>
+          <a:effectRef idx="0">
+            <a:schemeClr val="accent1"/>
+          </a:effectRef>
+          <a:fontRef idx="minor">
+            <a:schemeClr val="tx1"/>
+          </a:fontRef>
+        </p:style>
+      </p:cxnSp>
+      <p:cxnSp>
+        <p:nvCxnSpPr>
+          <p:cNvPr id="231" name="直接箭头连接符 230">
+            <a:extLst>
+              <a:ext uri="{FF2B5EF4-FFF2-40B4-BE49-F238E27FC236}">
+                <a16:creationId xmlns:a16="http://schemas.microsoft.com/office/drawing/2014/main" id="{D28CD575-3354-427B-9250-0692575F9390}"/>
+              </a:ext>
+            </a:extLst>
+          </p:cNvPr>
+          <p:cNvCxnSpPr>
+            <a:stCxn id="16" idx="3"/>
+          </p:cNvCxnSpPr>
+          <p:nvPr/>
+        </p:nvCxnSpPr>
+        <p:spPr>
+          <a:xfrm flipV="1">
+            <a:off x="3478258" y="1122439"/>
+            <a:ext cx="5755237" cy="21810"/>
+          </a:xfrm>
+          <a:prstGeom prst="straightConnector1">
+            <a:avLst/>
+          </a:prstGeom>
+          <a:ln w="12700">
+            <a:solidFill>
+              <a:schemeClr val="tx1"/>
+            </a:solidFill>
+            <a:tailEnd type="triangle"/>
+          </a:ln>
+        </p:spPr>
+        <p:style>
+          <a:lnRef idx="1">
+            <a:schemeClr val="accent1"/>
+          </a:lnRef>
+          <a:fillRef idx="0">
+            <a:schemeClr val="accent1"/>
+          </a:fillRef>
+          <a:effectRef idx="0">
+            <a:schemeClr val="accent1"/>
+          </a:effectRef>
+          <a:fontRef idx="minor">
+            <a:schemeClr val="tx1"/>
+          </a:fontRef>
+        </p:style>
+      </p:cxnSp>
+      <p:cxnSp>
+        <p:nvCxnSpPr>
+          <p:cNvPr id="235" name="直接箭头连接符 234">
+            <a:extLst>
+              <a:ext uri="{FF2B5EF4-FFF2-40B4-BE49-F238E27FC236}">
+                <a16:creationId xmlns:a16="http://schemas.microsoft.com/office/drawing/2014/main" id="{F7A168A2-B332-4EC9-AC8F-FA899525FE9D}"/>
+              </a:ext>
+            </a:extLst>
+          </p:cNvPr>
+          <p:cNvCxnSpPr>
+            <a:stCxn id="160" idx="2"/>
+          </p:cNvCxnSpPr>
+          <p:nvPr/>
+        </p:nvCxnSpPr>
+        <p:spPr>
+          <a:xfrm>
+            <a:off x="9771616" y="2093054"/>
+            <a:ext cx="0" cy="655433"/>
+          </a:xfrm>
+          <a:prstGeom prst="straightConnector1">
+            <a:avLst/>
+          </a:prstGeom>
+          <a:ln w="12700">
+            <a:solidFill>
+              <a:schemeClr val="tx1"/>
+            </a:solidFill>
+            <a:tailEnd type="triangle"/>
+          </a:ln>
+        </p:spPr>
+        <p:style>
+          <a:lnRef idx="1">
+            <a:schemeClr val="accent1"/>
+          </a:lnRef>
+          <a:fillRef idx="0">
+            <a:schemeClr val="accent1"/>
+          </a:fillRef>
+          <a:effectRef idx="0">
+            <a:schemeClr val="accent1"/>
+          </a:effectRef>
+          <a:fontRef idx="minor">
+            <a:schemeClr val="tx1"/>
+          </a:fontRef>
+        </p:style>
+      </p:cxnSp>
+      <p:cxnSp>
+        <p:nvCxnSpPr>
+          <p:cNvPr id="14" name="连接符: 肘形 13">
+            <a:extLst>
+              <a:ext uri="{FF2B5EF4-FFF2-40B4-BE49-F238E27FC236}">
+                <a16:creationId xmlns:a16="http://schemas.microsoft.com/office/drawing/2014/main" id="{0994527D-0C8F-424C-B3AE-62201EBC1080}"/>
+              </a:ext>
+            </a:extLst>
+          </p:cNvPr>
+          <p:cNvCxnSpPr>
+            <a:cxnSpLocks/>
+          </p:cNvCxnSpPr>
+          <p:nvPr/>
+        </p:nvCxnSpPr>
+        <p:spPr>
+          <a:xfrm flipV="1">
+            <a:off x="9126365" y="4361006"/>
+            <a:ext cx="703907" cy="830006"/>
+          </a:xfrm>
+          <a:prstGeom prst="bentConnector2">
+            <a:avLst/>
+          </a:prstGeom>
+          <a:ln w="12700">
+            <a:solidFill>
+              <a:schemeClr val="tx1"/>
+            </a:solidFill>
+            <a:headEnd type="triangle"/>
+            <a:tailEnd type="triangle"/>
+          </a:ln>
+        </p:spPr>
+        <p:style>
+          <a:lnRef idx="1">
+            <a:schemeClr val="accent1"/>
+          </a:lnRef>
+          <a:fillRef idx="0">
+            <a:schemeClr val="accent1"/>
+          </a:fillRef>
+          <a:effectRef idx="0">
+            <a:schemeClr val="accent1"/>
+          </a:effectRef>
+          <a:fontRef idx="minor">
+            <a:schemeClr val="tx1"/>
+          </a:fontRef>
+        </p:style>
+      </p:cxnSp>
+      <p:cxnSp>
+        <p:nvCxnSpPr>
+          <p:cNvPr id="29" name="直接箭头连接符 28">
+            <a:extLst>
+              <a:ext uri="{FF2B5EF4-FFF2-40B4-BE49-F238E27FC236}">
+                <a16:creationId xmlns:a16="http://schemas.microsoft.com/office/drawing/2014/main" id="{518F0E5B-7274-4F3D-949E-8AA7297AF067}"/>
+              </a:ext>
+            </a:extLst>
+          </p:cNvPr>
+          <p:cNvCxnSpPr/>
+          <p:nvPr/>
+        </p:nvCxnSpPr>
+        <p:spPr>
+          <a:xfrm>
+            <a:off x="5366500" y="5391287"/>
+            <a:ext cx="2707778" cy="0"/>
+          </a:xfrm>
+          <a:prstGeom prst="straightConnector1">
+            <a:avLst/>
+          </a:prstGeom>
+          <a:ln w="12700">
+            <a:solidFill>
+              <a:schemeClr val="tx1"/>
+            </a:solidFill>
+            <a:tailEnd type="triangle"/>
+          </a:ln>
+        </p:spPr>
+        <p:style>
+          <a:lnRef idx="1">
+            <a:schemeClr val="accent1"/>
+          </a:lnRef>
+          <a:fillRef idx="0">
+            <a:schemeClr val="accent1"/>
+          </a:fillRef>
+          <a:effectRef idx="0">
+            <a:schemeClr val="accent1"/>
+          </a:effectRef>
+          <a:fontRef idx="minor">
+            <a:schemeClr val="tx1"/>
+          </a:fontRef>
+        </p:style>
+      </p:cxnSp>
+      <p:cxnSp>
+        <p:nvCxnSpPr>
+          <p:cNvPr id="31" name="连接符: 肘形 30">
+            <a:extLst>
+              <a:ext uri="{FF2B5EF4-FFF2-40B4-BE49-F238E27FC236}">
+                <a16:creationId xmlns:a16="http://schemas.microsoft.com/office/drawing/2014/main" id="{82A3D6DD-04DC-4D80-B5A9-D914432E2B12}"/>
+              </a:ext>
+            </a:extLst>
+          </p:cNvPr>
+          <p:cNvCxnSpPr>
+            <a:stCxn id="213" idx="0"/>
+            <a:endCxn id="149" idx="3"/>
+          </p:cNvCxnSpPr>
+          <p:nvPr/>
+        </p:nvCxnSpPr>
+        <p:spPr>
+          <a:xfrm rot="16200000" flipV="1">
+            <a:off x="7601014" y="3829865"/>
+            <a:ext cx="1018690" cy="876923"/>
+          </a:xfrm>
+          <a:prstGeom prst="bentConnector2">
+            <a:avLst/>
+          </a:prstGeom>
+          <a:ln w="12700">
+            <a:solidFill>
+              <a:schemeClr val="tx1"/>
+            </a:solidFill>
+            <a:tailEnd type="triangle"/>
+          </a:ln>
+        </p:spPr>
+        <p:style>
+          <a:lnRef idx="1">
+            <a:schemeClr val="accent1"/>
+          </a:lnRef>
+          <a:fillRef idx="0">
+            <a:schemeClr val="accent1"/>
+          </a:fillRef>
+          <a:effectRef idx="0">
+            <a:schemeClr val="accent1"/>
+          </a:effectRef>
+          <a:fontRef idx="minor">
+            <a:schemeClr val="tx1"/>
+          </a:fontRef>
+        </p:style>
+      </p:cxnSp>
+    </p:spTree>
+    <p:extLst>
+      <p:ext uri="{BB962C8B-B14F-4D97-AF65-F5344CB8AC3E}">
+        <p14:creationId xmlns:p14="http://schemas.microsoft.com/office/powerpoint/2010/main" val="2976283779"/>
+      </p:ext>
+    </p:extLst>
+  </p:cSld>
+  <p:clrMapOvr>
+    <a:masterClrMapping/>
+  </p:clrMapOvr>
+</p:sld>
+</file>
+
+<file path=ppt/slides/slide2.xml><?xml version="1.0" encoding="utf-8"?>
 <p:sld xmlns:a="http://schemas.openxmlformats.org/drawingml/2006/main" xmlns:r="http://schemas.openxmlformats.org/officeDocument/2006/relationships" xmlns:p="http://schemas.openxmlformats.org/presentationml/2006/main">
   <p:cSld>
     <p:spTree>
@@ -7061,7 +11826,7 @@
               <a:lstStyle/>
               <a:p>
                 <a:r>
-                  <a:rPr lang="en-US" altLang="zh-CN" sz="1400" dirty="0" err="1">
+                  <a:rPr lang="en-US" altLang="zh-CN" sz="1400" dirty="0">
                     <a:latin typeface="Arial Rounded MT Bold" panose="020F0704030504030204" pitchFamily="34" charset="0"/>
                   </a:rPr>
                   <a:t>Istio</a:t>
@@ -7359,7 +12124,7 @@
           <a:lstStyle/>
           <a:p>
             <a:r>
-              <a:rPr lang="en-US" altLang="zh-CN" sz="1600" dirty="0" err="1">
+              <a:rPr lang="en-US" altLang="zh-CN" sz="1600" dirty="0">
                 <a:latin typeface="Arial Rounded MT Bold" panose="020F0704030504030204" pitchFamily="34" charset="0"/>
               </a:rPr>
               <a:t>LogVisualization</a:t>
@@ -8124,4772 +12889,6 @@
 </p:sld>
 </file>
 
-<file path=ppt/slides/slide2.xml><?xml version="1.0" encoding="utf-8"?>
-<p:sld xmlns:a="http://schemas.openxmlformats.org/drawingml/2006/main" xmlns:r="http://schemas.openxmlformats.org/officeDocument/2006/relationships" xmlns:p="http://schemas.openxmlformats.org/presentationml/2006/main">
-  <p:cSld>
-    <p:spTree>
-      <p:nvGrpSpPr>
-        <p:cNvPr id="1" name=""/>
-        <p:cNvGrpSpPr/>
-        <p:nvPr/>
-      </p:nvGrpSpPr>
-      <p:grpSpPr>
-        <a:xfrm>
-          <a:off x="0" y="0"/>
-          <a:ext cx="0" cy="0"/>
-          <a:chOff x="0" y="0"/>
-          <a:chExt cx="0" cy="0"/>
-        </a:xfrm>
-      </p:grpSpPr>
-      <p:sp>
-        <p:nvSpPr>
-          <p:cNvPr id="4" name="矩形 3">
-            <a:extLst>
-              <a:ext uri="{FF2B5EF4-FFF2-40B4-BE49-F238E27FC236}">
-                <a16:creationId xmlns:a16="http://schemas.microsoft.com/office/drawing/2014/main" id="{CD5B3467-2AD4-4D80-88E3-5CBBC71DDD47}"/>
-              </a:ext>
-            </a:extLst>
-          </p:cNvPr>
-          <p:cNvSpPr/>
-          <p:nvPr/>
-        </p:nvSpPr>
-        <p:spPr>
-          <a:xfrm>
-            <a:off x="574272" y="307808"/>
-            <a:ext cx="3933247" cy="6242383"/>
-          </a:xfrm>
-          <a:prstGeom prst="rect">
-            <a:avLst/>
-          </a:prstGeom>
-          <a:noFill/>
-          <a:ln w="19050">
-            <a:solidFill>
-              <a:schemeClr val="tx1"/>
-            </a:solidFill>
-          </a:ln>
-        </p:spPr>
-        <p:style>
-          <a:lnRef idx="2">
-            <a:schemeClr val="accent1">
-              <a:shade val="50000"/>
-            </a:schemeClr>
-          </a:lnRef>
-          <a:fillRef idx="1">
-            <a:schemeClr val="accent1"/>
-          </a:fillRef>
-          <a:effectRef idx="0">
-            <a:schemeClr val="accent1"/>
-          </a:effectRef>
-          <a:fontRef idx="minor">
-            <a:schemeClr val="lt1"/>
-          </a:fontRef>
-        </p:style>
-        <p:txBody>
-          <a:bodyPr rtlCol="0" anchor="ctr"/>
-          <a:lstStyle/>
-          <a:p>
-            <a:pPr algn="ctr"/>
-            <a:endParaRPr lang="zh-CN" altLang="en-US"/>
-          </a:p>
-        </p:txBody>
-      </p:sp>
-      <p:sp>
-        <p:nvSpPr>
-          <p:cNvPr id="8" name="文本框 7">
-            <a:extLst>
-              <a:ext uri="{FF2B5EF4-FFF2-40B4-BE49-F238E27FC236}">
-                <a16:creationId xmlns:a16="http://schemas.microsoft.com/office/drawing/2014/main" id="{FB546184-561B-4522-8A6C-A467932DF935}"/>
-              </a:ext>
-            </a:extLst>
-          </p:cNvPr>
-          <p:cNvSpPr txBox="1"/>
-          <p:nvPr/>
-        </p:nvSpPr>
-        <p:spPr>
-          <a:xfrm>
-            <a:off x="1840471" y="3145399"/>
-            <a:ext cx="430887" cy="402666"/>
-          </a:xfrm>
-          <a:prstGeom prst="rect">
-            <a:avLst/>
-          </a:prstGeom>
-          <a:noFill/>
-        </p:spPr>
-        <p:txBody>
-          <a:bodyPr vert="vert270" wrap="square" rtlCol="0" anchor="ctr" anchorCtr="1">
-            <a:spAutoFit/>
-          </a:bodyPr>
-          <a:lstStyle/>
-          <a:p>
-            <a:r>
-              <a:rPr lang="en-US" altLang="zh-CN" sz="1600" kern="0" spc="500" dirty="0">
-                <a:latin typeface="Arial Rounded MT Bold" panose="020F0704030504030204" pitchFamily="34" charset="0"/>
-              </a:rPr>
-              <a:t>…</a:t>
-            </a:r>
-            <a:endParaRPr lang="zh-CN" altLang="en-US" sz="1600" kern="0" spc="500" dirty="0">
-              <a:latin typeface="Arial Rounded MT Bold" panose="020F0704030504030204" pitchFamily="34" charset="0"/>
-            </a:endParaRPr>
-          </a:p>
-        </p:txBody>
-      </p:sp>
-      <p:grpSp>
-        <p:nvGrpSpPr>
-          <p:cNvPr id="98" name="组合 97">
-            <a:extLst>
-              <a:ext uri="{FF2B5EF4-FFF2-40B4-BE49-F238E27FC236}">
-                <a16:creationId xmlns:a16="http://schemas.microsoft.com/office/drawing/2014/main" id="{E6CB0459-1304-4F56-ACBE-1DE3A70729EF}"/>
-              </a:ext>
-            </a:extLst>
-          </p:cNvPr>
-          <p:cNvGrpSpPr/>
-          <p:nvPr/>
-        </p:nvGrpSpPr>
-        <p:grpSpPr>
-          <a:xfrm>
-            <a:off x="1098999" y="388741"/>
-            <a:ext cx="2006631" cy="2867091"/>
-            <a:chOff x="1539197" y="790508"/>
-            <a:chExt cx="2006631" cy="2867091"/>
-          </a:xfrm>
-        </p:grpSpPr>
-        <p:sp>
-          <p:nvSpPr>
-            <p:cNvPr id="7" name="矩形: 圆角 6">
-              <a:extLst>
-                <a:ext uri="{FF2B5EF4-FFF2-40B4-BE49-F238E27FC236}">
-                  <a16:creationId xmlns:a16="http://schemas.microsoft.com/office/drawing/2014/main" id="{409BAC9F-1571-4028-AC81-E675A0EE397B}"/>
-                </a:ext>
-              </a:extLst>
-            </p:cNvPr>
-            <p:cNvSpPr/>
-            <p:nvPr/>
-          </p:nvSpPr>
-          <p:spPr>
-            <a:xfrm>
-              <a:off x="1539197" y="810704"/>
-              <a:ext cx="2006631" cy="2846895"/>
-            </a:xfrm>
-            <a:prstGeom prst="roundRect">
-              <a:avLst/>
-            </a:prstGeom>
-            <a:noFill/>
-            <a:ln w="19050">
-              <a:solidFill>
-                <a:schemeClr val="tx1"/>
-              </a:solidFill>
-            </a:ln>
-          </p:spPr>
-          <p:style>
-            <a:lnRef idx="2">
-              <a:schemeClr val="accent1">
-                <a:shade val="50000"/>
-              </a:schemeClr>
-            </a:lnRef>
-            <a:fillRef idx="1">
-              <a:schemeClr val="accent1"/>
-            </a:fillRef>
-            <a:effectRef idx="0">
-              <a:schemeClr val="accent1"/>
-            </a:effectRef>
-            <a:fontRef idx="minor">
-              <a:schemeClr val="lt1"/>
-            </a:fontRef>
-          </p:style>
-          <p:txBody>
-            <a:bodyPr rtlCol="0" anchor="ctr"/>
-            <a:lstStyle/>
-            <a:p>
-              <a:pPr algn="ctr"/>
-              <a:endParaRPr lang="zh-CN" altLang="en-US"/>
-            </a:p>
-          </p:txBody>
-        </p:sp>
-        <p:sp>
-          <p:nvSpPr>
-            <p:cNvPr id="10" name="文本框 9">
-              <a:extLst>
-                <a:ext uri="{FF2B5EF4-FFF2-40B4-BE49-F238E27FC236}">
-                  <a16:creationId xmlns:a16="http://schemas.microsoft.com/office/drawing/2014/main" id="{111A9B66-1AF0-441A-97E9-97B791AC27B0}"/>
-                </a:ext>
-              </a:extLst>
-            </p:cNvPr>
-            <p:cNvSpPr txBox="1"/>
-            <p:nvPr/>
-          </p:nvSpPr>
-          <p:spPr>
-            <a:xfrm>
-              <a:off x="2127732" y="790508"/>
-              <a:ext cx="829558" cy="307777"/>
-            </a:xfrm>
-            <a:prstGeom prst="rect">
-              <a:avLst/>
-            </a:prstGeom>
-            <a:noFill/>
-          </p:spPr>
-          <p:txBody>
-            <a:bodyPr wrap="square" rtlCol="0">
-              <a:spAutoFit/>
-            </a:bodyPr>
-            <a:lstStyle/>
-            <a:p>
-              <a:r>
-                <a:rPr lang="en-US" altLang="zh-CN" sz="1400" dirty="0">
-                  <a:latin typeface="Arial Rounded MT Bold" panose="020F0704030504030204" pitchFamily="34" charset="0"/>
-                </a:rPr>
-                <a:t>Node 1</a:t>
-              </a:r>
-              <a:endParaRPr lang="zh-CN" altLang="en-US" sz="1400" dirty="0">
-                <a:latin typeface="Arial Rounded MT Bold" panose="020F0704030504030204" pitchFamily="34" charset="0"/>
-              </a:endParaRPr>
-            </a:p>
-          </p:txBody>
-        </p:sp>
-        <p:grpSp>
-          <p:nvGrpSpPr>
-            <p:cNvPr id="40" name="组合 39">
-              <a:extLst>
-                <a:ext uri="{FF2B5EF4-FFF2-40B4-BE49-F238E27FC236}">
-                  <a16:creationId xmlns:a16="http://schemas.microsoft.com/office/drawing/2014/main" id="{48203AA4-F473-44D8-BC4B-94B6E2634966}"/>
-                </a:ext>
-              </a:extLst>
-            </p:cNvPr>
-            <p:cNvGrpSpPr/>
-            <p:nvPr/>
-          </p:nvGrpSpPr>
-          <p:grpSpPr>
-            <a:xfrm>
-              <a:off x="2006030" y="1077467"/>
-              <a:ext cx="1072962" cy="717171"/>
-              <a:chOff x="5762699" y="1259083"/>
-              <a:chExt cx="1300997" cy="850728"/>
-            </a:xfrm>
-          </p:grpSpPr>
-          <p:grpSp>
-            <p:nvGrpSpPr>
-              <p:cNvPr id="15" name="组合 14">
-                <a:extLst>
-                  <a:ext uri="{FF2B5EF4-FFF2-40B4-BE49-F238E27FC236}">
-                    <a16:creationId xmlns:a16="http://schemas.microsoft.com/office/drawing/2014/main" id="{D1528CAE-FDEA-4690-BBAA-366E0B651747}"/>
-                  </a:ext>
-                </a:extLst>
-              </p:cNvPr>
-              <p:cNvGrpSpPr/>
-              <p:nvPr/>
-            </p:nvGrpSpPr>
-            <p:grpSpPr>
-              <a:xfrm>
-                <a:off x="5762699" y="1259083"/>
-                <a:ext cx="1277332" cy="848535"/>
-                <a:chOff x="5222449" y="1179815"/>
-                <a:chExt cx="1725106" cy="1181860"/>
-              </a:xfrm>
-            </p:grpSpPr>
-            <p:sp>
-              <p:nvSpPr>
-                <p:cNvPr id="16" name="矩形: 圆角 15">
-                  <a:extLst>
-                    <a:ext uri="{FF2B5EF4-FFF2-40B4-BE49-F238E27FC236}">
-                      <a16:creationId xmlns:a16="http://schemas.microsoft.com/office/drawing/2014/main" id="{79C75420-8861-4577-B365-F1908CEB2CA6}"/>
-                    </a:ext>
-                  </a:extLst>
-                </p:cNvPr>
-                <p:cNvSpPr/>
-                <p:nvPr/>
-              </p:nvSpPr>
-              <p:spPr>
-                <a:xfrm>
-                  <a:off x="5222449" y="1241030"/>
-                  <a:ext cx="1725106" cy="1120645"/>
-                </a:xfrm>
-                <a:prstGeom prst="roundRect">
-                  <a:avLst/>
-                </a:prstGeom>
-                <a:solidFill>
-                  <a:srgbClr val="0FF0F1"/>
-                </a:solidFill>
-                <a:ln>
-                  <a:solidFill>
-                    <a:schemeClr val="accent1"/>
-                  </a:solidFill>
-                </a:ln>
-              </p:spPr>
-              <p:style>
-                <a:lnRef idx="2">
-                  <a:schemeClr val="accent1">
-                    <a:shade val="50000"/>
-                  </a:schemeClr>
-                </a:lnRef>
-                <a:fillRef idx="1">
-                  <a:schemeClr val="accent1"/>
-                </a:fillRef>
-                <a:effectRef idx="0">
-                  <a:schemeClr val="accent1"/>
-                </a:effectRef>
-                <a:fontRef idx="minor">
-                  <a:schemeClr val="lt1"/>
-                </a:fontRef>
-              </p:style>
-              <p:txBody>
-                <a:bodyPr rtlCol="0" anchor="ctr"/>
-                <a:lstStyle/>
-                <a:p>
-                  <a:pPr algn="ctr"/>
-                  <a:endParaRPr lang="zh-CN" altLang="en-US" dirty="0"/>
-                </a:p>
-              </p:txBody>
-            </p:sp>
-            <p:sp>
-              <p:nvSpPr>
-                <p:cNvPr id="17" name="文本框 16">
-                  <a:extLst>
-                    <a:ext uri="{FF2B5EF4-FFF2-40B4-BE49-F238E27FC236}">
-                      <a16:creationId xmlns:a16="http://schemas.microsoft.com/office/drawing/2014/main" id="{03599BA0-689E-4F78-9C2D-1421805BFFE6}"/>
-                    </a:ext>
-                  </a:extLst>
-                </p:cNvPr>
-                <p:cNvSpPr txBox="1"/>
-                <p:nvPr/>
-              </p:nvSpPr>
-              <p:spPr>
-                <a:xfrm>
-                  <a:off x="5741462" y="1179815"/>
-                  <a:ext cx="800740" cy="406808"/>
-                </a:xfrm>
-                <a:prstGeom prst="rect">
-                  <a:avLst/>
-                </a:prstGeom>
-                <a:noFill/>
-              </p:spPr>
-              <p:txBody>
-                <a:bodyPr wrap="square" rtlCol="0">
-                  <a:spAutoFit/>
-                </a:bodyPr>
-                <a:lstStyle/>
-                <a:p>
-                  <a:r>
-                    <a:rPr lang="en-US" altLang="zh-CN" sz="1000" dirty="0">
-                      <a:latin typeface="Arial Rounded MT Bold" panose="020F0704030504030204" pitchFamily="34" charset="0"/>
-                    </a:rPr>
-                    <a:t>Pod</a:t>
-                  </a:r>
-                  <a:endParaRPr lang="zh-CN" altLang="en-US" sz="1000" dirty="0">
-                    <a:latin typeface="Arial Rounded MT Bold" panose="020F0704030504030204" pitchFamily="34" charset="0"/>
-                  </a:endParaRPr>
-                </a:p>
-              </p:txBody>
-            </p:sp>
-            <p:sp>
-              <p:nvSpPr>
-                <p:cNvPr id="18" name="矩形: 圆角 17">
-                  <a:extLst>
-                    <a:ext uri="{FF2B5EF4-FFF2-40B4-BE49-F238E27FC236}">
-                      <a16:creationId xmlns:a16="http://schemas.microsoft.com/office/drawing/2014/main" id="{ACE6589E-646A-459A-BBA2-B14534E64469}"/>
-                    </a:ext>
-                  </a:extLst>
-                </p:cNvPr>
-                <p:cNvSpPr/>
-                <p:nvPr/>
-              </p:nvSpPr>
-              <p:spPr>
-                <a:xfrm>
-                  <a:off x="5627802" y="1522586"/>
-                  <a:ext cx="914400" cy="556181"/>
-                </a:xfrm>
-                <a:prstGeom prst="roundRect">
-                  <a:avLst/>
-                </a:prstGeom>
-                <a:solidFill>
-                  <a:srgbClr val="BFFFBF"/>
-                </a:solidFill>
-                <a:ln>
-                  <a:solidFill>
-                    <a:schemeClr val="accent1"/>
-                  </a:solidFill>
-                </a:ln>
-              </p:spPr>
-              <p:style>
-                <a:lnRef idx="2">
-                  <a:schemeClr val="accent1">
-                    <a:shade val="50000"/>
-                  </a:schemeClr>
-                </a:lnRef>
-                <a:fillRef idx="1">
-                  <a:schemeClr val="accent1"/>
-                </a:fillRef>
-                <a:effectRef idx="0">
-                  <a:schemeClr val="accent1"/>
-                </a:effectRef>
-                <a:fontRef idx="minor">
-                  <a:schemeClr val="lt1"/>
-                </a:fontRef>
-              </p:style>
-              <p:txBody>
-                <a:bodyPr rtlCol="0" anchor="ctr"/>
-                <a:lstStyle/>
-                <a:p>
-                  <a:pPr algn="ctr"/>
-                  <a:endParaRPr lang="zh-CN" altLang="en-US"/>
-                </a:p>
-              </p:txBody>
-            </p:sp>
-          </p:grpSp>
-          <p:sp>
-            <p:nvSpPr>
-              <p:cNvPr id="19" name="文本框 18">
-                <a:extLst>
-                  <a:ext uri="{FF2B5EF4-FFF2-40B4-BE49-F238E27FC236}">
-                    <a16:creationId xmlns:a16="http://schemas.microsoft.com/office/drawing/2014/main" id="{E5651CEA-4E1C-4D3C-AFB8-8DBF6EE12FFD}"/>
-                  </a:ext>
-                </a:extLst>
-              </p:cNvPr>
-              <p:cNvSpPr txBox="1"/>
-              <p:nvPr/>
-            </p:nvSpPr>
-            <p:spPr>
-              <a:xfrm>
-                <a:off x="5786364" y="1890755"/>
-                <a:ext cx="1277332" cy="219056"/>
-              </a:xfrm>
-              <a:prstGeom prst="rect">
-                <a:avLst/>
-              </a:prstGeom>
-              <a:noFill/>
-            </p:spPr>
-            <p:txBody>
-              <a:bodyPr wrap="square" rtlCol="0">
-                <a:spAutoFit/>
-              </a:bodyPr>
-              <a:lstStyle/>
-              <a:p>
-                <a:r>
-                  <a:rPr lang="en-US" altLang="zh-CN" sz="600" dirty="0" err="1">
-                    <a:latin typeface="Arial Rounded MT Bold" panose="020F0704030504030204" pitchFamily="34" charset="0"/>
-                  </a:rPr>
-                  <a:t>Filebeat</a:t>
-                </a:r>
-                <a:r>
-                  <a:rPr lang="en-US" altLang="zh-CN" sz="600" dirty="0">
-                    <a:latin typeface="Arial Rounded MT Bold" panose="020F0704030504030204" pitchFamily="34" charset="0"/>
-                  </a:rPr>
-                  <a:t> as </a:t>
-                </a:r>
-                <a:r>
-                  <a:rPr lang="en-US" altLang="zh-CN" sz="600" dirty="0" err="1">
-                    <a:latin typeface="Arial Rounded MT Bold" panose="020F0704030504030204" pitchFamily="34" charset="0"/>
-                  </a:rPr>
-                  <a:t>DaemonSet</a:t>
-                </a:r>
-                <a:endParaRPr lang="zh-CN" altLang="en-US" sz="600" dirty="0">
-                  <a:latin typeface="Arial Rounded MT Bold" panose="020F0704030504030204" pitchFamily="34" charset="0"/>
-                </a:endParaRPr>
-              </a:p>
-            </p:txBody>
-          </p:sp>
-          <p:pic>
-            <p:nvPicPr>
-              <p:cNvPr id="35" name="图片 34">
-                <a:extLst>
-                  <a:ext uri="{FF2B5EF4-FFF2-40B4-BE49-F238E27FC236}">
-                    <a16:creationId xmlns:a16="http://schemas.microsoft.com/office/drawing/2014/main" id="{6651F26B-2EE7-4AF1-81F1-9D1278CBAE58}"/>
-                  </a:ext>
-                </a:extLst>
-              </p:cNvPr>
-              <p:cNvPicPr>
-                <a:picLocks noChangeAspect="1"/>
-              </p:cNvPicPr>
-              <p:nvPr/>
-            </p:nvPicPr>
-            <p:blipFill>
-              <a:blip r:embed="rId2">
-                <a:extLst>
-                  <a:ext uri="{28A0092B-C50C-407E-A947-70E740481C1C}">
-                    <a14:useLocalDpi xmlns:a14="http://schemas.microsoft.com/office/drawing/2010/main" val="0"/>
-                  </a:ext>
-                </a:extLst>
-              </a:blip>
-              <a:stretch>
-                <a:fillRect/>
-              </a:stretch>
-            </p:blipFill>
-            <p:spPr>
-              <a:xfrm>
-                <a:off x="6182440" y="1505181"/>
-                <a:ext cx="397518" cy="393543"/>
-              </a:xfrm>
-              <a:prstGeom prst="rect">
-                <a:avLst/>
-              </a:prstGeom>
-            </p:spPr>
-          </p:pic>
-        </p:grpSp>
-        <p:grpSp>
-          <p:nvGrpSpPr>
-            <p:cNvPr id="48" name="组合 47">
-              <a:extLst>
-                <a:ext uri="{FF2B5EF4-FFF2-40B4-BE49-F238E27FC236}">
-                  <a16:creationId xmlns:a16="http://schemas.microsoft.com/office/drawing/2014/main" id="{7D83A4FE-E922-4148-A332-2005BF5866D9}"/>
-                </a:ext>
-              </a:extLst>
-            </p:cNvPr>
-            <p:cNvGrpSpPr/>
-            <p:nvPr/>
-          </p:nvGrpSpPr>
-          <p:grpSpPr>
-            <a:xfrm>
-              <a:off x="2011830" y="1901772"/>
-              <a:ext cx="1310697" cy="658721"/>
-              <a:chOff x="6059009" y="3101297"/>
-              <a:chExt cx="1645714" cy="848536"/>
-            </a:xfrm>
-          </p:grpSpPr>
-          <p:grpSp>
-            <p:nvGrpSpPr>
-              <p:cNvPr id="46" name="组合 45">
-                <a:extLst>
-                  <a:ext uri="{FF2B5EF4-FFF2-40B4-BE49-F238E27FC236}">
-                    <a16:creationId xmlns:a16="http://schemas.microsoft.com/office/drawing/2014/main" id="{E5C6A2FB-142C-48FA-A4F6-54B5DFC5903E}"/>
-                  </a:ext>
-                </a:extLst>
-              </p:cNvPr>
-              <p:cNvGrpSpPr/>
-              <p:nvPr/>
-            </p:nvGrpSpPr>
-            <p:grpSpPr>
-              <a:xfrm>
-                <a:off x="6059009" y="3101297"/>
-                <a:ext cx="1322707" cy="848536"/>
-                <a:chOff x="5775702" y="3122898"/>
-                <a:chExt cx="1322707" cy="848536"/>
-              </a:xfrm>
-            </p:grpSpPr>
-            <p:sp>
-              <p:nvSpPr>
-                <p:cNvPr id="27" name="AutoShape 2" descr="Logo">
-                  <a:extLst>
-                    <a:ext uri="{FF2B5EF4-FFF2-40B4-BE49-F238E27FC236}">
-                      <a16:creationId xmlns:a16="http://schemas.microsoft.com/office/drawing/2014/main" id="{92ADCC79-B1DC-458C-9F6D-1C76840B26CD}"/>
-                    </a:ext>
-                  </a:extLst>
-                </p:cNvPr>
-                <p:cNvSpPr>
-                  <a:spLocks noChangeAspect="1" noChangeArrowheads="1"/>
-                </p:cNvSpPr>
-                <p:nvPr/>
-              </p:nvSpPr>
-              <p:spPr bwMode="auto">
-                <a:xfrm>
-                  <a:off x="5943600" y="3276600"/>
-                  <a:ext cx="304800" cy="304800"/>
-                </a:xfrm>
-                <a:prstGeom prst="rect">
-                  <a:avLst/>
-                </a:prstGeom>
-                <a:noFill/>
-                <a:extLst>
-                  <a:ext uri="{909E8E84-426E-40DD-AFC4-6F175D3DCCD1}">
-                    <a14:hiddenFill xmlns:a14="http://schemas.microsoft.com/office/drawing/2010/main">
-                      <a:solidFill>
-                        <a:srgbClr val="FFFFFF"/>
-                      </a:solidFill>
-                    </a14:hiddenFill>
-                  </a:ext>
-                </a:extLst>
-              </p:spPr>
-              <p:txBody>
-                <a:bodyPr vert="horz" wrap="square" lIns="91440" tIns="45720" rIns="91440" bIns="45720" numCol="1" anchor="t" anchorCtr="0" compatLnSpc="1">
-                  <a:prstTxWarp prst="textNoShape">
-                    <a:avLst/>
-                  </a:prstTxWarp>
-                </a:bodyPr>
-                <a:lstStyle/>
-                <a:p>
-                  <a:endParaRPr lang="zh-CN" altLang="en-US"/>
-                </a:p>
-              </p:txBody>
-            </p:sp>
-            <p:grpSp>
-              <p:nvGrpSpPr>
-                <p:cNvPr id="45" name="组合 44">
-                  <a:extLst>
-                    <a:ext uri="{FF2B5EF4-FFF2-40B4-BE49-F238E27FC236}">
-                      <a16:creationId xmlns:a16="http://schemas.microsoft.com/office/drawing/2014/main" id="{DB473681-2315-489E-A0D1-394F07DDE3AF}"/>
-                    </a:ext>
-                  </a:extLst>
-                </p:cNvPr>
-                <p:cNvGrpSpPr/>
-                <p:nvPr/>
-              </p:nvGrpSpPr>
-              <p:grpSpPr>
-                <a:xfrm>
-                  <a:off x="5775702" y="3122898"/>
-                  <a:ext cx="1322707" cy="848536"/>
-                  <a:chOff x="5775702" y="3122898"/>
-                  <a:chExt cx="1322707" cy="848536"/>
-                </a:xfrm>
-              </p:grpSpPr>
-              <p:grpSp>
-                <p:nvGrpSpPr>
-                  <p:cNvPr id="20" name="组合 19">
-                    <a:extLst>
-                      <a:ext uri="{FF2B5EF4-FFF2-40B4-BE49-F238E27FC236}">
-                        <a16:creationId xmlns:a16="http://schemas.microsoft.com/office/drawing/2014/main" id="{DA0A925F-522F-48B7-9972-6313ED7D10D8}"/>
-                      </a:ext>
-                    </a:extLst>
-                  </p:cNvPr>
-                  <p:cNvGrpSpPr/>
-                  <p:nvPr/>
-                </p:nvGrpSpPr>
-                <p:grpSpPr>
-                  <a:xfrm>
-                    <a:off x="5775702" y="3122898"/>
-                    <a:ext cx="1322707" cy="848536"/>
-                    <a:chOff x="5222449" y="1179815"/>
-                    <a:chExt cx="1786387" cy="1181863"/>
-                  </a:xfrm>
-                </p:grpSpPr>
-                <p:sp>
-                  <p:nvSpPr>
-                    <p:cNvPr id="21" name="矩形: 圆角 20">
-                      <a:extLst>
-                        <a:ext uri="{FF2B5EF4-FFF2-40B4-BE49-F238E27FC236}">
-                          <a16:creationId xmlns:a16="http://schemas.microsoft.com/office/drawing/2014/main" id="{F07BC399-5DB5-48FF-8323-95E1CBC2BE99}"/>
-                        </a:ext>
-                      </a:extLst>
-                    </p:cNvPr>
-                    <p:cNvSpPr/>
-                    <p:nvPr/>
-                  </p:nvSpPr>
-                  <p:spPr>
-                    <a:xfrm>
-                      <a:off x="5222449" y="1211265"/>
-                      <a:ext cx="1786387" cy="1150413"/>
-                    </a:xfrm>
-                    <a:prstGeom prst="roundRect">
-                      <a:avLst/>
-                    </a:prstGeom>
-                    <a:solidFill>
-                      <a:srgbClr val="0FF0F1"/>
-                    </a:solidFill>
-                    <a:ln>
-                      <a:solidFill>
-                        <a:schemeClr val="accent1"/>
-                      </a:solidFill>
-                    </a:ln>
-                  </p:spPr>
-                  <p:style>
-                    <a:lnRef idx="2">
-                      <a:schemeClr val="accent1">
-                        <a:shade val="50000"/>
-                      </a:schemeClr>
-                    </a:lnRef>
-                    <a:fillRef idx="1">
-                      <a:schemeClr val="accent1"/>
-                    </a:fillRef>
-                    <a:effectRef idx="0">
-                      <a:schemeClr val="accent1"/>
-                    </a:effectRef>
-                    <a:fontRef idx="minor">
-                      <a:schemeClr val="lt1"/>
-                    </a:fontRef>
-                  </p:style>
-                  <p:txBody>
-                    <a:bodyPr rtlCol="0" anchor="ctr"/>
-                    <a:lstStyle/>
-                    <a:p>
-                      <a:pPr algn="ctr"/>
-                      <a:endParaRPr lang="zh-CN" altLang="en-US"/>
-                    </a:p>
-                  </p:txBody>
-                </p:sp>
-                <p:sp>
-                  <p:nvSpPr>
-                    <p:cNvPr id="22" name="文本框 21">
-                      <a:extLst>
-                        <a:ext uri="{FF2B5EF4-FFF2-40B4-BE49-F238E27FC236}">
-                          <a16:creationId xmlns:a16="http://schemas.microsoft.com/office/drawing/2014/main" id="{32A74A8B-84F6-4D56-AD3E-44E227A28488}"/>
-                        </a:ext>
-                      </a:extLst>
-                    </p:cNvPr>
-                    <p:cNvSpPr txBox="1"/>
-                    <p:nvPr/>
-                  </p:nvSpPr>
-                  <p:spPr>
-                    <a:xfrm>
-                      <a:off x="5741459" y="1179815"/>
-                      <a:ext cx="840064" cy="672357"/>
-                    </a:xfrm>
-                    <a:prstGeom prst="rect">
-                      <a:avLst/>
-                    </a:prstGeom>
-                    <a:noFill/>
-                  </p:spPr>
-                  <p:txBody>
-                    <a:bodyPr wrap="square" rtlCol="0">
-                      <a:spAutoFit/>
-                    </a:bodyPr>
-                    <a:lstStyle/>
-                    <a:p>
-                      <a:r>
-                        <a:rPr lang="en-US" altLang="zh-CN" sz="1000" dirty="0">
-                          <a:latin typeface="Arial Rounded MT Bold" panose="020F0704030504030204" pitchFamily="34" charset="0"/>
-                        </a:rPr>
-                        <a:t>Pod</a:t>
-                      </a:r>
-                      <a:endParaRPr lang="zh-CN" altLang="en-US" sz="1000" dirty="0">
-                        <a:latin typeface="Arial Rounded MT Bold" panose="020F0704030504030204" pitchFamily="34" charset="0"/>
-                      </a:endParaRPr>
-                    </a:p>
-                  </p:txBody>
-                </p:sp>
-                <p:sp>
-                  <p:nvSpPr>
-                    <p:cNvPr id="23" name="矩形: 圆角 22">
-                      <a:extLst>
-                        <a:ext uri="{FF2B5EF4-FFF2-40B4-BE49-F238E27FC236}">
-                          <a16:creationId xmlns:a16="http://schemas.microsoft.com/office/drawing/2014/main" id="{031C34A3-840E-42CE-8243-216BB6C38418}"/>
-                        </a:ext>
-                      </a:extLst>
-                    </p:cNvPr>
-                    <p:cNvSpPr/>
-                    <p:nvPr/>
-                  </p:nvSpPr>
-                  <p:spPr>
-                    <a:xfrm>
-                      <a:off x="5319347" y="1539319"/>
-                      <a:ext cx="692869" cy="504980"/>
-                    </a:xfrm>
-                    <a:prstGeom prst="roundRect">
-                      <a:avLst/>
-                    </a:prstGeom>
-                    <a:solidFill>
-                      <a:srgbClr val="BFFFBF"/>
-                    </a:solidFill>
-                    <a:ln>
-                      <a:solidFill>
-                        <a:schemeClr val="accent1"/>
-                      </a:solidFill>
-                    </a:ln>
-                  </p:spPr>
-                  <p:style>
-                    <a:lnRef idx="2">
-                      <a:schemeClr val="accent1">
-                        <a:shade val="50000"/>
-                      </a:schemeClr>
-                    </a:lnRef>
-                    <a:fillRef idx="1">
-                      <a:schemeClr val="accent1"/>
-                    </a:fillRef>
-                    <a:effectRef idx="0">
-                      <a:schemeClr val="accent1"/>
-                    </a:effectRef>
-                    <a:fontRef idx="minor">
-                      <a:schemeClr val="lt1"/>
-                    </a:fontRef>
-                  </p:style>
-                  <p:txBody>
-                    <a:bodyPr rtlCol="0" anchor="ctr"/>
-                    <a:lstStyle/>
-                    <a:p>
-                      <a:pPr algn="ctr"/>
-                      <a:endParaRPr lang="zh-CN" altLang="en-US" dirty="0"/>
-                    </a:p>
-                  </p:txBody>
-                </p:sp>
-              </p:grpSp>
-              <p:grpSp>
-                <p:nvGrpSpPr>
-                  <p:cNvPr id="44" name="组合 43">
-                    <a:extLst>
-                      <a:ext uri="{FF2B5EF4-FFF2-40B4-BE49-F238E27FC236}">
-                        <a16:creationId xmlns:a16="http://schemas.microsoft.com/office/drawing/2014/main" id="{01219974-6BDD-4CA1-8FF9-4300C7A12B98}"/>
-                      </a:ext>
-                    </a:extLst>
-                  </p:cNvPr>
-                  <p:cNvGrpSpPr/>
-                  <p:nvPr/>
-                </p:nvGrpSpPr>
-                <p:grpSpPr>
-                  <a:xfrm>
-                    <a:off x="5880415" y="3365970"/>
-                    <a:ext cx="1115990" cy="411524"/>
-                    <a:chOff x="5880415" y="3365970"/>
-                    <a:chExt cx="1115990" cy="411524"/>
-                  </a:xfrm>
-                </p:grpSpPr>
-                <p:sp>
-                  <p:nvSpPr>
-                    <p:cNvPr id="26" name="矩形: 圆角 25">
-                      <a:extLst>
-                        <a:ext uri="{FF2B5EF4-FFF2-40B4-BE49-F238E27FC236}">
-                          <a16:creationId xmlns:a16="http://schemas.microsoft.com/office/drawing/2014/main" id="{1A578813-747D-4155-B0BC-78435A763EC7}"/>
-                        </a:ext>
-                      </a:extLst>
-                    </p:cNvPr>
-                    <p:cNvSpPr/>
-                    <p:nvPr/>
-                  </p:nvSpPr>
-                  <p:spPr>
-                    <a:xfrm>
-                      <a:off x="6483379" y="3381008"/>
-                      <a:ext cx="513026" cy="362558"/>
-                    </a:xfrm>
-                    <a:prstGeom prst="roundRect">
-                      <a:avLst/>
-                    </a:prstGeom>
-                    <a:solidFill>
-                      <a:srgbClr val="BFFFBF"/>
-                    </a:solidFill>
-                    <a:ln>
-                      <a:solidFill>
-                        <a:schemeClr val="accent1"/>
-                      </a:solidFill>
-                    </a:ln>
-                  </p:spPr>
-                  <p:style>
-                    <a:lnRef idx="2">
-                      <a:schemeClr val="accent1">
-                        <a:shade val="50000"/>
-                      </a:schemeClr>
-                    </a:lnRef>
-                    <a:fillRef idx="1">
-                      <a:schemeClr val="accent1"/>
-                    </a:fillRef>
-                    <a:effectRef idx="0">
-                      <a:schemeClr val="accent1"/>
-                    </a:effectRef>
-                    <a:fontRef idx="minor">
-                      <a:schemeClr val="lt1"/>
-                    </a:fontRef>
-                  </p:style>
-                  <p:txBody>
-                    <a:bodyPr rtlCol="0" anchor="ctr"/>
-                    <a:lstStyle/>
-                    <a:p>
-                      <a:pPr algn="ctr"/>
-                      <a:endParaRPr lang="zh-CN" altLang="en-US" dirty="0"/>
-                    </a:p>
-                  </p:txBody>
-                </p:sp>
-                <p:pic>
-                  <p:nvPicPr>
-                    <p:cNvPr id="33" name="图片 32">
-                      <a:extLst>
-                        <a:ext uri="{FF2B5EF4-FFF2-40B4-BE49-F238E27FC236}">
-                          <a16:creationId xmlns:a16="http://schemas.microsoft.com/office/drawing/2014/main" id="{995F33F6-B9F1-4E96-BC4B-55C3A0C50524}"/>
-                        </a:ext>
-                      </a:extLst>
-                    </p:cNvPr>
-                    <p:cNvPicPr>
-                      <a:picLocks noChangeAspect="1"/>
-                    </p:cNvPicPr>
-                    <p:nvPr/>
-                  </p:nvPicPr>
-                  <p:blipFill>
-                    <a:blip r:embed="rId3">
-                      <a:extLst>
-                        <a:ext uri="{28A0092B-C50C-407E-A947-70E740481C1C}">
-                          <a14:useLocalDpi xmlns:a14="http://schemas.microsoft.com/office/drawing/2010/main" val="0"/>
-                        </a:ext>
-                      </a:extLst>
-                    </a:blip>
-                    <a:stretch>
-                      <a:fillRect/>
-                    </a:stretch>
-                  </p:blipFill>
-                  <p:spPr>
-                    <a:xfrm>
-                      <a:off x="5880415" y="3365970"/>
-                      <a:ext cx="446709" cy="411524"/>
-                    </a:xfrm>
-                    <a:prstGeom prst="rect">
-                      <a:avLst/>
-                    </a:prstGeom>
-                  </p:spPr>
-                </p:pic>
-                <p:pic>
-                  <p:nvPicPr>
-                    <p:cNvPr id="39" name="图片 38">
-                      <a:extLst>
-                        <a:ext uri="{FF2B5EF4-FFF2-40B4-BE49-F238E27FC236}">
-                          <a16:creationId xmlns:a16="http://schemas.microsoft.com/office/drawing/2014/main" id="{2F89BE69-78C4-4D08-B72F-A0612487E868}"/>
-                        </a:ext>
-                      </a:extLst>
-                    </p:cNvPr>
-                    <p:cNvPicPr>
-                      <a:picLocks noChangeAspect="1"/>
-                    </p:cNvPicPr>
-                    <p:nvPr/>
-                  </p:nvPicPr>
-                  <p:blipFill>
-                    <a:blip r:embed="rId4">
-                      <a:extLst>
-                        <a:ext uri="{28A0092B-C50C-407E-A947-70E740481C1C}">
-                          <a14:useLocalDpi xmlns:a14="http://schemas.microsoft.com/office/drawing/2010/main" val="0"/>
-                        </a:ext>
-                      </a:extLst>
-                    </a:blip>
-                    <a:stretch>
-                      <a:fillRect/>
-                    </a:stretch>
-                  </p:blipFill>
-                  <p:spPr>
-                    <a:xfrm>
-                      <a:off x="6543522" y="3403835"/>
-                      <a:ext cx="409821" cy="302444"/>
-                    </a:xfrm>
-                    <a:prstGeom prst="rect">
-                      <a:avLst/>
-                    </a:prstGeom>
-                  </p:spPr>
-                </p:pic>
-              </p:grpSp>
-            </p:grpSp>
-          </p:grpSp>
-          <p:sp>
-            <p:nvSpPr>
-              <p:cNvPr id="47" name="文本框 46">
-                <a:extLst>
-                  <a:ext uri="{FF2B5EF4-FFF2-40B4-BE49-F238E27FC236}">
-                    <a16:creationId xmlns:a16="http://schemas.microsoft.com/office/drawing/2014/main" id="{EC2CB09B-FEC3-4FCD-9C05-1866ABE6A8F1}"/>
-                  </a:ext>
-                </a:extLst>
-              </p:cNvPr>
-              <p:cNvSpPr txBox="1"/>
-              <p:nvPr/>
-            </p:nvSpPr>
-            <p:spPr>
-              <a:xfrm>
-                <a:off x="6213598" y="3712600"/>
-                <a:ext cx="1491125" cy="222798"/>
-              </a:xfrm>
-              <a:prstGeom prst="rect">
-                <a:avLst/>
-              </a:prstGeom>
-              <a:noFill/>
-            </p:spPr>
-            <p:txBody>
-              <a:bodyPr wrap="square" rtlCol="0">
-                <a:spAutoFit/>
-              </a:bodyPr>
-              <a:lstStyle/>
-              <a:p>
-                <a:r>
-                  <a:rPr lang="en-US" altLang="zh-CN" sz="600" dirty="0">
-                    <a:latin typeface="Arial Rounded MT Bold" panose="020F0704030504030204" pitchFamily="34" charset="0"/>
-                  </a:rPr>
-                  <a:t>Envoy as sidecar</a:t>
-                </a:r>
-                <a:endParaRPr lang="zh-CN" altLang="en-US" sz="600" dirty="0">
-                  <a:latin typeface="Arial Rounded MT Bold" panose="020F0704030504030204" pitchFamily="34" charset="0"/>
-                </a:endParaRPr>
-              </a:p>
-            </p:txBody>
-          </p:sp>
-        </p:grpSp>
-        <p:grpSp>
-          <p:nvGrpSpPr>
-            <p:cNvPr id="49" name="组合 48">
-              <a:extLst>
-                <a:ext uri="{FF2B5EF4-FFF2-40B4-BE49-F238E27FC236}">
-                  <a16:creationId xmlns:a16="http://schemas.microsoft.com/office/drawing/2014/main" id="{5991C566-220A-49FD-9D68-10F06165F7D3}"/>
-                </a:ext>
-              </a:extLst>
-            </p:cNvPr>
-            <p:cNvGrpSpPr/>
-            <p:nvPr/>
-          </p:nvGrpSpPr>
-          <p:grpSpPr>
-            <a:xfrm>
-              <a:off x="2024693" y="2877534"/>
-              <a:ext cx="1310697" cy="658721"/>
-              <a:chOff x="6059009" y="3101297"/>
-              <a:chExt cx="1645714" cy="848536"/>
-            </a:xfrm>
-          </p:grpSpPr>
-          <p:grpSp>
-            <p:nvGrpSpPr>
-              <p:cNvPr id="50" name="组合 49">
-                <a:extLst>
-                  <a:ext uri="{FF2B5EF4-FFF2-40B4-BE49-F238E27FC236}">
-                    <a16:creationId xmlns:a16="http://schemas.microsoft.com/office/drawing/2014/main" id="{4F69DA83-BB9B-404E-A005-0DB8E19F700F}"/>
-                  </a:ext>
-                </a:extLst>
-              </p:cNvPr>
-              <p:cNvGrpSpPr/>
-              <p:nvPr/>
-            </p:nvGrpSpPr>
-            <p:grpSpPr>
-              <a:xfrm>
-                <a:off x="6059009" y="3101297"/>
-                <a:ext cx="1322707" cy="848536"/>
-                <a:chOff x="5775702" y="3122898"/>
-                <a:chExt cx="1322707" cy="848536"/>
-              </a:xfrm>
-            </p:grpSpPr>
-            <p:sp>
-              <p:nvSpPr>
-                <p:cNvPr id="52" name="AutoShape 2" descr="Logo">
-                  <a:extLst>
-                    <a:ext uri="{FF2B5EF4-FFF2-40B4-BE49-F238E27FC236}">
-                      <a16:creationId xmlns:a16="http://schemas.microsoft.com/office/drawing/2014/main" id="{48531821-A1A5-4E6E-8245-4CC8ED3B7091}"/>
-                    </a:ext>
-                  </a:extLst>
-                </p:cNvPr>
-                <p:cNvSpPr>
-                  <a:spLocks noChangeAspect="1" noChangeArrowheads="1"/>
-                </p:cNvSpPr>
-                <p:nvPr/>
-              </p:nvSpPr>
-              <p:spPr bwMode="auto">
-                <a:xfrm>
-                  <a:off x="5943600" y="3276600"/>
-                  <a:ext cx="304800" cy="304800"/>
-                </a:xfrm>
-                <a:prstGeom prst="rect">
-                  <a:avLst/>
-                </a:prstGeom>
-                <a:noFill/>
-                <a:extLst>
-                  <a:ext uri="{909E8E84-426E-40DD-AFC4-6F175D3DCCD1}">
-                    <a14:hiddenFill xmlns:a14="http://schemas.microsoft.com/office/drawing/2010/main">
-                      <a:solidFill>
-                        <a:srgbClr val="FFFFFF"/>
-                      </a:solidFill>
-                    </a14:hiddenFill>
-                  </a:ext>
-                </a:extLst>
-              </p:spPr>
-              <p:txBody>
-                <a:bodyPr vert="horz" wrap="square" lIns="91440" tIns="45720" rIns="91440" bIns="45720" numCol="1" anchor="t" anchorCtr="0" compatLnSpc="1">
-                  <a:prstTxWarp prst="textNoShape">
-                    <a:avLst/>
-                  </a:prstTxWarp>
-                </a:bodyPr>
-                <a:lstStyle/>
-                <a:p>
-                  <a:endParaRPr lang="zh-CN" altLang="en-US"/>
-                </a:p>
-              </p:txBody>
-            </p:sp>
-            <p:grpSp>
-              <p:nvGrpSpPr>
-                <p:cNvPr id="53" name="组合 52">
-                  <a:extLst>
-                    <a:ext uri="{FF2B5EF4-FFF2-40B4-BE49-F238E27FC236}">
-                      <a16:creationId xmlns:a16="http://schemas.microsoft.com/office/drawing/2014/main" id="{97D3AE21-7AC3-4ADD-9F82-E35FD90A85A2}"/>
-                    </a:ext>
-                  </a:extLst>
-                </p:cNvPr>
-                <p:cNvGrpSpPr/>
-                <p:nvPr/>
-              </p:nvGrpSpPr>
-              <p:grpSpPr>
-                <a:xfrm>
-                  <a:off x="5775702" y="3122898"/>
-                  <a:ext cx="1322707" cy="848536"/>
-                  <a:chOff x="5775702" y="3122898"/>
-                  <a:chExt cx="1322707" cy="848536"/>
-                </a:xfrm>
-              </p:grpSpPr>
-              <p:grpSp>
-                <p:nvGrpSpPr>
-                  <p:cNvPr id="54" name="组合 53">
-                    <a:extLst>
-                      <a:ext uri="{FF2B5EF4-FFF2-40B4-BE49-F238E27FC236}">
-                        <a16:creationId xmlns:a16="http://schemas.microsoft.com/office/drawing/2014/main" id="{7A6F9188-21EF-4477-BD13-3E6A2BC268E6}"/>
-                      </a:ext>
-                    </a:extLst>
-                  </p:cNvPr>
-                  <p:cNvGrpSpPr/>
-                  <p:nvPr/>
-                </p:nvGrpSpPr>
-                <p:grpSpPr>
-                  <a:xfrm>
-                    <a:off x="5775702" y="3122898"/>
-                    <a:ext cx="1322707" cy="848536"/>
-                    <a:chOff x="5222449" y="1179815"/>
-                    <a:chExt cx="1786387" cy="1181863"/>
-                  </a:xfrm>
-                </p:grpSpPr>
-                <p:sp>
-                  <p:nvSpPr>
-                    <p:cNvPr id="59" name="矩形: 圆角 58">
-                      <a:extLst>
-                        <a:ext uri="{FF2B5EF4-FFF2-40B4-BE49-F238E27FC236}">
-                          <a16:creationId xmlns:a16="http://schemas.microsoft.com/office/drawing/2014/main" id="{6B5036FC-39D0-4830-8DE4-A27643AD55D7}"/>
-                        </a:ext>
-                      </a:extLst>
-                    </p:cNvPr>
-                    <p:cNvSpPr/>
-                    <p:nvPr/>
-                  </p:nvSpPr>
-                  <p:spPr>
-                    <a:xfrm>
-                      <a:off x="5222449" y="1211265"/>
-                      <a:ext cx="1786387" cy="1150413"/>
-                    </a:xfrm>
-                    <a:prstGeom prst="roundRect">
-                      <a:avLst/>
-                    </a:prstGeom>
-                    <a:solidFill>
-                      <a:srgbClr val="0FF0F1"/>
-                    </a:solidFill>
-                    <a:ln>
-                      <a:solidFill>
-                        <a:schemeClr val="accent1"/>
-                      </a:solidFill>
-                    </a:ln>
-                  </p:spPr>
-                  <p:style>
-                    <a:lnRef idx="2">
-                      <a:schemeClr val="accent1">
-                        <a:shade val="50000"/>
-                      </a:schemeClr>
-                    </a:lnRef>
-                    <a:fillRef idx="1">
-                      <a:schemeClr val="accent1"/>
-                    </a:fillRef>
-                    <a:effectRef idx="0">
-                      <a:schemeClr val="accent1"/>
-                    </a:effectRef>
-                    <a:fontRef idx="minor">
-                      <a:schemeClr val="lt1"/>
-                    </a:fontRef>
-                  </p:style>
-                  <p:txBody>
-                    <a:bodyPr rtlCol="0" anchor="ctr"/>
-                    <a:lstStyle/>
-                    <a:p>
-                      <a:pPr algn="ctr"/>
-                      <a:endParaRPr lang="zh-CN" altLang="en-US"/>
-                    </a:p>
-                  </p:txBody>
-                </p:sp>
-                <p:sp>
-                  <p:nvSpPr>
-                    <p:cNvPr id="60" name="文本框 59">
-                      <a:extLst>
-                        <a:ext uri="{FF2B5EF4-FFF2-40B4-BE49-F238E27FC236}">
-                          <a16:creationId xmlns:a16="http://schemas.microsoft.com/office/drawing/2014/main" id="{1953FF47-6694-44FD-AEAA-E5F5F30F1EBD}"/>
-                        </a:ext>
-                      </a:extLst>
-                    </p:cNvPr>
-                    <p:cNvSpPr txBox="1"/>
-                    <p:nvPr/>
-                  </p:nvSpPr>
-                  <p:spPr>
-                    <a:xfrm>
-                      <a:off x="5741459" y="1179815"/>
-                      <a:ext cx="840064" cy="672357"/>
-                    </a:xfrm>
-                    <a:prstGeom prst="rect">
-                      <a:avLst/>
-                    </a:prstGeom>
-                    <a:noFill/>
-                  </p:spPr>
-                  <p:txBody>
-                    <a:bodyPr wrap="square" rtlCol="0">
-                      <a:spAutoFit/>
-                    </a:bodyPr>
-                    <a:lstStyle/>
-                    <a:p>
-                      <a:r>
-                        <a:rPr lang="en-US" altLang="zh-CN" sz="1000" dirty="0">
-                          <a:latin typeface="Arial Rounded MT Bold" panose="020F0704030504030204" pitchFamily="34" charset="0"/>
-                        </a:rPr>
-                        <a:t>Pod</a:t>
-                      </a:r>
-                      <a:endParaRPr lang="zh-CN" altLang="en-US" sz="1000" dirty="0">
-                        <a:latin typeface="Arial Rounded MT Bold" panose="020F0704030504030204" pitchFamily="34" charset="0"/>
-                      </a:endParaRPr>
-                    </a:p>
-                  </p:txBody>
-                </p:sp>
-                <p:sp>
-                  <p:nvSpPr>
-                    <p:cNvPr id="61" name="矩形: 圆角 60">
-                      <a:extLst>
-                        <a:ext uri="{FF2B5EF4-FFF2-40B4-BE49-F238E27FC236}">
-                          <a16:creationId xmlns:a16="http://schemas.microsoft.com/office/drawing/2014/main" id="{73D1B0A3-9216-46A4-9539-23970ED277D8}"/>
-                        </a:ext>
-                      </a:extLst>
-                    </p:cNvPr>
-                    <p:cNvSpPr/>
-                    <p:nvPr/>
-                  </p:nvSpPr>
-                  <p:spPr>
-                    <a:xfrm>
-                      <a:off x="5319347" y="1539319"/>
-                      <a:ext cx="692869" cy="504980"/>
-                    </a:xfrm>
-                    <a:prstGeom prst="roundRect">
-                      <a:avLst/>
-                    </a:prstGeom>
-                    <a:solidFill>
-                      <a:srgbClr val="BFFFBF"/>
-                    </a:solidFill>
-                    <a:ln>
-                      <a:solidFill>
-                        <a:schemeClr val="accent1"/>
-                      </a:solidFill>
-                    </a:ln>
-                  </p:spPr>
-                  <p:style>
-                    <a:lnRef idx="2">
-                      <a:schemeClr val="accent1">
-                        <a:shade val="50000"/>
-                      </a:schemeClr>
-                    </a:lnRef>
-                    <a:fillRef idx="1">
-                      <a:schemeClr val="accent1"/>
-                    </a:fillRef>
-                    <a:effectRef idx="0">
-                      <a:schemeClr val="accent1"/>
-                    </a:effectRef>
-                    <a:fontRef idx="minor">
-                      <a:schemeClr val="lt1"/>
-                    </a:fontRef>
-                  </p:style>
-                  <p:txBody>
-                    <a:bodyPr rtlCol="0" anchor="ctr"/>
-                    <a:lstStyle/>
-                    <a:p>
-                      <a:pPr algn="ctr"/>
-                      <a:endParaRPr lang="zh-CN" altLang="en-US" dirty="0"/>
-                    </a:p>
-                  </p:txBody>
-                </p:sp>
-              </p:grpSp>
-              <p:grpSp>
-                <p:nvGrpSpPr>
-                  <p:cNvPr id="55" name="组合 54">
-                    <a:extLst>
-                      <a:ext uri="{FF2B5EF4-FFF2-40B4-BE49-F238E27FC236}">
-                        <a16:creationId xmlns:a16="http://schemas.microsoft.com/office/drawing/2014/main" id="{AA71C30E-7F19-4319-8709-CD42F771EA02}"/>
-                      </a:ext>
-                    </a:extLst>
-                  </p:cNvPr>
-                  <p:cNvGrpSpPr/>
-                  <p:nvPr/>
-                </p:nvGrpSpPr>
-                <p:grpSpPr>
-                  <a:xfrm>
-                    <a:off x="5880415" y="3365970"/>
-                    <a:ext cx="1115990" cy="411524"/>
-                    <a:chOff x="5880415" y="3365970"/>
-                    <a:chExt cx="1115990" cy="411524"/>
-                  </a:xfrm>
-                </p:grpSpPr>
-                <p:sp>
-                  <p:nvSpPr>
-                    <p:cNvPr id="56" name="矩形: 圆角 55">
-                      <a:extLst>
-                        <a:ext uri="{FF2B5EF4-FFF2-40B4-BE49-F238E27FC236}">
-                          <a16:creationId xmlns:a16="http://schemas.microsoft.com/office/drawing/2014/main" id="{FCD5AD6C-9D99-4054-8E68-056807B2378F}"/>
-                        </a:ext>
-                      </a:extLst>
-                    </p:cNvPr>
-                    <p:cNvSpPr/>
-                    <p:nvPr/>
-                  </p:nvSpPr>
-                  <p:spPr>
-                    <a:xfrm>
-                      <a:off x="6483379" y="3381008"/>
-                      <a:ext cx="513026" cy="362558"/>
-                    </a:xfrm>
-                    <a:prstGeom prst="roundRect">
-                      <a:avLst/>
-                    </a:prstGeom>
-                    <a:solidFill>
-                      <a:srgbClr val="BFFFBF"/>
-                    </a:solidFill>
-                    <a:ln>
-                      <a:solidFill>
-                        <a:schemeClr val="accent1"/>
-                      </a:solidFill>
-                    </a:ln>
-                  </p:spPr>
-                  <p:style>
-                    <a:lnRef idx="2">
-                      <a:schemeClr val="accent1">
-                        <a:shade val="50000"/>
-                      </a:schemeClr>
-                    </a:lnRef>
-                    <a:fillRef idx="1">
-                      <a:schemeClr val="accent1"/>
-                    </a:fillRef>
-                    <a:effectRef idx="0">
-                      <a:schemeClr val="accent1"/>
-                    </a:effectRef>
-                    <a:fontRef idx="minor">
-                      <a:schemeClr val="lt1"/>
-                    </a:fontRef>
-                  </p:style>
-                  <p:txBody>
-                    <a:bodyPr rtlCol="0" anchor="ctr"/>
-                    <a:lstStyle/>
-                    <a:p>
-                      <a:pPr algn="ctr"/>
-                      <a:endParaRPr lang="zh-CN" altLang="en-US" dirty="0"/>
-                    </a:p>
-                  </p:txBody>
-                </p:sp>
-                <p:pic>
-                  <p:nvPicPr>
-                    <p:cNvPr id="57" name="图片 56">
-                      <a:extLst>
-                        <a:ext uri="{FF2B5EF4-FFF2-40B4-BE49-F238E27FC236}">
-                          <a16:creationId xmlns:a16="http://schemas.microsoft.com/office/drawing/2014/main" id="{7B8A9675-87CB-4EBF-BBCB-1B180DFCBA8E}"/>
-                        </a:ext>
-                      </a:extLst>
-                    </p:cNvPr>
-                    <p:cNvPicPr>
-                      <a:picLocks noChangeAspect="1"/>
-                    </p:cNvPicPr>
-                    <p:nvPr/>
-                  </p:nvPicPr>
-                  <p:blipFill>
-                    <a:blip r:embed="rId3">
-                      <a:extLst>
-                        <a:ext uri="{28A0092B-C50C-407E-A947-70E740481C1C}">
-                          <a14:useLocalDpi xmlns:a14="http://schemas.microsoft.com/office/drawing/2010/main" val="0"/>
-                        </a:ext>
-                      </a:extLst>
-                    </a:blip>
-                    <a:stretch>
-                      <a:fillRect/>
-                    </a:stretch>
-                  </p:blipFill>
-                  <p:spPr>
-                    <a:xfrm>
-                      <a:off x="5880415" y="3365970"/>
-                      <a:ext cx="446709" cy="411524"/>
-                    </a:xfrm>
-                    <a:prstGeom prst="rect">
-                      <a:avLst/>
-                    </a:prstGeom>
-                  </p:spPr>
-                </p:pic>
-                <p:pic>
-                  <p:nvPicPr>
-                    <p:cNvPr id="58" name="图片 57">
-                      <a:extLst>
-                        <a:ext uri="{FF2B5EF4-FFF2-40B4-BE49-F238E27FC236}">
-                          <a16:creationId xmlns:a16="http://schemas.microsoft.com/office/drawing/2014/main" id="{10F046C1-969F-4A95-96EB-56ACF3459F5A}"/>
-                        </a:ext>
-                      </a:extLst>
-                    </p:cNvPr>
-                    <p:cNvPicPr>
-                      <a:picLocks noChangeAspect="1"/>
-                    </p:cNvPicPr>
-                    <p:nvPr/>
-                  </p:nvPicPr>
-                  <p:blipFill>
-                    <a:blip r:embed="rId4">
-                      <a:extLst>
-                        <a:ext uri="{28A0092B-C50C-407E-A947-70E740481C1C}">
-                          <a14:useLocalDpi xmlns:a14="http://schemas.microsoft.com/office/drawing/2010/main" val="0"/>
-                        </a:ext>
-                      </a:extLst>
-                    </a:blip>
-                    <a:stretch>
-                      <a:fillRect/>
-                    </a:stretch>
-                  </p:blipFill>
-                  <p:spPr>
-                    <a:xfrm>
-                      <a:off x="6543522" y="3403835"/>
-                      <a:ext cx="409821" cy="302444"/>
-                    </a:xfrm>
-                    <a:prstGeom prst="rect">
-                      <a:avLst/>
-                    </a:prstGeom>
-                  </p:spPr>
-                </p:pic>
-              </p:grpSp>
-            </p:grpSp>
-          </p:grpSp>
-          <p:sp>
-            <p:nvSpPr>
-              <p:cNvPr id="51" name="文本框 50">
-                <a:extLst>
-                  <a:ext uri="{FF2B5EF4-FFF2-40B4-BE49-F238E27FC236}">
-                    <a16:creationId xmlns:a16="http://schemas.microsoft.com/office/drawing/2014/main" id="{3B1E949D-B69C-4C46-A53D-AA0A3D207EB1}"/>
-                  </a:ext>
-                </a:extLst>
-              </p:cNvPr>
-              <p:cNvSpPr txBox="1"/>
-              <p:nvPr/>
-            </p:nvSpPr>
-            <p:spPr>
-              <a:xfrm>
-                <a:off x="6213598" y="3712600"/>
-                <a:ext cx="1491125" cy="222798"/>
-              </a:xfrm>
-              <a:prstGeom prst="rect">
-                <a:avLst/>
-              </a:prstGeom>
-              <a:noFill/>
-            </p:spPr>
-            <p:txBody>
-              <a:bodyPr wrap="square" rtlCol="0">
-                <a:spAutoFit/>
-              </a:bodyPr>
-              <a:lstStyle/>
-              <a:p>
-                <a:r>
-                  <a:rPr lang="en-US" altLang="zh-CN" sz="600" dirty="0">
-                    <a:latin typeface="Arial Rounded MT Bold" panose="020F0704030504030204" pitchFamily="34" charset="0"/>
-                  </a:rPr>
-                  <a:t>Envoy as sidecar</a:t>
-                </a:r>
-                <a:endParaRPr lang="zh-CN" altLang="en-US" sz="600" dirty="0">
-                  <a:latin typeface="Arial Rounded MT Bold" panose="020F0704030504030204" pitchFamily="34" charset="0"/>
-                </a:endParaRPr>
-              </a:p>
-            </p:txBody>
-          </p:sp>
-        </p:grpSp>
-        <p:sp>
-          <p:nvSpPr>
-            <p:cNvPr id="62" name="文本框 61">
-              <a:extLst>
-                <a:ext uri="{FF2B5EF4-FFF2-40B4-BE49-F238E27FC236}">
-                  <a16:creationId xmlns:a16="http://schemas.microsoft.com/office/drawing/2014/main" id="{EA46B4B1-0EF9-4728-8D0F-A2641FC5D04C}"/>
-                </a:ext>
-              </a:extLst>
-            </p:cNvPr>
-            <p:cNvSpPr txBox="1"/>
-            <p:nvPr/>
-          </p:nvSpPr>
-          <p:spPr>
-            <a:xfrm>
-              <a:off x="2244681" y="2512306"/>
-              <a:ext cx="430887" cy="402666"/>
-            </a:xfrm>
-            <a:prstGeom prst="rect">
-              <a:avLst/>
-            </a:prstGeom>
-            <a:noFill/>
-          </p:spPr>
-          <p:txBody>
-            <a:bodyPr vert="vert270" wrap="square" rtlCol="0" anchor="ctr" anchorCtr="1">
-              <a:spAutoFit/>
-            </a:bodyPr>
-            <a:lstStyle/>
-            <a:p>
-              <a:r>
-                <a:rPr lang="en-US" altLang="zh-CN" sz="1600" kern="0" spc="500" dirty="0">
-                  <a:latin typeface="Arial Rounded MT Bold" panose="020F0704030504030204" pitchFamily="34" charset="0"/>
-                </a:rPr>
-                <a:t>…</a:t>
-              </a:r>
-              <a:endParaRPr lang="zh-CN" altLang="en-US" sz="1600" kern="0" spc="500" dirty="0">
-                <a:latin typeface="Arial Rounded MT Bold" panose="020F0704030504030204" pitchFamily="34" charset="0"/>
-              </a:endParaRPr>
-            </a:p>
-          </p:txBody>
-        </p:sp>
-      </p:grpSp>
-      <p:grpSp>
-        <p:nvGrpSpPr>
-          <p:cNvPr id="241" name="组合 240">
-            <a:extLst>
-              <a:ext uri="{FF2B5EF4-FFF2-40B4-BE49-F238E27FC236}">
-                <a16:creationId xmlns:a16="http://schemas.microsoft.com/office/drawing/2014/main" id="{7EBF87D7-41BA-4F34-B8E0-E2C1B207D09F}"/>
-              </a:ext>
-            </a:extLst>
-          </p:cNvPr>
-          <p:cNvGrpSpPr/>
-          <p:nvPr/>
-        </p:nvGrpSpPr>
-        <p:grpSpPr>
-          <a:xfrm>
-            <a:off x="1131932" y="3530016"/>
-            <a:ext cx="2006631" cy="2867091"/>
-            <a:chOff x="1270472" y="3530016"/>
-            <a:chExt cx="2006631" cy="2867091"/>
-          </a:xfrm>
-        </p:grpSpPr>
-        <p:sp>
-          <p:nvSpPr>
-            <p:cNvPr id="100" name="矩形: 圆角 99">
-              <a:extLst>
-                <a:ext uri="{FF2B5EF4-FFF2-40B4-BE49-F238E27FC236}">
-                  <a16:creationId xmlns:a16="http://schemas.microsoft.com/office/drawing/2014/main" id="{B97F5007-EC0B-4812-A9C9-2D2935E9096D}"/>
-                </a:ext>
-              </a:extLst>
-            </p:cNvPr>
-            <p:cNvSpPr/>
-            <p:nvPr/>
-          </p:nvSpPr>
-          <p:spPr>
-            <a:xfrm>
-              <a:off x="1270472" y="3550212"/>
-              <a:ext cx="2006631" cy="2846895"/>
-            </a:xfrm>
-            <a:prstGeom prst="roundRect">
-              <a:avLst/>
-            </a:prstGeom>
-            <a:noFill/>
-            <a:ln w="19050">
-              <a:solidFill>
-                <a:schemeClr val="tx1"/>
-              </a:solidFill>
-            </a:ln>
-          </p:spPr>
-          <p:style>
-            <a:lnRef idx="2">
-              <a:schemeClr val="accent1">
-                <a:shade val="50000"/>
-              </a:schemeClr>
-            </a:lnRef>
-            <a:fillRef idx="1">
-              <a:schemeClr val="accent1"/>
-            </a:fillRef>
-            <a:effectRef idx="0">
-              <a:schemeClr val="accent1"/>
-            </a:effectRef>
-            <a:fontRef idx="minor">
-              <a:schemeClr val="lt1"/>
-            </a:fontRef>
-          </p:style>
-          <p:txBody>
-            <a:bodyPr rtlCol="0" anchor="ctr"/>
-            <a:lstStyle/>
-            <a:p>
-              <a:pPr algn="ctr"/>
-              <a:endParaRPr lang="zh-CN" altLang="en-US"/>
-            </a:p>
-          </p:txBody>
-        </p:sp>
-        <p:sp>
-          <p:nvSpPr>
-            <p:cNvPr id="101" name="文本框 100">
-              <a:extLst>
-                <a:ext uri="{FF2B5EF4-FFF2-40B4-BE49-F238E27FC236}">
-                  <a16:creationId xmlns:a16="http://schemas.microsoft.com/office/drawing/2014/main" id="{BFB322D7-12AC-4DD6-9D5C-47BBC8A22A87}"/>
-                </a:ext>
-              </a:extLst>
-            </p:cNvPr>
-            <p:cNvSpPr txBox="1"/>
-            <p:nvPr/>
-          </p:nvSpPr>
-          <p:spPr>
-            <a:xfrm>
-              <a:off x="1859007" y="3530016"/>
-              <a:ext cx="829558" cy="307777"/>
-            </a:xfrm>
-            <a:prstGeom prst="rect">
-              <a:avLst/>
-            </a:prstGeom>
-            <a:noFill/>
-          </p:spPr>
-          <p:txBody>
-            <a:bodyPr wrap="square" rtlCol="0">
-              <a:spAutoFit/>
-            </a:bodyPr>
-            <a:lstStyle/>
-            <a:p>
-              <a:r>
-                <a:rPr lang="en-US" altLang="zh-CN" sz="1400" dirty="0">
-                  <a:latin typeface="Arial Rounded MT Bold" panose="020F0704030504030204" pitchFamily="34" charset="0"/>
-                </a:rPr>
-                <a:t>Node n</a:t>
-              </a:r>
-              <a:endParaRPr lang="zh-CN" altLang="en-US" sz="1400" dirty="0">
-                <a:latin typeface="Arial Rounded MT Bold" panose="020F0704030504030204" pitchFamily="34" charset="0"/>
-              </a:endParaRPr>
-            </a:p>
-          </p:txBody>
-        </p:sp>
-        <p:grpSp>
-          <p:nvGrpSpPr>
-            <p:cNvPr id="102" name="组合 101">
-              <a:extLst>
-                <a:ext uri="{FF2B5EF4-FFF2-40B4-BE49-F238E27FC236}">
-                  <a16:creationId xmlns:a16="http://schemas.microsoft.com/office/drawing/2014/main" id="{97F91050-D4D2-4C8B-9789-31CA5F0ED197}"/>
-                </a:ext>
-              </a:extLst>
-            </p:cNvPr>
-            <p:cNvGrpSpPr/>
-            <p:nvPr/>
-          </p:nvGrpSpPr>
-          <p:grpSpPr>
-            <a:xfrm>
-              <a:off x="1723889" y="5589377"/>
-              <a:ext cx="1072962" cy="717172"/>
-              <a:chOff x="5762702" y="1259082"/>
-              <a:chExt cx="1300997" cy="850729"/>
-            </a:xfrm>
-          </p:grpSpPr>
-          <p:grpSp>
-            <p:nvGrpSpPr>
-              <p:cNvPr id="130" name="组合 129">
-                <a:extLst>
-                  <a:ext uri="{FF2B5EF4-FFF2-40B4-BE49-F238E27FC236}">
-                    <a16:creationId xmlns:a16="http://schemas.microsoft.com/office/drawing/2014/main" id="{DDE9FA27-131B-4529-8226-0C8A60078139}"/>
-                  </a:ext>
-                </a:extLst>
-              </p:cNvPr>
-              <p:cNvGrpSpPr/>
-              <p:nvPr/>
-            </p:nvGrpSpPr>
-            <p:grpSpPr>
-              <a:xfrm>
-                <a:off x="5762702" y="1259082"/>
-                <a:ext cx="1277332" cy="848536"/>
-                <a:chOff x="5222453" y="1179813"/>
-                <a:chExt cx="1725106" cy="1181861"/>
-              </a:xfrm>
-            </p:grpSpPr>
-            <p:sp>
-              <p:nvSpPr>
-                <p:cNvPr id="133" name="矩形: 圆角 132">
-                  <a:extLst>
-                    <a:ext uri="{FF2B5EF4-FFF2-40B4-BE49-F238E27FC236}">
-                      <a16:creationId xmlns:a16="http://schemas.microsoft.com/office/drawing/2014/main" id="{7095FE7F-38D3-4F18-BA41-4462696A32E7}"/>
-                    </a:ext>
-                  </a:extLst>
-                </p:cNvPr>
-                <p:cNvSpPr/>
-                <p:nvPr/>
-              </p:nvSpPr>
-              <p:spPr>
-                <a:xfrm>
-                  <a:off x="5222453" y="1241029"/>
-                  <a:ext cx="1725106" cy="1120645"/>
-                </a:xfrm>
-                <a:prstGeom prst="roundRect">
-                  <a:avLst/>
-                </a:prstGeom>
-                <a:solidFill>
-                  <a:srgbClr val="0FF0F1"/>
-                </a:solidFill>
-                <a:ln>
-                  <a:solidFill>
-                    <a:schemeClr val="accent1"/>
-                  </a:solidFill>
-                </a:ln>
-              </p:spPr>
-              <p:style>
-                <a:lnRef idx="2">
-                  <a:schemeClr val="accent1">
-                    <a:shade val="50000"/>
-                  </a:schemeClr>
-                </a:lnRef>
-                <a:fillRef idx="1">
-                  <a:schemeClr val="accent1"/>
-                </a:fillRef>
-                <a:effectRef idx="0">
-                  <a:schemeClr val="accent1"/>
-                </a:effectRef>
-                <a:fontRef idx="minor">
-                  <a:schemeClr val="lt1"/>
-                </a:fontRef>
-              </p:style>
-              <p:txBody>
-                <a:bodyPr rtlCol="0" anchor="ctr"/>
-                <a:lstStyle/>
-                <a:p>
-                  <a:pPr algn="ctr"/>
-                  <a:endParaRPr lang="zh-CN" altLang="en-US" dirty="0"/>
-                </a:p>
-              </p:txBody>
-            </p:sp>
-            <p:sp>
-              <p:nvSpPr>
-                <p:cNvPr id="134" name="文本框 133">
-                  <a:extLst>
-                    <a:ext uri="{FF2B5EF4-FFF2-40B4-BE49-F238E27FC236}">
-                      <a16:creationId xmlns:a16="http://schemas.microsoft.com/office/drawing/2014/main" id="{73B21EE1-418C-4894-AC80-F91245EF6033}"/>
-                    </a:ext>
-                  </a:extLst>
-                </p:cNvPr>
-                <p:cNvSpPr txBox="1"/>
-                <p:nvPr/>
-              </p:nvSpPr>
-              <p:spPr>
-                <a:xfrm>
-                  <a:off x="5741465" y="1179813"/>
-                  <a:ext cx="800740" cy="406808"/>
-                </a:xfrm>
-                <a:prstGeom prst="rect">
-                  <a:avLst/>
-                </a:prstGeom>
-                <a:noFill/>
-              </p:spPr>
-              <p:txBody>
-                <a:bodyPr wrap="square" rtlCol="0">
-                  <a:spAutoFit/>
-                </a:bodyPr>
-                <a:lstStyle/>
-                <a:p>
-                  <a:r>
-                    <a:rPr lang="en-US" altLang="zh-CN" sz="1000" dirty="0">
-                      <a:latin typeface="Arial Rounded MT Bold" panose="020F0704030504030204" pitchFamily="34" charset="0"/>
-                    </a:rPr>
-                    <a:t>Pod</a:t>
-                  </a:r>
-                  <a:endParaRPr lang="zh-CN" altLang="en-US" sz="1000" dirty="0">
-                    <a:latin typeface="Arial Rounded MT Bold" panose="020F0704030504030204" pitchFamily="34" charset="0"/>
-                  </a:endParaRPr>
-                </a:p>
-              </p:txBody>
-            </p:sp>
-            <p:sp>
-              <p:nvSpPr>
-                <p:cNvPr id="135" name="矩形: 圆角 134">
-                  <a:extLst>
-                    <a:ext uri="{FF2B5EF4-FFF2-40B4-BE49-F238E27FC236}">
-                      <a16:creationId xmlns:a16="http://schemas.microsoft.com/office/drawing/2014/main" id="{B965C621-96FB-4B2D-A72C-D553F2B97EDC}"/>
-                    </a:ext>
-                  </a:extLst>
-                </p:cNvPr>
-                <p:cNvSpPr/>
-                <p:nvPr/>
-              </p:nvSpPr>
-              <p:spPr>
-                <a:xfrm>
-                  <a:off x="5627801" y="1522585"/>
-                  <a:ext cx="914400" cy="556181"/>
-                </a:xfrm>
-                <a:prstGeom prst="roundRect">
-                  <a:avLst/>
-                </a:prstGeom>
-                <a:solidFill>
-                  <a:srgbClr val="BFFFBF"/>
-                </a:solidFill>
-                <a:ln>
-                  <a:solidFill>
-                    <a:schemeClr val="accent1"/>
-                  </a:solidFill>
-                </a:ln>
-              </p:spPr>
-              <p:style>
-                <a:lnRef idx="2">
-                  <a:schemeClr val="accent1">
-                    <a:shade val="50000"/>
-                  </a:schemeClr>
-                </a:lnRef>
-                <a:fillRef idx="1">
-                  <a:schemeClr val="accent1"/>
-                </a:fillRef>
-                <a:effectRef idx="0">
-                  <a:schemeClr val="accent1"/>
-                </a:effectRef>
-                <a:fontRef idx="minor">
-                  <a:schemeClr val="lt1"/>
-                </a:fontRef>
-              </p:style>
-              <p:txBody>
-                <a:bodyPr rtlCol="0" anchor="ctr"/>
-                <a:lstStyle/>
-                <a:p>
-                  <a:pPr algn="ctr"/>
-                  <a:endParaRPr lang="zh-CN" altLang="en-US"/>
-                </a:p>
-              </p:txBody>
-            </p:sp>
-          </p:grpSp>
-          <p:sp>
-            <p:nvSpPr>
-              <p:cNvPr id="131" name="文本框 130">
-                <a:extLst>
-                  <a:ext uri="{FF2B5EF4-FFF2-40B4-BE49-F238E27FC236}">
-                    <a16:creationId xmlns:a16="http://schemas.microsoft.com/office/drawing/2014/main" id="{33844BF6-9B67-4F01-AC4A-39919754F9ED}"/>
-                  </a:ext>
-                </a:extLst>
-              </p:cNvPr>
-              <p:cNvSpPr txBox="1"/>
-              <p:nvPr/>
-            </p:nvSpPr>
-            <p:spPr>
-              <a:xfrm>
-                <a:off x="5786367" y="1890755"/>
-                <a:ext cx="1277332" cy="219056"/>
-              </a:xfrm>
-              <a:prstGeom prst="rect">
-                <a:avLst/>
-              </a:prstGeom>
-              <a:noFill/>
-            </p:spPr>
-            <p:txBody>
-              <a:bodyPr wrap="square" rtlCol="0">
-                <a:spAutoFit/>
-              </a:bodyPr>
-              <a:lstStyle/>
-              <a:p>
-                <a:r>
-                  <a:rPr lang="en-US" altLang="zh-CN" sz="600" dirty="0" err="1">
-                    <a:latin typeface="Arial Rounded MT Bold" panose="020F0704030504030204" pitchFamily="34" charset="0"/>
-                  </a:rPr>
-                  <a:t>Filebeat</a:t>
-                </a:r>
-                <a:r>
-                  <a:rPr lang="en-US" altLang="zh-CN" sz="600" dirty="0">
-                    <a:latin typeface="Arial Rounded MT Bold" panose="020F0704030504030204" pitchFamily="34" charset="0"/>
-                  </a:rPr>
-                  <a:t> as </a:t>
-                </a:r>
-                <a:r>
-                  <a:rPr lang="en-US" altLang="zh-CN" sz="600" dirty="0" err="1">
-                    <a:latin typeface="Arial Rounded MT Bold" panose="020F0704030504030204" pitchFamily="34" charset="0"/>
-                  </a:rPr>
-                  <a:t>DaemonSet</a:t>
-                </a:r>
-                <a:endParaRPr lang="zh-CN" altLang="en-US" sz="600" dirty="0">
-                  <a:latin typeface="Arial Rounded MT Bold" panose="020F0704030504030204" pitchFamily="34" charset="0"/>
-                </a:endParaRPr>
-              </a:p>
-            </p:txBody>
-          </p:sp>
-          <p:pic>
-            <p:nvPicPr>
-              <p:cNvPr id="132" name="图片 131">
-                <a:extLst>
-                  <a:ext uri="{FF2B5EF4-FFF2-40B4-BE49-F238E27FC236}">
-                    <a16:creationId xmlns:a16="http://schemas.microsoft.com/office/drawing/2014/main" id="{957ECCA2-48A6-4D6C-8763-33AC630D8083}"/>
-                  </a:ext>
-                </a:extLst>
-              </p:cNvPr>
-              <p:cNvPicPr>
-                <a:picLocks noChangeAspect="1"/>
-              </p:cNvPicPr>
-              <p:nvPr/>
-            </p:nvPicPr>
-            <p:blipFill>
-              <a:blip r:embed="rId2">
-                <a:extLst>
-                  <a:ext uri="{28A0092B-C50C-407E-A947-70E740481C1C}">
-                    <a14:useLocalDpi xmlns:a14="http://schemas.microsoft.com/office/drawing/2010/main" val="0"/>
-                  </a:ext>
-                </a:extLst>
-              </a:blip>
-              <a:stretch>
-                <a:fillRect/>
-              </a:stretch>
-            </p:blipFill>
-            <p:spPr>
-              <a:xfrm>
-                <a:off x="6182439" y="1505182"/>
-                <a:ext cx="397518" cy="393543"/>
-              </a:xfrm>
-              <a:prstGeom prst="rect">
-                <a:avLst/>
-              </a:prstGeom>
-            </p:spPr>
-          </p:pic>
-        </p:grpSp>
-        <p:grpSp>
-          <p:nvGrpSpPr>
-            <p:cNvPr id="103" name="组合 102">
-              <a:extLst>
-                <a:ext uri="{FF2B5EF4-FFF2-40B4-BE49-F238E27FC236}">
-                  <a16:creationId xmlns:a16="http://schemas.microsoft.com/office/drawing/2014/main" id="{F0FCA246-B8DD-4001-B777-878CFF1D63E1}"/>
-                </a:ext>
-              </a:extLst>
-            </p:cNvPr>
-            <p:cNvGrpSpPr/>
-            <p:nvPr/>
-          </p:nvGrpSpPr>
-          <p:grpSpPr>
-            <a:xfrm>
-              <a:off x="1704372" y="3814999"/>
-              <a:ext cx="1310697" cy="658723"/>
-              <a:chOff x="6059009" y="3101297"/>
-              <a:chExt cx="1645713" cy="848538"/>
-            </a:xfrm>
-          </p:grpSpPr>
-          <p:grpSp>
-            <p:nvGrpSpPr>
-              <p:cNvPr id="118" name="组合 117">
-                <a:extLst>
-                  <a:ext uri="{FF2B5EF4-FFF2-40B4-BE49-F238E27FC236}">
-                    <a16:creationId xmlns:a16="http://schemas.microsoft.com/office/drawing/2014/main" id="{7B9CCB60-2187-46AB-989E-DA3B707770D9}"/>
-                  </a:ext>
-                </a:extLst>
-              </p:cNvPr>
-              <p:cNvGrpSpPr/>
-              <p:nvPr/>
-            </p:nvGrpSpPr>
-            <p:grpSpPr>
-              <a:xfrm>
-                <a:off x="6059009" y="3101297"/>
-                <a:ext cx="1322707" cy="848538"/>
-                <a:chOff x="5775702" y="3122898"/>
-                <a:chExt cx="1322707" cy="848538"/>
-              </a:xfrm>
-            </p:grpSpPr>
-            <p:sp>
-              <p:nvSpPr>
-                <p:cNvPr id="120" name="AutoShape 2" descr="Logo">
-                  <a:extLst>
-                    <a:ext uri="{FF2B5EF4-FFF2-40B4-BE49-F238E27FC236}">
-                      <a16:creationId xmlns:a16="http://schemas.microsoft.com/office/drawing/2014/main" id="{D406D59B-0FDB-41D4-A8E5-92D53781076F}"/>
-                    </a:ext>
-                  </a:extLst>
-                </p:cNvPr>
-                <p:cNvSpPr>
-                  <a:spLocks noChangeAspect="1" noChangeArrowheads="1"/>
-                </p:cNvSpPr>
-                <p:nvPr/>
-              </p:nvSpPr>
-              <p:spPr bwMode="auto">
-                <a:xfrm>
-                  <a:off x="5943600" y="3276600"/>
-                  <a:ext cx="304800" cy="304800"/>
-                </a:xfrm>
-                <a:prstGeom prst="rect">
-                  <a:avLst/>
-                </a:prstGeom>
-                <a:noFill/>
-                <a:extLst>
-                  <a:ext uri="{909E8E84-426E-40DD-AFC4-6F175D3DCCD1}">
-                    <a14:hiddenFill xmlns:a14="http://schemas.microsoft.com/office/drawing/2010/main">
-                      <a:solidFill>
-                        <a:srgbClr val="FFFFFF"/>
-                      </a:solidFill>
-                    </a14:hiddenFill>
-                  </a:ext>
-                </a:extLst>
-              </p:spPr>
-              <p:txBody>
-                <a:bodyPr vert="horz" wrap="square" lIns="91440" tIns="45720" rIns="91440" bIns="45720" numCol="1" anchor="t" anchorCtr="0" compatLnSpc="1">
-                  <a:prstTxWarp prst="textNoShape">
-                    <a:avLst/>
-                  </a:prstTxWarp>
-                </a:bodyPr>
-                <a:lstStyle/>
-                <a:p>
-                  <a:endParaRPr lang="zh-CN" altLang="en-US"/>
-                </a:p>
-              </p:txBody>
-            </p:sp>
-            <p:grpSp>
-              <p:nvGrpSpPr>
-                <p:cNvPr id="121" name="组合 120">
-                  <a:extLst>
-                    <a:ext uri="{FF2B5EF4-FFF2-40B4-BE49-F238E27FC236}">
-                      <a16:creationId xmlns:a16="http://schemas.microsoft.com/office/drawing/2014/main" id="{C9B7F3BC-4457-4099-95E2-BDDC7BA1EF69}"/>
-                    </a:ext>
-                  </a:extLst>
-                </p:cNvPr>
-                <p:cNvGrpSpPr/>
-                <p:nvPr/>
-              </p:nvGrpSpPr>
-              <p:grpSpPr>
-                <a:xfrm>
-                  <a:off x="5775702" y="3122898"/>
-                  <a:ext cx="1322707" cy="848538"/>
-                  <a:chOff x="5775702" y="3122898"/>
-                  <a:chExt cx="1322707" cy="848538"/>
-                </a:xfrm>
-              </p:grpSpPr>
-              <p:grpSp>
-                <p:nvGrpSpPr>
-                  <p:cNvPr id="122" name="组合 121">
-                    <a:extLst>
-                      <a:ext uri="{FF2B5EF4-FFF2-40B4-BE49-F238E27FC236}">
-                        <a16:creationId xmlns:a16="http://schemas.microsoft.com/office/drawing/2014/main" id="{5507FD58-234B-49DF-B999-B34A0705D4A5}"/>
-                      </a:ext>
-                    </a:extLst>
-                  </p:cNvPr>
-                  <p:cNvGrpSpPr/>
-                  <p:nvPr/>
-                </p:nvGrpSpPr>
-                <p:grpSpPr>
-                  <a:xfrm>
-                    <a:off x="5775702" y="3122898"/>
-                    <a:ext cx="1322707" cy="848538"/>
-                    <a:chOff x="5222449" y="1179814"/>
-                    <a:chExt cx="1786387" cy="1181865"/>
-                  </a:xfrm>
-                </p:grpSpPr>
-                <p:sp>
-                  <p:nvSpPr>
-                    <p:cNvPr id="127" name="矩形: 圆角 126">
-                      <a:extLst>
-                        <a:ext uri="{FF2B5EF4-FFF2-40B4-BE49-F238E27FC236}">
-                          <a16:creationId xmlns:a16="http://schemas.microsoft.com/office/drawing/2014/main" id="{C4E86BC8-F36D-43B5-825D-07CEFE4B9EC3}"/>
-                        </a:ext>
-                      </a:extLst>
-                    </p:cNvPr>
-                    <p:cNvSpPr/>
-                    <p:nvPr/>
-                  </p:nvSpPr>
-                  <p:spPr>
-                    <a:xfrm>
-                      <a:off x="5222449" y="1211265"/>
-                      <a:ext cx="1786387" cy="1150414"/>
-                    </a:xfrm>
-                    <a:prstGeom prst="roundRect">
-                      <a:avLst/>
-                    </a:prstGeom>
-                    <a:solidFill>
-                      <a:srgbClr val="0FF0F1"/>
-                    </a:solidFill>
-                    <a:ln>
-                      <a:solidFill>
-                        <a:schemeClr val="accent1"/>
-                      </a:solidFill>
-                    </a:ln>
-                  </p:spPr>
-                  <p:style>
-                    <a:lnRef idx="2">
-                      <a:schemeClr val="accent1">
-                        <a:shade val="50000"/>
-                      </a:schemeClr>
-                    </a:lnRef>
-                    <a:fillRef idx="1">
-                      <a:schemeClr val="accent1"/>
-                    </a:fillRef>
-                    <a:effectRef idx="0">
-                      <a:schemeClr val="accent1"/>
-                    </a:effectRef>
-                    <a:fontRef idx="minor">
-                      <a:schemeClr val="lt1"/>
-                    </a:fontRef>
-                  </p:style>
-                  <p:txBody>
-                    <a:bodyPr rtlCol="0" anchor="ctr"/>
-                    <a:lstStyle/>
-                    <a:p>
-                      <a:pPr algn="ctr"/>
-                      <a:endParaRPr lang="zh-CN" altLang="en-US"/>
-                    </a:p>
-                  </p:txBody>
-                </p:sp>
-                <p:sp>
-                  <p:nvSpPr>
-                    <p:cNvPr id="128" name="文本框 127">
-                      <a:extLst>
-                        <a:ext uri="{FF2B5EF4-FFF2-40B4-BE49-F238E27FC236}">
-                          <a16:creationId xmlns:a16="http://schemas.microsoft.com/office/drawing/2014/main" id="{0EB8009D-8C1B-45E1-AFD2-0BEC3854297C}"/>
-                        </a:ext>
-                      </a:extLst>
-                    </p:cNvPr>
-                    <p:cNvSpPr txBox="1"/>
-                    <p:nvPr/>
-                  </p:nvSpPr>
-                  <p:spPr>
-                    <a:xfrm>
-                      <a:off x="5741464" y="1179814"/>
-                      <a:ext cx="840065" cy="672359"/>
-                    </a:xfrm>
-                    <a:prstGeom prst="rect">
-                      <a:avLst/>
-                    </a:prstGeom>
-                    <a:noFill/>
-                  </p:spPr>
-                  <p:txBody>
-                    <a:bodyPr wrap="square" rtlCol="0">
-                      <a:spAutoFit/>
-                    </a:bodyPr>
-                    <a:lstStyle/>
-                    <a:p>
-                      <a:r>
-                        <a:rPr lang="en-US" altLang="zh-CN" sz="1000" dirty="0">
-                          <a:latin typeface="Arial Rounded MT Bold" panose="020F0704030504030204" pitchFamily="34" charset="0"/>
-                        </a:rPr>
-                        <a:t>Pod</a:t>
-                      </a:r>
-                      <a:endParaRPr lang="zh-CN" altLang="en-US" sz="1000" dirty="0">
-                        <a:latin typeface="Arial Rounded MT Bold" panose="020F0704030504030204" pitchFamily="34" charset="0"/>
-                      </a:endParaRPr>
-                    </a:p>
-                  </p:txBody>
-                </p:sp>
-                <p:sp>
-                  <p:nvSpPr>
-                    <p:cNvPr id="129" name="矩形: 圆角 128">
-                      <a:extLst>
-                        <a:ext uri="{FF2B5EF4-FFF2-40B4-BE49-F238E27FC236}">
-                          <a16:creationId xmlns:a16="http://schemas.microsoft.com/office/drawing/2014/main" id="{5FA46B16-41BB-44B6-9383-353056309753}"/>
-                        </a:ext>
-                      </a:extLst>
-                    </p:cNvPr>
-                    <p:cNvSpPr/>
-                    <p:nvPr/>
-                  </p:nvSpPr>
-                  <p:spPr>
-                    <a:xfrm>
-                      <a:off x="5319347" y="1539319"/>
-                      <a:ext cx="692869" cy="504980"/>
-                    </a:xfrm>
-                    <a:prstGeom prst="roundRect">
-                      <a:avLst/>
-                    </a:prstGeom>
-                    <a:solidFill>
-                      <a:srgbClr val="BFFFBF"/>
-                    </a:solidFill>
-                    <a:ln>
-                      <a:solidFill>
-                        <a:schemeClr val="accent1"/>
-                      </a:solidFill>
-                    </a:ln>
-                  </p:spPr>
-                  <p:style>
-                    <a:lnRef idx="2">
-                      <a:schemeClr val="accent1">
-                        <a:shade val="50000"/>
-                      </a:schemeClr>
-                    </a:lnRef>
-                    <a:fillRef idx="1">
-                      <a:schemeClr val="accent1"/>
-                    </a:fillRef>
-                    <a:effectRef idx="0">
-                      <a:schemeClr val="accent1"/>
-                    </a:effectRef>
-                    <a:fontRef idx="minor">
-                      <a:schemeClr val="lt1"/>
-                    </a:fontRef>
-                  </p:style>
-                  <p:txBody>
-                    <a:bodyPr rtlCol="0" anchor="ctr"/>
-                    <a:lstStyle/>
-                    <a:p>
-                      <a:pPr algn="ctr"/>
-                      <a:endParaRPr lang="zh-CN" altLang="en-US" dirty="0"/>
-                    </a:p>
-                  </p:txBody>
-                </p:sp>
-              </p:grpSp>
-              <p:grpSp>
-                <p:nvGrpSpPr>
-                  <p:cNvPr id="123" name="组合 122">
-                    <a:extLst>
-                      <a:ext uri="{FF2B5EF4-FFF2-40B4-BE49-F238E27FC236}">
-                        <a16:creationId xmlns:a16="http://schemas.microsoft.com/office/drawing/2014/main" id="{DBDDF1E8-4122-4EBA-B3A3-261643A86EB9}"/>
-                      </a:ext>
-                    </a:extLst>
-                  </p:cNvPr>
-                  <p:cNvGrpSpPr/>
-                  <p:nvPr/>
-                </p:nvGrpSpPr>
-                <p:grpSpPr>
-                  <a:xfrm>
-                    <a:off x="5880418" y="3365969"/>
-                    <a:ext cx="1115987" cy="411524"/>
-                    <a:chOff x="5880418" y="3365969"/>
-                    <a:chExt cx="1115987" cy="411524"/>
-                  </a:xfrm>
-                </p:grpSpPr>
-                <p:sp>
-                  <p:nvSpPr>
-                    <p:cNvPr id="124" name="矩形: 圆角 123">
-                      <a:extLst>
-                        <a:ext uri="{FF2B5EF4-FFF2-40B4-BE49-F238E27FC236}">
-                          <a16:creationId xmlns:a16="http://schemas.microsoft.com/office/drawing/2014/main" id="{AB491738-8A12-4370-A010-1B72F868A3C3}"/>
-                        </a:ext>
-                      </a:extLst>
-                    </p:cNvPr>
-                    <p:cNvSpPr/>
-                    <p:nvPr/>
-                  </p:nvSpPr>
-                  <p:spPr>
-                    <a:xfrm>
-                      <a:off x="6483379" y="3381008"/>
-                      <a:ext cx="513026" cy="362558"/>
-                    </a:xfrm>
-                    <a:prstGeom prst="roundRect">
-                      <a:avLst/>
-                    </a:prstGeom>
-                    <a:solidFill>
-                      <a:srgbClr val="BFFFBF"/>
-                    </a:solidFill>
-                    <a:ln>
-                      <a:solidFill>
-                        <a:schemeClr val="accent1"/>
-                      </a:solidFill>
-                    </a:ln>
-                  </p:spPr>
-                  <p:style>
-                    <a:lnRef idx="2">
-                      <a:schemeClr val="accent1">
-                        <a:shade val="50000"/>
-                      </a:schemeClr>
-                    </a:lnRef>
-                    <a:fillRef idx="1">
-                      <a:schemeClr val="accent1"/>
-                    </a:fillRef>
-                    <a:effectRef idx="0">
-                      <a:schemeClr val="accent1"/>
-                    </a:effectRef>
-                    <a:fontRef idx="minor">
-                      <a:schemeClr val="lt1"/>
-                    </a:fontRef>
-                  </p:style>
-                  <p:txBody>
-                    <a:bodyPr rtlCol="0" anchor="ctr"/>
-                    <a:lstStyle/>
-                    <a:p>
-                      <a:pPr algn="ctr"/>
-                      <a:endParaRPr lang="zh-CN" altLang="en-US" dirty="0"/>
-                    </a:p>
-                  </p:txBody>
-                </p:sp>
-                <p:pic>
-                  <p:nvPicPr>
-                    <p:cNvPr id="125" name="图片 124">
-                      <a:extLst>
-                        <a:ext uri="{FF2B5EF4-FFF2-40B4-BE49-F238E27FC236}">
-                          <a16:creationId xmlns:a16="http://schemas.microsoft.com/office/drawing/2014/main" id="{7BED39EC-3B40-4106-81B0-9D5F153DA022}"/>
-                        </a:ext>
-                      </a:extLst>
-                    </p:cNvPr>
-                    <p:cNvPicPr>
-                      <a:picLocks noChangeAspect="1"/>
-                    </p:cNvPicPr>
-                    <p:nvPr/>
-                  </p:nvPicPr>
-                  <p:blipFill>
-                    <a:blip r:embed="rId3">
-                      <a:extLst>
-                        <a:ext uri="{28A0092B-C50C-407E-A947-70E740481C1C}">
-                          <a14:useLocalDpi xmlns:a14="http://schemas.microsoft.com/office/drawing/2010/main" val="0"/>
-                        </a:ext>
-                      </a:extLst>
-                    </a:blip>
-                    <a:stretch>
-                      <a:fillRect/>
-                    </a:stretch>
-                  </p:blipFill>
-                  <p:spPr>
-                    <a:xfrm>
-                      <a:off x="5880418" y="3365969"/>
-                      <a:ext cx="446709" cy="411524"/>
-                    </a:xfrm>
-                    <a:prstGeom prst="rect">
-                      <a:avLst/>
-                    </a:prstGeom>
-                  </p:spPr>
-                </p:pic>
-                <p:pic>
-                  <p:nvPicPr>
-                    <p:cNvPr id="126" name="图片 125">
-                      <a:extLst>
-                        <a:ext uri="{FF2B5EF4-FFF2-40B4-BE49-F238E27FC236}">
-                          <a16:creationId xmlns:a16="http://schemas.microsoft.com/office/drawing/2014/main" id="{87DB0A14-C1AB-4610-BD30-89FC9B2EDE2E}"/>
-                        </a:ext>
-                      </a:extLst>
-                    </p:cNvPr>
-                    <p:cNvPicPr>
-                      <a:picLocks noChangeAspect="1"/>
-                    </p:cNvPicPr>
-                    <p:nvPr/>
-                  </p:nvPicPr>
-                  <p:blipFill>
-                    <a:blip r:embed="rId4">
-                      <a:extLst>
-                        <a:ext uri="{28A0092B-C50C-407E-A947-70E740481C1C}">
-                          <a14:useLocalDpi xmlns:a14="http://schemas.microsoft.com/office/drawing/2010/main" val="0"/>
-                        </a:ext>
-                      </a:extLst>
-                    </a:blip>
-                    <a:stretch>
-                      <a:fillRect/>
-                    </a:stretch>
-                  </p:blipFill>
-                  <p:spPr>
-                    <a:xfrm>
-                      <a:off x="6543527" y="3403835"/>
-                      <a:ext cx="409821" cy="302444"/>
-                    </a:xfrm>
-                    <a:prstGeom prst="rect">
-                      <a:avLst/>
-                    </a:prstGeom>
-                  </p:spPr>
-                </p:pic>
-              </p:grpSp>
-            </p:grpSp>
-          </p:grpSp>
-          <p:sp>
-            <p:nvSpPr>
-              <p:cNvPr id="119" name="文本框 118">
-                <a:extLst>
-                  <a:ext uri="{FF2B5EF4-FFF2-40B4-BE49-F238E27FC236}">
-                    <a16:creationId xmlns:a16="http://schemas.microsoft.com/office/drawing/2014/main" id="{C3539AA8-7DD5-43D8-9225-A85CAA58B981}"/>
-                  </a:ext>
-                </a:extLst>
-              </p:cNvPr>
-              <p:cNvSpPr txBox="1"/>
-              <p:nvPr/>
-            </p:nvSpPr>
-            <p:spPr>
-              <a:xfrm>
-                <a:off x="6213596" y="3712598"/>
-                <a:ext cx="1491126" cy="222798"/>
-              </a:xfrm>
-              <a:prstGeom prst="rect">
-                <a:avLst/>
-              </a:prstGeom>
-              <a:noFill/>
-            </p:spPr>
-            <p:txBody>
-              <a:bodyPr wrap="square" rtlCol="0">
-                <a:spAutoFit/>
-              </a:bodyPr>
-              <a:lstStyle/>
-              <a:p>
-                <a:r>
-                  <a:rPr lang="en-US" altLang="zh-CN" sz="600" dirty="0">
-                    <a:latin typeface="Arial Rounded MT Bold" panose="020F0704030504030204" pitchFamily="34" charset="0"/>
-                  </a:rPr>
-                  <a:t>Envoy as sidecar</a:t>
-                </a:r>
-                <a:endParaRPr lang="zh-CN" altLang="en-US" sz="600" dirty="0">
-                  <a:latin typeface="Arial Rounded MT Bold" panose="020F0704030504030204" pitchFamily="34" charset="0"/>
-                </a:endParaRPr>
-              </a:p>
-            </p:txBody>
-          </p:sp>
-        </p:grpSp>
-        <p:grpSp>
-          <p:nvGrpSpPr>
-            <p:cNvPr id="104" name="组合 103">
-              <a:extLst>
-                <a:ext uri="{FF2B5EF4-FFF2-40B4-BE49-F238E27FC236}">
-                  <a16:creationId xmlns:a16="http://schemas.microsoft.com/office/drawing/2014/main" id="{C84DF0A4-5D88-4EF7-B210-D40F05CB26FA}"/>
-                </a:ext>
-              </a:extLst>
-            </p:cNvPr>
-            <p:cNvGrpSpPr/>
-            <p:nvPr/>
-          </p:nvGrpSpPr>
-          <p:grpSpPr>
-            <a:xfrm>
-              <a:off x="1717233" y="4790760"/>
-              <a:ext cx="1310698" cy="658721"/>
-              <a:chOff x="6059009" y="3101298"/>
-              <a:chExt cx="1645715" cy="848536"/>
-            </a:xfrm>
-          </p:grpSpPr>
-          <p:grpSp>
-            <p:nvGrpSpPr>
-              <p:cNvPr id="106" name="组合 105">
-                <a:extLst>
-                  <a:ext uri="{FF2B5EF4-FFF2-40B4-BE49-F238E27FC236}">
-                    <a16:creationId xmlns:a16="http://schemas.microsoft.com/office/drawing/2014/main" id="{5F3036BC-70F9-45D1-90C7-A26B5883329C}"/>
-                  </a:ext>
-                </a:extLst>
-              </p:cNvPr>
-              <p:cNvGrpSpPr/>
-              <p:nvPr/>
-            </p:nvGrpSpPr>
-            <p:grpSpPr>
-              <a:xfrm>
-                <a:off x="6059009" y="3101298"/>
-                <a:ext cx="1322707" cy="848536"/>
-                <a:chOff x="5775702" y="3122899"/>
-                <a:chExt cx="1322707" cy="848536"/>
-              </a:xfrm>
-            </p:grpSpPr>
-            <p:sp>
-              <p:nvSpPr>
-                <p:cNvPr id="108" name="AutoShape 2" descr="Logo">
-                  <a:extLst>
-                    <a:ext uri="{FF2B5EF4-FFF2-40B4-BE49-F238E27FC236}">
-                      <a16:creationId xmlns:a16="http://schemas.microsoft.com/office/drawing/2014/main" id="{9806CF33-E2A0-44A8-80C1-9D5B6C25CB92}"/>
-                    </a:ext>
-                  </a:extLst>
-                </p:cNvPr>
-                <p:cNvSpPr>
-                  <a:spLocks noChangeAspect="1" noChangeArrowheads="1"/>
-                </p:cNvSpPr>
-                <p:nvPr/>
-              </p:nvSpPr>
-              <p:spPr bwMode="auto">
-                <a:xfrm>
-                  <a:off x="5943600" y="3276600"/>
-                  <a:ext cx="304800" cy="304800"/>
-                </a:xfrm>
-                <a:prstGeom prst="rect">
-                  <a:avLst/>
-                </a:prstGeom>
-                <a:noFill/>
-                <a:extLst>
-                  <a:ext uri="{909E8E84-426E-40DD-AFC4-6F175D3DCCD1}">
-                    <a14:hiddenFill xmlns:a14="http://schemas.microsoft.com/office/drawing/2010/main">
-                      <a:solidFill>
-                        <a:srgbClr val="FFFFFF"/>
-                      </a:solidFill>
-                    </a14:hiddenFill>
-                  </a:ext>
-                </a:extLst>
-              </p:spPr>
-              <p:txBody>
-                <a:bodyPr vert="horz" wrap="square" lIns="91440" tIns="45720" rIns="91440" bIns="45720" numCol="1" anchor="t" anchorCtr="0" compatLnSpc="1">
-                  <a:prstTxWarp prst="textNoShape">
-                    <a:avLst/>
-                  </a:prstTxWarp>
-                </a:bodyPr>
-                <a:lstStyle/>
-                <a:p>
-                  <a:endParaRPr lang="zh-CN" altLang="en-US"/>
-                </a:p>
-              </p:txBody>
-            </p:sp>
-            <p:grpSp>
-              <p:nvGrpSpPr>
-                <p:cNvPr id="109" name="组合 108">
-                  <a:extLst>
-                    <a:ext uri="{FF2B5EF4-FFF2-40B4-BE49-F238E27FC236}">
-                      <a16:creationId xmlns:a16="http://schemas.microsoft.com/office/drawing/2014/main" id="{D580B504-C8AA-45C2-8859-77C286720C21}"/>
-                    </a:ext>
-                  </a:extLst>
-                </p:cNvPr>
-                <p:cNvGrpSpPr/>
-                <p:nvPr/>
-              </p:nvGrpSpPr>
-              <p:grpSpPr>
-                <a:xfrm>
-                  <a:off x="5775702" y="3122899"/>
-                  <a:ext cx="1322707" cy="848536"/>
-                  <a:chOff x="5775702" y="3122899"/>
-                  <a:chExt cx="1322707" cy="848536"/>
-                </a:xfrm>
-              </p:grpSpPr>
-              <p:grpSp>
-                <p:nvGrpSpPr>
-                  <p:cNvPr id="110" name="组合 109">
-                    <a:extLst>
-                      <a:ext uri="{FF2B5EF4-FFF2-40B4-BE49-F238E27FC236}">
-                        <a16:creationId xmlns:a16="http://schemas.microsoft.com/office/drawing/2014/main" id="{FF695B86-F3DD-4A11-BAE3-EA3B30A47C0D}"/>
-                      </a:ext>
-                    </a:extLst>
-                  </p:cNvPr>
-                  <p:cNvGrpSpPr/>
-                  <p:nvPr/>
-                </p:nvGrpSpPr>
-                <p:grpSpPr>
-                  <a:xfrm>
-                    <a:off x="5775702" y="3122899"/>
-                    <a:ext cx="1322707" cy="848536"/>
-                    <a:chOff x="5222448" y="1179816"/>
-                    <a:chExt cx="1786387" cy="1181863"/>
-                  </a:xfrm>
-                </p:grpSpPr>
-                <p:sp>
-                  <p:nvSpPr>
-                    <p:cNvPr id="115" name="矩形: 圆角 114">
-                      <a:extLst>
-                        <a:ext uri="{FF2B5EF4-FFF2-40B4-BE49-F238E27FC236}">
-                          <a16:creationId xmlns:a16="http://schemas.microsoft.com/office/drawing/2014/main" id="{3FD6C1EF-EDF8-413E-8ECE-6116D33AE364}"/>
-                        </a:ext>
-                      </a:extLst>
-                    </p:cNvPr>
-                    <p:cNvSpPr/>
-                    <p:nvPr/>
-                  </p:nvSpPr>
-                  <p:spPr>
-                    <a:xfrm>
-                      <a:off x="5222448" y="1211266"/>
-                      <a:ext cx="1786387" cy="1150413"/>
-                    </a:xfrm>
-                    <a:prstGeom prst="roundRect">
-                      <a:avLst/>
-                    </a:prstGeom>
-                    <a:solidFill>
-                      <a:srgbClr val="0FF0F1"/>
-                    </a:solidFill>
-                    <a:ln>
-                      <a:solidFill>
-                        <a:schemeClr val="accent1"/>
-                      </a:solidFill>
-                    </a:ln>
-                  </p:spPr>
-                  <p:style>
-                    <a:lnRef idx="2">
-                      <a:schemeClr val="accent1">
-                        <a:shade val="50000"/>
-                      </a:schemeClr>
-                    </a:lnRef>
-                    <a:fillRef idx="1">
-                      <a:schemeClr val="accent1"/>
-                    </a:fillRef>
-                    <a:effectRef idx="0">
-                      <a:schemeClr val="accent1"/>
-                    </a:effectRef>
-                    <a:fontRef idx="minor">
-                      <a:schemeClr val="lt1"/>
-                    </a:fontRef>
-                  </p:style>
-                  <p:txBody>
-                    <a:bodyPr rtlCol="0" anchor="ctr"/>
-                    <a:lstStyle/>
-                    <a:p>
-                      <a:pPr algn="ctr"/>
-                      <a:endParaRPr lang="zh-CN" altLang="en-US"/>
-                    </a:p>
-                  </p:txBody>
-                </p:sp>
-                <p:sp>
-                  <p:nvSpPr>
-                    <p:cNvPr id="116" name="文本框 115">
-                      <a:extLst>
-                        <a:ext uri="{FF2B5EF4-FFF2-40B4-BE49-F238E27FC236}">
-                          <a16:creationId xmlns:a16="http://schemas.microsoft.com/office/drawing/2014/main" id="{9E8148D7-5D3B-4926-99A2-740F1C7AB058}"/>
-                        </a:ext>
-                      </a:extLst>
-                    </p:cNvPr>
-                    <p:cNvSpPr txBox="1"/>
-                    <p:nvPr/>
-                  </p:nvSpPr>
-                  <p:spPr>
-                    <a:xfrm>
-                      <a:off x="5741463" y="1179816"/>
-                      <a:ext cx="840065" cy="672358"/>
-                    </a:xfrm>
-                    <a:prstGeom prst="rect">
-                      <a:avLst/>
-                    </a:prstGeom>
-                    <a:noFill/>
-                  </p:spPr>
-                  <p:txBody>
-                    <a:bodyPr wrap="square" rtlCol="0">
-                      <a:spAutoFit/>
-                    </a:bodyPr>
-                    <a:lstStyle/>
-                    <a:p>
-                      <a:r>
-                        <a:rPr lang="en-US" altLang="zh-CN" sz="1000" dirty="0">
-                          <a:latin typeface="Arial Rounded MT Bold" panose="020F0704030504030204" pitchFamily="34" charset="0"/>
-                        </a:rPr>
-                        <a:t>Pod</a:t>
-                      </a:r>
-                      <a:endParaRPr lang="zh-CN" altLang="en-US" sz="1000" dirty="0">
-                        <a:latin typeface="Arial Rounded MT Bold" panose="020F0704030504030204" pitchFamily="34" charset="0"/>
-                      </a:endParaRPr>
-                    </a:p>
-                  </p:txBody>
-                </p:sp>
-                <p:sp>
-                  <p:nvSpPr>
-                    <p:cNvPr id="117" name="矩形: 圆角 116">
-                      <a:extLst>
-                        <a:ext uri="{FF2B5EF4-FFF2-40B4-BE49-F238E27FC236}">
-                          <a16:creationId xmlns:a16="http://schemas.microsoft.com/office/drawing/2014/main" id="{D2B14383-B416-4700-8D5C-5F6671668CE9}"/>
-                        </a:ext>
-                      </a:extLst>
-                    </p:cNvPr>
-                    <p:cNvSpPr/>
-                    <p:nvPr/>
-                  </p:nvSpPr>
-                  <p:spPr>
-                    <a:xfrm>
-                      <a:off x="5319347" y="1539319"/>
-                      <a:ext cx="692869" cy="504980"/>
-                    </a:xfrm>
-                    <a:prstGeom prst="roundRect">
-                      <a:avLst/>
-                    </a:prstGeom>
-                    <a:solidFill>
-                      <a:srgbClr val="BFFFBF"/>
-                    </a:solidFill>
-                    <a:ln>
-                      <a:solidFill>
-                        <a:schemeClr val="accent1"/>
-                      </a:solidFill>
-                    </a:ln>
-                  </p:spPr>
-                  <p:style>
-                    <a:lnRef idx="2">
-                      <a:schemeClr val="accent1">
-                        <a:shade val="50000"/>
-                      </a:schemeClr>
-                    </a:lnRef>
-                    <a:fillRef idx="1">
-                      <a:schemeClr val="accent1"/>
-                    </a:fillRef>
-                    <a:effectRef idx="0">
-                      <a:schemeClr val="accent1"/>
-                    </a:effectRef>
-                    <a:fontRef idx="minor">
-                      <a:schemeClr val="lt1"/>
-                    </a:fontRef>
-                  </p:style>
-                  <p:txBody>
-                    <a:bodyPr rtlCol="0" anchor="ctr"/>
-                    <a:lstStyle/>
-                    <a:p>
-                      <a:pPr algn="ctr"/>
-                      <a:endParaRPr lang="zh-CN" altLang="en-US" dirty="0"/>
-                    </a:p>
-                  </p:txBody>
-                </p:sp>
-              </p:grpSp>
-              <p:grpSp>
-                <p:nvGrpSpPr>
-                  <p:cNvPr id="111" name="组合 110">
-                    <a:extLst>
-                      <a:ext uri="{FF2B5EF4-FFF2-40B4-BE49-F238E27FC236}">
-                        <a16:creationId xmlns:a16="http://schemas.microsoft.com/office/drawing/2014/main" id="{DE8C7B7E-EBC0-4C9F-B180-C2E477002D34}"/>
-                      </a:ext>
-                    </a:extLst>
-                  </p:cNvPr>
-                  <p:cNvGrpSpPr/>
-                  <p:nvPr/>
-                </p:nvGrpSpPr>
-                <p:grpSpPr>
-                  <a:xfrm>
-                    <a:off x="5880419" y="3365970"/>
-                    <a:ext cx="1115986" cy="411524"/>
-                    <a:chOff x="5880419" y="3365970"/>
-                    <a:chExt cx="1115986" cy="411524"/>
-                  </a:xfrm>
-                </p:grpSpPr>
-                <p:sp>
-                  <p:nvSpPr>
-                    <p:cNvPr id="112" name="矩形: 圆角 111">
-                      <a:extLst>
-                        <a:ext uri="{FF2B5EF4-FFF2-40B4-BE49-F238E27FC236}">
-                          <a16:creationId xmlns:a16="http://schemas.microsoft.com/office/drawing/2014/main" id="{331285D7-D9B6-4465-BF31-F5A52936909A}"/>
-                        </a:ext>
-                      </a:extLst>
-                    </p:cNvPr>
-                    <p:cNvSpPr/>
-                    <p:nvPr/>
-                  </p:nvSpPr>
-                  <p:spPr>
-                    <a:xfrm>
-                      <a:off x="6483379" y="3381008"/>
-                      <a:ext cx="513026" cy="362558"/>
-                    </a:xfrm>
-                    <a:prstGeom prst="roundRect">
-                      <a:avLst/>
-                    </a:prstGeom>
-                    <a:solidFill>
-                      <a:srgbClr val="BFFFBF"/>
-                    </a:solidFill>
-                    <a:ln>
-                      <a:solidFill>
-                        <a:schemeClr val="accent1"/>
-                      </a:solidFill>
-                    </a:ln>
-                  </p:spPr>
-                  <p:style>
-                    <a:lnRef idx="2">
-                      <a:schemeClr val="accent1">
-                        <a:shade val="50000"/>
-                      </a:schemeClr>
-                    </a:lnRef>
-                    <a:fillRef idx="1">
-                      <a:schemeClr val="accent1"/>
-                    </a:fillRef>
-                    <a:effectRef idx="0">
-                      <a:schemeClr val="accent1"/>
-                    </a:effectRef>
-                    <a:fontRef idx="minor">
-                      <a:schemeClr val="lt1"/>
-                    </a:fontRef>
-                  </p:style>
-                  <p:txBody>
-                    <a:bodyPr rtlCol="0" anchor="ctr"/>
-                    <a:lstStyle/>
-                    <a:p>
-                      <a:pPr algn="ctr"/>
-                      <a:endParaRPr lang="zh-CN" altLang="en-US" dirty="0"/>
-                    </a:p>
-                  </p:txBody>
-                </p:sp>
-                <p:pic>
-                  <p:nvPicPr>
-                    <p:cNvPr id="113" name="图片 112">
-                      <a:extLst>
-                        <a:ext uri="{FF2B5EF4-FFF2-40B4-BE49-F238E27FC236}">
-                          <a16:creationId xmlns:a16="http://schemas.microsoft.com/office/drawing/2014/main" id="{ADB40BE7-CA46-44DE-BEA2-238F95923D11}"/>
-                        </a:ext>
-                      </a:extLst>
-                    </p:cNvPr>
-                    <p:cNvPicPr>
-                      <a:picLocks noChangeAspect="1"/>
-                    </p:cNvPicPr>
-                    <p:nvPr/>
-                  </p:nvPicPr>
-                  <p:blipFill>
-                    <a:blip r:embed="rId3">
-                      <a:extLst>
-                        <a:ext uri="{28A0092B-C50C-407E-A947-70E740481C1C}">
-                          <a14:useLocalDpi xmlns:a14="http://schemas.microsoft.com/office/drawing/2010/main" val="0"/>
-                        </a:ext>
-                      </a:extLst>
-                    </a:blip>
-                    <a:stretch>
-                      <a:fillRect/>
-                    </a:stretch>
-                  </p:blipFill>
-                  <p:spPr>
-                    <a:xfrm>
-                      <a:off x="5880419" y="3365970"/>
-                      <a:ext cx="446710" cy="411524"/>
-                    </a:xfrm>
-                    <a:prstGeom prst="rect">
-                      <a:avLst/>
-                    </a:prstGeom>
-                  </p:spPr>
-                </p:pic>
-                <p:pic>
-                  <p:nvPicPr>
-                    <p:cNvPr id="114" name="图片 113">
-                      <a:extLst>
-                        <a:ext uri="{FF2B5EF4-FFF2-40B4-BE49-F238E27FC236}">
-                          <a16:creationId xmlns:a16="http://schemas.microsoft.com/office/drawing/2014/main" id="{BBFF377B-E2DA-49F9-85A3-C5A5B9DF0E22}"/>
-                        </a:ext>
-                      </a:extLst>
-                    </p:cNvPr>
-                    <p:cNvPicPr>
-                      <a:picLocks noChangeAspect="1"/>
-                    </p:cNvPicPr>
-                    <p:nvPr/>
-                  </p:nvPicPr>
-                  <p:blipFill>
-                    <a:blip r:embed="rId4">
-                      <a:extLst>
-                        <a:ext uri="{28A0092B-C50C-407E-A947-70E740481C1C}">
-                          <a14:useLocalDpi xmlns:a14="http://schemas.microsoft.com/office/drawing/2010/main" val="0"/>
-                        </a:ext>
-                      </a:extLst>
-                    </a:blip>
-                    <a:stretch>
-                      <a:fillRect/>
-                    </a:stretch>
-                  </p:blipFill>
-                  <p:spPr>
-                    <a:xfrm>
-                      <a:off x="6543527" y="3403837"/>
-                      <a:ext cx="409821" cy="302444"/>
-                    </a:xfrm>
-                    <a:prstGeom prst="rect">
-                      <a:avLst/>
-                    </a:prstGeom>
-                  </p:spPr>
-                </p:pic>
-              </p:grpSp>
-            </p:grpSp>
-          </p:grpSp>
-          <p:sp>
-            <p:nvSpPr>
-              <p:cNvPr id="107" name="文本框 106">
-                <a:extLst>
-                  <a:ext uri="{FF2B5EF4-FFF2-40B4-BE49-F238E27FC236}">
-                    <a16:creationId xmlns:a16="http://schemas.microsoft.com/office/drawing/2014/main" id="{A20060BC-D248-4975-8960-06A0B28D6888}"/>
-                  </a:ext>
-                </a:extLst>
-              </p:cNvPr>
-              <p:cNvSpPr txBox="1"/>
-              <p:nvPr/>
-            </p:nvSpPr>
-            <p:spPr>
-              <a:xfrm>
-                <a:off x="6213599" y="3712600"/>
-                <a:ext cx="1491125" cy="222798"/>
-              </a:xfrm>
-              <a:prstGeom prst="rect">
-                <a:avLst/>
-              </a:prstGeom>
-              <a:noFill/>
-            </p:spPr>
-            <p:txBody>
-              <a:bodyPr wrap="square" rtlCol="0">
-                <a:spAutoFit/>
-              </a:bodyPr>
-              <a:lstStyle/>
-              <a:p>
-                <a:r>
-                  <a:rPr lang="en-US" altLang="zh-CN" sz="600" dirty="0">
-                    <a:latin typeface="Arial Rounded MT Bold" panose="020F0704030504030204" pitchFamily="34" charset="0"/>
-                  </a:rPr>
-                  <a:t>Envoy as sidecar</a:t>
-                </a:r>
-                <a:endParaRPr lang="zh-CN" altLang="en-US" sz="600" dirty="0">
-                  <a:latin typeface="Arial Rounded MT Bold" panose="020F0704030504030204" pitchFamily="34" charset="0"/>
-                </a:endParaRPr>
-              </a:p>
-            </p:txBody>
-          </p:sp>
-        </p:grpSp>
-        <p:sp>
-          <p:nvSpPr>
-            <p:cNvPr id="105" name="文本框 104">
-              <a:extLst>
-                <a:ext uri="{FF2B5EF4-FFF2-40B4-BE49-F238E27FC236}">
-                  <a16:creationId xmlns:a16="http://schemas.microsoft.com/office/drawing/2014/main" id="{64391450-D623-49BE-8B62-C44F6E9434C4}"/>
-                </a:ext>
-              </a:extLst>
-            </p:cNvPr>
-            <p:cNvSpPr txBox="1"/>
-            <p:nvPr/>
-          </p:nvSpPr>
-          <p:spPr>
-            <a:xfrm>
-              <a:off x="1937220" y="4425531"/>
-              <a:ext cx="430887" cy="402666"/>
-            </a:xfrm>
-            <a:prstGeom prst="rect">
-              <a:avLst/>
-            </a:prstGeom>
-            <a:noFill/>
-          </p:spPr>
-          <p:txBody>
-            <a:bodyPr vert="vert270" wrap="square" rtlCol="0" anchor="ctr" anchorCtr="1">
-              <a:spAutoFit/>
-            </a:bodyPr>
-            <a:lstStyle/>
-            <a:p>
-              <a:r>
-                <a:rPr lang="en-US" altLang="zh-CN" sz="1600" kern="0" spc="500" dirty="0">
-                  <a:latin typeface="Arial Rounded MT Bold" panose="020F0704030504030204" pitchFamily="34" charset="0"/>
-                </a:rPr>
-                <a:t>…</a:t>
-              </a:r>
-              <a:endParaRPr lang="zh-CN" altLang="en-US" sz="1600" kern="0" spc="500" dirty="0">
-                <a:latin typeface="Arial Rounded MT Bold" panose="020F0704030504030204" pitchFamily="34" charset="0"/>
-              </a:endParaRPr>
-            </a:p>
-          </p:txBody>
-        </p:sp>
-      </p:grpSp>
-      <p:grpSp>
-        <p:nvGrpSpPr>
-          <p:cNvPr id="142" name="组合 141">
-            <a:extLst>
-              <a:ext uri="{FF2B5EF4-FFF2-40B4-BE49-F238E27FC236}">
-                <a16:creationId xmlns:a16="http://schemas.microsoft.com/office/drawing/2014/main" id="{10FF194F-E8A6-46C6-B898-AD7F057A8E61}"/>
-              </a:ext>
-            </a:extLst>
-          </p:cNvPr>
-          <p:cNvGrpSpPr/>
-          <p:nvPr/>
-        </p:nvGrpSpPr>
-        <p:grpSpPr>
-          <a:xfrm>
-            <a:off x="8165436" y="2663139"/>
-            <a:ext cx="1590952" cy="1623211"/>
-            <a:chOff x="5950973" y="2354091"/>
-            <a:chExt cx="1590952" cy="1623211"/>
-          </a:xfrm>
-        </p:grpSpPr>
-        <p:pic>
-          <p:nvPicPr>
-            <p:cNvPr id="140" name="图片 139">
-              <a:extLst>
-                <a:ext uri="{FF2B5EF4-FFF2-40B4-BE49-F238E27FC236}">
-                  <a16:creationId xmlns:a16="http://schemas.microsoft.com/office/drawing/2014/main" id="{17A9F8E6-1A96-40C9-8F86-520FD696DE03}"/>
-                </a:ext>
-              </a:extLst>
-            </p:cNvPr>
-            <p:cNvPicPr>
-              <a:picLocks noChangeAspect="1"/>
-            </p:cNvPicPr>
-            <p:nvPr/>
-          </p:nvPicPr>
-          <p:blipFill>
-            <a:blip r:embed="rId5">
-              <a:extLst>
-                <a:ext uri="{28A0092B-C50C-407E-A947-70E740481C1C}">
-                  <a14:useLocalDpi xmlns:a14="http://schemas.microsoft.com/office/drawing/2010/main" val="0"/>
-                </a:ext>
-              </a:extLst>
-            </a:blip>
-            <a:stretch>
-              <a:fillRect/>
-            </a:stretch>
-          </p:blipFill>
-          <p:spPr>
-            <a:xfrm>
-              <a:off x="5950973" y="2354091"/>
-              <a:ext cx="1458013" cy="1414273"/>
-            </a:xfrm>
-            <a:prstGeom prst="rect">
-              <a:avLst/>
-            </a:prstGeom>
-          </p:spPr>
-        </p:pic>
-        <p:sp>
-          <p:nvSpPr>
-            <p:cNvPr id="141" name="文本框 140">
-              <a:extLst>
-                <a:ext uri="{FF2B5EF4-FFF2-40B4-BE49-F238E27FC236}">
-                  <a16:creationId xmlns:a16="http://schemas.microsoft.com/office/drawing/2014/main" id="{F790856E-D274-489A-9843-6426C84C63DB}"/>
-                </a:ext>
-              </a:extLst>
-            </p:cNvPr>
-            <p:cNvSpPr txBox="1"/>
-            <p:nvPr/>
-          </p:nvSpPr>
-          <p:spPr>
-            <a:xfrm>
-              <a:off x="5950973" y="3638748"/>
-              <a:ext cx="1590952" cy="338554"/>
-            </a:xfrm>
-            <a:prstGeom prst="rect">
-              <a:avLst/>
-            </a:prstGeom>
-            <a:noFill/>
-          </p:spPr>
-          <p:txBody>
-            <a:bodyPr wrap="square" rtlCol="0">
-              <a:spAutoFit/>
-            </a:bodyPr>
-            <a:lstStyle/>
-            <a:p>
-              <a:r>
-                <a:rPr lang="en-US" altLang="zh-CN" sz="1600" dirty="0">
-                  <a:latin typeface="Arial Rounded MT Bold" panose="020F0704030504030204" pitchFamily="34" charset="0"/>
-                </a:rPr>
-                <a:t>Elasticsearch</a:t>
-              </a:r>
-              <a:endParaRPr lang="zh-CN" altLang="en-US" sz="1600" dirty="0">
-                <a:latin typeface="Arial Rounded MT Bold" panose="020F0704030504030204" pitchFamily="34" charset="0"/>
-              </a:endParaRPr>
-            </a:p>
-          </p:txBody>
-        </p:sp>
-      </p:grpSp>
-      <p:sp>
-        <p:nvSpPr>
-          <p:cNvPr id="147" name="文本框 146">
-            <a:extLst>
-              <a:ext uri="{FF2B5EF4-FFF2-40B4-BE49-F238E27FC236}">
-                <a16:creationId xmlns:a16="http://schemas.microsoft.com/office/drawing/2014/main" id="{724B9F02-F62E-4A02-9DCD-AD5A998239E5}"/>
-              </a:ext>
-            </a:extLst>
-          </p:cNvPr>
-          <p:cNvSpPr txBox="1"/>
-          <p:nvPr/>
-        </p:nvSpPr>
-        <p:spPr>
-          <a:xfrm>
-            <a:off x="5255620" y="781153"/>
-            <a:ext cx="875698" cy="276999"/>
-          </a:xfrm>
-          <a:prstGeom prst="rect">
-            <a:avLst/>
-          </a:prstGeom>
-          <a:noFill/>
-        </p:spPr>
-        <p:txBody>
-          <a:bodyPr wrap="square" rtlCol="0">
-            <a:spAutoFit/>
-          </a:bodyPr>
-          <a:lstStyle/>
-          <a:p>
-            <a:r>
-              <a:rPr lang="en-US" altLang="zh-CN" sz="1200" dirty="0">
-                <a:latin typeface="Arial Rounded MT Bold" panose="020F0704030504030204" pitchFamily="34" charset="0"/>
-              </a:rPr>
-              <a:t>Push(log)</a:t>
-            </a:r>
-            <a:endParaRPr lang="zh-CN" altLang="en-US" sz="1200" dirty="0">
-              <a:latin typeface="Arial Rounded MT Bold" panose="020F0704030504030204" pitchFamily="34" charset="0"/>
-            </a:endParaRPr>
-          </a:p>
-        </p:txBody>
-      </p:sp>
-      <p:sp>
-        <p:nvSpPr>
-          <p:cNvPr id="148" name="文本框 147">
-            <a:extLst>
-              <a:ext uri="{FF2B5EF4-FFF2-40B4-BE49-F238E27FC236}">
-                <a16:creationId xmlns:a16="http://schemas.microsoft.com/office/drawing/2014/main" id="{FB6D483B-32FF-425A-8A94-3783B82DD30B}"/>
-              </a:ext>
-            </a:extLst>
-          </p:cNvPr>
-          <p:cNvSpPr txBox="1"/>
-          <p:nvPr/>
-        </p:nvSpPr>
-        <p:spPr>
-          <a:xfrm>
-            <a:off x="5255620" y="6022479"/>
-            <a:ext cx="875698" cy="276999"/>
-          </a:xfrm>
-          <a:prstGeom prst="rect">
-            <a:avLst/>
-          </a:prstGeom>
-          <a:noFill/>
-        </p:spPr>
-        <p:txBody>
-          <a:bodyPr wrap="square" rtlCol="0">
-            <a:spAutoFit/>
-          </a:bodyPr>
-          <a:lstStyle/>
-          <a:p>
-            <a:r>
-              <a:rPr lang="en-US" altLang="zh-CN" sz="1200" dirty="0">
-                <a:latin typeface="Arial Rounded MT Bold" panose="020F0704030504030204" pitchFamily="34" charset="0"/>
-              </a:rPr>
-              <a:t>Push(log)</a:t>
-            </a:r>
-            <a:endParaRPr lang="zh-CN" altLang="en-US" sz="1200" dirty="0">
-              <a:latin typeface="Arial Rounded MT Bold" panose="020F0704030504030204" pitchFamily="34" charset="0"/>
-            </a:endParaRPr>
-          </a:p>
-        </p:txBody>
-      </p:sp>
-      <p:grpSp>
-        <p:nvGrpSpPr>
-          <p:cNvPr id="157" name="组合 156">
-            <a:extLst>
-              <a:ext uri="{FF2B5EF4-FFF2-40B4-BE49-F238E27FC236}">
-                <a16:creationId xmlns:a16="http://schemas.microsoft.com/office/drawing/2014/main" id="{DF9EF99A-F88E-4D35-9483-CD0300AC3543}"/>
-              </a:ext>
-            </a:extLst>
-          </p:cNvPr>
-          <p:cNvGrpSpPr/>
-          <p:nvPr/>
-        </p:nvGrpSpPr>
-        <p:grpSpPr>
-          <a:xfrm>
-            <a:off x="593998" y="1930273"/>
-            <a:ext cx="527309" cy="2650514"/>
-            <a:chOff x="628085" y="2610358"/>
-            <a:chExt cx="527309" cy="2650514"/>
-          </a:xfrm>
-        </p:grpSpPr>
-        <p:sp>
-          <p:nvSpPr>
-            <p:cNvPr id="6" name="文本框 5">
-              <a:extLst>
-                <a:ext uri="{FF2B5EF4-FFF2-40B4-BE49-F238E27FC236}">
-                  <a16:creationId xmlns:a16="http://schemas.microsoft.com/office/drawing/2014/main" id="{463B08DA-FCA9-49C7-B972-8A98182DC8C4}"/>
-                </a:ext>
-              </a:extLst>
-            </p:cNvPr>
-            <p:cNvSpPr txBox="1"/>
-            <p:nvPr/>
-          </p:nvSpPr>
-          <p:spPr>
-            <a:xfrm>
-              <a:off x="652755" y="2610358"/>
-              <a:ext cx="430887" cy="2134647"/>
-            </a:xfrm>
-            <a:prstGeom prst="rect">
-              <a:avLst/>
-            </a:prstGeom>
-            <a:noFill/>
-          </p:spPr>
-          <p:txBody>
-            <a:bodyPr vert="vert270" wrap="square" rtlCol="0" anchor="ctr" anchorCtr="0">
-              <a:spAutoFit/>
-            </a:bodyPr>
-            <a:lstStyle/>
-            <a:p>
-              <a:r>
-                <a:rPr lang="en-US" altLang="zh-CN" sz="1600" dirty="0">
-                  <a:latin typeface="Arial Rounded MT Bold" panose="020F0704030504030204" pitchFamily="34" charset="0"/>
-                </a:rPr>
-                <a:t>Kubernetes  Cluster</a:t>
-              </a:r>
-              <a:endParaRPr lang="zh-CN" altLang="en-US" sz="1600" dirty="0">
-                <a:latin typeface="Arial Rounded MT Bold" panose="020F0704030504030204" pitchFamily="34" charset="0"/>
-              </a:endParaRPr>
-            </a:p>
-          </p:txBody>
-        </p:sp>
-        <p:pic>
-          <p:nvPicPr>
-            <p:cNvPr id="156" name="图片 155">
-              <a:extLst>
-                <a:ext uri="{FF2B5EF4-FFF2-40B4-BE49-F238E27FC236}">
-                  <a16:creationId xmlns:a16="http://schemas.microsoft.com/office/drawing/2014/main" id="{C873EBB8-616A-42D3-A193-6E7C3B1BF772}"/>
-                </a:ext>
-              </a:extLst>
-            </p:cNvPr>
-            <p:cNvPicPr>
-              <a:picLocks noChangeAspect="1"/>
-            </p:cNvPicPr>
-            <p:nvPr/>
-          </p:nvPicPr>
-          <p:blipFill>
-            <a:blip r:embed="rId6">
-              <a:extLst>
-                <a:ext uri="{28A0092B-C50C-407E-A947-70E740481C1C}">
-                  <a14:useLocalDpi xmlns:a14="http://schemas.microsoft.com/office/drawing/2010/main" val="0"/>
-                </a:ext>
-              </a:extLst>
-            </a:blip>
-            <a:stretch>
-              <a:fillRect/>
-            </a:stretch>
-          </p:blipFill>
-          <p:spPr>
-            <a:xfrm>
-              <a:off x="628085" y="4733563"/>
-              <a:ext cx="527309" cy="527309"/>
-            </a:xfrm>
-            <a:prstGeom prst="rect">
-              <a:avLst/>
-            </a:prstGeom>
-          </p:spPr>
-        </p:pic>
-      </p:grpSp>
-      <p:grpSp>
-        <p:nvGrpSpPr>
-          <p:cNvPr id="161" name="组合 160">
-            <a:extLst>
-              <a:ext uri="{FF2B5EF4-FFF2-40B4-BE49-F238E27FC236}">
-                <a16:creationId xmlns:a16="http://schemas.microsoft.com/office/drawing/2014/main" id="{9EF26797-31F0-40E3-8CE0-EC7BA448B24C}"/>
-              </a:ext>
-            </a:extLst>
-          </p:cNvPr>
-          <p:cNvGrpSpPr/>
-          <p:nvPr/>
-        </p:nvGrpSpPr>
-        <p:grpSpPr>
-          <a:xfrm>
-            <a:off x="8257005" y="525566"/>
-            <a:ext cx="1458000" cy="1584973"/>
-            <a:chOff x="10111314" y="2251946"/>
-            <a:chExt cx="1458000" cy="1584973"/>
-          </a:xfrm>
-        </p:grpSpPr>
-        <p:pic>
-          <p:nvPicPr>
-            <p:cNvPr id="159" name="图片 158">
-              <a:extLst>
-                <a:ext uri="{FF2B5EF4-FFF2-40B4-BE49-F238E27FC236}">
-                  <a16:creationId xmlns:a16="http://schemas.microsoft.com/office/drawing/2014/main" id="{1457C225-3188-4CA3-B425-457ED549C2D0}"/>
-                </a:ext>
-              </a:extLst>
-            </p:cNvPr>
-            <p:cNvPicPr preferRelativeResize="0">
-              <a:picLocks noChangeAspect="1"/>
-            </p:cNvPicPr>
-            <p:nvPr/>
-          </p:nvPicPr>
-          <p:blipFill>
-            <a:blip r:embed="rId7">
-              <a:extLst>
-                <a:ext uri="{28A0092B-C50C-407E-A947-70E740481C1C}">
-                  <a14:useLocalDpi xmlns:a14="http://schemas.microsoft.com/office/drawing/2010/main" val="0"/>
-                </a:ext>
-              </a:extLst>
-            </a:blip>
-            <a:stretch>
-              <a:fillRect/>
-            </a:stretch>
-          </p:blipFill>
-          <p:spPr>
-            <a:xfrm>
-              <a:off x="10111314" y="2251946"/>
-              <a:ext cx="1458000" cy="1377810"/>
-            </a:xfrm>
-            <a:prstGeom prst="rect">
-              <a:avLst/>
-            </a:prstGeom>
-          </p:spPr>
-        </p:pic>
-        <p:sp>
-          <p:nvSpPr>
-            <p:cNvPr id="160" name="文本框 159">
-              <a:extLst>
-                <a:ext uri="{FF2B5EF4-FFF2-40B4-BE49-F238E27FC236}">
-                  <a16:creationId xmlns:a16="http://schemas.microsoft.com/office/drawing/2014/main" id="{72A427C5-DC09-40ED-81D2-86D34B79A080}"/>
-                </a:ext>
-              </a:extLst>
-            </p:cNvPr>
-            <p:cNvSpPr txBox="1"/>
-            <p:nvPr/>
-          </p:nvSpPr>
-          <p:spPr>
-            <a:xfrm>
-              <a:off x="10367363" y="3498365"/>
-              <a:ext cx="1108330" cy="338554"/>
-            </a:xfrm>
-            <a:prstGeom prst="rect">
-              <a:avLst/>
-            </a:prstGeom>
-            <a:noFill/>
-          </p:spPr>
-          <p:txBody>
-            <a:bodyPr wrap="square" rtlCol="0">
-              <a:spAutoFit/>
-            </a:bodyPr>
-            <a:lstStyle/>
-            <a:p>
-              <a:r>
-                <a:rPr lang="en-US" altLang="zh-CN" sz="1600" dirty="0">
-                  <a:latin typeface="Arial Rounded MT Bold" panose="020F0704030504030204" pitchFamily="34" charset="0"/>
-                </a:rPr>
-                <a:t>Logstash</a:t>
-              </a:r>
-              <a:endParaRPr lang="zh-CN" altLang="en-US" sz="1600" dirty="0">
-                <a:latin typeface="Arial Rounded MT Bold" panose="020F0704030504030204" pitchFamily="34" charset="0"/>
-              </a:endParaRPr>
-            </a:p>
-          </p:txBody>
-        </p:sp>
-      </p:grpSp>
-      <p:cxnSp>
-        <p:nvCxnSpPr>
-          <p:cNvPr id="169" name="连接符: 肘形 168">
-            <a:extLst>
-              <a:ext uri="{FF2B5EF4-FFF2-40B4-BE49-F238E27FC236}">
-                <a16:creationId xmlns:a16="http://schemas.microsoft.com/office/drawing/2014/main" id="{A20C4F43-EC61-4225-BED5-FD00EAC3EA1C}"/>
-              </a:ext>
-            </a:extLst>
-          </p:cNvPr>
-          <p:cNvCxnSpPr>
-            <a:cxnSpLocks/>
-            <a:stCxn id="133" idx="3"/>
-            <a:endCxn id="159" idx="3"/>
-          </p:cNvCxnSpPr>
-          <p:nvPr/>
-        </p:nvCxnSpPr>
-        <p:spPr>
-          <a:xfrm flipV="1">
-            <a:off x="2638794" y="1214471"/>
-            <a:ext cx="7076211" cy="4751093"/>
-          </a:xfrm>
-          <a:prstGeom prst="bentConnector3">
-            <a:avLst>
-              <a:gd name="adj1" fmla="val 103231"/>
-            </a:avLst>
-          </a:prstGeom>
-          <a:ln w="12700">
-            <a:solidFill>
-              <a:schemeClr val="tx1"/>
-            </a:solidFill>
-            <a:tailEnd type="triangle"/>
-          </a:ln>
-        </p:spPr>
-        <p:style>
-          <a:lnRef idx="1">
-            <a:schemeClr val="accent1"/>
-          </a:lnRef>
-          <a:fillRef idx="0">
-            <a:schemeClr val="accent1"/>
-          </a:fillRef>
-          <a:effectRef idx="0">
-            <a:schemeClr val="accent1"/>
-          </a:effectRef>
-          <a:fontRef idx="minor">
-            <a:schemeClr val="tx1"/>
-          </a:fontRef>
-        </p:style>
-      </p:cxnSp>
-      <p:cxnSp>
-        <p:nvCxnSpPr>
-          <p:cNvPr id="183" name="直接箭头连接符 182">
-            <a:extLst>
-              <a:ext uri="{FF2B5EF4-FFF2-40B4-BE49-F238E27FC236}">
-                <a16:creationId xmlns:a16="http://schemas.microsoft.com/office/drawing/2014/main" id="{24549CCA-0112-46C1-8895-E30980A2A05A}"/>
-              </a:ext>
-            </a:extLst>
-          </p:cNvPr>
-          <p:cNvCxnSpPr>
-            <a:stCxn id="26" idx="3"/>
-            <a:endCxn id="180" idx="1"/>
-          </p:cNvCxnSpPr>
-          <p:nvPr/>
-        </p:nvCxnSpPr>
-        <p:spPr>
-          <a:xfrm>
-            <a:off x="2543837" y="1841105"/>
-            <a:ext cx="942473" cy="1753320"/>
-          </a:xfrm>
-          <a:prstGeom prst="straightConnector1">
-            <a:avLst/>
-          </a:prstGeom>
-          <a:ln>
-            <a:solidFill>
-              <a:schemeClr val="tx1"/>
-            </a:solidFill>
-            <a:tailEnd type="triangle"/>
-          </a:ln>
-        </p:spPr>
-        <p:style>
-          <a:lnRef idx="1">
-            <a:schemeClr val="accent1"/>
-          </a:lnRef>
-          <a:fillRef idx="0">
-            <a:schemeClr val="accent1"/>
-          </a:fillRef>
-          <a:effectRef idx="0">
-            <a:schemeClr val="accent1"/>
-          </a:effectRef>
-          <a:fontRef idx="minor">
-            <a:schemeClr val="tx1"/>
-          </a:fontRef>
-        </p:style>
-      </p:cxnSp>
-      <p:cxnSp>
-        <p:nvCxnSpPr>
-          <p:cNvPr id="185" name="直接箭头连接符 184">
-            <a:extLst>
-              <a:ext uri="{FF2B5EF4-FFF2-40B4-BE49-F238E27FC236}">
-                <a16:creationId xmlns:a16="http://schemas.microsoft.com/office/drawing/2014/main" id="{1D5DAD3C-D1BB-4151-A634-91ACB6AA95C5}"/>
-              </a:ext>
-            </a:extLst>
-          </p:cNvPr>
-          <p:cNvCxnSpPr>
-            <a:stCxn id="56" idx="3"/>
-            <a:endCxn id="180" idx="1"/>
-          </p:cNvCxnSpPr>
-          <p:nvPr/>
-        </p:nvCxnSpPr>
-        <p:spPr>
-          <a:xfrm>
-            <a:off x="2556700" y="2816867"/>
-            <a:ext cx="929610" cy="777558"/>
-          </a:xfrm>
-          <a:prstGeom prst="straightConnector1">
-            <a:avLst/>
-          </a:prstGeom>
-          <a:ln>
-            <a:solidFill>
-              <a:schemeClr val="tx1"/>
-            </a:solidFill>
-            <a:tailEnd type="triangle"/>
-          </a:ln>
-        </p:spPr>
-        <p:style>
-          <a:lnRef idx="1">
-            <a:schemeClr val="accent1"/>
-          </a:lnRef>
-          <a:fillRef idx="0">
-            <a:schemeClr val="accent1"/>
-          </a:fillRef>
-          <a:effectRef idx="0">
-            <a:schemeClr val="accent1"/>
-          </a:effectRef>
-          <a:fontRef idx="minor">
-            <a:schemeClr val="tx1"/>
-          </a:fontRef>
-        </p:style>
-      </p:cxnSp>
-      <p:cxnSp>
-        <p:nvCxnSpPr>
-          <p:cNvPr id="187" name="直接箭头连接符 186">
-            <a:extLst>
-              <a:ext uri="{FF2B5EF4-FFF2-40B4-BE49-F238E27FC236}">
-                <a16:creationId xmlns:a16="http://schemas.microsoft.com/office/drawing/2014/main" id="{EDCF1B36-C1C6-40CC-8020-9B550BAF7D74}"/>
-              </a:ext>
-            </a:extLst>
-          </p:cNvPr>
-          <p:cNvCxnSpPr>
-            <a:stCxn id="124" idx="3"/>
-            <a:endCxn id="180" idx="1"/>
-          </p:cNvCxnSpPr>
-          <p:nvPr/>
-        </p:nvCxnSpPr>
-        <p:spPr>
-          <a:xfrm flipV="1">
-            <a:off x="2538038" y="3594425"/>
-            <a:ext cx="948272" cy="561674"/>
-          </a:xfrm>
-          <a:prstGeom prst="straightConnector1">
-            <a:avLst/>
-          </a:prstGeom>
-          <a:ln>
-            <a:solidFill>
-              <a:schemeClr val="tx1"/>
-            </a:solidFill>
-            <a:tailEnd type="triangle"/>
-          </a:ln>
-        </p:spPr>
-        <p:style>
-          <a:lnRef idx="1">
-            <a:schemeClr val="accent1"/>
-          </a:lnRef>
-          <a:fillRef idx="0">
-            <a:schemeClr val="accent1"/>
-          </a:fillRef>
-          <a:effectRef idx="0">
-            <a:schemeClr val="accent1"/>
-          </a:effectRef>
-          <a:fontRef idx="minor">
-            <a:schemeClr val="tx1"/>
-          </a:fontRef>
-        </p:style>
-      </p:cxnSp>
-      <p:cxnSp>
-        <p:nvCxnSpPr>
-          <p:cNvPr id="189" name="直接箭头连接符 188">
-            <a:extLst>
-              <a:ext uri="{FF2B5EF4-FFF2-40B4-BE49-F238E27FC236}">
-                <a16:creationId xmlns:a16="http://schemas.microsoft.com/office/drawing/2014/main" id="{325D8166-5B03-4E19-AE5B-DAD7567DAD46}"/>
-              </a:ext>
-            </a:extLst>
-          </p:cNvPr>
-          <p:cNvCxnSpPr>
-            <a:stCxn id="114" idx="3"/>
-            <a:endCxn id="180" idx="1"/>
-          </p:cNvCxnSpPr>
-          <p:nvPr/>
-        </p:nvCxnSpPr>
-        <p:spPr>
-          <a:xfrm flipV="1">
-            <a:off x="2516607" y="3594425"/>
-            <a:ext cx="969703" cy="1531822"/>
-          </a:xfrm>
-          <a:prstGeom prst="straightConnector1">
-            <a:avLst/>
-          </a:prstGeom>
-          <a:ln>
-            <a:solidFill>
-              <a:schemeClr val="tx1"/>
-            </a:solidFill>
-            <a:tailEnd type="triangle"/>
-          </a:ln>
-        </p:spPr>
-        <p:style>
-          <a:lnRef idx="1">
-            <a:schemeClr val="accent1"/>
-          </a:lnRef>
-          <a:fillRef idx="0">
-            <a:schemeClr val="accent1"/>
-          </a:fillRef>
-          <a:effectRef idx="0">
-            <a:schemeClr val="accent1"/>
-          </a:effectRef>
-          <a:fontRef idx="minor">
-            <a:schemeClr val="tx1"/>
-          </a:fontRef>
-        </p:style>
-      </p:cxnSp>
-      <p:grpSp>
-        <p:nvGrpSpPr>
-          <p:cNvPr id="197" name="组合 196">
-            <a:extLst>
-              <a:ext uri="{FF2B5EF4-FFF2-40B4-BE49-F238E27FC236}">
-                <a16:creationId xmlns:a16="http://schemas.microsoft.com/office/drawing/2014/main" id="{9BC456F8-253F-4A76-960C-3D40B225E79F}"/>
-              </a:ext>
-            </a:extLst>
-          </p:cNvPr>
-          <p:cNvGrpSpPr/>
-          <p:nvPr/>
-        </p:nvGrpSpPr>
-        <p:grpSpPr>
-          <a:xfrm>
-            <a:off x="3303107" y="2264595"/>
-            <a:ext cx="1150070" cy="2354109"/>
-            <a:chOff x="4053251" y="2253214"/>
-            <a:chExt cx="1150070" cy="2354109"/>
-          </a:xfrm>
-        </p:grpSpPr>
-        <p:sp>
-          <p:nvSpPr>
-            <p:cNvPr id="178" name="矩形: 圆角 177">
-              <a:extLst>
-                <a:ext uri="{FF2B5EF4-FFF2-40B4-BE49-F238E27FC236}">
-                  <a16:creationId xmlns:a16="http://schemas.microsoft.com/office/drawing/2014/main" id="{B2FC15F9-CCFE-4321-ADCA-2BD3DD75F654}"/>
-                </a:ext>
-              </a:extLst>
-            </p:cNvPr>
-            <p:cNvSpPr/>
-            <p:nvPr/>
-          </p:nvSpPr>
-          <p:spPr>
-            <a:xfrm>
-              <a:off x="4053251" y="2253214"/>
-              <a:ext cx="1150070" cy="2354109"/>
-            </a:xfrm>
-            <a:prstGeom prst="roundRect">
-              <a:avLst/>
-            </a:prstGeom>
-            <a:noFill/>
-            <a:ln w="19050">
-              <a:solidFill>
-                <a:schemeClr val="tx1"/>
-              </a:solidFill>
-            </a:ln>
-          </p:spPr>
-          <p:style>
-            <a:lnRef idx="2">
-              <a:schemeClr val="accent1">
-                <a:shade val="50000"/>
-              </a:schemeClr>
-            </a:lnRef>
-            <a:fillRef idx="1">
-              <a:schemeClr val="accent1"/>
-            </a:fillRef>
-            <a:effectRef idx="0">
-              <a:schemeClr val="accent1"/>
-            </a:effectRef>
-            <a:fontRef idx="minor">
-              <a:schemeClr val="lt1"/>
-            </a:fontRef>
-          </p:style>
-          <p:txBody>
-            <a:bodyPr rtlCol="0" anchor="ctr"/>
-            <a:lstStyle/>
-            <a:p>
-              <a:pPr algn="ctr"/>
-              <a:endParaRPr lang="zh-CN" altLang="en-US"/>
-            </a:p>
-          </p:txBody>
-        </p:sp>
-        <p:sp>
-          <p:nvSpPr>
-            <p:cNvPr id="179" name="矩形: 圆角 178">
-              <a:extLst>
-                <a:ext uri="{FF2B5EF4-FFF2-40B4-BE49-F238E27FC236}">
-                  <a16:creationId xmlns:a16="http://schemas.microsoft.com/office/drawing/2014/main" id="{55F34983-3016-49E8-82E7-5182AA2D96F5}"/>
-                </a:ext>
-              </a:extLst>
-            </p:cNvPr>
-            <p:cNvSpPr/>
-            <p:nvPr/>
-          </p:nvSpPr>
-          <p:spPr>
-            <a:xfrm>
-              <a:off x="4245618" y="2793417"/>
-              <a:ext cx="790562" cy="460143"/>
-            </a:xfrm>
-            <a:prstGeom prst="roundRect">
-              <a:avLst/>
-            </a:prstGeom>
-            <a:noFill/>
-            <a:ln>
-              <a:solidFill>
-                <a:schemeClr val="tx1"/>
-              </a:solidFill>
-            </a:ln>
-          </p:spPr>
-          <p:style>
-            <a:lnRef idx="2">
-              <a:schemeClr val="accent1">
-                <a:shade val="50000"/>
-              </a:schemeClr>
-            </a:lnRef>
-            <a:fillRef idx="1">
-              <a:schemeClr val="accent1"/>
-            </a:fillRef>
-            <a:effectRef idx="0">
-              <a:schemeClr val="accent1"/>
-            </a:effectRef>
-            <a:fontRef idx="minor">
-              <a:schemeClr val="lt1"/>
-            </a:fontRef>
-          </p:style>
-          <p:txBody>
-            <a:bodyPr rtlCol="0" anchor="ctr"/>
-            <a:lstStyle/>
-            <a:p>
-              <a:pPr algn="ctr"/>
-              <a:r>
-                <a:rPr lang="en-US" altLang="zh-CN" sz="1400" dirty="0">
-                  <a:solidFill>
-                    <a:schemeClr val="tx1"/>
-                  </a:solidFill>
-                </a:rPr>
-                <a:t>Pilot</a:t>
-              </a:r>
-              <a:endParaRPr lang="zh-CN" altLang="en-US" sz="1400" dirty="0">
-                <a:solidFill>
-                  <a:schemeClr val="tx1"/>
-                </a:solidFill>
-              </a:endParaRPr>
-            </a:p>
-          </p:txBody>
-        </p:sp>
-        <p:sp>
-          <p:nvSpPr>
-            <p:cNvPr id="180" name="矩形: 圆角 179">
-              <a:extLst>
-                <a:ext uri="{FF2B5EF4-FFF2-40B4-BE49-F238E27FC236}">
-                  <a16:creationId xmlns:a16="http://schemas.microsoft.com/office/drawing/2014/main" id="{34001735-0A96-4F98-9919-4881715F0248}"/>
-                </a:ext>
-              </a:extLst>
-            </p:cNvPr>
-            <p:cNvSpPr/>
-            <p:nvPr/>
-          </p:nvSpPr>
-          <p:spPr>
-            <a:xfrm>
-              <a:off x="4236454" y="3352972"/>
-              <a:ext cx="790562" cy="460143"/>
-            </a:xfrm>
-            <a:prstGeom prst="roundRect">
-              <a:avLst/>
-            </a:prstGeom>
-            <a:noFill/>
-            <a:ln>
-              <a:solidFill>
-                <a:schemeClr val="tx1"/>
-              </a:solidFill>
-            </a:ln>
-          </p:spPr>
-          <p:style>
-            <a:lnRef idx="2">
-              <a:schemeClr val="accent1">
-                <a:shade val="50000"/>
-              </a:schemeClr>
-            </a:lnRef>
-            <a:fillRef idx="1">
-              <a:schemeClr val="accent1"/>
-            </a:fillRef>
-            <a:effectRef idx="0">
-              <a:schemeClr val="accent1"/>
-            </a:effectRef>
-            <a:fontRef idx="minor">
-              <a:schemeClr val="lt1"/>
-            </a:fontRef>
-          </p:style>
-          <p:txBody>
-            <a:bodyPr rtlCol="0" anchor="ctr"/>
-            <a:lstStyle/>
-            <a:p>
-              <a:pPr algn="ctr"/>
-              <a:r>
-                <a:rPr lang="en-US" altLang="zh-CN" sz="1400" dirty="0">
-                  <a:solidFill>
-                    <a:schemeClr val="tx1"/>
-                  </a:solidFill>
-                </a:rPr>
-                <a:t>Mixer</a:t>
-              </a:r>
-              <a:endParaRPr lang="zh-CN" altLang="en-US" sz="1400" dirty="0">
-                <a:solidFill>
-                  <a:schemeClr val="tx1"/>
-                </a:solidFill>
-              </a:endParaRPr>
-            </a:p>
-          </p:txBody>
-        </p:sp>
-        <p:sp>
-          <p:nvSpPr>
-            <p:cNvPr id="181" name="矩形: 圆角 180">
-              <a:extLst>
-                <a:ext uri="{FF2B5EF4-FFF2-40B4-BE49-F238E27FC236}">
-                  <a16:creationId xmlns:a16="http://schemas.microsoft.com/office/drawing/2014/main" id="{97EBAC6E-D363-4454-B674-3F02F1898F5C}"/>
-                </a:ext>
-              </a:extLst>
-            </p:cNvPr>
-            <p:cNvSpPr/>
-            <p:nvPr/>
-          </p:nvSpPr>
-          <p:spPr>
-            <a:xfrm>
-              <a:off x="4241343" y="3977857"/>
-              <a:ext cx="790562" cy="460143"/>
-            </a:xfrm>
-            <a:prstGeom prst="roundRect">
-              <a:avLst/>
-            </a:prstGeom>
-            <a:noFill/>
-            <a:ln>
-              <a:solidFill>
-                <a:schemeClr val="tx1"/>
-              </a:solidFill>
-            </a:ln>
-          </p:spPr>
-          <p:style>
-            <a:lnRef idx="2">
-              <a:schemeClr val="accent1">
-                <a:shade val="50000"/>
-              </a:schemeClr>
-            </a:lnRef>
-            <a:fillRef idx="1">
-              <a:schemeClr val="accent1"/>
-            </a:fillRef>
-            <a:effectRef idx="0">
-              <a:schemeClr val="accent1"/>
-            </a:effectRef>
-            <a:fontRef idx="minor">
-              <a:schemeClr val="lt1"/>
-            </a:fontRef>
-          </p:style>
-          <p:txBody>
-            <a:bodyPr rtlCol="0" anchor="ctr"/>
-            <a:lstStyle/>
-            <a:p>
-              <a:pPr algn="ctr"/>
-              <a:r>
-                <a:rPr lang="en-US" altLang="zh-CN" sz="1400" dirty="0">
-                  <a:solidFill>
-                    <a:schemeClr val="tx1"/>
-                  </a:solidFill>
-                </a:rPr>
-                <a:t>Citadel</a:t>
-              </a:r>
-              <a:endParaRPr lang="zh-CN" altLang="en-US" sz="1400" dirty="0">
-                <a:solidFill>
-                  <a:schemeClr val="tx1"/>
-                </a:solidFill>
-              </a:endParaRPr>
-            </a:p>
-          </p:txBody>
-        </p:sp>
-        <p:grpSp>
-          <p:nvGrpSpPr>
-            <p:cNvPr id="193" name="组合 192">
-              <a:extLst>
-                <a:ext uri="{FF2B5EF4-FFF2-40B4-BE49-F238E27FC236}">
-                  <a16:creationId xmlns:a16="http://schemas.microsoft.com/office/drawing/2014/main" id="{A3711D66-5BCE-4260-8539-BFA0A8B711CD}"/>
-                </a:ext>
-              </a:extLst>
-            </p:cNvPr>
-            <p:cNvGrpSpPr/>
-            <p:nvPr/>
-          </p:nvGrpSpPr>
-          <p:grpSpPr>
-            <a:xfrm>
-              <a:off x="4213064" y="2379616"/>
-              <a:ext cx="827625" cy="315772"/>
-              <a:chOff x="4184074" y="2453741"/>
-              <a:chExt cx="827625" cy="315772"/>
-            </a:xfrm>
-          </p:grpSpPr>
-          <p:sp>
-            <p:nvSpPr>
-              <p:cNvPr id="190" name="文本框 189">
-                <a:extLst>
-                  <a:ext uri="{FF2B5EF4-FFF2-40B4-BE49-F238E27FC236}">
-                    <a16:creationId xmlns:a16="http://schemas.microsoft.com/office/drawing/2014/main" id="{0593C00C-D2FE-487A-85EA-DB74C93B42C6}"/>
-                  </a:ext>
-                </a:extLst>
-              </p:cNvPr>
-              <p:cNvSpPr txBox="1"/>
-              <p:nvPr/>
-            </p:nvSpPr>
-            <p:spPr>
-              <a:xfrm>
-                <a:off x="4184074" y="2457739"/>
-                <a:ext cx="561769" cy="307777"/>
-              </a:xfrm>
-              <a:prstGeom prst="rect">
-                <a:avLst/>
-              </a:prstGeom>
-              <a:noFill/>
-            </p:spPr>
-            <p:txBody>
-              <a:bodyPr wrap="square" rtlCol="0">
-                <a:spAutoFit/>
-              </a:bodyPr>
-              <a:lstStyle/>
-              <a:p>
-                <a:r>
-                  <a:rPr lang="en-US" altLang="zh-CN" sz="1400" dirty="0" err="1">
-                    <a:latin typeface="Arial Rounded MT Bold" panose="020F0704030504030204" pitchFamily="34" charset="0"/>
-                  </a:rPr>
-                  <a:t>Istio</a:t>
-                </a:r>
-                <a:endParaRPr lang="zh-CN" altLang="en-US" sz="1400" dirty="0">
-                  <a:latin typeface="Arial Rounded MT Bold" panose="020F0704030504030204" pitchFamily="34" charset="0"/>
-                </a:endParaRPr>
-              </a:p>
-            </p:txBody>
-          </p:sp>
-          <p:pic>
-            <p:nvPicPr>
-              <p:cNvPr id="192" name="图片 191">
-                <a:extLst>
-                  <a:ext uri="{FF2B5EF4-FFF2-40B4-BE49-F238E27FC236}">
-                    <a16:creationId xmlns:a16="http://schemas.microsoft.com/office/drawing/2014/main" id="{E2C68F18-02A7-4887-B800-F8F8AA727DFE}"/>
-                  </a:ext>
-                </a:extLst>
-              </p:cNvPr>
-              <p:cNvPicPr>
-                <a:picLocks noChangeAspect="1"/>
-              </p:cNvPicPr>
-              <p:nvPr/>
-            </p:nvPicPr>
-            <p:blipFill>
-              <a:blip r:embed="rId8">
-                <a:extLst>
-                  <a:ext uri="{28A0092B-C50C-407E-A947-70E740481C1C}">
-                    <a14:useLocalDpi xmlns:a14="http://schemas.microsoft.com/office/drawing/2010/main" val="0"/>
-                  </a:ext>
-                </a:extLst>
-              </a:blip>
-              <a:stretch>
-                <a:fillRect/>
-              </a:stretch>
-            </p:blipFill>
-            <p:spPr>
-              <a:xfrm>
-                <a:off x="4716520" y="2453741"/>
-                <a:ext cx="295179" cy="315772"/>
-              </a:xfrm>
-              <a:prstGeom prst="rect">
-                <a:avLst/>
-              </a:prstGeom>
-            </p:spPr>
-          </p:pic>
-        </p:grpSp>
-      </p:grpSp>
-      <p:sp>
-        <p:nvSpPr>
-          <p:cNvPr id="208" name="文本框 207">
-            <a:extLst>
-              <a:ext uri="{FF2B5EF4-FFF2-40B4-BE49-F238E27FC236}">
-                <a16:creationId xmlns:a16="http://schemas.microsoft.com/office/drawing/2014/main" id="{87A8F02C-9224-447D-A4B5-1E7A6E0EACE2}"/>
-              </a:ext>
-            </a:extLst>
-          </p:cNvPr>
-          <p:cNvSpPr txBox="1"/>
-          <p:nvPr/>
-        </p:nvSpPr>
-        <p:spPr>
-          <a:xfrm>
-            <a:off x="4710315" y="2841434"/>
-            <a:ext cx="1146880" cy="276999"/>
-          </a:xfrm>
-          <a:prstGeom prst="rect">
-            <a:avLst/>
-          </a:prstGeom>
-          <a:noFill/>
-        </p:spPr>
-        <p:txBody>
-          <a:bodyPr wrap="square" rtlCol="0">
-            <a:spAutoFit/>
-          </a:bodyPr>
-          <a:lstStyle/>
-          <a:p>
-            <a:r>
-              <a:rPr lang="en-US" altLang="zh-CN" sz="1200" dirty="0">
-                <a:latin typeface="Arial Rounded MT Bold" panose="020F0704030504030204" pitchFamily="34" charset="0"/>
-              </a:rPr>
-              <a:t>Push(Trace)</a:t>
-            </a:r>
-            <a:endParaRPr lang="zh-CN" altLang="en-US" sz="1200" dirty="0">
-              <a:latin typeface="Arial Rounded MT Bold" panose="020F0704030504030204" pitchFamily="34" charset="0"/>
-            </a:endParaRPr>
-          </a:p>
-        </p:txBody>
-      </p:sp>
-      <p:sp>
-        <p:nvSpPr>
-          <p:cNvPr id="209" name="文本框 208">
-            <a:extLst>
-              <a:ext uri="{FF2B5EF4-FFF2-40B4-BE49-F238E27FC236}">
-                <a16:creationId xmlns:a16="http://schemas.microsoft.com/office/drawing/2014/main" id="{81F935B0-0FA6-4947-A48F-B9049C107A50}"/>
-              </a:ext>
-            </a:extLst>
-          </p:cNvPr>
-          <p:cNvSpPr txBox="1"/>
-          <p:nvPr/>
-        </p:nvSpPr>
-        <p:spPr>
-          <a:xfrm>
-            <a:off x="6942342" y="2882041"/>
-            <a:ext cx="932145" cy="276999"/>
-          </a:xfrm>
-          <a:prstGeom prst="rect">
-            <a:avLst/>
-          </a:prstGeom>
-          <a:noFill/>
-        </p:spPr>
-        <p:txBody>
-          <a:bodyPr wrap="square" rtlCol="0">
-            <a:spAutoFit/>
-          </a:bodyPr>
-          <a:lstStyle/>
-          <a:p>
-            <a:r>
-              <a:rPr lang="en-US" altLang="zh-CN" sz="1200" dirty="0">
-                <a:latin typeface="Arial Rounded MT Bold" panose="020F0704030504030204" pitchFamily="34" charset="0"/>
-              </a:rPr>
-              <a:t>Trace Info</a:t>
-            </a:r>
-            <a:endParaRPr lang="zh-CN" altLang="en-US" sz="1200" dirty="0">
-              <a:latin typeface="Arial Rounded MT Bold" panose="020F0704030504030204" pitchFamily="34" charset="0"/>
-            </a:endParaRPr>
-          </a:p>
-        </p:txBody>
-      </p:sp>
-      <p:sp>
-        <p:nvSpPr>
-          <p:cNvPr id="210" name="文本框 209">
-            <a:extLst>
-              <a:ext uri="{FF2B5EF4-FFF2-40B4-BE49-F238E27FC236}">
-                <a16:creationId xmlns:a16="http://schemas.microsoft.com/office/drawing/2014/main" id="{228FFBA9-1339-42A5-811A-4860C806587D}"/>
-              </a:ext>
-            </a:extLst>
-          </p:cNvPr>
-          <p:cNvSpPr txBox="1"/>
-          <p:nvPr/>
-        </p:nvSpPr>
-        <p:spPr>
-          <a:xfrm>
-            <a:off x="8256640" y="2285952"/>
-            <a:ext cx="842102" cy="276999"/>
-          </a:xfrm>
-          <a:prstGeom prst="rect">
-            <a:avLst/>
-          </a:prstGeom>
-          <a:noFill/>
-        </p:spPr>
-        <p:txBody>
-          <a:bodyPr wrap="square" rtlCol="0">
-            <a:spAutoFit/>
-          </a:bodyPr>
-          <a:lstStyle/>
-          <a:p>
-            <a:r>
-              <a:rPr lang="en-US" altLang="zh-CN" sz="1200" dirty="0">
-                <a:latin typeface="Arial Rounded MT Bold" panose="020F0704030504030204" pitchFamily="34" charset="0"/>
-              </a:rPr>
-              <a:t>Log Info</a:t>
-            </a:r>
-            <a:endParaRPr lang="zh-CN" altLang="en-US" sz="1200" dirty="0">
-              <a:latin typeface="Arial Rounded MT Bold" panose="020F0704030504030204" pitchFamily="34" charset="0"/>
-            </a:endParaRPr>
-          </a:p>
-        </p:txBody>
-      </p:sp>
-      <p:sp>
-        <p:nvSpPr>
-          <p:cNvPr id="211" name="文本框 210">
-            <a:extLst>
-              <a:ext uri="{FF2B5EF4-FFF2-40B4-BE49-F238E27FC236}">
-                <a16:creationId xmlns:a16="http://schemas.microsoft.com/office/drawing/2014/main" id="{E5075BDF-7A3D-47B6-9C2C-E1F004A92A14}"/>
-              </a:ext>
-            </a:extLst>
-          </p:cNvPr>
-          <p:cNvSpPr txBox="1"/>
-          <p:nvPr/>
-        </p:nvSpPr>
-        <p:spPr>
-          <a:xfrm>
-            <a:off x="5345919" y="3952020"/>
-            <a:ext cx="2023709" cy="338554"/>
-          </a:xfrm>
-          <a:prstGeom prst="rect">
-            <a:avLst/>
-          </a:prstGeom>
-          <a:noFill/>
-        </p:spPr>
-        <p:txBody>
-          <a:bodyPr wrap="square" rtlCol="0">
-            <a:spAutoFit/>
-          </a:bodyPr>
-          <a:lstStyle/>
-          <a:p>
-            <a:r>
-              <a:rPr lang="en-US" altLang="zh-CN" sz="1600" dirty="0">
-                <a:latin typeface="Arial Rounded MT Bold" panose="020F0704030504030204" pitchFamily="34" charset="0"/>
-              </a:rPr>
-              <a:t>Customized </a:t>
-            </a:r>
-            <a:r>
-              <a:rPr lang="en-US" altLang="zh-CN" sz="1600" dirty="0" err="1">
-                <a:latin typeface="Arial Rounded MT Bold" panose="020F0704030504030204" pitchFamily="34" charset="0"/>
-              </a:rPr>
-              <a:t>Zipkin</a:t>
-            </a:r>
-            <a:endParaRPr lang="zh-CN" altLang="en-US" sz="1600" dirty="0">
-              <a:latin typeface="Arial Rounded MT Bold" panose="020F0704030504030204" pitchFamily="34" charset="0"/>
-            </a:endParaRPr>
-          </a:p>
-        </p:txBody>
-      </p:sp>
-      <p:pic>
-        <p:nvPicPr>
-          <p:cNvPr id="213" name="图片 212">
-            <a:extLst>
-              <a:ext uri="{FF2B5EF4-FFF2-40B4-BE49-F238E27FC236}">
-                <a16:creationId xmlns:a16="http://schemas.microsoft.com/office/drawing/2014/main" id="{9DE30835-1E26-4F44-A16F-742FF77695DD}"/>
-              </a:ext>
-            </a:extLst>
-          </p:cNvPr>
-          <p:cNvPicPr>
-            <a:picLocks noChangeAspect="1"/>
-          </p:cNvPicPr>
-          <p:nvPr/>
-        </p:nvPicPr>
-        <p:blipFill>
-          <a:blip r:embed="rId9">
-            <a:extLst>
-              <a:ext uri="{28A0092B-C50C-407E-A947-70E740481C1C}">
-                <a14:useLocalDpi xmlns:a14="http://schemas.microsoft.com/office/drawing/2010/main" val="0"/>
-              </a:ext>
-            </a:extLst>
-          </a:blip>
-          <a:stretch>
-            <a:fillRect/>
-          </a:stretch>
-        </p:blipFill>
-        <p:spPr>
-          <a:xfrm>
-            <a:off x="7122672" y="4685309"/>
-            <a:ext cx="1134333" cy="862093"/>
-          </a:xfrm>
-          <a:prstGeom prst="rect">
-            <a:avLst/>
-          </a:prstGeom>
-        </p:spPr>
-      </p:pic>
-      <p:sp>
-        <p:nvSpPr>
-          <p:cNvPr id="214" name="文本框 213">
-            <a:extLst>
-              <a:ext uri="{FF2B5EF4-FFF2-40B4-BE49-F238E27FC236}">
-                <a16:creationId xmlns:a16="http://schemas.microsoft.com/office/drawing/2014/main" id="{9D7D98D0-C435-4188-92DE-772366D37F97}"/>
-              </a:ext>
-            </a:extLst>
-          </p:cNvPr>
-          <p:cNvSpPr txBox="1"/>
-          <p:nvPr/>
-        </p:nvSpPr>
-        <p:spPr>
-          <a:xfrm>
-            <a:off x="6802770" y="5467328"/>
-            <a:ext cx="1913902" cy="338554"/>
-          </a:xfrm>
-          <a:prstGeom prst="rect">
-            <a:avLst/>
-          </a:prstGeom>
-          <a:noFill/>
-        </p:spPr>
-        <p:txBody>
-          <a:bodyPr wrap="square" rtlCol="0">
-            <a:spAutoFit/>
-          </a:bodyPr>
-          <a:lstStyle/>
-          <a:p>
-            <a:r>
-              <a:rPr lang="en-US" altLang="zh-CN" sz="1600" dirty="0" err="1">
-                <a:latin typeface="Arial Rounded MT Bold" panose="020F0704030504030204" pitchFamily="34" charset="0"/>
-              </a:rPr>
-              <a:t>LogVisualization</a:t>
-            </a:r>
-            <a:endParaRPr lang="zh-CN" altLang="en-US" sz="1600" dirty="0">
-              <a:latin typeface="Arial Rounded MT Bold" panose="020F0704030504030204" pitchFamily="34" charset="0"/>
-            </a:endParaRPr>
-          </a:p>
-        </p:txBody>
-      </p:sp>
-      <p:sp>
-        <p:nvSpPr>
-          <p:cNvPr id="227" name="文本框 226">
-            <a:extLst>
-              <a:ext uri="{FF2B5EF4-FFF2-40B4-BE49-F238E27FC236}">
-                <a16:creationId xmlns:a16="http://schemas.microsoft.com/office/drawing/2014/main" id="{E1D79F4E-05A1-4C5D-8B9F-B1C6702C4CAA}"/>
-              </a:ext>
-            </a:extLst>
-          </p:cNvPr>
-          <p:cNvSpPr txBox="1"/>
-          <p:nvPr/>
-        </p:nvSpPr>
-        <p:spPr>
-          <a:xfrm>
-            <a:off x="5268336" y="5016131"/>
-            <a:ext cx="1658021" cy="276999"/>
-          </a:xfrm>
-          <a:prstGeom prst="rect">
-            <a:avLst/>
-          </a:prstGeom>
-          <a:noFill/>
-        </p:spPr>
-        <p:txBody>
-          <a:bodyPr wrap="square" rtlCol="0">
-            <a:spAutoFit/>
-          </a:bodyPr>
-          <a:lstStyle/>
-          <a:p>
-            <a:r>
-              <a:rPr lang="en-US" altLang="zh-CN" sz="1200" dirty="0">
-                <a:latin typeface="Arial Rounded MT Bold" panose="020F0704030504030204" pitchFamily="34" charset="0"/>
-              </a:rPr>
-              <a:t>Pull(Node, Pod Info)</a:t>
-            </a:r>
-            <a:endParaRPr lang="zh-CN" altLang="en-US" sz="1200" dirty="0">
-              <a:latin typeface="Arial Rounded MT Bold" panose="020F0704030504030204" pitchFamily="34" charset="0"/>
-            </a:endParaRPr>
-          </a:p>
-        </p:txBody>
-      </p:sp>
-      <p:sp>
-        <p:nvSpPr>
-          <p:cNvPr id="234" name="文本框 233">
-            <a:extLst>
-              <a:ext uri="{FF2B5EF4-FFF2-40B4-BE49-F238E27FC236}">
-                <a16:creationId xmlns:a16="http://schemas.microsoft.com/office/drawing/2014/main" id="{185673DB-D713-4AA5-8588-F846CBE61B53}"/>
-              </a:ext>
-            </a:extLst>
-          </p:cNvPr>
-          <p:cNvSpPr txBox="1"/>
-          <p:nvPr/>
-        </p:nvSpPr>
-        <p:spPr>
-          <a:xfrm>
-            <a:off x="8199056" y="5186794"/>
-            <a:ext cx="1739139" cy="276999"/>
-          </a:xfrm>
-          <a:prstGeom prst="rect">
-            <a:avLst/>
-          </a:prstGeom>
-          <a:noFill/>
-        </p:spPr>
-        <p:txBody>
-          <a:bodyPr wrap="square" rtlCol="0">
-            <a:spAutoFit/>
-          </a:bodyPr>
-          <a:lstStyle/>
-          <a:p>
-            <a:r>
-              <a:rPr lang="en-US" altLang="zh-CN" sz="1200" dirty="0">
-                <a:latin typeface="Arial Rounded MT Bold" panose="020F0704030504030204" pitchFamily="34" charset="0"/>
-              </a:rPr>
-              <a:t>Push(Node, Pod Info)</a:t>
-            </a:r>
-            <a:endParaRPr lang="zh-CN" altLang="en-US" sz="1200" dirty="0">
-              <a:latin typeface="Arial Rounded MT Bold" panose="020F0704030504030204" pitchFamily="34" charset="0"/>
-            </a:endParaRPr>
-          </a:p>
-        </p:txBody>
-      </p:sp>
-      <p:sp>
-        <p:nvSpPr>
-          <p:cNvPr id="239" name="文本框 238">
-            <a:extLst>
-              <a:ext uri="{FF2B5EF4-FFF2-40B4-BE49-F238E27FC236}">
-                <a16:creationId xmlns:a16="http://schemas.microsoft.com/office/drawing/2014/main" id="{11EA2359-908E-4FBD-AF35-9B9CFD3FBD93}"/>
-              </a:ext>
-            </a:extLst>
-          </p:cNvPr>
-          <p:cNvSpPr txBox="1"/>
-          <p:nvPr/>
-        </p:nvSpPr>
-        <p:spPr>
-          <a:xfrm>
-            <a:off x="7039449" y="3428999"/>
-            <a:ext cx="498539" cy="276999"/>
-          </a:xfrm>
-          <a:prstGeom prst="rect">
-            <a:avLst/>
-          </a:prstGeom>
-          <a:noFill/>
-        </p:spPr>
-        <p:txBody>
-          <a:bodyPr wrap="square" rtlCol="0">
-            <a:spAutoFit/>
-          </a:bodyPr>
-          <a:lstStyle/>
-          <a:p>
-            <a:r>
-              <a:rPr lang="en-US" altLang="zh-CN" sz="1200" dirty="0">
-                <a:latin typeface="Arial Rounded MT Bold" panose="020F0704030504030204" pitchFamily="34" charset="0"/>
-              </a:rPr>
-              <a:t>Pull</a:t>
-            </a:r>
-            <a:endParaRPr lang="zh-CN" altLang="en-US" sz="1200" dirty="0">
-              <a:latin typeface="Arial Rounded MT Bold" panose="020F0704030504030204" pitchFamily="34" charset="0"/>
-            </a:endParaRPr>
-          </a:p>
-        </p:txBody>
-      </p:sp>
-      <p:sp>
-        <p:nvSpPr>
-          <p:cNvPr id="240" name="文本框 239">
-            <a:extLst>
-              <a:ext uri="{FF2B5EF4-FFF2-40B4-BE49-F238E27FC236}">
-                <a16:creationId xmlns:a16="http://schemas.microsoft.com/office/drawing/2014/main" id="{91E98E96-BA8C-45F8-9605-C60FC977D34E}"/>
-              </a:ext>
-            </a:extLst>
-          </p:cNvPr>
-          <p:cNvSpPr txBox="1"/>
-          <p:nvPr/>
-        </p:nvSpPr>
-        <p:spPr>
-          <a:xfrm>
-            <a:off x="8395903" y="4825506"/>
-            <a:ext cx="498539" cy="276999"/>
-          </a:xfrm>
-          <a:prstGeom prst="rect">
-            <a:avLst/>
-          </a:prstGeom>
-          <a:noFill/>
-        </p:spPr>
-        <p:txBody>
-          <a:bodyPr wrap="square" rtlCol="0">
-            <a:spAutoFit/>
-          </a:bodyPr>
-          <a:lstStyle/>
-          <a:p>
-            <a:r>
-              <a:rPr lang="en-US" altLang="zh-CN" sz="1200" dirty="0">
-                <a:latin typeface="Arial Rounded MT Bold" panose="020F0704030504030204" pitchFamily="34" charset="0"/>
-              </a:rPr>
-              <a:t>Pull</a:t>
-            </a:r>
-            <a:endParaRPr lang="zh-CN" altLang="en-US" sz="1200" dirty="0">
-              <a:latin typeface="Arial Rounded MT Bold" panose="020F0704030504030204" pitchFamily="34" charset="0"/>
-            </a:endParaRPr>
-          </a:p>
-        </p:txBody>
-      </p:sp>
-      <p:grpSp>
-        <p:nvGrpSpPr>
-          <p:cNvPr id="2" name="组合 1">
-            <a:extLst>
-              <a:ext uri="{FF2B5EF4-FFF2-40B4-BE49-F238E27FC236}">
-                <a16:creationId xmlns:a16="http://schemas.microsoft.com/office/drawing/2014/main" id="{830A6843-AD55-4B88-AC40-D1E96E33FB97}"/>
-              </a:ext>
-            </a:extLst>
-          </p:cNvPr>
-          <p:cNvGrpSpPr/>
-          <p:nvPr/>
-        </p:nvGrpSpPr>
-        <p:grpSpPr>
-          <a:xfrm>
-            <a:off x="5929263" y="2535761"/>
-            <a:ext cx="958335" cy="1406214"/>
-            <a:chOff x="6067868" y="2182686"/>
-            <a:chExt cx="735815" cy="1406214"/>
-          </a:xfrm>
-        </p:grpSpPr>
-        <p:pic>
-          <p:nvPicPr>
-            <p:cNvPr id="196" name="图片 195">
-              <a:extLst>
-                <a:ext uri="{FF2B5EF4-FFF2-40B4-BE49-F238E27FC236}">
-                  <a16:creationId xmlns:a16="http://schemas.microsoft.com/office/drawing/2014/main" id="{21855B8C-D135-4B3B-95B3-8481E7CADBC1}"/>
-                </a:ext>
-              </a:extLst>
-            </p:cNvPr>
-            <p:cNvPicPr>
-              <a:picLocks noChangeAspect="1"/>
-            </p:cNvPicPr>
-            <p:nvPr/>
-          </p:nvPicPr>
-          <p:blipFill>
-            <a:blip r:embed="rId10">
-              <a:extLst>
-                <a:ext uri="{28A0092B-C50C-407E-A947-70E740481C1C}">
-                  <a14:useLocalDpi xmlns:a14="http://schemas.microsoft.com/office/drawing/2010/main" val="0"/>
-                </a:ext>
-              </a:extLst>
-            </a:blip>
-            <a:stretch>
-              <a:fillRect/>
-            </a:stretch>
-          </p:blipFill>
-          <p:spPr>
-            <a:xfrm>
-              <a:off x="6195232" y="2182686"/>
-              <a:ext cx="460423" cy="460423"/>
-            </a:xfrm>
-            <a:prstGeom prst="rect">
-              <a:avLst/>
-            </a:prstGeom>
-          </p:spPr>
-        </p:pic>
-        <p:sp>
-          <p:nvSpPr>
-            <p:cNvPr id="137" name="矩形: 圆角 136">
-              <a:extLst>
-                <a:ext uri="{FF2B5EF4-FFF2-40B4-BE49-F238E27FC236}">
-                  <a16:creationId xmlns:a16="http://schemas.microsoft.com/office/drawing/2014/main" id="{79498764-0D3E-4C81-9783-0D886AC8D9CF}"/>
-                </a:ext>
-              </a:extLst>
-            </p:cNvPr>
-            <p:cNvSpPr/>
-            <p:nvPr/>
-          </p:nvSpPr>
-          <p:spPr>
-            <a:xfrm>
-              <a:off x="6067868" y="2217749"/>
-              <a:ext cx="735815" cy="1371151"/>
-            </a:xfrm>
-            <a:prstGeom prst="roundRect">
-              <a:avLst/>
-            </a:prstGeom>
-            <a:noFill/>
-            <a:ln w="19050">
-              <a:solidFill>
-                <a:schemeClr val="tx1"/>
-              </a:solidFill>
-            </a:ln>
-          </p:spPr>
-          <p:style>
-            <a:lnRef idx="2">
-              <a:schemeClr val="accent1">
-                <a:shade val="50000"/>
-              </a:schemeClr>
-            </a:lnRef>
-            <a:fillRef idx="1">
-              <a:schemeClr val="accent1"/>
-            </a:fillRef>
-            <a:effectRef idx="0">
-              <a:schemeClr val="accent1"/>
-            </a:effectRef>
-            <a:fontRef idx="minor">
-              <a:schemeClr val="lt1"/>
-            </a:fontRef>
-          </p:style>
-          <p:txBody>
-            <a:bodyPr rtlCol="0" anchor="ctr"/>
-            <a:lstStyle/>
-            <a:p>
-              <a:pPr algn="ctr"/>
-              <a:endParaRPr lang="zh-CN" altLang="en-US"/>
-            </a:p>
-          </p:txBody>
-        </p:sp>
-        <p:sp>
-          <p:nvSpPr>
-            <p:cNvPr id="138" name="矩形: 圆角 137">
-              <a:extLst>
-                <a:ext uri="{FF2B5EF4-FFF2-40B4-BE49-F238E27FC236}">
-                  <a16:creationId xmlns:a16="http://schemas.microsoft.com/office/drawing/2014/main" id="{939B2D2D-F2D9-44AB-8E4D-C6597F248399}"/>
-                </a:ext>
-              </a:extLst>
-            </p:cNvPr>
-            <p:cNvSpPr/>
-            <p:nvPr/>
-          </p:nvSpPr>
-          <p:spPr>
-            <a:xfrm>
-              <a:off x="6132515" y="2643109"/>
-              <a:ext cx="606520" cy="336290"/>
-            </a:xfrm>
-            <a:prstGeom prst="roundRect">
-              <a:avLst/>
-            </a:prstGeom>
-            <a:noFill/>
-            <a:ln>
-              <a:solidFill>
-                <a:schemeClr val="tx1"/>
-              </a:solidFill>
-            </a:ln>
-          </p:spPr>
-          <p:style>
-            <a:lnRef idx="2">
-              <a:schemeClr val="accent1">
-                <a:shade val="50000"/>
-              </a:schemeClr>
-            </a:lnRef>
-            <a:fillRef idx="1">
-              <a:schemeClr val="accent1"/>
-            </a:fillRef>
-            <a:effectRef idx="0">
-              <a:schemeClr val="accent1"/>
-            </a:effectRef>
-            <a:fontRef idx="minor">
-              <a:schemeClr val="lt1"/>
-            </a:fontRef>
-          </p:style>
-          <p:txBody>
-            <a:bodyPr rtlCol="0" anchor="ctr"/>
-            <a:lstStyle/>
-            <a:p>
-              <a:pPr algn="ctr"/>
-              <a:r>
-                <a:rPr lang="en-US" altLang="zh-CN" sz="900" dirty="0" err="1">
-                  <a:solidFill>
-                    <a:schemeClr val="tx1"/>
-                  </a:solidFill>
-                </a:rPr>
-                <a:t>zipkin</a:t>
-              </a:r>
-              <a:r>
-                <a:rPr lang="en-US" altLang="zh-CN" sz="900" dirty="0">
-                  <a:solidFill>
-                    <a:schemeClr val="tx1"/>
-                  </a:solidFill>
-                </a:rPr>
-                <a:t>-server</a:t>
-              </a:r>
-              <a:endParaRPr lang="zh-CN" altLang="en-US" sz="900" dirty="0">
-                <a:solidFill>
-                  <a:schemeClr val="tx1"/>
-                </a:solidFill>
-              </a:endParaRPr>
-            </a:p>
-          </p:txBody>
-        </p:sp>
-        <p:sp>
-          <p:nvSpPr>
-            <p:cNvPr id="149" name="矩形: 圆角 148">
-              <a:extLst>
-                <a:ext uri="{FF2B5EF4-FFF2-40B4-BE49-F238E27FC236}">
-                  <a16:creationId xmlns:a16="http://schemas.microsoft.com/office/drawing/2014/main" id="{385F6317-E158-426A-9A88-8FB313A6BC75}"/>
-                </a:ext>
-              </a:extLst>
-            </p:cNvPr>
-            <p:cNvSpPr/>
-            <p:nvPr/>
-          </p:nvSpPr>
-          <p:spPr>
-            <a:xfrm>
-              <a:off x="6139821" y="3145399"/>
-              <a:ext cx="606520" cy="336290"/>
-            </a:xfrm>
-            <a:prstGeom prst="roundRect">
-              <a:avLst/>
-            </a:prstGeom>
-            <a:noFill/>
-            <a:ln>
-              <a:solidFill>
-                <a:schemeClr val="tx1"/>
-              </a:solidFill>
-            </a:ln>
-          </p:spPr>
-          <p:style>
-            <a:lnRef idx="2">
-              <a:schemeClr val="accent1">
-                <a:shade val="50000"/>
-              </a:schemeClr>
-            </a:lnRef>
-            <a:fillRef idx="1">
-              <a:schemeClr val="accent1"/>
-            </a:fillRef>
-            <a:effectRef idx="0">
-              <a:schemeClr val="accent1"/>
-            </a:effectRef>
-            <a:fontRef idx="minor">
-              <a:schemeClr val="lt1"/>
-            </a:fontRef>
-          </p:style>
-          <p:txBody>
-            <a:bodyPr rtlCol="0" anchor="ctr"/>
-            <a:lstStyle/>
-            <a:p>
-              <a:pPr algn="ctr"/>
-              <a:r>
-                <a:rPr lang="en-US" altLang="zh-CN" sz="900" dirty="0">
-                  <a:solidFill>
-                    <a:schemeClr val="tx1"/>
-                  </a:solidFill>
-                </a:rPr>
-                <a:t>customized-</a:t>
-              </a:r>
-              <a:r>
-                <a:rPr lang="en-US" altLang="zh-CN" sz="900" dirty="0" err="1">
-                  <a:solidFill>
-                    <a:schemeClr val="tx1"/>
-                  </a:solidFill>
-                </a:rPr>
-                <a:t>ui</a:t>
-              </a:r>
-              <a:endParaRPr lang="zh-CN" altLang="en-US" sz="900" dirty="0">
-                <a:solidFill>
-                  <a:schemeClr val="tx1"/>
-                </a:solidFill>
-              </a:endParaRPr>
-            </a:p>
-          </p:txBody>
-        </p:sp>
-      </p:grpSp>
-      <p:cxnSp>
-        <p:nvCxnSpPr>
-          <p:cNvPr id="24" name="连接符: 肘形 23">
-            <a:extLst>
-              <a:ext uri="{FF2B5EF4-FFF2-40B4-BE49-F238E27FC236}">
-                <a16:creationId xmlns:a16="http://schemas.microsoft.com/office/drawing/2014/main" id="{9B1B1A1B-D0D6-4279-83F1-B2DC510A8D7F}"/>
-              </a:ext>
-            </a:extLst>
-          </p:cNvPr>
-          <p:cNvCxnSpPr>
-            <a:stCxn id="178" idx="3"/>
-            <a:endCxn id="138" idx="1"/>
-          </p:cNvCxnSpPr>
-          <p:nvPr/>
-        </p:nvCxnSpPr>
-        <p:spPr>
-          <a:xfrm flipV="1">
-            <a:off x="4453177" y="3164329"/>
-            <a:ext cx="1560283" cy="277321"/>
-          </a:xfrm>
-          <a:prstGeom prst="bentConnector3">
-            <a:avLst/>
-          </a:prstGeom>
-          <a:ln w="12700">
-            <a:solidFill>
-              <a:schemeClr val="tx1"/>
-            </a:solidFill>
-            <a:tailEnd type="triangle"/>
-          </a:ln>
-        </p:spPr>
-        <p:style>
-          <a:lnRef idx="1">
-            <a:schemeClr val="accent1"/>
-          </a:lnRef>
-          <a:fillRef idx="0">
-            <a:schemeClr val="accent1"/>
-          </a:fillRef>
-          <a:effectRef idx="0">
-            <a:schemeClr val="accent1"/>
-          </a:effectRef>
-          <a:fontRef idx="minor">
-            <a:schemeClr val="tx1"/>
-          </a:fontRef>
-        </p:style>
-      </p:cxnSp>
-      <p:cxnSp>
-        <p:nvCxnSpPr>
-          <p:cNvPr id="28" name="连接符: 肘形 27">
-            <a:extLst>
-              <a:ext uri="{FF2B5EF4-FFF2-40B4-BE49-F238E27FC236}">
-                <a16:creationId xmlns:a16="http://schemas.microsoft.com/office/drawing/2014/main" id="{27424B7F-862D-4114-8AEC-BD688BE15433}"/>
-              </a:ext>
-            </a:extLst>
-          </p:cNvPr>
-          <p:cNvCxnSpPr>
-            <a:stCxn id="138" idx="3"/>
-          </p:cNvCxnSpPr>
-          <p:nvPr/>
-        </p:nvCxnSpPr>
-        <p:spPr>
-          <a:xfrm>
-            <a:off x="6803400" y="3164329"/>
-            <a:ext cx="1470379" cy="182403"/>
-          </a:xfrm>
-          <a:prstGeom prst="bentConnector3">
-            <a:avLst/>
-          </a:prstGeom>
-          <a:ln w="12700">
-            <a:solidFill>
-              <a:schemeClr val="tx1"/>
-            </a:solidFill>
-            <a:tailEnd type="triangle"/>
-          </a:ln>
-        </p:spPr>
-        <p:style>
-          <a:lnRef idx="1">
-            <a:schemeClr val="accent1"/>
-          </a:lnRef>
-          <a:fillRef idx="0">
-            <a:schemeClr val="accent1"/>
-          </a:fillRef>
-          <a:effectRef idx="0">
-            <a:schemeClr val="accent1"/>
-          </a:effectRef>
-          <a:fontRef idx="minor">
-            <a:schemeClr val="tx1"/>
-          </a:fontRef>
-        </p:style>
-      </p:cxnSp>
-      <p:cxnSp>
-        <p:nvCxnSpPr>
-          <p:cNvPr id="231" name="直接箭头连接符 230">
-            <a:extLst>
-              <a:ext uri="{FF2B5EF4-FFF2-40B4-BE49-F238E27FC236}">
-                <a16:creationId xmlns:a16="http://schemas.microsoft.com/office/drawing/2014/main" id="{D28CD575-3354-427B-9250-0692575F9390}"/>
-              </a:ext>
-            </a:extLst>
-          </p:cNvPr>
-          <p:cNvCxnSpPr>
-            <a:stCxn id="16" idx="3"/>
-          </p:cNvCxnSpPr>
-          <p:nvPr/>
-        </p:nvCxnSpPr>
-        <p:spPr>
-          <a:xfrm flipV="1">
-            <a:off x="2619277" y="1030076"/>
-            <a:ext cx="5755237" cy="21810"/>
-          </a:xfrm>
-          <a:prstGeom prst="straightConnector1">
-            <a:avLst/>
-          </a:prstGeom>
-          <a:ln w="12700">
-            <a:solidFill>
-              <a:schemeClr val="tx1"/>
-            </a:solidFill>
-            <a:tailEnd type="triangle"/>
-          </a:ln>
-        </p:spPr>
-        <p:style>
-          <a:lnRef idx="1">
-            <a:schemeClr val="accent1"/>
-          </a:lnRef>
-          <a:fillRef idx="0">
-            <a:schemeClr val="accent1"/>
-          </a:fillRef>
-          <a:effectRef idx="0">
-            <a:schemeClr val="accent1"/>
-          </a:effectRef>
-          <a:fontRef idx="minor">
-            <a:schemeClr val="tx1"/>
-          </a:fontRef>
-        </p:style>
-      </p:cxnSp>
-      <p:cxnSp>
-        <p:nvCxnSpPr>
-          <p:cNvPr id="235" name="直接箭头连接符 234">
-            <a:extLst>
-              <a:ext uri="{FF2B5EF4-FFF2-40B4-BE49-F238E27FC236}">
-                <a16:creationId xmlns:a16="http://schemas.microsoft.com/office/drawing/2014/main" id="{F7A168A2-B332-4EC9-AC8F-FA899525FE9D}"/>
-              </a:ext>
-            </a:extLst>
-          </p:cNvPr>
-          <p:cNvCxnSpPr>
-            <a:stCxn id="160" idx="2"/>
-          </p:cNvCxnSpPr>
-          <p:nvPr/>
-        </p:nvCxnSpPr>
-        <p:spPr>
-          <a:xfrm>
-            <a:off x="9067219" y="2110539"/>
-            <a:ext cx="0" cy="655433"/>
-          </a:xfrm>
-          <a:prstGeom prst="straightConnector1">
-            <a:avLst/>
-          </a:prstGeom>
-          <a:ln w="12700">
-            <a:solidFill>
-              <a:schemeClr val="tx1"/>
-            </a:solidFill>
-            <a:tailEnd type="triangle"/>
-          </a:ln>
-        </p:spPr>
-        <p:style>
-          <a:lnRef idx="1">
-            <a:schemeClr val="accent1"/>
-          </a:lnRef>
-          <a:fillRef idx="0">
-            <a:schemeClr val="accent1"/>
-          </a:fillRef>
-          <a:effectRef idx="0">
-            <a:schemeClr val="accent1"/>
-          </a:effectRef>
-          <a:fontRef idx="minor">
-            <a:schemeClr val="tx1"/>
-          </a:fontRef>
-        </p:style>
-      </p:cxnSp>
-      <p:cxnSp>
-        <p:nvCxnSpPr>
-          <p:cNvPr id="14" name="连接符: 肘形 13">
-            <a:extLst>
-              <a:ext uri="{FF2B5EF4-FFF2-40B4-BE49-F238E27FC236}">
-                <a16:creationId xmlns:a16="http://schemas.microsoft.com/office/drawing/2014/main" id="{0994527D-0C8F-424C-B3AE-62201EBC1080}"/>
-              </a:ext>
-            </a:extLst>
-          </p:cNvPr>
-          <p:cNvCxnSpPr>
-            <a:stCxn id="213" idx="3"/>
-            <a:endCxn id="141" idx="2"/>
-          </p:cNvCxnSpPr>
-          <p:nvPr/>
-        </p:nvCxnSpPr>
-        <p:spPr>
-          <a:xfrm flipV="1">
-            <a:off x="8257005" y="4286350"/>
-            <a:ext cx="703907" cy="830006"/>
-          </a:xfrm>
-          <a:prstGeom prst="bentConnector2">
-            <a:avLst/>
-          </a:prstGeom>
-          <a:ln>
-            <a:solidFill>
-              <a:schemeClr val="tx1"/>
-            </a:solidFill>
-            <a:headEnd type="triangle"/>
-            <a:tailEnd type="triangle"/>
-          </a:ln>
-        </p:spPr>
-        <p:style>
-          <a:lnRef idx="1">
-            <a:schemeClr val="accent1"/>
-          </a:lnRef>
-          <a:fillRef idx="0">
-            <a:schemeClr val="accent1"/>
-          </a:fillRef>
-          <a:effectRef idx="0">
-            <a:schemeClr val="accent1"/>
-          </a:effectRef>
-          <a:fontRef idx="minor">
-            <a:schemeClr val="tx1"/>
-          </a:fontRef>
-        </p:style>
-      </p:cxnSp>
-      <p:cxnSp>
-        <p:nvCxnSpPr>
-          <p:cNvPr id="29" name="直接箭头连接符 28">
-            <a:extLst>
-              <a:ext uri="{FF2B5EF4-FFF2-40B4-BE49-F238E27FC236}">
-                <a16:creationId xmlns:a16="http://schemas.microsoft.com/office/drawing/2014/main" id="{518F0E5B-7274-4F3D-949E-8AA7297AF067}"/>
-              </a:ext>
-            </a:extLst>
-          </p:cNvPr>
-          <p:cNvCxnSpPr/>
-          <p:nvPr/>
-        </p:nvCxnSpPr>
-        <p:spPr>
-          <a:xfrm>
-            <a:off x="4507519" y="5298924"/>
-            <a:ext cx="2707778" cy="0"/>
-          </a:xfrm>
-          <a:prstGeom prst="straightConnector1">
-            <a:avLst/>
-          </a:prstGeom>
-          <a:ln w="12700">
-            <a:solidFill>
-              <a:schemeClr val="tx1"/>
-            </a:solidFill>
-            <a:tailEnd type="triangle"/>
-          </a:ln>
-        </p:spPr>
-        <p:style>
-          <a:lnRef idx="1">
-            <a:schemeClr val="accent1"/>
-          </a:lnRef>
-          <a:fillRef idx="0">
-            <a:schemeClr val="accent1"/>
-          </a:fillRef>
-          <a:effectRef idx="0">
-            <a:schemeClr val="accent1"/>
-          </a:effectRef>
-          <a:fontRef idx="minor">
-            <a:schemeClr val="tx1"/>
-          </a:fontRef>
-        </p:style>
-      </p:cxnSp>
-      <p:cxnSp>
-        <p:nvCxnSpPr>
-          <p:cNvPr id="31" name="连接符: 肘形 30">
-            <a:extLst>
-              <a:ext uri="{FF2B5EF4-FFF2-40B4-BE49-F238E27FC236}">
-                <a16:creationId xmlns:a16="http://schemas.microsoft.com/office/drawing/2014/main" id="{82A3D6DD-04DC-4D80-B5A9-D914432E2B12}"/>
-              </a:ext>
-            </a:extLst>
-          </p:cNvPr>
-          <p:cNvCxnSpPr>
-            <a:stCxn id="213" idx="0"/>
-            <a:endCxn id="149" idx="3"/>
-          </p:cNvCxnSpPr>
-          <p:nvPr/>
-        </p:nvCxnSpPr>
-        <p:spPr>
-          <a:xfrm rot="16200000" flipV="1">
-            <a:off x="6742033" y="3737502"/>
-            <a:ext cx="1018690" cy="876923"/>
-          </a:xfrm>
-          <a:prstGeom prst="bentConnector2">
-            <a:avLst/>
-          </a:prstGeom>
-          <a:ln w="12700">
-            <a:solidFill>
-              <a:schemeClr val="tx1"/>
-            </a:solidFill>
-            <a:tailEnd type="triangle"/>
-          </a:ln>
-        </p:spPr>
-        <p:style>
-          <a:lnRef idx="1">
-            <a:schemeClr val="accent1"/>
-          </a:lnRef>
-          <a:fillRef idx="0">
-            <a:schemeClr val="accent1"/>
-          </a:fillRef>
-          <a:effectRef idx="0">
-            <a:schemeClr val="accent1"/>
-          </a:effectRef>
-          <a:fontRef idx="minor">
-            <a:schemeClr val="tx1"/>
-          </a:fontRef>
-        </p:style>
-      </p:cxnSp>
-    </p:spTree>
-    <p:extLst>
-      <p:ext uri="{BB962C8B-B14F-4D97-AF65-F5344CB8AC3E}">
-        <p14:creationId xmlns:p14="http://schemas.microsoft.com/office/powerpoint/2010/main" val="2976283779"/>
-      </p:ext>
-    </p:extLst>
-  </p:cSld>
-  <p:clrMapOvr>
-    <a:masterClrMapping/>
-  </p:clrMapOvr>
-</p:sld>
-</file>
-
 <file path=ppt/theme/theme1.xml><?xml version="1.0" encoding="utf-8"?>
 <a:theme xmlns:a="http://schemas.openxmlformats.org/drawingml/2006/main" name="Office 主题​​">
   <a:themeElements>

--- a/architecture.pptx
+++ b/architecture.pptx
@@ -5,8 +5,9 @@
     <p:sldMasterId id="2147483648" r:id="rId1"/>
   </p:sldMasterIdLst>
   <p:sldIdLst>
-    <p:sldId id="257" r:id="rId2"/>
-    <p:sldId id="256" r:id="rId3"/>
+    <p:sldId id="259" r:id="rId2"/>
+    <p:sldId id="258" r:id="rId3"/>
+    <p:sldId id="256" r:id="rId4"/>
   </p:sldIdLst>
   <p:sldSz cx="12192000" cy="6858000"/>
   <p:notesSz cx="6858000" cy="9144000"/>
@@ -260,7 +261,7 @@
           <a:p>
             <a:fld id="{474C422C-BDF9-41D1-A812-954CCA4F011F}" type="datetimeFigureOut">
               <a:rPr lang="zh-CN" altLang="en-US" smtClean="0"/>
-              <a:t>2018/7/23</a:t>
+              <a:t>2018/8/26</a:t>
             </a:fld>
             <a:endParaRPr lang="zh-CN" altLang="en-US"/>
           </a:p>
@@ -458,7 +459,7 @@
           <a:p>
             <a:fld id="{474C422C-BDF9-41D1-A812-954CCA4F011F}" type="datetimeFigureOut">
               <a:rPr lang="zh-CN" altLang="en-US" smtClean="0"/>
-              <a:t>2018/7/23</a:t>
+              <a:t>2018/8/26</a:t>
             </a:fld>
             <a:endParaRPr lang="zh-CN" altLang="en-US"/>
           </a:p>
@@ -666,7 +667,7 @@
           <a:p>
             <a:fld id="{474C422C-BDF9-41D1-A812-954CCA4F011F}" type="datetimeFigureOut">
               <a:rPr lang="zh-CN" altLang="en-US" smtClean="0"/>
-              <a:t>2018/7/23</a:t>
+              <a:t>2018/8/26</a:t>
             </a:fld>
             <a:endParaRPr lang="zh-CN" altLang="en-US"/>
           </a:p>
@@ -864,7 +865,7 @@
           <a:p>
             <a:fld id="{474C422C-BDF9-41D1-A812-954CCA4F011F}" type="datetimeFigureOut">
               <a:rPr lang="zh-CN" altLang="en-US" smtClean="0"/>
-              <a:t>2018/7/23</a:t>
+              <a:t>2018/8/26</a:t>
             </a:fld>
             <a:endParaRPr lang="zh-CN" altLang="en-US"/>
           </a:p>
@@ -1139,7 +1140,7 @@
           <a:p>
             <a:fld id="{474C422C-BDF9-41D1-A812-954CCA4F011F}" type="datetimeFigureOut">
               <a:rPr lang="zh-CN" altLang="en-US" smtClean="0"/>
-              <a:t>2018/7/23</a:t>
+              <a:t>2018/8/26</a:t>
             </a:fld>
             <a:endParaRPr lang="zh-CN" altLang="en-US"/>
           </a:p>
@@ -1404,7 +1405,7 @@
           <a:p>
             <a:fld id="{474C422C-BDF9-41D1-A812-954CCA4F011F}" type="datetimeFigureOut">
               <a:rPr lang="zh-CN" altLang="en-US" smtClean="0"/>
-              <a:t>2018/7/23</a:t>
+              <a:t>2018/8/26</a:t>
             </a:fld>
             <a:endParaRPr lang="zh-CN" altLang="en-US"/>
           </a:p>
@@ -1816,7 +1817,7 @@
           <a:p>
             <a:fld id="{474C422C-BDF9-41D1-A812-954CCA4F011F}" type="datetimeFigureOut">
               <a:rPr lang="zh-CN" altLang="en-US" smtClean="0"/>
-              <a:t>2018/7/23</a:t>
+              <a:t>2018/8/26</a:t>
             </a:fld>
             <a:endParaRPr lang="zh-CN" altLang="en-US"/>
           </a:p>
@@ -1957,7 +1958,7 @@
           <a:p>
             <a:fld id="{474C422C-BDF9-41D1-A812-954CCA4F011F}" type="datetimeFigureOut">
               <a:rPr lang="zh-CN" altLang="en-US" smtClean="0"/>
-              <a:t>2018/7/23</a:t>
+              <a:t>2018/8/26</a:t>
             </a:fld>
             <a:endParaRPr lang="zh-CN" altLang="en-US"/>
           </a:p>
@@ -2070,7 +2071,7 @@
           <a:p>
             <a:fld id="{474C422C-BDF9-41D1-A812-954CCA4F011F}" type="datetimeFigureOut">
               <a:rPr lang="zh-CN" altLang="en-US" smtClean="0"/>
-              <a:t>2018/7/23</a:t>
+              <a:t>2018/8/26</a:t>
             </a:fld>
             <a:endParaRPr lang="zh-CN" altLang="en-US"/>
           </a:p>
@@ -2381,7 +2382,7 @@
           <a:p>
             <a:fld id="{474C422C-BDF9-41D1-A812-954CCA4F011F}" type="datetimeFigureOut">
               <a:rPr lang="zh-CN" altLang="en-US" smtClean="0"/>
-              <a:t>2018/7/23</a:t>
+              <a:t>2018/8/26</a:t>
             </a:fld>
             <a:endParaRPr lang="zh-CN" altLang="en-US"/>
           </a:p>
@@ -2669,7 +2670,7 @@
           <a:p>
             <a:fld id="{474C422C-BDF9-41D1-A812-954CCA4F011F}" type="datetimeFigureOut">
               <a:rPr lang="zh-CN" altLang="en-US" smtClean="0"/>
-              <a:t>2018/7/23</a:t>
+              <a:t>2018/8/26</a:t>
             </a:fld>
             <a:endParaRPr lang="zh-CN" altLang="en-US"/>
           </a:p>
@@ -2910,7 +2911,7 @@
           <a:p>
             <a:fld id="{474C422C-BDF9-41D1-A812-954CCA4F011F}" type="datetimeFigureOut">
               <a:rPr lang="zh-CN" altLang="en-US" smtClean="0"/>
-              <a:t>2018/7/23</a:t>
+              <a:t>2018/8/26</a:t>
             </a:fld>
             <a:endParaRPr lang="zh-CN" altLang="en-US"/>
           </a:p>
@@ -3311,6 +3312,1437 @@
 </file>
 
 <file path=ppt/slides/slide1.xml><?xml version="1.0" encoding="utf-8"?>
+<p:sld xmlns:a="http://schemas.openxmlformats.org/drawingml/2006/main" xmlns:r="http://schemas.openxmlformats.org/officeDocument/2006/relationships" xmlns:p="http://schemas.openxmlformats.org/presentationml/2006/main">
+  <p:cSld>
+    <p:spTree>
+      <p:nvGrpSpPr>
+        <p:cNvPr id="1" name=""/>
+        <p:cNvGrpSpPr/>
+        <p:nvPr/>
+      </p:nvGrpSpPr>
+      <p:grpSpPr>
+        <a:xfrm>
+          <a:off x="0" y="0"/>
+          <a:ext cx="0" cy="0"/>
+          <a:chOff x="0" y="0"/>
+          <a:chExt cx="0" cy="0"/>
+        </a:xfrm>
+      </p:grpSpPr>
+      <p:sp>
+        <p:nvSpPr>
+          <p:cNvPr id="7" name="矩形 6">
+            <a:extLst>
+              <a:ext uri="{FF2B5EF4-FFF2-40B4-BE49-F238E27FC236}">
+                <a16:creationId xmlns:a16="http://schemas.microsoft.com/office/drawing/2014/main" id="{1452314D-44D4-4035-AB39-BC10D8A9F85A}"/>
+              </a:ext>
+            </a:extLst>
+          </p:cNvPr>
+          <p:cNvSpPr/>
+          <p:nvPr/>
+        </p:nvSpPr>
+        <p:spPr>
+          <a:xfrm>
+            <a:off x="3458534" y="4935931"/>
+            <a:ext cx="2493819" cy="466437"/>
+          </a:xfrm>
+          <a:prstGeom prst="rect">
+            <a:avLst/>
+          </a:prstGeom>
+          <a:noFill/>
+          <a:ln w="28575">
+            <a:solidFill>
+              <a:schemeClr val="tx1"/>
+            </a:solidFill>
+          </a:ln>
+        </p:spPr>
+        <p:style>
+          <a:lnRef idx="2">
+            <a:schemeClr val="accent1">
+              <a:shade val="50000"/>
+            </a:schemeClr>
+          </a:lnRef>
+          <a:fillRef idx="1">
+            <a:schemeClr val="accent1"/>
+          </a:fillRef>
+          <a:effectRef idx="0">
+            <a:schemeClr val="accent1"/>
+          </a:effectRef>
+          <a:fontRef idx="minor">
+            <a:schemeClr val="lt1"/>
+          </a:fontRef>
+        </p:style>
+        <p:txBody>
+          <a:bodyPr rtlCol="0" anchor="ctr"/>
+          <a:lstStyle/>
+          <a:p>
+            <a:pPr algn="ctr"/>
+            <a:r>
+              <a:rPr lang="en-US" altLang="zh-CN" dirty="0">
+                <a:solidFill>
+                  <a:schemeClr val="tx1"/>
+                </a:solidFill>
+              </a:rPr>
+              <a:t>Container Orchestrator</a:t>
+            </a:r>
+            <a:endParaRPr lang="zh-CN" altLang="en-US" dirty="0">
+              <a:solidFill>
+                <a:schemeClr val="tx1"/>
+              </a:solidFill>
+            </a:endParaRPr>
+          </a:p>
+        </p:txBody>
+      </p:sp>
+      <p:sp>
+        <p:nvSpPr>
+          <p:cNvPr id="8" name="矩形 7">
+            <a:extLst>
+              <a:ext uri="{FF2B5EF4-FFF2-40B4-BE49-F238E27FC236}">
+                <a16:creationId xmlns:a16="http://schemas.microsoft.com/office/drawing/2014/main" id="{9EC0A581-AA41-45D9-AB21-5E7756A39043}"/>
+              </a:ext>
+            </a:extLst>
+          </p:cNvPr>
+          <p:cNvSpPr/>
+          <p:nvPr/>
+        </p:nvSpPr>
+        <p:spPr>
+          <a:xfrm>
+            <a:off x="3458534" y="4464875"/>
+            <a:ext cx="1902691" cy="466437"/>
+          </a:xfrm>
+          <a:prstGeom prst="rect">
+            <a:avLst/>
+          </a:prstGeom>
+          <a:noFill/>
+          <a:ln w="28575">
+            <a:solidFill>
+              <a:schemeClr val="tx1"/>
+            </a:solidFill>
+          </a:ln>
+        </p:spPr>
+        <p:style>
+          <a:lnRef idx="2">
+            <a:schemeClr val="accent1">
+              <a:shade val="50000"/>
+            </a:schemeClr>
+          </a:lnRef>
+          <a:fillRef idx="1">
+            <a:schemeClr val="accent1"/>
+          </a:fillRef>
+          <a:effectRef idx="0">
+            <a:schemeClr val="accent1"/>
+          </a:effectRef>
+          <a:fontRef idx="minor">
+            <a:schemeClr val="lt1"/>
+          </a:fontRef>
+        </p:style>
+        <p:txBody>
+          <a:bodyPr rtlCol="0" anchor="ctr"/>
+          <a:lstStyle/>
+          <a:p>
+            <a:pPr algn="ctr"/>
+            <a:r>
+              <a:rPr lang="en-US" altLang="zh-CN" dirty="0">
+                <a:solidFill>
+                  <a:schemeClr val="tx1"/>
+                </a:solidFill>
+              </a:rPr>
+              <a:t>Service Mesh</a:t>
+            </a:r>
+            <a:endParaRPr lang="zh-CN" altLang="en-US" dirty="0">
+              <a:solidFill>
+                <a:schemeClr val="tx1"/>
+              </a:solidFill>
+            </a:endParaRPr>
+          </a:p>
+        </p:txBody>
+      </p:sp>
+      <p:sp>
+        <p:nvSpPr>
+          <p:cNvPr id="9" name="矩形 8">
+            <a:extLst>
+              <a:ext uri="{FF2B5EF4-FFF2-40B4-BE49-F238E27FC236}">
+                <a16:creationId xmlns:a16="http://schemas.microsoft.com/office/drawing/2014/main" id="{18788558-BD1C-466D-8AB9-EF8EA494315C}"/>
+              </a:ext>
+            </a:extLst>
+          </p:cNvPr>
+          <p:cNvSpPr/>
+          <p:nvPr/>
+        </p:nvSpPr>
+        <p:spPr>
+          <a:xfrm>
+            <a:off x="3458533" y="4051550"/>
+            <a:ext cx="2493819" cy="882072"/>
+          </a:xfrm>
+          <a:prstGeom prst="rect">
+            <a:avLst/>
+          </a:prstGeom>
+          <a:noFill/>
+          <a:ln w="28575">
+            <a:solidFill>
+              <a:schemeClr val="tx1"/>
+            </a:solidFill>
+          </a:ln>
+        </p:spPr>
+        <p:style>
+          <a:lnRef idx="2">
+            <a:schemeClr val="accent1">
+              <a:shade val="50000"/>
+            </a:schemeClr>
+          </a:lnRef>
+          <a:fillRef idx="1">
+            <a:schemeClr val="accent1"/>
+          </a:fillRef>
+          <a:effectRef idx="0">
+            <a:schemeClr val="accent1"/>
+          </a:effectRef>
+          <a:fontRef idx="minor">
+            <a:schemeClr val="lt1"/>
+          </a:fontRef>
+        </p:style>
+        <p:txBody>
+          <a:bodyPr rtlCol="0" anchor="t" anchorCtr="0"/>
+          <a:lstStyle/>
+          <a:p>
+            <a:pPr algn="ctr"/>
+            <a:r>
+              <a:rPr lang="en-US" altLang="zh-CN" dirty="0">
+                <a:solidFill>
+                  <a:schemeClr val="tx1"/>
+                </a:solidFill>
+              </a:rPr>
+              <a:t>Infrastructure Layer</a:t>
+            </a:r>
+            <a:endParaRPr lang="zh-CN" altLang="en-US" dirty="0">
+              <a:solidFill>
+                <a:schemeClr val="tx1"/>
+              </a:solidFill>
+            </a:endParaRPr>
+          </a:p>
+        </p:txBody>
+      </p:sp>
+      <p:sp>
+        <p:nvSpPr>
+          <p:cNvPr id="12" name="矩形 11">
+            <a:extLst>
+              <a:ext uri="{FF2B5EF4-FFF2-40B4-BE49-F238E27FC236}">
+                <a16:creationId xmlns:a16="http://schemas.microsoft.com/office/drawing/2014/main" id="{1DB55BBA-0F37-49A7-A3B1-A92B7DBE2A88}"/>
+              </a:ext>
+            </a:extLst>
+          </p:cNvPr>
+          <p:cNvSpPr/>
+          <p:nvPr/>
+        </p:nvSpPr>
+        <p:spPr>
+          <a:xfrm>
+            <a:off x="3474429" y="1633001"/>
+            <a:ext cx="2493819" cy="466437"/>
+          </a:xfrm>
+          <a:prstGeom prst="rect">
+            <a:avLst/>
+          </a:prstGeom>
+          <a:noFill/>
+          <a:ln w="28575">
+            <a:solidFill>
+              <a:schemeClr val="tx1"/>
+            </a:solidFill>
+          </a:ln>
+        </p:spPr>
+        <p:style>
+          <a:lnRef idx="2">
+            <a:schemeClr val="accent1">
+              <a:shade val="50000"/>
+            </a:schemeClr>
+          </a:lnRef>
+          <a:fillRef idx="1">
+            <a:schemeClr val="accent1"/>
+          </a:fillRef>
+          <a:effectRef idx="0">
+            <a:schemeClr val="accent1"/>
+          </a:effectRef>
+          <a:fontRef idx="minor">
+            <a:schemeClr val="lt1"/>
+          </a:fontRef>
+        </p:style>
+        <p:txBody>
+          <a:bodyPr rtlCol="0" anchor="ctr"/>
+          <a:lstStyle/>
+          <a:p>
+            <a:pPr algn="ctr"/>
+            <a:r>
+              <a:rPr lang="en-US" altLang="zh-CN" dirty="0">
+                <a:solidFill>
+                  <a:schemeClr val="tx1"/>
+                </a:solidFill>
+              </a:rPr>
+              <a:t>Persistence Layer</a:t>
+            </a:r>
+            <a:endParaRPr lang="zh-CN" altLang="en-US" dirty="0">
+              <a:solidFill>
+                <a:schemeClr val="tx1"/>
+              </a:solidFill>
+            </a:endParaRPr>
+          </a:p>
+        </p:txBody>
+      </p:sp>
+      <p:sp>
+        <p:nvSpPr>
+          <p:cNvPr id="13" name="矩形 12">
+            <a:extLst>
+              <a:ext uri="{FF2B5EF4-FFF2-40B4-BE49-F238E27FC236}">
+                <a16:creationId xmlns:a16="http://schemas.microsoft.com/office/drawing/2014/main" id="{0532D472-1BA2-4539-8B9E-699DEA2C36CE}"/>
+              </a:ext>
+            </a:extLst>
+          </p:cNvPr>
+          <p:cNvSpPr/>
+          <p:nvPr/>
+        </p:nvSpPr>
+        <p:spPr>
+          <a:xfrm>
+            <a:off x="7274178" y="2634415"/>
+            <a:ext cx="2493819" cy="2767953"/>
+          </a:xfrm>
+          <a:prstGeom prst="rect">
+            <a:avLst/>
+          </a:prstGeom>
+          <a:noFill/>
+          <a:ln w="28575">
+            <a:solidFill>
+              <a:schemeClr val="tx1"/>
+            </a:solidFill>
+          </a:ln>
+        </p:spPr>
+        <p:style>
+          <a:lnRef idx="2">
+            <a:schemeClr val="accent1">
+              <a:shade val="50000"/>
+            </a:schemeClr>
+          </a:lnRef>
+          <a:fillRef idx="1">
+            <a:schemeClr val="accent1"/>
+          </a:fillRef>
+          <a:effectRef idx="0">
+            <a:schemeClr val="accent1"/>
+          </a:effectRef>
+          <a:fontRef idx="minor">
+            <a:schemeClr val="lt1"/>
+          </a:fontRef>
+        </p:style>
+        <p:txBody>
+          <a:bodyPr rtlCol="0" anchor="t" anchorCtr="0"/>
+          <a:lstStyle/>
+          <a:p>
+            <a:pPr algn="ctr"/>
+            <a:r>
+              <a:rPr lang="en-US" altLang="zh-CN" dirty="0">
+                <a:solidFill>
+                  <a:schemeClr val="tx1"/>
+                </a:solidFill>
+              </a:rPr>
+              <a:t>LogVisualization Backend</a:t>
+            </a:r>
+            <a:endParaRPr lang="zh-CN" altLang="en-US" dirty="0">
+              <a:solidFill>
+                <a:schemeClr val="tx1"/>
+              </a:solidFill>
+            </a:endParaRPr>
+          </a:p>
+        </p:txBody>
+      </p:sp>
+      <p:sp>
+        <p:nvSpPr>
+          <p:cNvPr id="14" name="矩形 13">
+            <a:extLst>
+              <a:ext uri="{FF2B5EF4-FFF2-40B4-BE49-F238E27FC236}">
+                <a16:creationId xmlns:a16="http://schemas.microsoft.com/office/drawing/2014/main" id="{0BB82BD7-5C50-4BCB-B453-0821462F533E}"/>
+              </a:ext>
+            </a:extLst>
+          </p:cNvPr>
+          <p:cNvSpPr/>
+          <p:nvPr/>
+        </p:nvSpPr>
+        <p:spPr>
+          <a:xfrm>
+            <a:off x="7254143" y="1639149"/>
+            <a:ext cx="2493819" cy="466437"/>
+          </a:xfrm>
+          <a:prstGeom prst="rect">
+            <a:avLst/>
+          </a:prstGeom>
+          <a:noFill/>
+          <a:ln w="28575">
+            <a:solidFill>
+              <a:schemeClr val="tx1"/>
+            </a:solidFill>
+          </a:ln>
+        </p:spPr>
+        <p:style>
+          <a:lnRef idx="2">
+            <a:schemeClr val="accent1">
+              <a:shade val="50000"/>
+            </a:schemeClr>
+          </a:lnRef>
+          <a:fillRef idx="1">
+            <a:schemeClr val="accent1"/>
+          </a:fillRef>
+          <a:effectRef idx="0">
+            <a:schemeClr val="accent1"/>
+          </a:effectRef>
+          <a:fontRef idx="minor">
+            <a:schemeClr val="lt1"/>
+          </a:fontRef>
+        </p:style>
+        <p:txBody>
+          <a:bodyPr rtlCol="0" anchor="ctr"/>
+          <a:lstStyle/>
+          <a:p>
+            <a:pPr algn="ctr"/>
+            <a:r>
+              <a:rPr lang="en-US" altLang="zh-CN" dirty="0">
+                <a:solidFill>
+                  <a:schemeClr val="tx1"/>
+                </a:solidFill>
+              </a:rPr>
+              <a:t>LogVisualization UI</a:t>
+            </a:r>
+            <a:endParaRPr lang="zh-CN" altLang="en-US" dirty="0">
+              <a:solidFill>
+                <a:schemeClr val="tx1"/>
+              </a:solidFill>
+            </a:endParaRPr>
+          </a:p>
+        </p:txBody>
+      </p:sp>
+      <p:cxnSp>
+        <p:nvCxnSpPr>
+          <p:cNvPr id="16" name="直接箭头连接符 15">
+            <a:extLst>
+              <a:ext uri="{FF2B5EF4-FFF2-40B4-BE49-F238E27FC236}">
+                <a16:creationId xmlns:a16="http://schemas.microsoft.com/office/drawing/2014/main" id="{CD2A9DE0-7938-4F51-8F1E-4F9427AFEEB6}"/>
+              </a:ext>
+            </a:extLst>
+          </p:cNvPr>
+          <p:cNvCxnSpPr>
+            <a:cxnSpLocks/>
+            <a:endCxn id="28" idx="2"/>
+          </p:cNvCxnSpPr>
+          <p:nvPr/>
+        </p:nvCxnSpPr>
+        <p:spPr>
+          <a:xfrm flipV="1">
+            <a:off x="4030777" y="3433786"/>
+            <a:ext cx="0" cy="624026"/>
+          </a:xfrm>
+          <a:prstGeom prst="straightConnector1">
+            <a:avLst/>
+          </a:prstGeom>
+          <a:ln w="19050">
+            <a:solidFill>
+              <a:schemeClr val="tx1"/>
+            </a:solidFill>
+            <a:tailEnd type="triangle"/>
+          </a:ln>
+        </p:spPr>
+        <p:style>
+          <a:lnRef idx="1">
+            <a:schemeClr val="accent1"/>
+          </a:lnRef>
+          <a:fillRef idx="0">
+            <a:schemeClr val="accent1"/>
+          </a:fillRef>
+          <a:effectRef idx="0">
+            <a:schemeClr val="accent1"/>
+          </a:effectRef>
+          <a:fontRef idx="minor">
+            <a:schemeClr val="tx1"/>
+          </a:fontRef>
+        </p:style>
+      </p:cxnSp>
+      <p:sp>
+        <p:nvSpPr>
+          <p:cNvPr id="18" name="矩形 17">
+            <a:extLst>
+              <a:ext uri="{FF2B5EF4-FFF2-40B4-BE49-F238E27FC236}">
+                <a16:creationId xmlns:a16="http://schemas.microsoft.com/office/drawing/2014/main" id="{FEC7F8BA-C555-4370-9B5B-18B213BFE813}"/>
+              </a:ext>
+            </a:extLst>
+          </p:cNvPr>
+          <p:cNvSpPr/>
+          <p:nvPr/>
+        </p:nvSpPr>
+        <p:spPr>
+          <a:xfrm>
+            <a:off x="7905582" y="3808687"/>
+            <a:ext cx="1190942" cy="279177"/>
+          </a:xfrm>
+          <a:prstGeom prst="rect">
+            <a:avLst/>
+          </a:prstGeom>
+          <a:noFill/>
+          <a:ln w="19050">
+            <a:solidFill>
+              <a:schemeClr val="tx1"/>
+            </a:solidFill>
+          </a:ln>
+        </p:spPr>
+        <p:style>
+          <a:lnRef idx="2">
+            <a:schemeClr val="accent1">
+              <a:shade val="50000"/>
+            </a:schemeClr>
+          </a:lnRef>
+          <a:fillRef idx="1">
+            <a:schemeClr val="accent1"/>
+          </a:fillRef>
+          <a:effectRef idx="0">
+            <a:schemeClr val="accent1"/>
+          </a:effectRef>
+          <a:fontRef idx="minor">
+            <a:schemeClr val="lt1"/>
+          </a:fontRef>
+        </p:style>
+        <p:txBody>
+          <a:bodyPr rtlCol="0" anchor="ctr"/>
+          <a:lstStyle/>
+          <a:p>
+            <a:pPr algn="ctr"/>
+            <a:r>
+              <a:rPr lang="en-US" altLang="zh-CN" dirty="0" err="1">
+                <a:solidFill>
+                  <a:schemeClr val="tx1"/>
+                </a:solidFill>
+              </a:rPr>
+              <a:t>Traceapi</a:t>
+            </a:r>
+            <a:endParaRPr lang="zh-CN" altLang="en-US" dirty="0">
+              <a:solidFill>
+                <a:schemeClr val="tx1"/>
+              </a:solidFill>
+            </a:endParaRPr>
+          </a:p>
+        </p:txBody>
+      </p:sp>
+      <p:sp>
+        <p:nvSpPr>
+          <p:cNvPr id="19" name="矩形 18">
+            <a:extLst>
+              <a:ext uri="{FF2B5EF4-FFF2-40B4-BE49-F238E27FC236}">
+                <a16:creationId xmlns:a16="http://schemas.microsoft.com/office/drawing/2014/main" id="{8DADAD0A-98F8-4D11-A2CE-7AB6998DC26B}"/>
+              </a:ext>
+            </a:extLst>
+          </p:cNvPr>
+          <p:cNvSpPr/>
+          <p:nvPr/>
+        </p:nvSpPr>
+        <p:spPr>
+          <a:xfrm>
+            <a:off x="7905582" y="3236720"/>
+            <a:ext cx="1190942" cy="279177"/>
+          </a:xfrm>
+          <a:prstGeom prst="rect">
+            <a:avLst/>
+          </a:prstGeom>
+          <a:noFill/>
+          <a:ln w="19050">
+            <a:solidFill>
+              <a:schemeClr val="tx1"/>
+            </a:solidFill>
+          </a:ln>
+        </p:spPr>
+        <p:style>
+          <a:lnRef idx="2">
+            <a:schemeClr val="accent1">
+              <a:shade val="50000"/>
+            </a:schemeClr>
+          </a:lnRef>
+          <a:fillRef idx="1">
+            <a:schemeClr val="accent1"/>
+          </a:fillRef>
+          <a:effectRef idx="0">
+            <a:schemeClr val="accent1"/>
+          </a:effectRef>
+          <a:fontRef idx="minor">
+            <a:schemeClr val="lt1"/>
+          </a:fontRef>
+        </p:style>
+        <p:txBody>
+          <a:bodyPr rtlCol="0" anchor="ctr"/>
+          <a:lstStyle/>
+          <a:p>
+            <a:pPr algn="ctr"/>
+            <a:r>
+              <a:rPr lang="en-US" altLang="zh-CN" dirty="0">
+                <a:solidFill>
+                  <a:schemeClr val="tx1"/>
+                </a:solidFill>
+              </a:rPr>
+              <a:t>Algorithm</a:t>
+            </a:r>
+            <a:endParaRPr lang="zh-CN" altLang="en-US" dirty="0">
+              <a:solidFill>
+                <a:schemeClr val="tx1"/>
+              </a:solidFill>
+            </a:endParaRPr>
+          </a:p>
+        </p:txBody>
+      </p:sp>
+      <p:sp>
+        <p:nvSpPr>
+          <p:cNvPr id="20" name="矩形 19">
+            <a:extLst>
+              <a:ext uri="{FF2B5EF4-FFF2-40B4-BE49-F238E27FC236}">
+                <a16:creationId xmlns:a16="http://schemas.microsoft.com/office/drawing/2014/main" id="{FB2DDD5A-44ED-407D-A3AB-977AC45AED89}"/>
+              </a:ext>
+            </a:extLst>
+          </p:cNvPr>
+          <p:cNvSpPr/>
+          <p:nvPr/>
+        </p:nvSpPr>
+        <p:spPr>
+          <a:xfrm>
+            <a:off x="7925616" y="4952620"/>
+            <a:ext cx="1190942" cy="279177"/>
+          </a:xfrm>
+          <a:prstGeom prst="rect">
+            <a:avLst/>
+          </a:prstGeom>
+          <a:noFill/>
+          <a:ln w="19050">
+            <a:solidFill>
+              <a:schemeClr val="tx1"/>
+            </a:solidFill>
+          </a:ln>
+        </p:spPr>
+        <p:style>
+          <a:lnRef idx="2">
+            <a:schemeClr val="accent1">
+              <a:shade val="50000"/>
+            </a:schemeClr>
+          </a:lnRef>
+          <a:fillRef idx="1">
+            <a:schemeClr val="accent1"/>
+          </a:fillRef>
+          <a:effectRef idx="0">
+            <a:schemeClr val="accent1"/>
+          </a:effectRef>
+          <a:fontRef idx="minor">
+            <a:schemeClr val="lt1"/>
+          </a:fontRef>
+        </p:style>
+        <p:txBody>
+          <a:bodyPr rtlCol="0" anchor="ctr"/>
+          <a:lstStyle/>
+          <a:p>
+            <a:pPr algn="ctr"/>
+            <a:r>
+              <a:rPr lang="en-US" altLang="zh-CN" dirty="0">
+                <a:solidFill>
+                  <a:schemeClr val="tx1"/>
+                </a:solidFill>
+              </a:rPr>
+              <a:t>Clusterapi</a:t>
+            </a:r>
+            <a:endParaRPr lang="zh-CN" altLang="en-US" dirty="0">
+              <a:solidFill>
+                <a:schemeClr val="tx1"/>
+              </a:solidFill>
+            </a:endParaRPr>
+          </a:p>
+        </p:txBody>
+      </p:sp>
+      <p:sp>
+        <p:nvSpPr>
+          <p:cNvPr id="21" name="矩形 20">
+            <a:extLst>
+              <a:ext uri="{FF2B5EF4-FFF2-40B4-BE49-F238E27FC236}">
+                <a16:creationId xmlns:a16="http://schemas.microsoft.com/office/drawing/2014/main" id="{B6B2BE92-F404-4E51-A4DE-DEB068B148BD}"/>
+              </a:ext>
+            </a:extLst>
+          </p:cNvPr>
+          <p:cNvSpPr/>
+          <p:nvPr/>
+        </p:nvSpPr>
+        <p:spPr>
+          <a:xfrm>
+            <a:off x="7905582" y="4380654"/>
+            <a:ext cx="1190942" cy="279177"/>
+          </a:xfrm>
+          <a:prstGeom prst="rect">
+            <a:avLst/>
+          </a:prstGeom>
+          <a:noFill/>
+          <a:ln w="19050">
+            <a:solidFill>
+              <a:schemeClr val="tx1"/>
+            </a:solidFill>
+          </a:ln>
+        </p:spPr>
+        <p:style>
+          <a:lnRef idx="2">
+            <a:schemeClr val="accent1">
+              <a:shade val="50000"/>
+            </a:schemeClr>
+          </a:lnRef>
+          <a:fillRef idx="1">
+            <a:schemeClr val="accent1"/>
+          </a:fillRef>
+          <a:effectRef idx="0">
+            <a:schemeClr val="accent1"/>
+          </a:effectRef>
+          <a:fontRef idx="minor">
+            <a:schemeClr val="lt1"/>
+          </a:fontRef>
+        </p:style>
+        <p:txBody>
+          <a:bodyPr rtlCol="0" anchor="ctr"/>
+          <a:lstStyle/>
+          <a:p>
+            <a:pPr algn="ctr"/>
+            <a:r>
+              <a:rPr lang="en-US" altLang="zh-CN" dirty="0">
+                <a:solidFill>
+                  <a:schemeClr val="tx1"/>
+                </a:solidFill>
+              </a:rPr>
+              <a:t>Logapi</a:t>
+            </a:r>
+            <a:endParaRPr lang="zh-CN" altLang="en-US" dirty="0">
+              <a:solidFill>
+                <a:schemeClr val="tx1"/>
+              </a:solidFill>
+            </a:endParaRPr>
+          </a:p>
+        </p:txBody>
+      </p:sp>
+      <p:cxnSp>
+        <p:nvCxnSpPr>
+          <p:cNvPr id="23" name="直接箭头连接符 22">
+            <a:extLst>
+              <a:ext uri="{FF2B5EF4-FFF2-40B4-BE49-F238E27FC236}">
+                <a16:creationId xmlns:a16="http://schemas.microsoft.com/office/drawing/2014/main" id="{A47C8C89-AFFE-4E49-B669-41B00895BB2D}"/>
+              </a:ext>
+            </a:extLst>
+          </p:cNvPr>
+          <p:cNvCxnSpPr>
+            <a:cxnSpLocks/>
+            <a:stCxn id="28" idx="0"/>
+          </p:cNvCxnSpPr>
+          <p:nvPr/>
+        </p:nvCxnSpPr>
+        <p:spPr>
+          <a:xfrm flipV="1">
+            <a:off x="4030777" y="2099438"/>
+            <a:ext cx="0" cy="729518"/>
+          </a:xfrm>
+          <a:prstGeom prst="straightConnector1">
+            <a:avLst/>
+          </a:prstGeom>
+          <a:ln w="19050">
+            <a:solidFill>
+              <a:schemeClr val="tx1"/>
+            </a:solidFill>
+            <a:tailEnd type="triangle"/>
+          </a:ln>
+        </p:spPr>
+        <p:style>
+          <a:lnRef idx="1">
+            <a:schemeClr val="accent1"/>
+          </a:lnRef>
+          <a:fillRef idx="0">
+            <a:schemeClr val="accent1"/>
+          </a:fillRef>
+          <a:effectRef idx="0">
+            <a:schemeClr val="accent1"/>
+          </a:effectRef>
+          <a:fontRef idx="minor">
+            <a:schemeClr val="tx1"/>
+          </a:fontRef>
+        </p:style>
+      </p:cxnSp>
+      <p:sp>
+        <p:nvSpPr>
+          <p:cNvPr id="28" name="矩形 27">
+            <a:extLst>
+              <a:ext uri="{FF2B5EF4-FFF2-40B4-BE49-F238E27FC236}">
+                <a16:creationId xmlns:a16="http://schemas.microsoft.com/office/drawing/2014/main" id="{1F83D092-5AB8-4B62-8E6B-D72958727899}"/>
+              </a:ext>
+            </a:extLst>
+          </p:cNvPr>
+          <p:cNvSpPr/>
+          <p:nvPr/>
+        </p:nvSpPr>
+        <p:spPr>
+          <a:xfrm>
+            <a:off x="3468401" y="2828956"/>
+            <a:ext cx="1124751" cy="604830"/>
+          </a:xfrm>
+          <a:prstGeom prst="rect">
+            <a:avLst/>
+          </a:prstGeom>
+          <a:noFill/>
+          <a:ln w="28575">
+            <a:solidFill>
+              <a:schemeClr val="tx1"/>
+            </a:solidFill>
+          </a:ln>
+        </p:spPr>
+        <p:style>
+          <a:lnRef idx="2">
+            <a:schemeClr val="accent1">
+              <a:shade val="50000"/>
+            </a:schemeClr>
+          </a:lnRef>
+          <a:fillRef idx="1">
+            <a:schemeClr val="accent1"/>
+          </a:fillRef>
+          <a:effectRef idx="0">
+            <a:schemeClr val="accent1"/>
+          </a:effectRef>
+          <a:fontRef idx="minor">
+            <a:schemeClr val="lt1"/>
+          </a:fontRef>
+        </p:style>
+        <p:txBody>
+          <a:bodyPr rtlCol="0" anchor="ctr"/>
+          <a:lstStyle/>
+          <a:p>
+            <a:pPr algn="ctr"/>
+            <a:r>
+              <a:rPr lang="en-US" altLang="zh-CN" dirty="0">
+                <a:solidFill>
+                  <a:schemeClr val="tx1"/>
+                </a:solidFill>
+              </a:rPr>
+              <a:t>Tracing System</a:t>
+            </a:r>
+            <a:endParaRPr lang="zh-CN" altLang="en-US" dirty="0">
+              <a:solidFill>
+                <a:schemeClr val="tx1"/>
+              </a:solidFill>
+            </a:endParaRPr>
+          </a:p>
+        </p:txBody>
+      </p:sp>
+      <p:sp>
+        <p:nvSpPr>
+          <p:cNvPr id="32" name="矩形 31">
+            <a:extLst>
+              <a:ext uri="{FF2B5EF4-FFF2-40B4-BE49-F238E27FC236}">
+                <a16:creationId xmlns:a16="http://schemas.microsoft.com/office/drawing/2014/main" id="{FA316BA8-CE0B-48C8-A4D1-90449BA5B79E}"/>
+              </a:ext>
+            </a:extLst>
+          </p:cNvPr>
+          <p:cNvSpPr/>
+          <p:nvPr/>
+        </p:nvSpPr>
+        <p:spPr>
+          <a:xfrm>
+            <a:off x="4774468" y="2835423"/>
+            <a:ext cx="1124751" cy="604830"/>
+          </a:xfrm>
+          <a:prstGeom prst="rect">
+            <a:avLst/>
+          </a:prstGeom>
+          <a:noFill/>
+          <a:ln w="28575">
+            <a:solidFill>
+              <a:schemeClr val="tx1"/>
+            </a:solidFill>
+          </a:ln>
+        </p:spPr>
+        <p:style>
+          <a:lnRef idx="2">
+            <a:schemeClr val="accent1">
+              <a:shade val="50000"/>
+            </a:schemeClr>
+          </a:lnRef>
+          <a:fillRef idx="1">
+            <a:schemeClr val="accent1"/>
+          </a:fillRef>
+          <a:effectRef idx="0">
+            <a:schemeClr val="accent1"/>
+          </a:effectRef>
+          <a:fontRef idx="minor">
+            <a:schemeClr val="lt1"/>
+          </a:fontRef>
+        </p:style>
+        <p:txBody>
+          <a:bodyPr rtlCol="0" anchor="ctr"/>
+          <a:lstStyle/>
+          <a:p>
+            <a:pPr algn="ctr"/>
+            <a:r>
+              <a:rPr lang="en-US" altLang="zh-CN" dirty="0">
+                <a:solidFill>
+                  <a:schemeClr val="tx1"/>
+                </a:solidFill>
+              </a:rPr>
+              <a:t>Log</a:t>
+            </a:r>
+          </a:p>
+          <a:p>
+            <a:pPr algn="ctr"/>
+            <a:r>
+              <a:rPr lang="en-US" altLang="zh-CN" dirty="0">
+                <a:solidFill>
+                  <a:schemeClr val="tx1"/>
+                </a:solidFill>
+              </a:rPr>
+              <a:t>Filter</a:t>
+            </a:r>
+            <a:endParaRPr lang="zh-CN" altLang="en-US" dirty="0">
+              <a:solidFill>
+                <a:schemeClr val="tx1"/>
+              </a:solidFill>
+            </a:endParaRPr>
+          </a:p>
+        </p:txBody>
+      </p:sp>
+      <p:cxnSp>
+        <p:nvCxnSpPr>
+          <p:cNvPr id="40" name="直接箭头连接符 39">
+            <a:extLst>
+              <a:ext uri="{FF2B5EF4-FFF2-40B4-BE49-F238E27FC236}">
+                <a16:creationId xmlns:a16="http://schemas.microsoft.com/office/drawing/2014/main" id="{16EBB1DE-B6B0-4AF3-AB99-D8C84A80047E}"/>
+              </a:ext>
+            </a:extLst>
+          </p:cNvPr>
+          <p:cNvCxnSpPr>
+            <a:cxnSpLocks/>
+          </p:cNvCxnSpPr>
+          <p:nvPr/>
+        </p:nvCxnSpPr>
+        <p:spPr>
+          <a:xfrm flipV="1">
+            <a:off x="5336843" y="3440253"/>
+            <a:ext cx="0" cy="624026"/>
+          </a:xfrm>
+          <a:prstGeom prst="straightConnector1">
+            <a:avLst/>
+          </a:prstGeom>
+          <a:ln w="19050">
+            <a:solidFill>
+              <a:schemeClr val="tx1"/>
+            </a:solidFill>
+            <a:tailEnd type="triangle"/>
+          </a:ln>
+        </p:spPr>
+        <p:style>
+          <a:lnRef idx="1">
+            <a:schemeClr val="accent1"/>
+          </a:lnRef>
+          <a:fillRef idx="0">
+            <a:schemeClr val="accent1"/>
+          </a:fillRef>
+          <a:effectRef idx="0">
+            <a:schemeClr val="accent1"/>
+          </a:effectRef>
+          <a:fontRef idx="minor">
+            <a:schemeClr val="tx1"/>
+          </a:fontRef>
+        </p:style>
+      </p:cxnSp>
+      <p:cxnSp>
+        <p:nvCxnSpPr>
+          <p:cNvPr id="41" name="直接箭头连接符 40">
+            <a:extLst>
+              <a:ext uri="{FF2B5EF4-FFF2-40B4-BE49-F238E27FC236}">
+                <a16:creationId xmlns:a16="http://schemas.microsoft.com/office/drawing/2014/main" id="{BEAA4DDD-F731-4463-83C8-81473B154D99}"/>
+              </a:ext>
+            </a:extLst>
+          </p:cNvPr>
+          <p:cNvCxnSpPr>
+            <a:cxnSpLocks/>
+          </p:cNvCxnSpPr>
+          <p:nvPr/>
+        </p:nvCxnSpPr>
+        <p:spPr>
+          <a:xfrm flipV="1">
+            <a:off x="5331844" y="2105905"/>
+            <a:ext cx="0" cy="729518"/>
+          </a:xfrm>
+          <a:prstGeom prst="straightConnector1">
+            <a:avLst/>
+          </a:prstGeom>
+          <a:ln w="19050">
+            <a:solidFill>
+              <a:schemeClr val="tx1"/>
+            </a:solidFill>
+            <a:tailEnd type="triangle"/>
+          </a:ln>
+        </p:spPr>
+        <p:style>
+          <a:lnRef idx="1">
+            <a:schemeClr val="accent1"/>
+          </a:lnRef>
+          <a:fillRef idx="0">
+            <a:schemeClr val="accent1"/>
+          </a:fillRef>
+          <a:effectRef idx="0">
+            <a:schemeClr val="accent1"/>
+          </a:effectRef>
+          <a:fontRef idx="minor">
+            <a:schemeClr val="tx1"/>
+          </a:fontRef>
+        </p:style>
+      </p:cxnSp>
+      <p:cxnSp>
+        <p:nvCxnSpPr>
+          <p:cNvPr id="43" name="直接箭头连接符 42">
+            <a:extLst>
+              <a:ext uri="{FF2B5EF4-FFF2-40B4-BE49-F238E27FC236}">
+                <a16:creationId xmlns:a16="http://schemas.microsoft.com/office/drawing/2014/main" id="{09B6FCB0-B64D-43DF-BA0D-EEA8FA428B38}"/>
+              </a:ext>
+            </a:extLst>
+          </p:cNvPr>
+          <p:cNvCxnSpPr/>
+          <p:nvPr/>
+        </p:nvCxnSpPr>
+        <p:spPr>
+          <a:xfrm>
+            <a:off x="5968248" y="4931312"/>
+            <a:ext cx="1305930" cy="0"/>
+          </a:xfrm>
+          <a:prstGeom prst="straightConnector1">
+            <a:avLst/>
+          </a:prstGeom>
+          <a:ln w="19050">
+            <a:solidFill>
+              <a:schemeClr val="tx1"/>
+            </a:solidFill>
+            <a:tailEnd type="triangle"/>
+          </a:ln>
+        </p:spPr>
+        <p:style>
+          <a:lnRef idx="1">
+            <a:schemeClr val="accent1"/>
+          </a:lnRef>
+          <a:fillRef idx="0">
+            <a:schemeClr val="accent1"/>
+          </a:fillRef>
+          <a:effectRef idx="0">
+            <a:schemeClr val="accent1"/>
+          </a:effectRef>
+          <a:fontRef idx="minor">
+            <a:schemeClr val="tx1"/>
+          </a:fontRef>
+        </p:style>
+      </p:cxnSp>
+      <p:cxnSp>
+        <p:nvCxnSpPr>
+          <p:cNvPr id="45" name="直接箭头连接符 44">
+            <a:extLst>
+              <a:ext uri="{FF2B5EF4-FFF2-40B4-BE49-F238E27FC236}">
+                <a16:creationId xmlns:a16="http://schemas.microsoft.com/office/drawing/2014/main" id="{3D9D6FD2-DCF8-47D2-9582-82A587CE3E78}"/>
+              </a:ext>
+            </a:extLst>
+          </p:cNvPr>
+          <p:cNvCxnSpPr>
+            <a:stCxn id="14" idx="2"/>
+            <a:endCxn id="13" idx="0"/>
+          </p:cNvCxnSpPr>
+          <p:nvPr/>
+        </p:nvCxnSpPr>
+        <p:spPr>
+          <a:xfrm>
+            <a:off x="8501053" y="2105586"/>
+            <a:ext cx="20035" cy="528829"/>
+          </a:xfrm>
+          <a:prstGeom prst="straightConnector1">
+            <a:avLst/>
+          </a:prstGeom>
+          <a:ln w="19050">
+            <a:solidFill>
+              <a:schemeClr val="tx1"/>
+            </a:solidFill>
+            <a:headEnd type="triangle"/>
+            <a:tailEnd type="triangle"/>
+          </a:ln>
+        </p:spPr>
+        <p:style>
+          <a:lnRef idx="1">
+            <a:schemeClr val="accent1"/>
+          </a:lnRef>
+          <a:fillRef idx="0">
+            <a:schemeClr val="accent1"/>
+          </a:fillRef>
+          <a:effectRef idx="0">
+            <a:schemeClr val="accent1"/>
+          </a:effectRef>
+          <a:fontRef idx="minor">
+            <a:schemeClr val="tx1"/>
+          </a:fontRef>
+        </p:style>
+      </p:cxnSp>
+      <p:sp>
+        <p:nvSpPr>
+          <p:cNvPr id="49" name="文本框 48">
+            <a:extLst>
+              <a:ext uri="{FF2B5EF4-FFF2-40B4-BE49-F238E27FC236}">
+                <a16:creationId xmlns:a16="http://schemas.microsoft.com/office/drawing/2014/main" id="{89D09AA3-B5C6-4D16-B30F-F2DF80323C65}"/>
+              </a:ext>
+            </a:extLst>
+          </p:cNvPr>
+          <p:cNvSpPr txBox="1"/>
+          <p:nvPr/>
+        </p:nvSpPr>
+        <p:spPr>
+          <a:xfrm>
+            <a:off x="2877407" y="3567600"/>
+            <a:ext cx="1222399" cy="369332"/>
+          </a:xfrm>
+          <a:prstGeom prst="rect">
+            <a:avLst/>
+          </a:prstGeom>
+          <a:noFill/>
+        </p:spPr>
+        <p:txBody>
+          <a:bodyPr wrap="square" rtlCol="0">
+            <a:spAutoFit/>
+          </a:bodyPr>
+          <a:lstStyle/>
+          <a:p>
+            <a:r>
+              <a:rPr lang="en-US" altLang="zh-CN" dirty="0"/>
+              <a:t>Trace Info</a:t>
+            </a:r>
+            <a:endParaRPr lang="zh-CN" altLang="en-US" dirty="0"/>
+          </a:p>
+        </p:txBody>
+      </p:sp>
+      <p:sp>
+        <p:nvSpPr>
+          <p:cNvPr id="50" name="文本框 49">
+            <a:extLst>
+              <a:ext uri="{FF2B5EF4-FFF2-40B4-BE49-F238E27FC236}">
+                <a16:creationId xmlns:a16="http://schemas.microsoft.com/office/drawing/2014/main" id="{7FD24A03-F8A2-4D2E-BBC7-12D0F5E9483C}"/>
+              </a:ext>
+            </a:extLst>
+          </p:cNvPr>
+          <p:cNvSpPr txBox="1"/>
+          <p:nvPr/>
+        </p:nvSpPr>
+        <p:spPr>
+          <a:xfrm>
+            <a:off x="5416763" y="3567600"/>
+            <a:ext cx="1124746" cy="369332"/>
+          </a:xfrm>
+          <a:prstGeom prst="rect">
+            <a:avLst/>
+          </a:prstGeom>
+          <a:noFill/>
+        </p:spPr>
+        <p:txBody>
+          <a:bodyPr wrap="square" rtlCol="0">
+            <a:spAutoFit/>
+          </a:bodyPr>
+          <a:lstStyle/>
+          <a:p>
+            <a:r>
+              <a:rPr lang="en-US" altLang="zh-CN" dirty="0"/>
+              <a:t>Log Info</a:t>
+            </a:r>
+            <a:endParaRPr lang="zh-CN" altLang="en-US" dirty="0"/>
+          </a:p>
+        </p:txBody>
+      </p:sp>
+      <p:sp>
+        <p:nvSpPr>
+          <p:cNvPr id="51" name="文本框 50">
+            <a:extLst>
+              <a:ext uri="{FF2B5EF4-FFF2-40B4-BE49-F238E27FC236}">
+                <a16:creationId xmlns:a16="http://schemas.microsoft.com/office/drawing/2014/main" id="{E7885385-CFC4-48A0-B80E-EFE05EFA34DA}"/>
+              </a:ext>
+            </a:extLst>
+          </p:cNvPr>
+          <p:cNvSpPr txBox="1"/>
+          <p:nvPr/>
+        </p:nvSpPr>
+        <p:spPr>
+          <a:xfrm>
+            <a:off x="2857201" y="2285998"/>
+            <a:ext cx="1222399" cy="369332"/>
+          </a:xfrm>
+          <a:prstGeom prst="rect">
+            <a:avLst/>
+          </a:prstGeom>
+          <a:noFill/>
+        </p:spPr>
+        <p:txBody>
+          <a:bodyPr wrap="square" rtlCol="0">
+            <a:spAutoFit/>
+          </a:bodyPr>
+          <a:lstStyle/>
+          <a:p>
+            <a:r>
+              <a:rPr lang="en-US" altLang="zh-CN" dirty="0"/>
+              <a:t>Trace Info</a:t>
+            </a:r>
+            <a:endParaRPr lang="zh-CN" altLang="en-US" dirty="0"/>
+          </a:p>
+        </p:txBody>
+      </p:sp>
+      <p:sp>
+        <p:nvSpPr>
+          <p:cNvPr id="52" name="文本框 51">
+            <a:extLst>
+              <a:ext uri="{FF2B5EF4-FFF2-40B4-BE49-F238E27FC236}">
+                <a16:creationId xmlns:a16="http://schemas.microsoft.com/office/drawing/2014/main" id="{408790E9-0FF0-4B65-8635-FF6B4DFF6779}"/>
+              </a:ext>
+            </a:extLst>
+          </p:cNvPr>
+          <p:cNvSpPr txBox="1"/>
+          <p:nvPr/>
+        </p:nvSpPr>
+        <p:spPr>
+          <a:xfrm>
+            <a:off x="5396557" y="2285998"/>
+            <a:ext cx="1124746" cy="369332"/>
+          </a:xfrm>
+          <a:prstGeom prst="rect">
+            <a:avLst/>
+          </a:prstGeom>
+          <a:noFill/>
+        </p:spPr>
+        <p:txBody>
+          <a:bodyPr wrap="square" rtlCol="0">
+            <a:spAutoFit/>
+          </a:bodyPr>
+          <a:lstStyle/>
+          <a:p>
+            <a:r>
+              <a:rPr lang="en-US" altLang="zh-CN" dirty="0"/>
+              <a:t>Log Info</a:t>
+            </a:r>
+            <a:endParaRPr lang="zh-CN" altLang="en-US" dirty="0"/>
+          </a:p>
+        </p:txBody>
+      </p:sp>
+      <p:sp>
+        <p:nvSpPr>
+          <p:cNvPr id="53" name="文本框 52">
+            <a:extLst>
+              <a:ext uri="{FF2B5EF4-FFF2-40B4-BE49-F238E27FC236}">
+                <a16:creationId xmlns:a16="http://schemas.microsoft.com/office/drawing/2014/main" id="{171E5F08-B0FB-44CA-AFF4-D223E4DEB564}"/>
+              </a:ext>
+            </a:extLst>
+          </p:cNvPr>
+          <p:cNvSpPr txBox="1"/>
+          <p:nvPr/>
+        </p:nvSpPr>
+        <p:spPr>
+          <a:xfrm>
+            <a:off x="5948213" y="4909680"/>
+            <a:ext cx="1305930" cy="369332"/>
+          </a:xfrm>
+          <a:prstGeom prst="rect">
+            <a:avLst/>
+          </a:prstGeom>
+          <a:noFill/>
+        </p:spPr>
+        <p:txBody>
+          <a:bodyPr wrap="square" rtlCol="0">
+            <a:spAutoFit/>
+          </a:bodyPr>
+          <a:lstStyle/>
+          <a:p>
+            <a:r>
+              <a:rPr lang="en-US" altLang="zh-CN" dirty="0"/>
+              <a:t>Cluster Info</a:t>
+            </a:r>
+            <a:endParaRPr lang="zh-CN" altLang="en-US" dirty="0"/>
+          </a:p>
+        </p:txBody>
+      </p:sp>
+      <p:cxnSp>
+        <p:nvCxnSpPr>
+          <p:cNvPr id="69" name="连接符: 肘形 68">
+            <a:extLst>
+              <a:ext uri="{FF2B5EF4-FFF2-40B4-BE49-F238E27FC236}">
+                <a16:creationId xmlns:a16="http://schemas.microsoft.com/office/drawing/2014/main" id="{780E92B6-D590-4493-9E51-0566A28BF274}"/>
+              </a:ext>
+            </a:extLst>
+          </p:cNvPr>
+          <p:cNvCxnSpPr>
+            <a:stCxn id="13" idx="1"/>
+            <a:endCxn id="12" idx="3"/>
+          </p:cNvCxnSpPr>
+          <p:nvPr/>
+        </p:nvCxnSpPr>
+        <p:spPr>
+          <a:xfrm rot="10800000">
+            <a:off x="5968248" y="1866220"/>
+            <a:ext cx="1305930" cy="2152172"/>
+          </a:xfrm>
+          <a:prstGeom prst="bentConnector3">
+            <a:avLst>
+              <a:gd name="adj1" fmla="val 67289"/>
+            </a:avLst>
+          </a:prstGeom>
+          <a:ln w="19050">
+            <a:solidFill>
+              <a:schemeClr val="tx1"/>
+            </a:solidFill>
+            <a:tailEnd type="triangle"/>
+          </a:ln>
+        </p:spPr>
+        <p:style>
+          <a:lnRef idx="1">
+            <a:schemeClr val="accent1"/>
+          </a:lnRef>
+          <a:fillRef idx="0">
+            <a:schemeClr val="accent1"/>
+          </a:fillRef>
+          <a:effectRef idx="0">
+            <a:schemeClr val="accent1"/>
+          </a:effectRef>
+          <a:fontRef idx="minor">
+            <a:schemeClr val="tx1"/>
+          </a:fontRef>
+        </p:style>
+      </p:cxnSp>
+      <p:cxnSp>
+        <p:nvCxnSpPr>
+          <p:cNvPr id="71" name="连接符: 肘形 70">
+            <a:extLst>
+              <a:ext uri="{FF2B5EF4-FFF2-40B4-BE49-F238E27FC236}">
+                <a16:creationId xmlns:a16="http://schemas.microsoft.com/office/drawing/2014/main" id="{D970E459-B026-4259-8FE6-97BC85D4F00D}"/>
+              </a:ext>
+            </a:extLst>
+          </p:cNvPr>
+          <p:cNvCxnSpPr>
+            <a:stCxn id="12" idx="0"/>
+          </p:cNvCxnSpPr>
+          <p:nvPr/>
+        </p:nvCxnSpPr>
+        <p:spPr>
+          <a:xfrm rot="16200000" flipH="1">
+            <a:off x="5275583" y="1078756"/>
+            <a:ext cx="1439185" cy="2547675"/>
+          </a:xfrm>
+          <a:prstGeom prst="bentConnector4">
+            <a:avLst>
+              <a:gd name="adj1" fmla="val -15884"/>
+              <a:gd name="adj2" fmla="val 89538"/>
+            </a:avLst>
+          </a:prstGeom>
+          <a:ln w="19050">
+            <a:solidFill>
+              <a:schemeClr val="tx1"/>
+            </a:solidFill>
+            <a:tailEnd type="triangle"/>
+          </a:ln>
+        </p:spPr>
+        <p:style>
+          <a:lnRef idx="1">
+            <a:schemeClr val="accent1"/>
+          </a:lnRef>
+          <a:fillRef idx="0">
+            <a:schemeClr val="accent1"/>
+          </a:fillRef>
+          <a:effectRef idx="0">
+            <a:schemeClr val="accent1"/>
+          </a:effectRef>
+          <a:fontRef idx="minor">
+            <a:schemeClr val="tx1"/>
+          </a:fontRef>
+        </p:style>
+      </p:cxnSp>
+      <p:sp>
+        <p:nvSpPr>
+          <p:cNvPr id="73" name="文本框 72">
+            <a:extLst>
+              <a:ext uri="{FF2B5EF4-FFF2-40B4-BE49-F238E27FC236}">
+                <a16:creationId xmlns:a16="http://schemas.microsoft.com/office/drawing/2014/main" id="{4DB7120F-D915-41EE-82C9-83F0700FD688}"/>
+              </a:ext>
+            </a:extLst>
+          </p:cNvPr>
+          <p:cNvSpPr txBox="1"/>
+          <p:nvPr/>
+        </p:nvSpPr>
+        <p:spPr>
+          <a:xfrm>
+            <a:off x="4748266" y="958020"/>
+            <a:ext cx="2493819" cy="369332"/>
+          </a:xfrm>
+          <a:prstGeom prst="rect">
+            <a:avLst/>
+          </a:prstGeom>
+          <a:noFill/>
+        </p:spPr>
+        <p:txBody>
+          <a:bodyPr wrap="square" rtlCol="0">
+            <a:spAutoFit/>
+          </a:bodyPr>
+          <a:lstStyle/>
+          <a:p>
+            <a:r>
+              <a:rPr lang="en-US" altLang="zh-CN" dirty="0"/>
+              <a:t>Trace, Log, Cluster Info</a:t>
+            </a:r>
+            <a:endParaRPr lang="zh-CN" altLang="en-US" dirty="0"/>
+          </a:p>
+        </p:txBody>
+      </p:sp>
+      <p:sp>
+        <p:nvSpPr>
+          <p:cNvPr id="76" name="文本框 75">
+            <a:extLst>
+              <a:ext uri="{FF2B5EF4-FFF2-40B4-BE49-F238E27FC236}">
+                <a16:creationId xmlns:a16="http://schemas.microsoft.com/office/drawing/2014/main" id="{0FB501FB-3F7C-4D96-9E76-3111D34BD7E7}"/>
+              </a:ext>
+            </a:extLst>
+          </p:cNvPr>
+          <p:cNvSpPr txBox="1"/>
+          <p:nvPr/>
+        </p:nvSpPr>
+        <p:spPr>
+          <a:xfrm>
+            <a:off x="6327887" y="2174029"/>
+            <a:ext cx="461665" cy="1309854"/>
+          </a:xfrm>
+          <a:prstGeom prst="rect">
+            <a:avLst/>
+          </a:prstGeom>
+          <a:noFill/>
+        </p:spPr>
+        <p:txBody>
+          <a:bodyPr vert="vert270" wrap="square" rtlCol="0" anchor="ctr" anchorCtr="0">
+            <a:spAutoFit/>
+          </a:bodyPr>
+          <a:lstStyle/>
+          <a:p>
+            <a:r>
+              <a:rPr lang="en-US" altLang="zh-CN" dirty="0"/>
+              <a:t>Cluster</a:t>
+            </a:r>
+            <a:r>
+              <a:rPr lang="en-US" altLang="zh-CN" sz="1600" dirty="0">
+                <a:latin typeface="Arial Rounded MT Bold" panose="020F0704030504030204" pitchFamily="34" charset="0"/>
+              </a:rPr>
+              <a:t> </a:t>
+            </a:r>
+            <a:r>
+              <a:rPr lang="en-US" altLang="zh-CN" dirty="0"/>
+              <a:t>Info</a:t>
+            </a:r>
+            <a:endParaRPr lang="zh-CN" altLang="en-US" dirty="0"/>
+          </a:p>
+        </p:txBody>
+      </p:sp>
+    </p:spTree>
+    <p:extLst>
+      <p:ext uri="{BB962C8B-B14F-4D97-AF65-F5344CB8AC3E}">
+        <p14:creationId xmlns:p14="http://schemas.microsoft.com/office/powerpoint/2010/main" val="3219040199"/>
+      </p:ext>
+    </p:extLst>
+  </p:cSld>
+  <p:clrMapOvr>
+    <a:masterClrMapping/>
+  </p:clrMapOvr>
+</p:sld>
+</file>
+
+<file path=ppt/slides/slide2.xml><?xml version="1.0" encoding="utf-8"?>
 <p:sld xmlns:a="http://schemas.openxmlformats.org/drawingml/2006/main" xmlns:r="http://schemas.openxmlformats.org/officeDocument/2006/relationships" xmlns:p="http://schemas.openxmlformats.org/presentationml/2006/main">
   <p:cSld>
     <p:spTree>
@@ -8065,7 +9497,7 @@
     </p:spTree>
     <p:extLst>
       <p:ext uri="{BB962C8B-B14F-4D97-AF65-F5344CB8AC3E}">
-        <p14:creationId xmlns:p14="http://schemas.microsoft.com/office/powerpoint/2010/main" val="2976283779"/>
+        <p14:creationId xmlns:p14="http://schemas.microsoft.com/office/powerpoint/2010/main" val="3626713701"/>
       </p:ext>
     </p:extLst>
   </p:cSld>
@@ -8075,7 +9507,7 @@
 </p:sld>
 </file>
 
-<file path=ppt/slides/slide2.xml><?xml version="1.0" encoding="utf-8"?>
+<file path=ppt/slides/slide3.xml><?xml version="1.0" encoding="utf-8"?>
 <p:sld xmlns:a="http://schemas.openxmlformats.org/drawingml/2006/main" xmlns:r="http://schemas.openxmlformats.org/officeDocument/2006/relationships" xmlns:p="http://schemas.openxmlformats.org/presentationml/2006/main">
   <p:cSld>
     <p:spTree>

--- a/architecture.pptx
+++ b/architecture.pptx
@@ -8,6 +8,7 @@
     <p:sldId id="259" r:id="rId2"/>
     <p:sldId id="258" r:id="rId3"/>
     <p:sldId id="256" r:id="rId4"/>
+    <p:sldId id="261" r:id="rId5"/>
   </p:sldIdLst>
   <p:sldSz cx="12192000" cy="6858000"/>
   <p:notesSz cx="6858000" cy="9144000"/>
@@ -261,7 +262,7 @@
           <a:p>
             <a:fld id="{474C422C-BDF9-41D1-A812-954CCA4F011F}" type="datetimeFigureOut">
               <a:rPr lang="zh-CN" altLang="en-US" smtClean="0"/>
-              <a:t>2018/8/26</a:t>
+              <a:t>2018/8/27</a:t>
             </a:fld>
             <a:endParaRPr lang="zh-CN" altLang="en-US"/>
           </a:p>
@@ -459,7 +460,7 @@
           <a:p>
             <a:fld id="{474C422C-BDF9-41D1-A812-954CCA4F011F}" type="datetimeFigureOut">
               <a:rPr lang="zh-CN" altLang="en-US" smtClean="0"/>
-              <a:t>2018/8/26</a:t>
+              <a:t>2018/8/27</a:t>
             </a:fld>
             <a:endParaRPr lang="zh-CN" altLang="en-US"/>
           </a:p>
@@ -667,7 +668,7 @@
           <a:p>
             <a:fld id="{474C422C-BDF9-41D1-A812-954CCA4F011F}" type="datetimeFigureOut">
               <a:rPr lang="zh-CN" altLang="en-US" smtClean="0"/>
-              <a:t>2018/8/26</a:t>
+              <a:t>2018/8/27</a:t>
             </a:fld>
             <a:endParaRPr lang="zh-CN" altLang="en-US"/>
           </a:p>
@@ -865,7 +866,7 @@
           <a:p>
             <a:fld id="{474C422C-BDF9-41D1-A812-954CCA4F011F}" type="datetimeFigureOut">
               <a:rPr lang="zh-CN" altLang="en-US" smtClean="0"/>
-              <a:t>2018/8/26</a:t>
+              <a:t>2018/8/27</a:t>
             </a:fld>
             <a:endParaRPr lang="zh-CN" altLang="en-US"/>
           </a:p>
@@ -1140,7 +1141,7 @@
           <a:p>
             <a:fld id="{474C422C-BDF9-41D1-A812-954CCA4F011F}" type="datetimeFigureOut">
               <a:rPr lang="zh-CN" altLang="en-US" smtClean="0"/>
-              <a:t>2018/8/26</a:t>
+              <a:t>2018/8/27</a:t>
             </a:fld>
             <a:endParaRPr lang="zh-CN" altLang="en-US"/>
           </a:p>
@@ -1405,7 +1406,7 @@
           <a:p>
             <a:fld id="{474C422C-BDF9-41D1-A812-954CCA4F011F}" type="datetimeFigureOut">
               <a:rPr lang="zh-CN" altLang="en-US" smtClean="0"/>
-              <a:t>2018/8/26</a:t>
+              <a:t>2018/8/27</a:t>
             </a:fld>
             <a:endParaRPr lang="zh-CN" altLang="en-US"/>
           </a:p>
@@ -1817,7 +1818,7 @@
           <a:p>
             <a:fld id="{474C422C-BDF9-41D1-A812-954CCA4F011F}" type="datetimeFigureOut">
               <a:rPr lang="zh-CN" altLang="en-US" smtClean="0"/>
-              <a:t>2018/8/26</a:t>
+              <a:t>2018/8/27</a:t>
             </a:fld>
             <a:endParaRPr lang="zh-CN" altLang="en-US"/>
           </a:p>
@@ -1958,7 +1959,7 @@
           <a:p>
             <a:fld id="{474C422C-BDF9-41D1-A812-954CCA4F011F}" type="datetimeFigureOut">
               <a:rPr lang="zh-CN" altLang="en-US" smtClean="0"/>
-              <a:t>2018/8/26</a:t>
+              <a:t>2018/8/27</a:t>
             </a:fld>
             <a:endParaRPr lang="zh-CN" altLang="en-US"/>
           </a:p>
@@ -2071,7 +2072,7 @@
           <a:p>
             <a:fld id="{474C422C-BDF9-41D1-A812-954CCA4F011F}" type="datetimeFigureOut">
               <a:rPr lang="zh-CN" altLang="en-US" smtClean="0"/>
-              <a:t>2018/8/26</a:t>
+              <a:t>2018/8/27</a:t>
             </a:fld>
             <a:endParaRPr lang="zh-CN" altLang="en-US"/>
           </a:p>
@@ -2382,7 +2383,7 @@
           <a:p>
             <a:fld id="{474C422C-BDF9-41D1-A812-954CCA4F011F}" type="datetimeFigureOut">
               <a:rPr lang="zh-CN" altLang="en-US" smtClean="0"/>
-              <a:t>2018/8/26</a:t>
+              <a:t>2018/8/27</a:t>
             </a:fld>
             <a:endParaRPr lang="zh-CN" altLang="en-US"/>
           </a:p>
@@ -2670,7 +2671,7 @@
           <a:p>
             <a:fld id="{474C422C-BDF9-41D1-A812-954CCA4F011F}" type="datetimeFigureOut">
               <a:rPr lang="zh-CN" altLang="en-US" smtClean="0"/>
-              <a:t>2018/8/26</a:t>
+              <a:t>2018/8/27</a:t>
             </a:fld>
             <a:endParaRPr lang="zh-CN" altLang="en-US"/>
           </a:p>
@@ -2911,7 +2912,7 @@
           <a:p>
             <a:fld id="{474C422C-BDF9-41D1-A812-954CCA4F011F}" type="datetimeFigureOut">
               <a:rPr lang="zh-CN" altLang="en-US" smtClean="0"/>
-              <a:t>2018/8/26</a:t>
+              <a:t>2018/8/27</a:t>
             </a:fld>
             <a:endParaRPr lang="zh-CN" altLang="en-US"/>
           </a:p>
@@ -5181,22 +5182,10 @@
               <a:lstStyle/>
               <a:p>
                 <a:r>
-                  <a:rPr lang="en-US" altLang="zh-CN" sz="600" dirty="0" err="1">
-                    <a:latin typeface="Arial Rounded MT Bold" panose="020F0704030504030204" pitchFamily="34" charset="0"/>
-                  </a:rPr>
-                  <a:t>Filebeat</a:t>
-                </a:r>
-                <a:r>
                   <a:rPr lang="en-US" altLang="zh-CN" sz="600" dirty="0">
                     <a:latin typeface="Arial Rounded MT Bold" panose="020F0704030504030204" pitchFamily="34" charset="0"/>
                   </a:rPr>
-                  <a:t> as </a:t>
-                </a:r>
-                <a:r>
-                  <a:rPr lang="en-US" altLang="zh-CN" sz="600" dirty="0" err="1">
-                    <a:latin typeface="Arial Rounded MT Bold" panose="020F0704030504030204" pitchFamily="34" charset="0"/>
-                  </a:rPr>
-                  <a:t>DaemonSet</a:t>
+                  <a:t>Filebeat as DaemonSet</a:t>
                 </a:r>
                 <a:endParaRPr lang="zh-CN" altLang="en-US" sz="600" dirty="0">
                   <a:latin typeface="Arial Rounded MT Bold" panose="020F0704030504030204" pitchFamily="34" charset="0"/>
@@ -5604,7 +5593,7 @@
                     <p:nvPr/>
                   </p:nvPicPr>
                   <p:blipFill>
-                    <a:blip r:embed="rId3">
+                    <a:blip r:embed="rId3" cstate="hqprint">
                       <a:extLst>
                         <a:ext uri="{28A0092B-C50C-407E-A947-70E740481C1C}">
                           <a14:useLocalDpi xmlns:a14="http://schemas.microsoft.com/office/drawing/2010/main" val="0"/>
@@ -5640,7 +5629,7 @@
                     <p:nvPr/>
                   </p:nvPicPr>
                   <p:blipFill>
-                    <a:blip r:embed="rId4">
+                    <a:blip r:embed="rId4" cstate="hqprint">
                       <a:extLst>
                         <a:ext uri="{28A0092B-C50C-407E-A947-70E740481C1C}">
                           <a14:useLocalDpi xmlns:a14="http://schemas.microsoft.com/office/drawing/2010/main" val="0"/>
@@ -6068,7 +6057,7 @@
                     <p:nvPr/>
                   </p:nvPicPr>
                   <p:blipFill>
-                    <a:blip r:embed="rId3">
+                    <a:blip r:embed="rId3" cstate="hqprint">
                       <a:extLst>
                         <a:ext uri="{28A0092B-C50C-407E-A947-70E740481C1C}">
                           <a14:useLocalDpi xmlns:a14="http://schemas.microsoft.com/office/drawing/2010/main" val="0"/>
@@ -6104,7 +6093,7 @@
                     <p:nvPr/>
                   </p:nvPicPr>
                   <p:blipFill>
-                    <a:blip r:embed="rId4">
+                    <a:blip r:embed="rId4" cstate="hqprint">
                       <a:extLst>
                         <a:ext uri="{28A0092B-C50C-407E-A947-70E740481C1C}">
                           <a14:useLocalDpi xmlns:a14="http://schemas.microsoft.com/office/drawing/2010/main" val="0"/>
@@ -6540,22 +6529,10 @@
               <a:lstStyle/>
               <a:p>
                 <a:r>
-                  <a:rPr lang="en-US" altLang="zh-CN" sz="600" dirty="0" err="1">
-                    <a:latin typeface="Arial Rounded MT Bold" panose="020F0704030504030204" pitchFamily="34" charset="0"/>
-                  </a:rPr>
-                  <a:t>Filebeat</a:t>
-                </a:r>
-                <a:r>
                   <a:rPr lang="en-US" altLang="zh-CN" sz="600" dirty="0">
                     <a:latin typeface="Arial Rounded MT Bold" panose="020F0704030504030204" pitchFamily="34" charset="0"/>
                   </a:rPr>
-                  <a:t> as </a:t>
-                </a:r>
-                <a:r>
-                  <a:rPr lang="en-US" altLang="zh-CN" sz="600" dirty="0" err="1">
-                    <a:latin typeface="Arial Rounded MT Bold" panose="020F0704030504030204" pitchFamily="34" charset="0"/>
-                  </a:rPr>
-                  <a:t>DaemonSet</a:t>
+                  <a:t>Filebeat as DaemonSet</a:t>
                 </a:r>
                 <a:endParaRPr lang="zh-CN" altLang="en-US" sz="600" dirty="0">
                   <a:latin typeface="Arial Rounded MT Bold" panose="020F0704030504030204" pitchFamily="34" charset="0"/>
@@ -6963,7 +6940,7 @@
                     <p:nvPr/>
                   </p:nvPicPr>
                   <p:blipFill>
-                    <a:blip r:embed="rId3">
+                    <a:blip r:embed="rId3" cstate="hqprint">
                       <a:extLst>
                         <a:ext uri="{28A0092B-C50C-407E-A947-70E740481C1C}">
                           <a14:useLocalDpi xmlns:a14="http://schemas.microsoft.com/office/drawing/2010/main" val="0"/>
@@ -6999,7 +6976,7 @@
                     <p:nvPr/>
                   </p:nvPicPr>
                   <p:blipFill>
-                    <a:blip r:embed="rId4">
+                    <a:blip r:embed="rId4" cstate="hqprint">
                       <a:extLst>
                         <a:ext uri="{28A0092B-C50C-407E-A947-70E740481C1C}">
                           <a14:useLocalDpi xmlns:a14="http://schemas.microsoft.com/office/drawing/2010/main" val="0"/>
@@ -7427,7 +7404,7 @@
                     <p:nvPr/>
                   </p:nvPicPr>
                   <p:blipFill>
-                    <a:blip r:embed="rId3">
+                    <a:blip r:embed="rId3" cstate="hqprint">
                       <a:extLst>
                         <a:ext uri="{28A0092B-C50C-407E-A947-70E740481C1C}">
                           <a14:useLocalDpi xmlns:a14="http://schemas.microsoft.com/office/drawing/2010/main" val="0"/>
@@ -7463,7 +7440,7 @@
                     <p:nvPr/>
                   </p:nvPicPr>
                   <p:blipFill>
-                    <a:blip r:embed="rId4">
+                    <a:blip r:embed="rId4" cstate="hqprint">
                       <a:extLst>
                         <a:ext uri="{28A0092B-C50C-407E-A947-70E740481C1C}">
                           <a14:useLocalDpi xmlns:a14="http://schemas.microsoft.com/office/drawing/2010/main" val="0"/>
@@ -7821,7 +7798,7 @@
             <p:nvPr/>
           </p:nvPicPr>
           <p:blipFill>
-            <a:blip r:embed="rId6">
+            <a:blip r:embed="rId6" cstate="hqprint">
               <a:extLst>
                 <a:ext uri="{28A0092B-C50C-407E-A947-70E740481C1C}">
                   <a14:useLocalDpi xmlns:a14="http://schemas.microsoft.com/office/drawing/2010/main" val="0"/>
@@ -8682,13 +8659,7 @@
               <a:rPr lang="en-US" altLang="zh-CN" sz="1600" dirty="0">
                 <a:latin typeface="Arial Rounded MT Bold" panose="020F0704030504030204" pitchFamily="34" charset="0"/>
               </a:rPr>
-              <a:t>Customized </a:t>
-            </a:r>
-            <a:r>
-              <a:rPr lang="en-US" altLang="zh-CN" sz="1600" dirty="0" err="1">
-                <a:latin typeface="Arial Rounded MT Bold" panose="020F0704030504030204" pitchFamily="34" charset="0"/>
-              </a:rPr>
-              <a:t>Zipkin</a:t>
+              <a:t>Customized Zipkin</a:t>
             </a:r>
             <a:endParaRPr lang="zh-CN" altLang="en-US" sz="1600" dirty="0">
               <a:latin typeface="Arial Rounded MT Bold" panose="020F0704030504030204" pitchFamily="34" charset="0"/>
@@ -9089,20 +9060,12 @@
             <a:p>
               <a:pPr algn="ctr"/>
               <a:r>
-                <a:rPr lang="en-US" altLang="zh-CN" sz="900" dirty="0" err="1">
-                  <a:solidFill>
-                    <a:schemeClr val="tx1"/>
-                  </a:solidFill>
-                </a:rPr>
-                <a:t>zipkin</a:t>
-              </a:r>
-              <a:r>
                 <a:rPr lang="en-US" altLang="zh-CN" sz="900" dirty="0">
                   <a:solidFill>
                     <a:schemeClr val="tx1"/>
                   </a:solidFill>
                 </a:rPr>
-                <a:t>-server</a:t>
+                <a:t>zipkin-server</a:t>
               </a:r>
               <a:endParaRPr lang="zh-CN" altLang="en-US" sz="900" dirty="0">
                 <a:solidFill>
@@ -9946,22 +9909,10 @@
               <a:lstStyle/>
               <a:p>
                 <a:r>
-                  <a:rPr lang="en-US" altLang="zh-CN" sz="600" dirty="0" err="1">
-                    <a:latin typeface="Arial Rounded MT Bold" panose="020F0704030504030204" pitchFamily="34" charset="0"/>
-                  </a:rPr>
-                  <a:t>Filebeat</a:t>
-                </a:r>
-                <a:r>
                   <a:rPr lang="en-US" altLang="zh-CN" sz="600" dirty="0">
                     <a:latin typeface="Arial Rounded MT Bold" panose="020F0704030504030204" pitchFamily="34" charset="0"/>
                   </a:rPr>
-                  <a:t> as </a:t>
-                </a:r>
-                <a:r>
-                  <a:rPr lang="en-US" altLang="zh-CN" sz="600" dirty="0" err="1">
-                    <a:latin typeface="Arial Rounded MT Bold" panose="020F0704030504030204" pitchFamily="34" charset="0"/>
-                  </a:rPr>
-                  <a:t>DaemonSet</a:t>
+                  <a:t>Filebeat as DaemonSet</a:t>
                 </a:r>
                 <a:endParaRPr lang="zh-CN" altLang="en-US" sz="600" dirty="0">
                   <a:latin typeface="Arial Rounded MT Bold" panose="020F0704030504030204" pitchFamily="34" charset="0"/>
@@ -10369,7 +10320,7 @@
                     <p:nvPr/>
                   </p:nvPicPr>
                   <p:blipFill>
-                    <a:blip r:embed="rId3">
+                    <a:blip r:embed="rId3" cstate="hqprint">
                       <a:extLst>
                         <a:ext uri="{28A0092B-C50C-407E-A947-70E740481C1C}">
                           <a14:useLocalDpi xmlns:a14="http://schemas.microsoft.com/office/drawing/2010/main" val="0"/>
@@ -10405,7 +10356,7 @@
                     <p:nvPr/>
                   </p:nvPicPr>
                   <p:blipFill>
-                    <a:blip r:embed="rId4">
+                    <a:blip r:embed="rId4" cstate="hqprint">
                       <a:extLst>
                         <a:ext uri="{28A0092B-C50C-407E-A947-70E740481C1C}">
                           <a14:useLocalDpi xmlns:a14="http://schemas.microsoft.com/office/drawing/2010/main" val="0"/>
@@ -10833,7 +10784,7 @@
                     <p:nvPr/>
                   </p:nvPicPr>
                   <p:blipFill>
-                    <a:blip r:embed="rId3">
+                    <a:blip r:embed="rId3" cstate="hqprint">
                       <a:extLst>
                         <a:ext uri="{28A0092B-C50C-407E-A947-70E740481C1C}">
                           <a14:useLocalDpi xmlns:a14="http://schemas.microsoft.com/office/drawing/2010/main" val="0"/>
@@ -10869,7 +10820,7 @@
                     <p:nvPr/>
                   </p:nvPicPr>
                   <p:blipFill>
-                    <a:blip r:embed="rId4">
+                    <a:blip r:embed="rId4" cstate="hqprint">
                       <a:extLst>
                         <a:ext uri="{28A0092B-C50C-407E-A947-70E740481C1C}">
                           <a14:useLocalDpi xmlns:a14="http://schemas.microsoft.com/office/drawing/2010/main" val="0"/>
@@ -11305,22 +11256,10 @@
               <a:lstStyle/>
               <a:p>
                 <a:r>
-                  <a:rPr lang="en-US" altLang="zh-CN" sz="600" dirty="0" err="1">
-                    <a:latin typeface="Arial Rounded MT Bold" panose="020F0704030504030204" pitchFamily="34" charset="0"/>
-                  </a:rPr>
-                  <a:t>Filebeat</a:t>
-                </a:r>
-                <a:r>
                   <a:rPr lang="en-US" altLang="zh-CN" sz="600" dirty="0">
                     <a:latin typeface="Arial Rounded MT Bold" panose="020F0704030504030204" pitchFamily="34" charset="0"/>
                   </a:rPr>
-                  <a:t> as </a:t>
-                </a:r>
-                <a:r>
-                  <a:rPr lang="en-US" altLang="zh-CN" sz="600" dirty="0" err="1">
-                    <a:latin typeface="Arial Rounded MT Bold" panose="020F0704030504030204" pitchFamily="34" charset="0"/>
-                  </a:rPr>
-                  <a:t>DaemonSet</a:t>
+                  <a:t>Filebeat as DaemonSet</a:t>
                 </a:r>
                 <a:endParaRPr lang="zh-CN" altLang="en-US" sz="600" dirty="0">
                   <a:latin typeface="Arial Rounded MT Bold" panose="020F0704030504030204" pitchFamily="34" charset="0"/>
@@ -11728,7 +11667,7 @@
                     <p:nvPr/>
                   </p:nvPicPr>
                   <p:blipFill>
-                    <a:blip r:embed="rId3">
+                    <a:blip r:embed="rId3" cstate="hqprint">
                       <a:extLst>
                         <a:ext uri="{28A0092B-C50C-407E-A947-70E740481C1C}">
                           <a14:useLocalDpi xmlns:a14="http://schemas.microsoft.com/office/drawing/2010/main" val="0"/>
@@ -11764,7 +11703,7 @@
                     <p:nvPr/>
                   </p:nvPicPr>
                   <p:blipFill>
-                    <a:blip r:embed="rId4">
+                    <a:blip r:embed="rId4" cstate="hqprint">
                       <a:extLst>
                         <a:ext uri="{28A0092B-C50C-407E-A947-70E740481C1C}">
                           <a14:useLocalDpi xmlns:a14="http://schemas.microsoft.com/office/drawing/2010/main" val="0"/>
@@ -12192,7 +12131,7 @@
                     <p:nvPr/>
                   </p:nvPicPr>
                   <p:blipFill>
-                    <a:blip r:embed="rId3">
+                    <a:blip r:embed="rId3" cstate="hqprint">
                       <a:extLst>
                         <a:ext uri="{28A0092B-C50C-407E-A947-70E740481C1C}">
                           <a14:useLocalDpi xmlns:a14="http://schemas.microsoft.com/office/drawing/2010/main" val="0"/>
@@ -12228,7 +12167,7 @@
                     <p:nvPr/>
                   </p:nvPicPr>
                   <p:blipFill>
-                    <a:blip r:embed="rId4">
+                    <a:blip r:embed="rId4" cstate="hqprint">
                       <a:extLst>
                         <a:ext uri="{28A0092B-C50C-407E-A947-70E740481C1C}">
                           <a14:useLocalDpi xmlns:a14="http://schemas.microsoft.com/office/drawing/2010/main" val="0"/>
@@ -12598,7 +12537,7 @@
             <p:nvPr/>
           </p:nvPicPr>
           <p:blipFill>
-            <a:blip r:embed="rId6">
+            <a:blip r:embed="rId6" cstate="hqprint">
               <a:extLst>
                 <a:ext uri="{28A0092B-C50C-407E-A947-70E740481C1C}">
                   <a14:useLocalDpi xmlns:a14="http://schemas.microsoft.com/office/drawing/2010/main" val="0"/>
@@ -13477,13 +13416,7 @@
               <a:rPr lang="en-US" altLang="zh-CN" sz="1600" dirty="0">
                 <a:latin typeface="Arial Rounded MT Bold" panose="020F0704030504030204" pitchFamily="34" charset="0"/>
               </a:rPr>
-              <a:t>Customized </a:t>
-            </a:r>
-            <a:r>
-              <a:rPr lang="en-US" altLang="zh-CN" sz="1600" dirty="0" err="1">
-                <a:latin typeface="Arial Rounded MT Bold" panose="020F0704030504030204" pitchFamily="34" charset="0"/>
-              </a:rPr>
-              <a:t>Zipkin</a:t>
+              <a:t>Customized Zipkin</a:t>
             </a:r>
             <a:endParaRPr lang="zh-CN" altLang="en-US" sz="1600" dirty="0">
               <a:latin typeface="Arial Rounded MT Bold" panose="020F0704030504030204" pitchFamily="34" charset="0"/>
@@ -13908,20 +13841,12 @@
             <a:p>
               <a:pPr algn="ctr"/>
               <a:r>
-                <a:rPr lang="en-US" altLang="zh-CN" sz="900" dirty="0" err="1">
-                  <a:solidFill>
-                    <a:schemeClr val="tx1"/>
-                  </a:solidFill>
-                </a:rPr>
-                <a:t>zipkin</a:t>
-              </a:r>
-              <a:r>
                 <a:rPr lang="en-US" altLang="zh-CN" sz="900" dirty="0">
                   <a:solidFill>
                     <a:schemeClr val="tx1"/>
                   </a:solidFill>
                 </a:rPr>
-                <a:t>-server</a:t>
+                <a:t>zipkin-server</a:t>
               </a:r>
               <a:endParaRPr lang="zh-CN" altLang="en-US" sz="900" dirty="0">
                 <a:solidFill>
@@ -14321,6 +14246,3411 @@
 </p:sld>
 </file>
 
+<file path=ppt/slides/slide4.xml><?xml version="1.0" encoding="utf-8"?>
+<p:sld xmlns:a="http://schemas.openxmlformats.org/drawingml/2006/main" xmlns:r="http://schemas.openxmlformats.org/officeDocument/2006/relationships" xmlns:p="http://schemas.openxmlformats.org/presentationml/2006/main">
+  <p:cSld>
+    <p:spTree>
+      <p:nvGrpSpPr>
+        <p:cNvPr id="1" name=""/>
+        <p:cNvGrpSpPr/>
+        <p:nvPr/>
+      </p:nvGrpSpPr>
+      <p:grpSpPr>
+        <a:xfrm>
+          <a:off x="0" y="0"/>
+          <a:ext cx="0" cy="0"/>
+          <a:chOff x="0" y="0"/>
+          <a:chExt cx="0" cy="0"/>
+        </a:xfrm>
+      </p:grpSpPr>
+      <p:grpSp>
+        <p:nvGrpSpPr>
+          <p:cNvPr id="129" name="组合 128"/>
+          <p:cNvGrpSpPr/>
+          <p:nvPr/>
+        </p:nvGrpSpPr>
+        <p:grpSpPr>
+          <a:xfrm>
+            <a:off x="1433253" y="400172"/>
+            <a:ext cx="3933247" cy="5340344"/>
+            <a:chOff x="1433253" y="400172"/>
+            <a:chExt cx="3933247" cy="5340344"/>
+          </a:xfrm>
+        </p:grpSpPr>
+        <p:sp>
+          <p:nvSpPr>
+            <p:cNvPr id="4" name="矩形 3">
+              <a:extLst>
+                <a:ext uri="{FF2B5EF4-FFF2-40B4-BE49-F238E27FC236}">
+                  <a16:creationId xmlns:a16="http://schemas.microsoft.com/office/drawing/2014/main" id="{CD5B3467-2AD4-4D80-88E3-5CBBC71DDD47}"/>
+                </a:ext>
+              </a:extLst>
+            </p:cNvPr>
+            <p:cNvSpPr/>
+            <p:nvPr/>
+          </p:nvSpPr>
+          <p:spPr>
+            <a:xfrm>
+              <a:off x="1433253" y="400172"/>
+              <a:ext cx="3933247" cy="5340344"/>
+            </a:xfrm>
+            <a:prstGeom prst="rect">
+              <a:avLst/>
+            </a:prstGeom>
+            <a:noFill/>
+            <a:ln w="19050">
+              <a:solidFill>
+                <a:schemeClr val="tx1"/>
+              </a:solidFill>
+            </a:ln>
+          </p:spPr>
+          <p:style>
+            <a:lnRef idx="2">
+              <a:schemeClr val="accent1">
+                <a:shade val="50000"/>
+              </a:schemeClr>
+            </a:lnRef>
+            <a:fillRef idx="1">
+              <a:schemeClr val="accent1"/>
+            </a:fillRef>
+            <a:effectRef idx="0">
+              <a:schemeClr val="accent1"/>
+            </a:effectRef>
+            <a:fontRef idx="minor">
+              <a:schemeClr val="lt1"/>
+            </a:fontRef>
+          </p:style>
+          <p:txBody>
+            <a:bodyPr rtlCol="0" anchor="ctr"/>
+            <a:lstStyle/>
+            <a:p>
+              <a:pPr algn="ctr"/>
+              <a:endParaRPr lang="zh-CN" altLang="en-US"/>
+            </a:p>
+          </p:txBody>
+        </p:sp>
+        <p:grpSp>
+          <p:nvGrpSpPr>
+            <p:cNvPr id="5" name="组合 4">
+              <a:extLst>
+                <a:ext uri="{FF2B5EF4-FFF2-40B4-BE49-F238E27FC236}">
+                  <a16:creationId xmlns:a16="http://schemas.microsoft.com/office/drawing/2014/main" id="{DF9EF99A-F88E-4D35-9483-CD0300AC3543}"/>
+                </a:ext>
+              </a:extLst>
+            </p:cNvPr>
+            <p:cNvGrpSpPr/>
+            <p:nvPr/>
+          </p:nvGrpSpPr>
+          <p:grpSpPr>
+            <a:xfrm rot="5400000">
+              <a:off x="3119991" y="4005981"/>
+              <a:ext cx="503375" cy="2650514"/>
+              <a:chOff x="572913" y="2620053"/>
+              <a:chExt cx="503375" cy="2650514"/>
+            </a:xfrm>
+          </p:grpSpPr>
+          <p:sp>
+            <p:nvSpPr>
+              <p:cNvPr id="6" name="文本框 5">
+                <a:extLst>
+                  <a:ext uri="{FF2B5EF4-FFF2-40B4-BE49-F238E27FC236}">
+                    <a16:creationId xmlns:a16="http://schemas.microsoft.com/office/drawing/2014/main" id="{463B08DA-FCA9-49C7-B972-8A98182DC8C4}"/>
+                  </a:ext>
+                </a:extLst>
+              </p:cNvPr>
+              <p:cNvSpPr txBox="1"/>
+              <p:nvPr/>
+            </p:nvSpPr>
+            <p:spPr>
+              <a:xfrm>
+                <a:off x="597583" y="2620053"/>
+                <a:ext cx="430887" cy="2134647"/>
+              </a:xfrm>
+              <a:prstGeom prst="rect">
+                <a:avLst/>
+              </a:prstGeom>
+              <a:noFill/>
+            </p:spPr>
+            <p:txBody>
+              <a:bodyPr vert="vert270" wrap="square" rtlCol="0" anchor="ctr" anchorCtr="0">
+                <a:spAutoFit/>
+              </a:bodyPr>
+              <a:lstStyle/>
+              <a:p>
+                <a:r>
+                  <a:rPr lang="en-US" altLang="zh-CN" sz="1600" dirty="0">
+                    <a:latin typeface="Arial Rounded MT Bold" panose="020F0704030504030204" pitchFamily="34" charset="0"/>
+                  </a:rPr>
+                  <a:t>Kubernetes  Cluster</a:t>
+                </a:r>
+                <a:endParaRPr lang="zh-CN" altLang="en-US" sz="1600" dirty="0">
+                  <a:latin typeface="Arial Rounded MT Bold" panose="020F0704030504030204" pitchFamily="34" charset="0"/>
+                </a:endParaRPr>
+              </a:p>
+            </p:txBody>
+          </p:sp>
+          <p:pic>
+            <p:nvPicPr>
+              <p:cNvPr id="7" name="图片 6">
+                <a:extLst>
+                  <a:ext uri="{FF2B5EF4-FFF2-40B4-BE49-F238E27FC236}">
+                    <a16:creationId xmlns:a16="http://schemas.microsoft.com/office/drawing/2014/main" id="{C873EBB8-616A-42D3-A193-6E7C3B1BF772}"/>
+                  </a:ext>
+                </a:extLst>
+              </p:cNvPr>
+              <p:cNvPicPr>
+                <a:picLocks noChangeAspect="1"/>
+              </p:cNvPicPr>
+              <p:nvPr/>
+            </p:nvPicPr>
+            <p:blipFill>
+              <a:blip r:embed="rId2" cstate="hqprint">
+                <a:extLst>
+                  <a:ext uri="{28A0092B-C50C-407E-A947-70E740481C1C}">
+                    <a14:useLocalDpi xmlns:a14="http://schemas.microsoft.com/office/drawing/2010/main" val="0"/>
+                  </a:ext>
+                </a:extLst>
+              </a:blip>
+              <a:stretch>
+                <a:fillRect/>
+              </a:stretch>
+            </p:blipFill>
+            <p:spPr>
+              <a:xfrm rot="16200000">
+                <a:off x="572913" y="4767192"/>
+                <a:ext cx="503375" cy="503375"/>
+              </a:xfrm>
+              <a:prstGeom prst="rect">
+                <a:avLst/>
+              </a:prstGeom>
+            </p:spPr>
+          </p:pic>
+        </p:grpSp>
+      </p:grpSp>
+      <p:grpSp>
+        <p:nvGrpSpPr>
+          <p:cNvPr id="123" name="组合 122"/>
+          <p:cNvGrpSpPr/>
+          <p:nvPr/>
+        </p:nvGrpSpPr>
+        <p:grpSpPr>
+          <a:xfrm>
+            <a:off x="1557863" y="496474"/>
+            <a:ext cx="2029379" cy="3390961"/>
+            <a:chOff x="1590121" y="991808"/>
+            <a:chExt cx="2029379" cy="3390961"/>
+          </a:xfrm>
+        </p:grpSpPr>
+        <p:grpSp>
+          <p:nvGrpSpPr>
+            <p:cNvPr id="121" name="组合 120"/>
+            <p:cNvGrpSpPr/>
+            <p:nvPr/>
+          </p:nvGrpSpPr>
+          <p:grpSpPr>
+            <a:xfrm>
+              <a:off x="1590121" y="991808"/>
+              <a:ext cx="2029379" cy="3390961"/>
+              <a:chOff x="1590121" y="991808"/>
+              <a:chExt cx="2029379" cy="3390961"/>
+            </a:xfrm>
+          </p:grpSpPr>
+          <p:grpSp>
+            <p:nvGrpSpPr>
+              <p:cNvPr id="8" name="组合 7">
+                <a:extLst>
+                  <a:ext uri="{FF2B5EF4-FFF2-40B4-BE49-F238E27FC236}">
+                    <a16:creationId xmlns:a16="http://schemas.microsoft.com/office/drawing/2014/main" id="{E6CB0459-1304-4F56-ACBE-1DE3A70729EF}"/>
+                  </a:ext>
+                </a:extLst>
+              </p:cNvPr>
+              <p:cNvGrpSpPr/>
+              <p:nvPr/>
+            </p:nvGrpSpPr>
+            <p:grpSpPr>
+              <a:xfrm>
+                <a:off x="1590121" y="991808"/>
+                <a:ext cx="2029379" cy="3390961"/>
+                <a:chOff x="1539197" y="790508"/>
+                <a:chExt cx="2006631" cy="2921805"/>
+              </a:xfrm>
+            </p:grpSpPr>
+            <p:sp>
+              <p:nvSpPr>
+                <p:cNvPr id="9" name="矩形: 圆角 6">
+                  <a:extLst>
+                    <a:ext uri="{FF2B5EF4-FFF2-40B4-BE49-F238E27FC236}">
+                      <a16:creationId xmlns:a16="http://schemas.microsoft.com/office/drawing/2014/main" id="{409BAC9F-1571-4028-AC81-E675A0EE397B}"/>
+                    </a:ext>
+                  </a:extLst>
+                </p:cNvPr>
+                <p:cNvSpPr/>
+                <p:nvPr/>
+              </p:nvSpPr>
+              <p:spPr>
+                <a:xfrm>
+                  <a:off x="1539197" y="810704"/>
+                  <a:ext cx="2006631" cy="2901609"/>
+                </a:xfrm>
+                <a:prstGeom prst="roundRect">
+                  <a:avLst/>
+                </a:prstGeom>
+                <a:noFill/>
+                <a:ln w="19050">
+                  <a:solidFill>
+                    <a:schemeClr val="tx1"/>
+                  </a:solidFill>
+                </a:ln>
+              </p:spPr>
+              <p:style>
+                <a:lnRef idx="2">
+                  <a:schemeClr val="accent1">
+                    <a:shade val="50000"/>
+                  </a:schemeClr>
+                </a:lnRef>
+                <a:fillRef idx="1">
+                  <a:schemeClr val="accent1"/>
+                </a:fillRef>
+                <a:effectRef idx="0">
+                  <a:schemeClr val="accent1"/>
+                </a:effectRef>
+                <a:fontRef idx="minor">
+                  <a:schemeClr val="lt1"/>
+                </a:fontRef>
+              </p:style>
+              <p:txBody>
+                <a:bodyPr rtlCol="0" anchor="ctr"/>
+                <a:lstStyle/>
+                <a:p>
+                  <a:pPr algn="ctr"/>
+                  <a:endParaRPr lang="zh-CN" altLang="en-US"/>
+                </a:p>
+              </p:txBody>
+            </p:sp>
+            <p:sp>
+              <p:nvSpPr>
+                <p:cNvPr id="10" name="文本框 9">
+                  <a:extLst>
+                    <a:ext uri="{FF2B5EF4-FFF2-40B4-BE49-F238E27FC236}">
+                      <a16:creationId xmlns:a16="http://schemas.microsoft.com/office/drawing/2014/main" id="{111A9B66-1AF0-441A-97E9-97B791AC27B0}"/>
+                    </a:ext>
+                  </a:extLst>
+                </p:cNvPr>
+                <p:cNvSpPr txBox="1"/>
+                <p:nvPr/>
+              </p:nvSpPr>
+              <p:spPr>
+                <a:xfrm>
+                  <a:off x="2127732" y="790508"/>
+                  <a:ext cx="1013479" cy="307777"/>
+                </a:xfrm>
+                <a:prstGeom prst="rect">
+                  <a:avLst/>
+                </a:prstGeom>
+                <a:noFill/>
+              </p:spPr>
+              <p:txBody>
+                <a:bodyPr wrap="square" rtlCol="0">
+                  <a:spAutoFit/>
+                </a:bodyPr>
+                <a:lstStyle/>
+                <a:p>
+                  <a:r>
+                    <a:rPr lang="en-US" altLang="zh-CN" sz="1400" dirty="0">
+                      <a:latin typeface="Arial Rounded MT Bold" panose="020F0704030504030204" pitchFamily="34" charset="0"/>
+                    </a:rPr>
+                    <a:t>Node 1</a:t>
+                  </a:r>
+                  <a:endParaRPr lang="zh-CN" altLang="en-US" sz="1400" dirty="0">
+                    <a:latin typeface="Arial Rounded MT Bold" panose="020F0704030504030204" pitchFamily="34" charset="0"/>
+                  </a:endParaRPr>
+                </a:p>
+              </p:txBody>
+            </p:sp>
+            <p:grpSp>
+              <p:nvGrpSpPr>
+                <p:cNvPr id="11" name="组合 10">
+                  <a:extLst>
+                    <a:ext uri="{FF2B5EF4-FFF2-40B4-BE49-F238E27FC236}">
+                      <a16:creationId xmlns:a16="http://schemas.microsoft.com/office/drawing/2014/main" id="{48203AA4-F473-44D8-BC4B-94B6E2634966}"/>
+                    </a:ext>
+                  </a:extLst>
+                </p:cNvPr>
+                <p:cNvGrpSpPr/>
+                <p:nvPr/>
+              </p:nvGrpSpPr>
+              <p:grpSpPr>
+                <a:xfrm>
+                  <a:off x="1643345" y="1089839"/>
+                  <a:ext cx="1831566" cy="722530"/>
+                  <a:chOff x="5322938" y="1273759"/>
+                  <a:chExt cx="2220828" cy="857085"/>
+                </a:xfrm>
+              </p:grpSpPr>
+              <p:grpSp>
+                <p:nvGrpSpPr>
+                  <p:cNvPr id="39" name="组合 38">
+                    <a:extLst>
+                      <a:ext uri="{FF2B5EF4-FFF2-40B4-BE49-F238E27FC236}">
+                        <a16:creationId xmlns:a16="http://schemas.microsoft.com/office/drawing/2014/main" id="{D1528CAE-FDEA-4690-BBAA-366E0B651747}"/>
+                      </a:ext>
+                    </a:extLst>
+                  </p:cNvPr>
+                  <p:cNvGrpSpPr/>
+                  <p:nvPr/>
+                </p:nvGrpSpPr>
+                <p:grpSpPr>
+                  <a:xfrm>
+                    <a:off x="5322938" y="1273759"/>
+                    <a:ext cx="2220828" cy="833859"/>
+                    <a:chOff x="4628533" y="1200256"/>
+                    <a:chExt cx="2999351" cy="1161419"/>
+                  </a:xfrm>
+                </p:grpSpPr>
+                <p:sp>
+                  <p:nvSpPr>
+                    <p:cNvPr id="42" name="矩形: 圆角 15">
+                      <a:extLst>
+                        <a:ext uri="{FF2B5EF4-FFF2-40B4-BE49-F238E27FC236}">
+                          <a16:creationId xmlns:a16="http://schemas.microsoft.com/office/drawing/2014/main" id="{79C75420-8861-4577-B365-F1908CEB2CA6}"/>
+                        </a:ext>
+                      </a:extLst>
+                    </p:cNvPr>
+                    <p:cNvSpPr/>
+                    <p:nvPr/>
+                  </p:nvSpPr>
+                  <p:spPr>
+                    <a:xfrm>
+                      <a:off x="4628533" y="1241031"/>
+                      <a:ext cx="2999351" cy="1120644"/>
+                    </a:xfrm>
+                    <a:prstGeom prst="roundRect">
+                      <a:avLst/>
+                    </a:prstGeom>
+                    <a:solidFill>
+                      <a:schemeClr val="bg1"/>
+                    </a:solidFill>
+                    <a:ln>
+                      <a:solidFill>
+                        <a:schemeClr val="tx1"/>
+                      </a:solidFill>
+                    </a:ln>
+                  </p:spPr>
+                  <p:style>
+                    <a:lnRef idx="2">
+                      <a:schemeClr val="accent1">
+                        <a:shade val="50000"/>
+                      </a:schemeClr>
+                    </a:lnRef>
+                    <a:fillRef idx="1">
+                      <a:schemeClr val="accent1"/>
+                    </a:fillRef>
+                    <a:effectRef idx="0">
+                      <a:schemeClr val="accent1"/>
+                    </a:effectRef>
+                    <a:fontRef idx="minor">
+                      <a:schemeClr val="lt1"/>
+                    </a:fontRef>
+                  </p:style>
+                  <p:txBody>
+                    <a:bodyPr rtlCol="0" anchor="ctr"/>
+                    <a:lstStyle/>
+                    <a:p>
+                      <a:pPr algn="ctr"/>
+                      <a:endParaRPr lang="zh-CN" altLang="en-US" dirty="0"/>
+                    </a:p>
+                  </p:txBody>
+                </p:sp>
+                <p:sp>
+                  <p:nvSpPr>
+                    <p:cNvPr id="43" name="文本框 42">
+                      <a:extLst>
+                        <a:ext uri="{FF2B5EF4-FFF2-40B4-BE49-F238E27FC236}">
+                          <a16:creationId xmlns:a16="http://schemas.microsoft.com/office/drawing/2014/main" id="{03599BA0-689E-4F78-9C2D-1421805BFFE6}"/>
+                        </a:ext>
+                      </a:extLst>
+                    </p:cNvPr>
+                    <p:cNvSpPr txBox="1"/>
+                    <p:nvPr/>
+                  </p:nvSpPr>
+                  <p:spPr>
+                    <a:xfrm>
+                      <a:off x="5627805" y="1200256"/>
+                      <a:ext cx="1047455" cy="406808"/>
+                    </a:xfrm>
+                    <a:prstGeom prst="rect">
+                      <a:avLst/>
+                    </a:prstGeom>
+                    <a:noFill/>
+                  </p:spPr>
+                  <p:txBody>
+                    <a:bodyPr wrap="square" rtlCol="0">
+                      <a:spAutoFit/>
+                    </a:bodyPr>
+                    <a:lstStyle/>
+                    <a:p>
+                      <a:r>
+                        <a:rPr lang="en-US" altLang="zh-CN" sz="1000" dirty="0" smtClean="0">
+                          <a:latin typeface="Arial Rounded MT Bold" panose="020F0704030504030204" pitchFamily="34" charset="0"/>
+                        </a:rPr>
+                        <a:t>Pod 1</a:t>
+                      </a:r>
+                      <a:endParaRPr lang="zh-CN" altLang="en-US" sz="1000" dirty="0">
+                        <a:latin typeface="Arial Rounded MT Bold" panose="020F0704030504030204" pitchFamily="34" charset="0"/>
+                      </a:endParaRPr>
+                    </a:p>
+                  </p:txBody>
+                </p:sp>
+                <p:sp>
+                  <p:nvSpPr>
+                    <p:cNvPr id="44" name="矩形: 圆角 17">
+                      <a:extLst>
+                        <a:ext uri="{FF2B5EF4-FFF2-40B4-BE49-F238E27FC236}">
+                          <a16:creationId xmlns:a16="http://schemas.microsoft.com/office/drawing/2014/main" id="{ACE6589E-646A-459A-BBA2-B14534E64469}"/>
+                        </a:ext>
+                      </a:extLst>
+                    </p:cNvPr>
+                    <p:cNvSpPr/>
+                    <p:nvPr/>
+                  </p:nvSpPr>
+                  <p:spPr>
+                    <a:xfrm>
+                      <a:off x="5627803" y="1522585"/>
+                      <a:ext cx="914400" cy="556181"/>
+                    </a:xfrm>
+                    <a:prstGeom prst="roundRect">
+                      <a:avLst/>
+                    </a:prstGeom>
+                    <a:solidFill>
+                      <a:schemeClr val="bg1"/>
+                    </a:solidFill>
+                    <a:ln>
+                      <a:solidFill>
+                        <a:schemeClr val="tx1"/>
+                      </a:solidFill>
+                    </a:ln>
+                  </p:spPr>
+                  <p:style>
+                    <a:lnRef idx="2">
+                      <a:schemeClr val="accent1">
+                        <a:shade val="50000"/>
+                      </a:schemeClr>
+                    </a:lnRef>
+                    <a:fillRef idx="1">
+                      <a:schemeClr val="accent1"/>
+                    </a:fillRef>
+                    <a:effectRef idx="0">
+                      <a:schemeClr val="accent1"/>
+                    </a:effectRef>
+                    <a:fontRef idx="minor">
+                      <a:schemeClr val="lt1"/>
+                    </a:fontRef>
+                  </p:style>
+                  <p:txBody>
+                    <a:bodyPr rtlCol="0" anchor="ctr"/>
+                    <a:lstStyle/>
+                    <a:p>
+                      <a:pPr algn="ctr"/>
+                      <a:endParaRPr lang="zh-CN" altLang="en-US"/>
+                    </a:p>
+                  </p:txBody>
+                </p:sp>
+              </p:grpSp>
+              <p:sp>
+                <p:nvSpPr>
+                  <p:cNvPr id="40" name="文本框 39">
+                    <a:extLst>
+                      <a:ext uri="{FF2B5EF4-FFF2-40B4-BE49-F238E27FC236}">
+                        <a16:creationId xmlns:a16="http://schemas.microsoft.com/office/drawing/2014/main" id="{E5651CEA-4E1C-4D3C-AFB8-8DBF6EE12FFD}"/>
+                      </a:ext>
+                    </a:extLst>
+                  </p:cNvPr>
+                  <p:cNvSpPr txBox="1"/>
+                  <p:nvPr/>
+                </p:nvSpPr>
+                <p:spPr>
+                  <a:xfrm>
+                    <a:off x="5431745" y="1879180"/>
+                    <a:ext cx="2045989" cy="251664"/>
+                  </a:xfrm>
+                  <a:prstGeom prst="rect">
+                    <a:avLst/>
+                  </a:prstGeom>
+                  <a:noFill/>
+                </p:spPr>
+                <p:txBody>
+                  <a:bodyPr wrap="square" rtlCol="0">
+                    <a:spAutoFit/>
+                  </a:bodyPr>
+                  <a:lstStyle/>
+                  <a:p>
+                    <a:pPr algn="ctr"/>
+                    <a:r>
+                      <a:rPr lang="en-US" altLang="zh-CN" sz="1000" b="1" dirty="0">
+                        <a:latin typeface="+mn-ea"/>
+                      </a:rPr>
+                      <a:t>Filebeat as DaemonSet</a:t>
+                    </a:r>
+                    <a:endParaRPr lang="zh-CN" altLang="en-US" sz="1000" b="1" dirty="0">
+                      <a:latin typeface="+mn-ea"/>
+                    </a:endParaRPr>
+                  </a:p>
+                </p:txBody>
+              </p:sp>
+              <p:pic>
+                <p:nvPicPr>
+                  <p:cNvPr id="41" name="图片 40">
+                    <a:extLst>
+                      <a:ext uri="{FF2B5EF4-FFF2-40B4-BE49-F238E27FC236}">
+                        <a16:creationId xmlns:a16="http://schemas.microsoft.com/office/drawing/2014/main" id="{6651F26B-2EE7-4AF1-81F1-9D1278CBAE58}"/>
+                      </a:ext>
+                    </a:extLst>
+                  </p:cNvPr>
+                  <p:cNvPicPr>
+                    <a:picLocks noChangeAspect="1"/>
+                  </p:cNvPicPr>
+                  <p:nvPr/>
+                </p:nvPicPr>
+                <p:blipFill>
+                  <a:blip r:embed="rId3">
+                    <a:extLst>
+                      <a:ext uri="{28A0092B-C50C-407E-A947-70E740481C1C}">
+                        <a14:useLocalDpi xmlns:a14="http://schemas.microsoft.com/office/drawing/2010/main" val="0"/>
+                      </a:ext>
+                    </a:extLst>
+                  </a:blip>
+                  <a:stretch>
+                    <a:fillRect/>
+                  </a:stretch>
+                </p:blipFill>
+                <p:spPr>
+                  <a:xfrm>
+                    <a:off x="6182441" y="1505181"/>
+                    <a:ext cx="397518" cy="393543"/>
+                  </a:xfrm>
+                  <a:prstGeom prst="rect">
+                    <a:avLst/>
+                  </a:prstGeom>
+                </p:spPr>
+              </p:pic>
+            </p:grpSp>
+            <p:grpSp>
+              <p:nvGrpSpPr>
+                <p:cNvPr id="12" name="组合 11">
+                  <a:extLst>
+                    <a:ext uri="{FF2B5EF4-FFF2-40B4-BE49-F238E27FC236}">
+                      <a16:creationId xmlns:a16="http://schemas.microsoft.com/office/drawing/2014/main" id="{7D83A4FE-E922-4148-A332-2005BF5866D9}"/>
+                    </a:ext>
+                  </a:extLst>
+                </p:cNvPr>
+                <p:cNvGrpSpPr/>
+                <p:nvPr/>
+              </p:nvGrpSpPr>
+              <p:grpSpPr>
+                <a:xfrm>
+                  <a:off x="1643344" y="1901051"/>
+                  <a:ext cx="1874938" cy="750240"/>
+                  <a:chOff x="5596332" y="3100362"/>
+                  <a:chExt cx="2354174" cy="966425"/>
+                </a:xfrm>
+              </p:grpSpPr>
+              <p:grpSp>
+                <p:nvGrpSpPr>
+                  <p:cNvPr id="27" name="组合 26">
+                    <a:extLst>
+                      <a:ext uri="{FF2B5EF4-FFF2-40B4-BE49-F238E27FC236}">
+                        <a16:creationId xmlns:a16="http://schemas.microsoft.com/office/drawing/2014/main" id="{E5C6A2FB-142C-48FA-A4F6-54B5DFC5903E}"/>
+                      </a:ext>
+                    </a:extLst>
+                  </p:cNvPr>
+                  <p:cNvGrpSpPr/>
+                  <p:nvPr/>
+                </p:nvGrpSpPr>
+                <p:grpSpPr>
+                  <a:xfrm>
+                    <a:off x="5596332" y="3100362"/>
+                    <a:ext cx="2299716" cy="941107"/>
+                    <a:chOff x="5313025" y="3121963"/>
+                    <a:chExt cx="2299716" cy="941107"/>
+                  </a:xfrm>
+                </p:grpSpPr>
+                <p:sp>
+                  <p:nvSpPr>
+                    <p:cNvPr id="29" name="AutoShape 2" descr="Logo">
+                      <a:extLst>
+                        <a:ext uri="{FF2B5EF4-FFF2-40B4-BE49-F238E27FC236}">
+                          <a16:creationId xmlns:a16="http://schemas.microsoft.com/office/drawing/2014/main" id="{92ADCC79-B1DC-458C-9F6D-1C76840B26CD}"/>
+                        </a:ext>
+                      </a:extLst>
+                    </p:cNvPr>
+                    <p:cNvSpPr>
+                      <a:spLocks noChangeAspect="1" noChangeArrowheads="1"/>
+                    </p:cNvSpPr>
+                    <p:nvPr/>
+                  </p:nvSpPr>
+                  <p:spPr bwMode="auto">
+                    <a:xfrm>
+                      <a:off x="5943600" y="3276600"/>
+                      <a:ext cx="304800" cy="304800"/>
+                    </a:xfrm>
+                    <a:prstGeom prst="rect">
+                      <a:avLst/>
+                    </a:prstGeom>
+                    <a:noFill/>
+                    <a:extLst>
+                      <a:ext uri="{909E8E84-426E-40DD-AFC4-6F175D3DCCD1}">
+                        <a14:hiddenFill xmlns:a14="http://schemas.microsoft.com/office/drawing/2010/main">
+                          <a:solidFill>
+                            <a:srgbClr val="FFFFFF"/>
+                          </a:solidFill>
+                        </a14:hiddenFill>
+                      </a:ext>
+                    </a:extLst>
+                  </p:spPr>
+                  <p:txBody>
+                    <a:bodyPr vert="horz" wrap="square" lIns="91440" tIns="45720" rIns="91440" bIns="45720" numCol="1" anchor="t" anchorCtr="0" compatLnSpc="1">
+                      <a:prstTxWarp prst="textNoShape">
+                        <a:avLst/>
+                      </a:prstTxWarp>
+                    </a:bodyPr>
+                    <a:lstStyle/>
+                    <a:p>
+                      <a:endParaRPr lang="zh-CN" altLang="en-US"/>
+                    </a:p>
+                  </p:txBody>
+                </p:sp>
+                <p:grpSp>
+                  <p:nvGrpSpPr>
+                    <p:cNvPr id="30" name="组合 29">
+                      <a:extLst>
+                        <a:ext uri="{FF2B5EF4-FFF2-40B4-BE49-F238E27FC236}">
+                          <a16:creationId xmlns:a16="http://schemas.microsoft.com/office/drawing/2014/main" id="{DB473681-2315-489E-A0D1-394F07DDE3AF}"/>
+                        </a:ext>
+                      </a:extLst>
+                    </p:cNvPr>
+                    <p:cNvGrpSpPr/>
+                    <p:nvPr/>
+                  </p:nvGrpSpPr>
+                  <p:grpSpPr>
+                    <a:xfrm>
+                      <a:off x="5313025" y="3121963"/>
+                      <a:ext cx="2299716" cy="941107"/>
+                      <a:chOff x="5313025" y="3121963"/>
+                      <a:chExt cx="2299716" cy="941107"/>
+                    </a:xfrm>
+                  </p:grpSpPr>
+                  <p:grpSp>
+                    <p:nvGrpSpPr>
+                      <p:cNvPr id="31" name="组合 30">
+                        <a:extLst>
+                          <a:ext uri="{FF2B5EF4-FFF2-40B4-BE49-F238E27FC236}">
+                            <a16:creationId xmlns:a16="http://schemas.microsoft.com/office/drawing/2014/main" id="{DA0A925F-522F-48B7-9972-6313ED7D10D8}"/>
+                          </a:ext>
+                        </a:extLst>
+                      </p:cNvPr>
+                      <p:cNvGrpSpPr/>
+                      <p:nvPr/>
+                    </p:nvGrpSpPr>
+                    <p:grpSpPr>
+                      <a:xfrm>
+                        <a:off x="5313025" y="3121963"/>
+                        <a:ext cx="2299716" cy="941107"/>
+                        <a:chOff x="4597577" y="1178512"/>
+                        <a:chExt cx="3105890" cy="1310797"/>
+                      </a:xfrm>
+                    </p:grpSpPr>
+                    <p:sp>
+                      <p:nvSpPr>
+                        <p:cNvPr id="36" name="矩形: 圆角 20">
+                          <a:extLst>
+                            <a:ext uri="{FF2B5EF4-FFF2-40B4-BE49-F238E27FC236}">
+                              <a16:creationId xmlns:a16="http://schemas.microsoft.com/office/drawing/2014/main" id="{F07BC399-5DB5-48FF-8323-95E1CBC2BE99}"/>
+                            </a:ext>
+                          </a:extLst>
+                        </p:cNvPr>
+                        <p:cNvSpPr/>
+                        <p:nvPr/>
+                      </p:nvSpPr>
+                      <p:spPr>
+                        <a:xfrm>
+                          <a:off x="4597577" y="1200251"/>
+                          <a:ext cx="3105890" cy="1289058"/>
+                        </a:xfrm>
+                        <a:prstGeom prst="roundRect">
+                          <a:avLst/>
+                        </a:prstGeom>
+                        <a:solidFill>
+                          <a:schemeClr val="bg1"/>
+                        </a:solidFill>
+                        <a:ln>
+                          <a:solidFill>
+                            <a:schemeClr val="tx1"/>
+                          </a:solidFill>
+                        </a:ln>
+                      </p:spPr>
+                      <p:style>
+                        <a:lnRef idx="2">
+                          <a:schemeClr val="accent1">
+                            <a:shade val="50000"/>
+                          </a:schemeClr>
+                        </a:lnRef>
+                        <a:fillRef idx="1">
+                          <a:schemeClr val="accent1"/>
+                        </a:fillRef>
+                        <a:effectRef idx="0">
+                          <a:schemeClr val="accent1"/>
+                        </a:effectRef>
+                        <a:fontRef idx="minor">
+                          <a:schemeClr val="lt1"/>
+                        </a:fontRef>
+                      </p:style>
+                      <p:txBody>
+                        <a:bodyPr rtlCol="0" anchor="ctr"/>
+                        <a:lstStyle/>
+                        <a:p>
+                          <a:pPr algn="ctr"/>
+                          <a:endParaRPr lang="zh-CN" altLang="en-US"/>
+                        </a:p>
+                      </p:txBody>
+                    </p:sp>
+                    <p:sp>
+                      <p:nvSpPr>
+                        <p:cNvPr id="37" name="文本框 36">
+                          <a:extLst>
+                            <a:ext uri="{FF2B5EF4-FFF2-40B4-BE49-F238E27FC236}">
+                              <a16:creationId xmlns:a16="http://schemas.microsoft.com/office/drawing/2014/main" id="{32A74A8B-84F6-4D56-AD3E-44E227A28488}"/>
+                            </a:ext>
+                          </a:extLst>
+                        </p:cNvPr>
+                        <p:cNvSpPr txBox="1"/>
+                        <p:nvPr/>
+                      </p:nvSpPr>
+                      <p:spPr>
+                        <a:xfrm>
+                          <a:off x="5655602" y="1178512"/>
+                          <a:ext cx="1027185" cy="441764"/>
+                        </a:xfrm>
+                        <a:prstGeom prst="rect">
+                          <a:avLst/>
+                        </a:prstGeom>
+                        <a:noFill/>
+                      </p:spPr>
+                      <p:txBody>
+                        <a:bodyPr wrap="square" rtlCol="0">
+                          <a:spAutoFit/>
+                        </a:bodyPr>
+                        <a:lstStyle/>
+                        <a:p>
+                          <a:r>
+                            <a:rPr lang="en-US" altLang="zh-CN" sz="1000" dirty="0" smtClean="0">
+                              <a:latin typeface="Arial Rounded MT Bold" panose="020F0704030504030204" pitchFamily="34" charset="0"/>
+                            </a:rPr>
+                            <a:t>Pod 2</a:t>
+                          </a:r>
+                          <a:endParaRPr lang="zh-CN" altLang="en-US" sz="1000" dirty="0">
+                            <a:latin typeface="Arial Rounded MT Bold" panose="020F0704030504030204" pitchFamily="34" charset="0"/>
+                          </a:endParaRPr>
+                        </a:p>
+                      </p:txBody>
+                    </p:sp>
+                    <p:sp>
+                      <p:nvSpPr>
+                        <p:cNvPr id="38" name="矩形: 圆角 22">
+                          <a:extLst>
+                            <a:ext uri="{FF2B5EF4-FFF2-40B4-BE49-F238E27FC236}">
+                              <a16:creationId xmlns:a16="http://schemas.microsoft.com/office/drawing/2014/main" id="{031C34A3-840E-42CE-8243-216BB6C38418}"/>
+                            </a:ext>
+                          </a:extLst>
+                        </p:cNvPr>
+                        <p:cNvSpPr/>
+                        <p:nvPr/>
+                      </p:nvSpPr>
+                      <p:spPr>
+                        <a:xfrm>
+                          <a:off x="4723281" y="1482373"/>
+                          <a:ext cx="1212128" cy="744578"/>
+                        </a:xfrm>
+                        <a:prstGeom prst="roundRect">
+                          <a:avLst/>
+                        </a:prstGeom>
+                        <a:solidFill>
+                          <a:schemeClr val="bg1"/>
+                        </a:solidFill>
+                        <a:ln>
+                          <a:solidFill>
+                            <a:schemeClr val="tx1"/>
+                          </a:solidFill>
+                        </a:ln>
+                      </p:spPr>
+                      <p:style>
+                        <a:lnRef idx="2">
+                          <a:schemeClr val="accent1">
+                            <a:shade val="50000"/>
+                          </a:schemeClr>
+                        </a:lnRef>
+                        <a:fillRef idx="1">
+                          <a:schemeClr val="accent1"/>
+                        </a:fillRef>
+                        <a:effectRef idx="0">
+                          <a:schemeClr val="accent1"/>
+                        </a:effectRef>
+                        <a:fontRef idx="minor">
+                          <a:schemeClr val="lt1"/>
+                        </a:fontRef>
+                      </p:style>
+                      <p:txBody>
+                        <a:bodyPr rtlCol="0" anchor="ctr"/>
+                        <a:lstStyle/>
+                        <a:p>
+                          <a:pPr algn="ctr"/>
+                          <a:endParaRPr lang="zh-CN" altLang="en-US" dirty="0"/>
+                        </a:p>
+                      </p:txBody>
+                    </p:sp>
+                  </p:grpSp>
+                  <p:pic>
+                    <p:nvPicPr>
+                      <p:cNvPr id="34" name="图片 33">
+                        <a:extLst>
+                          <a:ext uri="{FF2B5EF4-FFF2-40B4-BE49-F238E27FC236}">
+                            <a16:creationId xmlns:a16="http://schemas.microsoft.com/office/drawing/2014/main" id="{995F33F6-B9F1-4E96-BC4B-55C3A0C50524}"/>
+                          </a:ext>
+                        </a:extLst>
+                      </p:cNvPr>
+                      <p:cNvPicPr>
+                        <a:picLocks noChangeAspect="1"/>
+                      </p:cNvPicPr>
+                      <p:nvPr/>
+                    </p:nvPicPr>
+                    <p:blipFill>
+                      <a:blip r:embed="rId4" cstate="hqprint">
+                        <a:extLst>
+                          <a:ext uri="{28A0092B-C50C-407E-A947-70E740481C1C}">
+                            <a14:useLocalDpi xmlns:a14="http://schemas.microsoft.com/office/drawing/2010/main" val="0"/>
+                          </a:ext>
+                        </a:extLst>
+                      </a:blip>
+                      <a:stretch>
+                        <a:fillRect/>
+                      </a:stretch>
+                    </p:blipFill>
+                    <p:spPr>
+                      <a:xfrm>
+                        <a:off x="5531284" y="3355076"/>
+                        <a:ext cx="663406" cy="545645"/>
+                      </a:xfrm>
+                      <a:prstGeom prst="rect">
+                        <a:avLst/>
+                      </a:prstGeom>
+                    </p:spPr>
+                  </p:pic>
+                </p:grpSp>
+              </p:grpSp>
+              <p:sp>
+                <p:nvSpPr>
+                  <p:cNvPr id="28" name="文本框 27">
+                    <a:extLst>
+                      <a:ext uri="{FF2B5EF4-FFF2-40B4-BE49-F238E27FC236}">
+                        <a16:creationId xmlns:a16="http://schemas.microsoft.com/office/drawing/2014/main" id="{EC2CB09B-FEC3-4FCD-9C05-1866ABE6A8F1}"/>
+                      </a:ext>
+                    </a:extLst>
+                  </p:cNvPr>
+                  <p:cNvSpPr txBox="1"/>
+                  <p:nvPr/>
+                </p:nvSpPr>
+                <p:spPr>
+                  <a:xfrm>
+                    <a:off x="6486369" y="3793499"/>
+                    <a:ext cx="1464137" cy="273288"/>
+                  </a:xfrm>
+                  <a:prstGeom prst="rect">
+                    <a:avLst/>
+                  </a:prstGeom>
+                  <a:noFill/>
+                </p:spPr>
+                <p:txBody>
+                  <a:bodyPr wrap="square" rtlCol="0">
+                    <a:spAutoFit/>
+                  </a:bodyPr>
+                  <a:lstStyle/>
+                  <a:p>
+                    <a:pPr algn="ctr"/>
+                    <a:r>
+                      <a:rPr lang="en-US" altLang="zh-CN" sz="1000" b="1" dirty="0">
+                        <a:latin typeface="+mn-ea"/>
+                      </a:rPr>
+                      <a:t>Envoy as sidecar</a:t>
+                    </a:r>
+                    <a:endParaRPr lang="zh-CN" altLang="en-US" sz="1000" b="1" dirty="0">
+                      <a:latin typeface="+mn-ea"/>
+                    </a:endParaRPr>
+                  </a:p>
+                </p:txBody>
+              </p:sp>
+            </p:grpSp>
+            <p:grpSp>
+              <p:nvGrpSpPr>
+                <p:cNvPr id="15" name="组合 14">
+                  <a:extLst>
+                    <a:ext uri="{FF2B5EF4-FFF2-40B4-BE49-F238E27FC236}">
+                      <a16:creationId xmlns:a16="http://schemas.microsoft.com/office/drawing/2014/main" id="{4F69DA83-BB9B-404E-A005-0DB8E19F700F}"/>
+                    </a:ext>
+                  </a:extLst>
+                </p:cNvPr>
+                <p:cNvGrpSpPr/>
+                <p:nvPr/>
+              </p:nvGrpSpPr>
+              <p:grpSpPr>
+                <a:xfrm>
+                  <a:off x="2158417" y="2094541"/>
+                  <a:ext cx="1170249" cy="1138931"/>
+                  <a:chOff x="5943600" y="2114279"/>
+                  <a:chExt cx="1469366" cy="1467121"/>
+                </a:xfrm>
+              </p:grpSpPr>
+              <p:sp>
+                <p:nvSpPr>
+                  <p:cNvPr id="17" name="AutoShape 2" descr="Logo">
+                    <a:extLst>
+                      <a:ext uri="{FF2B5EF4-FFF2-40B4-BE49-F238E27FC236}">
+                        <a16:creationId xmlns:a16="http://schemas.microsoft.com/office/drawing/2014/main" id="{48531821-A1A5-4E6E-8245-4CC8ED3B7091}"/>
+                      </a:ext>
+                    </a:extLst>
+                  </p:cNvPr>
+                  <p:cNvSpPr>
+                    <a:spLocks noChangeAspect="1" noChangeArrowheads="1"/>
+                  </p:cNvSpPr>
+                  <p:nvPr/>
+                </p:nvSpPr>
+                <p:spPr bwMode="auto">
+                  <a:xfrm>
+                    <a:off x="5943600" y="3276600"/>
+                    <a:ext cx="304800" cy="304800"/>
+                  </a:xfrm>
+                  <a:prstGeom prst="rect">
+                    <a:avLst/>
+                  </a:prstGeom>
+                  <a:noFill/>
+                  <a:extLst>
+                    <a:ext uri="{909E8E84-426E-40DD-AFC4-6F175D3DCCD1}">
+                      <a14:hiddenFill xmlns:a14="http://schemas.microsoft.com/office/drawing/2010/main">
+                        <a:solidFill>
+                          <a:srgbClr val="FFFFFF"/>
+                        </a:solidFill>
+                      </a14:hiddenFill>
+                    </a:ext>
+                  </a:extLst>
+                </p:spPr>
+                <p:txBody>
+                  <a:bodyPr vert="horz" wrap="square" lIns="91440" tIns="45720" rIns="91440" bIns="45720" numCol="1" anchor="t" anchorCtr="0" compatLnSpc="1">
+                    <a:prstTxWarp prst="textNoShape">
+                      <a:avLst/>
+                    </a:prstTxWarp>
+                  </a:bodyPr>
+                  <a:lstStyle/>
+                  <a:p>
+                    <a:endParaRPr lang="zh-CN" altLang="en-US"/>
+                  </a:p>
+                </p:txBody>
+              </p:sp>
+              <p:grpSp>
+                <p:nvGrpSpPr>
+                  <p:cNvPr id="20" name="组合 19">
+                    <a:extLst>
+                      <a:ext uri="{FF2B5EF4-FFF2-40B4-BE49-F238E27FC236}">
+                        <a16:creationId xmlns:a16="http://schemas.microsoft.com/office/drawing/2014/main" id="{AA71C30E-7F19-4319-8709-CD42F771EA02}"/>
+                      </a:ext>
+                    </a:extLst>
+                  </p:cNvPr>
+                  <p:cNvGrpSpPr/>
+                  <p:nvPr/>
+                </p:nvGrpSpPr>
+                <p:grpSpPr>
+                  <a:xfrm>
+                    <a:off x="6482212" y="2114279"/>
+                    <a:ext cx="930754" cy="496301"/>
+                    <a:chOff x="6482212" y="2114279"/>
+                    <a:chExt cx="930754" cy="496301"/>
+                  </a:xfrm>
+                </p:grpSpPr>
+                <p:sp>
+                  <p:nvSpPr>
+                    <p:cNvPr id="21" name="矩形: 圆角 55">
+                      <a:extLst>
+                        <a:ext uri="{FF2B5EF4-FFF2-40B4-BE49-F238E27FC236}">
+                          <a16:creationId xmlns:a16="http://schemas.microsoft.com/office/drawing/2014/main" id="{FCD5AD6C-9D99-4054-8E68-056807B2378F}"/>
+                        </a:ext>
+                      </a:extLst>
+                    </p:cNvPr>
+                    <p:cNvSpPr/>
+                    <p:nvPr/>
+                  </p:nvSpPr>
+                  <p:spPr>
+                    <a:xfrm>
+                      <a:off x="6482212" y="2114279"/>
+                      <a:ext cx="930754" cy="496301"/>
+                    </a:xfrm>
+                    <a:prstGeom prst="roundRect">
+                      <a:avLst/>
+                    </a:prstGeom>
+                    <a:solidFill>
+                      <a:schemeClr val="bg1"/>
+                    </a:solidFill>
+                    <a:ln>
+                      <a:solidFill>
+                        <a:schemeClr val="tx1"/>
+                      </a:solidFill>
+                    </a:ln>
+                  </p:spPr>
+                  <p:style>
+                    <a:lnRef idx="2">
+                      <a:schemeClr val="accent1">
+                        <a:shade val="50000"/>
+                      </a:schemeClr>
+                    </a:lnRef>
+                    <a:fillRef idx="1">
+                      <a:schemeClr val="accent1"/>
+                    </a:fillRef>
+                    <a:effectRef idx="0">
+                      <a:schemeClr val="accent1"/>
+                    </a:effectRef>
+                    <a:fontRef idx="minor">
+                      <a:schemeClr val="lt1"/>
+                    </a:fontRef>
+                  </p:style>
+                  <p:txBody>
+                    <a:bodyPr rtlCol="0" anchor="ctr"/>
+                    <a:lstStyle/>
+                    <a:p>
+                      <a:pPr algn="ctr"/>
+                      <a:endParaRPr lang="zh-CN" altLang="en-US" dirty="0"/>
+                    </a:p>
+                  </p:txBody>
+                </p:sp>
+                <p:pic>
+                  <p:nvPicPr>
+                    <p:cNvPr id="23" name="图片 22">
+                      <a:extLst>
+                        <a:ext uri="{FF2B5EF4-FFF2-40B4-BE49-F238E27FC236}">
+                          <a16:creationId xmlns:a16="http://schemas.microsoft.com/office/drawing/2014/main" id="{10F046C1-969F-4A95-96EB-56ACF3459F5A}"/>
+                        </a:ext>
+                      </a:extLst>
+                    </p:cNvPr>
+                    <p:cNvPicPr>
+                      <a:picLocks noChangeAspect="1"/>
+                    </p:cNvPicPr>
+                    <p:nvPr/>
+                  </p:nvPicPr>
+                  <p:blipFill>
+                    <a:blip r:embed="rId5" cstate="hqprint">
+                      <a:extLst>
+                        <a:ext uri="{28A0092B-C50C-407E-A947-70E740481C1C}">
+                          <a14:useLocalDpi xmlns:a14="http://schemas.microsoft.com/office/drawing/2010/main" val="0"/>
+                        </a:ext>
+                      </a:extLst>
+                    </a:blip>
+                    <a:stretch>
+                      <a:fillRect/>
+                    </a:stretch>
+                  </p:blipFill>
+                  <p:spPr>
+                    <a:xfrm>
+                      <a:off x="6686746" y="2160924"/>
+                      <a:ext cx="527078" cy="372315"/>
+                    </a:xfrm>
+                    <a:prstGeom prst="rect">
+                      <a:avLst/>
+                    </a:prstGeom>
+                  </p:spPr>
+                </p:pic>
+              </p:grpSp>
+            </p:grpSp>
+            <p:sp>
+              <p:nvSpPr>
+                <p:cNvPr id="14" name="文本框 13">
+                  <a:extLst>
+                    <a:ext uri="{FF2B5EF4-FFF2-40B4-BE49-F238E27FC236}">
+                      <a16:creationId xmlns:a16="http://schemas.microsoft.com/office/drawing/2014/main" id="{EA46B4B1-0EF9-4728-8D0F-A2641FC5D04C}"/>
+                    </a:ext>
+                  </a:extLst>
+                </p:cNvPr>
+                <p:cNvSpPr txBox="1"/>
+                <p:nvPr/>
+              </p:nvSpPr>
+              <p:spPr>
+                <a:xfrm>
+                  <a:off x="2244681" y="2512306"/>
+                  <a:ext cx="430887" cy="402666"/>
+                </a:xfrm>
+                <a:prstGeom prst="rect">
+                  <a:avLst/>
+                </a:prstGeom>
+                <a:noFill/>
+              </p:spPr>
+              <p:txBody>
+                <a:bodyPr vert="vert270" wrap="square" rtlCol="0" anchor="ctr" anchorCtr="1">
+                  <a:spAutoFit/>
+                </a:bodyPr>
+                <a:lstStyle/>
+                <a:p>
+                  <a:r>
+                    <a:rPr lang="en-US" altLang="zh-CN" sz="1600" kern="0" spc="500" dirty="0">
+                      <a:latin typeface="Arial Rounded MT Bold" panose="020F0704030504030204" pitchFamily="34" charset="0"/>
+                    </a:rPr>
+                    <a:t>…</a:t>
+                  </a:r>
+                  <a:endParaRPr lang="zh-CN" altLang="en-US" sz="1600" kern="0" spc="500" dirty="0">
+                    <a:latin typeface="Arial Rounded MT Bold" panose="020F0704030504030204" pitchFamily="34" charset="0"/>
+                  </a:endParaRPr>
+                </a:p>
+              </p:txBody>
+            </p:sp>
+          </p:grpSp>
+          <p:sp>
+            <p:nvSpPr>
+              <p:cNvPr id="48" name="矩形: 圆角 20">
+                <a:extLst>
+                  <a:ext uri="{FF2B5EF4-FFF2-40B4-BE49-F238E27FC236}">
+                    <a16:creationId xmlns:a16="http://schemas.microsoft.com/office/drawing/2014/main" id="{F07BC399-5DB5-48FF-8323-95E1CBC2BE99}"/>
+                  </a:ext>
+                </a:extLst>
+              </p:cNvPr>
+              <p:cNvSpPr/>
+              <p:nvPr/>
+            </p:nvSpPr>
+            <p:spPr>
+              <a:xfrm>
+                <a:off x="1678645" y="3415353"/>
+                <a:ext cx="1852329" cy="833834"/>
+              </a:xfrm>
+              <a:prstGeom prst="roundRect">
+                <a:avLst/>
+              </a:prstGeom>
+              <a:solidFill>
+                <a:schemeClr val="bg1"/>
+              </a:solidFill>
+              <a:ln>
+                <a:solidFill>
+                  <a:schemeClr val="tx1"/>
+                </a:solidFill>
+              </a:ln>
+            </p:spPr>
+            <p:style>
+              <a:lnRef idx="2">
+                <a:schemeClr val="accent1">
+                  <a:shade val="50000"/>
+                </a:schemeClr>
+              </a:lnRef>
+              <a:fillRef idx="1">
+                <a:schemeClr val="accent1"/>
+              </a:fillRef>
+              <a:effectRef idx="0">
+                <a:schemeClr val="accent1"/>
+              </a:effectRef>
+              <a:fontRef idx="minor">
+                <a:schemeClr val="lt1"/>
+              </a:fontRef>
+            </p:style>
+            <p:txBody>
+              <a:bodyPr rtlCol="0" anchor="ctr"/>
+              <a:lstStyle/>
+              <a:p>
+                <a:pPr algn="ctr"/>
+                <a:endParaRPr lang="zh-CN" altLang="en-US"/>
+              </a:p>
+            </p:txBody>
+          </p:sp>
+        </p:grpSp>
+        <p:sp>
+          <p:nvSpPr>
+            <p:cNvPr id="49" name="文本框 48">
+              <a:extLst>
+                <a:ext uri="{FF2B5EF4-FFF2-40B4-BE49-F238E27FC236}">
+                  <a16:creationId xmlns:a16="http://schemas.microsoft.com/office/drawing/2014/main" id="{32A74A8B-84F6-4D56-AD3E-44E227A28488}"/>
+                </a:ext>
+              </a:extLst>
+            </p:cNvPr>
+            <p:cNvSpPr txBox="1"/>
+            <p:nvPr/>
+          </p:nvSpPr>
+          <p:spPr>
+            <a:xfrm>
+              <a:off x="2326448" y="3422706"/>
+              <a:ext cx="612605" cy="246221"/>
+            </a:xfrm>
+            <a:prstGeom prst="rect">
+              <a:avLst/>
+            </a:prstGeom>
+            <a:noFill/>
+          </p:spPr>
+          <p:txBody>
+            <a:bodyPr wrap="square" rtlCol="0">
+              <a:spAutoFit/>
+            </a:bodyPr>
+            <a:lstStyle/>
+            <a:p>
+              <a:r>
+                <a:rPr lang="en-US" altLang="zh-CN" sz="1000" dirty="0" smtClean="0">
+                  <a:latin typeface="Arial Rounded MT Bold" panose="020F0704030504030204" pitchFamily="34" charset="0"/>
+                </a:rPr>
+                <a:t>Pod M</a:t>
+              </a:r>
+              <a:endParaRPr lang="zh-CN" altLang="en-US" sz="1000" dirty="0">
+                <a:latin typeface="Arial Rounded MT Bold" panose="020F0704030504030204" pitchFamily="34" charset="0"/>
+              </a:endParaRPr>
+            </a:p>
+          </p:txBody>
+        </p:sp>
+        <p:sp>
+          <p:nvSpPr>
+            <p:cNvPr id="50" name="矩形: 圆角 22">
+              <a:extLst>
+                <a:ext uri="{FF2B5EF4-FFF2-40B4-BE49-F238E27FC236}">
+                  <a16:creationId xmlns:a16="http://schemas.microsoft.com/office/drawing/2014/main" id="{031C34A3-840E-42CE-8243-216BB6C38418}"/>
+                </a:ext>
+              </a:extLst>
+            </p:cNvPr>
+            <p:cNvSpPr/>
+            <p:nvPr/>
+          </p:nvSpPr>
+          <p:spPr>
+            <a:xfrm>
+              <a:off x="1770418" y="3634764"/>
+              <a:ext cx="722904" cy="481634"/>
+            </a:xfrm>
+            <a:prstGeom prst="roundRect">
+              <a:avLst/>
+            </a:prstGeom>
+            <a:solidFill>
+              <a:schemeClr val="bg1"/>
+            </a:solidFill>
+            <a:ln>
+              <a:solidFill>
+                <a:schemeClr val="tx1"/>
+              </a:solidFill>
+            </a:ln>
+          </p:spPr>
+          <p:style>
+            <a:lnRef idx="2">
+              <a:schemeClr val="accent1">
+                <a:shade val="50000"/>
+              </a:schemeClr>
+            </a:lnRef>
+            <a:fillRef idx="1">
+              <a:schemeClr val="accent1"/>
+            </a:fillRef>
+            <a:effectRef idx="0">
+              <a:schemeClr val="accent1"/>
+            </a:effectRef>
+            <a:fontRef idx="minor">
+              <a:schemeClr val="lt1"/>
+            </a:fontRef>
+          </p:style>
+          <p:txBody>
+            <a:bodyPr rtlCol="0" anchor="ctr"/>
+            <a:lstStyle/>
+            <a:p>
+              <a:pPr algn="ctr"/>
+              <a:endParaRPr lang="zh-CN" altLang="en-US" dirty="0"/>
+            </a:p>
+          </p:txBody>
+        </p:sp>
+        <p:pic>
+          <p:nvPicPr>
+            <p:cNvPr id="51" name="图片 50">
+              <a:extLst>
+                <a:ext uri="{FF2B5EF4-FFF2-40B4-BE49-F238E27FC236}">
+                  <a16:creationId xmlns:a16="http://schemas.microsoft.com/office/drawing/2014/main" id="{995F33F6-B9F1-4E96-BC4B-55C3A0C50524}"/>
+                </a:ext>
+              </a:extLst>
+            </p:cNvPr>
+            <p:cNvPicPr>
+              <a:picLocks noChangeAspect="1"/>
+            </p:cNvPicPr>
+            <p:nvPr/>
+          </p:nvPicPr>
+          <p:blipFill>
+            <a:blip r:embed="rId4" cstate="hqprint">
+              <a:extLst>
+                <a:ext uri="{28A0092B-C50C-407E-A947-70E740481C1C}">
+                  <a14:useLocalDpi xmlns:a14="http://schemas.microsoft.com/office/drawing/2010/main" val="0"/>
+                </a:ext>
+              </a:extLst>
+            </a:blip>
+            <a:stretch>
+              <a:fillRect/>
+            </a:stretch>
+          </p:blipFill>
+          <p:spPr>
+            <a:xfrm>
+              <a:off x="1866109" y="3648075"/>
+              <a:ext cx="534347" cy="491602"/>
+            </a:xfrm>
+            <a:prstGeom prst="rect">
+              <a:avLst/>
+            </a:prstGeom>
+          </p:spPr>
+        </p:pic>
+        <p:sp>
+          <p:nvSpPr>
+            <p:cNvPr id="52" name="文本框 51">
+              <a:extLst>
+                <a:ext uri="{FF2B5EF4-FFF2-40B4-BE49-F238E27FC236}">
+                  <a16:creationId xmlns:a16="http://schemas.microsoft.com/office/drawing/2014/main" id="{EC2CB09B-FEC3-4FCD-9C05-1866ABE6A8F1}"/>
+                </a:ext>
+              </a:extLst>
+            </p:cNvPr>
+            <p:cNvSpPr txBox="1"/>
+            <p:nvPr/>
+          </p:nvSpPr>
+          <p:spPr>
+            <a:xfrm>
+              <a:off x="2433616" y="4031846"/>
+              <a:ext cx="1142785" cy="246221"/>
+            </a:xfrm>
+            <a:prstGeom prst="rect">
+              <a:avLst/>
+            </a:prstGeom>
+            <a:noFill/>
+          </p:spPr>
+          <p:txBody>
+            <a:bodyPr wrap="square" rtlCol="0">
+              <a:spAutoFit/>
+            </a:bodyPr>
+            <a:lstStyle/>
+            <a:p>
+              <a:pPr algn="ctr"/>
+              <a:r>
+                <a:rPr lang="en-US" altLang="zh-CN" sz="1000" b="1" dirty="0">
+                  <a:latin typeface="+mn-ea"/>
+                </a:rPr>
+                <a:t>Envoy as sidecar</a:t>
+              </a:r>
+              <a:endParaRPr lang="zh-CN" altLang="en-US" sz="1000" b="1" dirty="0">
+                <a:latin typeface="+mn-ea"/>
+              </a:endParaRPr>
+            </a:p>
+          </p:txBody>
+        </p:sp>
+        <p:sp>
+          <p:nvSpPr>
+            <p:cNvPr id="53" name="矩形: 圆角 55">
+              <a:extLst>
+                <a:ext uri="{FF2B5EF4-FFF2-40B4-BE49-F238E27FC236}">
+                  <a16:creationId xmlns:a16="http://schemas.microsoft.com/office/drawing/2014/main" id="{FCD5AD6C-9D99-4054-8E68-056807B2378F}"/>
+                </a:ext>
+              </a:extLst>
+            </p:cNvPr>
+            <p:cNvSpPr/>
+            <p:nvPr/>
+          </p:nvSpPr>
+          <p:spPr>
+            <a:xfrm>
+              <a:off x="2655055" y="3649131"/>
+              <a:ext cx="758575" cy="447145"/>
+            </a:xfrm>
+            <a:prstGeom prst="roundRect">
+              <a:avLst/>
+            </a:prstGeom>
+            <a:solidFill>
+              <a:schemeClr val="bg1"/>
+            </a:solidFill>
+            <a:ln>
+              <a:solidFill>
+                <a:schemeClr val="tx1"/>
+              </a:solidFill>
+            </a:ln>
+          </p:spPr>
+          <p:style>
+            <a:lnRef idx="2">
+              <a:schemeClr val="accent1">
+                <a:shade val="50000"/>
+              </a:schemeClr>
+            </a:lnRef>
+            <a:fillRef idx="1">
+              <a:schemeClr val="accent1"/>
+            </a:fillRef>
+            <a:effectRef idx="0">
+              <a:schemeClr val="accent1"/>
+            </a:effectRef>
+            <a:fontRef idx="minor">
+              <a:schemeClr val="lt1"/>
+            </a:fontRef>
+          </p:style>
+          <p:txBody>
+            <a:bodyPr rtlCol="0" anchor="ctr"/>
+            <a:lstStyle/>
+            <a:p>
+              <a:pPr algn="ctr"/>
+              <a:endParaRPr lang="zh-CN" altLang="en-US" dirty="0"/>
+            </a:p>
+          </p:txBody>
+        </p:sp>
+        <p:pic>
+          <p:nvPicPr>
+            <p:cNvPr id="54" name="图片 53">
+              <a:extLst>
+                <a:ext uri="{FF2B5EF4-FFF2-40B4-BE49-F238E27FC236}">
+                  <a16:creationId xmlns:a16="http://schemas.microsoft.com/office/drawing/2014/main" id="{10F046C1-969F-4A95-96EB-56ACF3459F5A}"/>
+                </a:ext>
+              </a:extLst>
+            </p:cNvPr>
+            <p:cNvPicPr>
+              <a:picLocks noChangeAspect="1"/>
+            </p:cNvPicPr>
+            <p:nvPr/>
+          </p:nvPicPr>
+          <p:blipFill>
+            <a:blip r:embed="rId5" cstate="hqprint">
+              <a:extLst>
+                <a:ext uri="{28A0092B-C50C-407E-A947-70E740481C1C}">
+                  <a14:useLocalDpi xmlns:a14="http://schemas.microsoft.com/office/drawing/2010/main" val="0"/>
+                </a:ext>
+              </a:extLst>
+            </a:blip>
+            <a:stretch>
+              <a:fillRect/>
+            </a:stretch>
+          </p:blipFill>
+          <p:spPr>
+            <a:xfrm>
+              <a:off x="2835492" y="3696987"/>
+              <a:ext cx="424540" cy="312256"/>
+            </a:xfrm>
+            <a:prstGeom prst="rect">
+              <a:avLst/>
+            </a:prstGeom>
+          </p:spPr>
+        </p:pic>
+      </p:grpSp>
+      <p:grpSp>
+        <p:nvGrpSpPr>
+          <p:cNvPr id="127" name="组合 126"/>
+          <p:cNvGrpSpPr/>
+          <p:nvPr/>
+        </p:nvGrpSpPr>
+        <p:grpSpPr>
+          <a:xfrm>
+            <a:off x="1590121" y="3845895"/>
+            <a:ext cx="2029379" cy="1016533"/>
+            <a:chOff x="1590121" y="4455495"/>
+            <a:chExt cx="2029379" cy="1016533"/>
+          </a:xfrm>
+        </p:grpSpPr>
+        <p:sp>
+          <p:nvSpPr>
+            <p:cNvPr id="56" name="文本框 55">
+              <a:extLst>
+                <a:ext uri="{FF2B5EF4-FFF2-40B4-BE49-F238E27FC236}">
+                  <a16:creationId xmlns:a16="http://schemas.microsoft.com/office/drawing/2014/main" id="{EA46B4B1-0EF9-4728-8D0F-A2641FC5D04C}"/>
+                </a:ext>
+              </a:extLst>
+            </p:cNvPr>
+            <p:cNvSpPr txBox="1"/>
+            <p:nvPr/>
+          </p:nvSpPr>
+          <p:spPr>
+            <a:xfrm>
+              <a:off x="2312576" y="4455495"/>
+              <a:ext cx="435772" cy="467322"/>
+            </a:xfrm>
+            <a:prstGeom prst="rect">
+              <a:avLst/>
+            </a:prstGeom>
+            <a:noFill/>
+          </p:spPr>
+          <p:txBody>
+            <a:bodyPr vert="vert270" wrap="square" rtlCol="0" anchor="ctr" anchorCtr="1">
+              <a:spAutoFit/>
+            </a:bodyPr>
+            <a:lstStyle/>
+            <a:p>
+              <a:r>
+                <a:rPr lang="en-US" altLang="zh-CN" sz="1600" kern="0" spc="500" dirty="0">
+                  <a:latin typeface="Arial Rounded MT Bold" panose="020F0704030504030204" pitchFamily="34" charset="0"/>
+                </a:rPr>
+                <a:t>…</a:t>
+              </a:r>
+              <a:endParaRPr lang="zh-CN" altLang="en-US" sz="1600" kern="0" spc="500" dirty="0">
+                <a:latin typeface="Arial Rounded MT Bold" panose="020F0704030504030204" pitchFamily="34" charset="0"/>
+              </a:endParaRPr>
+            </a:p>
+          </p:txBody>
+        </p:sp>
+        <p:grpSp>
+          <p:nvGrpSpPr>
+            <p:cNvPr id="126" name="组合 125"/>
+            <p:cNvGrpSpPr/>
+            <p:nvPr/>
+          </p:nvGrpSpPr>
+          <p:grpSpPr>
+            <a:xfrm>
+              <a:off x="1590121" y="4884674"/>
+              <a:ext cx="2029379" cy="587354"/>
+              <a:chOff x="1590121" y="4884674"/>
+              <a:chExt cx="2029379" cy="587354"/>
+            </a:xfrm>
+          </p:grpSpPr>
+          <p:sp>
+            <p:nvSpPr>
+              <p:cNvPr id="55" name="矩形: 圆角 6">
+                <a:extLst>
+                  <a:ext uri="{FF2B5EF4-FFF2-40B4-BE49-F238E27FC236}">
+                    <a16:creationId xmlns:a16="http://schemas.microsoft.com/office/drawing/2014/main" id="{409BAC9F-1571-4028-AC81-E675A0EE397B}"/>
+                  </a:ext>
+                </a:extLst>
+              </p:cNvPr>
+              <p:cNvSpPr/>
+              <p:nvPr/>
+            </p:nvSpPr>
+            <p:spPr>
+              <a:xfrm>
+                <a:off x="1590121" y="4884674"/>
+                <a:ext cx="2029379" cy="587354"/>
+              </a:xfrm>
+              <a:prstGeom prst="roundRect">
+                <a:avLst/>
+              </a:prstGeom>
+              <a:noFill/>
+              <a:ln w="19050">
+                <a:solidFill>
+                  <a:schemeClr val="tx1"/>
+                </a:solidFill>
+              </a:ln>
+            </p:spPr>
+            <p:style>
+              <a:lnRef idx="2">
+                <a:schemeClr val="accent1">
+                  <a:shade val="50000"/>
+                </a:schemeClr>
+              </a:lnRef>
+              <a:fillRef idx="1">
+                <a:schemeClr val="accent1"/>
+              </a:fillRef>
+              <a:effectRef idx="0">
+                <a:schemeClr val="accent1"/>
+              </a:effectRef>
+              <a:fontRef idx="minor">
+                <a:schemeClr val="lt1"/>
+              </a:fontRef>
+            </p:style>
+            <p:txBody>
+              <a:bodyPr rtlCol="0" anchor="ctr"/>
+              <a:lstStyle/>
+              <a:p>
+                <a:pPr algn="ctr"/>
+                <a:endParaRPr lang="zh-CN" altLang="en-US"/>
+              </a:p>
+            </p:txBody>
+          </p:sp>
+          <p:sp>
+            <p:nvSpPr>
+              <p:cNvPr id="57" name="文本框 56">
+                <a:extLst>
+                  <a:ext uri="{FF2B5EF4-FFF2-40B4-BE49-F238E27FC236}">
+                    <a16:creationId xmlns:a16="http://schemas.microsoft.com/office/drawing/2014/main" id="{111A9B66-1AF0-441A-97E9-97B791AC27B0}"/>
+                  </a:ext>
+                </a:extLst>
+              </p:cNvPr>
+              <p:cNvSpPr txBox="1"/>
+              <p:nvPr/>
+            </p:nvSpPr>
+            <p:spPr>
+              <a:xfrm>
+                <a:off x="2226887" y="4923663"/>
+                <a:ext cx="1024968" cy="307777"/>
+              </a:xfrm>
+              <a:prstGeom prst="rect">
+                <a:avLst/>
+              </a:prstGeom>
+              <a:noFill/>
+            </p:spPr>
+            <p:txBody>
+              <a:bodyPr wrap="square" rtlCol="0">
+                <a:spAutoFit/>
+              </a:bodyPr>
+              <a:lstStyle/>
+              <a:p>
+                <a:r>
+                  <a:rPr lang="en-US" altLang="zh-CN" sz="1400" dirty="0">
+                    <a:latin typeface="Arial Rounded MT Bold" panose="020F0704030504030204" pitchFamily="34" charset="0"/>
+                  </a:rPr>
+                  <a:t>Node </a:t>
+                </a:r>
+                <a:r>
+                  <a:rPr lang="en-US" altLang="zh-CN" sz="1400" dirty="0">
+                    <a:latin typeface="Arial Rounded MT Bold" panose="020F0704030504030204" pitchFamily="34" charset="0"/>
+                  </a:rPr>
+                  <a:t>N</a:t>
+                </a:r>
+                <a:endParaRPr lang="zh-CN" altLang="en-US" sz="1400" dirty="0">
+                  <a:latin typeface="Arial Rounded MT Bold" panose="020F0704030504030204" pitchFamily="34" charset="0"/>
+                </a:endParaRPr>
+              </a:p>
+            </p:txBody>
+          </p:sp>
+        </p:grpSp>
+      </p:grpSp>
+      <p:grpSp>
+        <p:nvGrpSpPr>
+          <p:cNvPr id="58" name="组合 57">
+            <a:extLst>
+              <a:ext uri="{FF2B5EF4-FFF2-40B4-BE49-F238E27FC236}">
+                <a16:creationId xmlns:a16="http://schemas.microsoft.com/office/drawing/2014/main" id="{9BC456F8-253F-4A76-960C-3D40B225E79F}"/>
+              </a:ext>
+            </a:extLst>
+          </p:cNvPr>
+          <p:cNvGrpSpPr/>
+          <p:nvPr/>
+        </p:nvGrpSpPr>
+        <p:grpSpPr>
+          <a:xfrm>
+            <a:off x="4116456" y="1483064"/>
+            <a:ext cx="1150070" cy="2354109"/>
+            <a:chOff x="4053251" y="2253214"/>
+            <a:chExt cx="1150070" cy="2354109"/>
+          </a:xfrm>
+        </p:grpSpPr>
+        <p:sp>
+          <p:nvSpPr>
+            <p:cNvPr id="59" name="矩形: 圆角 177">
+              <a:extLst>
+                <a:ext uri="{FF2B5EF4-FFF2-40B4-BE49-F238E27FC236}">
+                  <a16:creationId xmlns:a16="http://schemas.microsoft.com/office/drawing/2014/main" id="{B2FC15F9-CCFE-4321-ADCA-2BD3DD75F654}"/>
+                </a:ext>
+              </a:extLst>
+            </p:cNvPr>
+            <p:cNvSpPr/>
+            <p:nvPr/>
+          </p:nvSpPr>
+          <p:spPr>
+            <a:xfrm>
+              <a:off x="4053251" y="2253214"/>
+              <a:ext cx="1150070" cy="2354109"/>
+            </a:xfrm>
+            <a:prstGeom prst="roundRect">
+              <a:avLst/>
+            </a:prstGeom>
+            <a:noFill/>
+            <a:ln w="19050">
+              <a:solidFill>
+                <a:schemeClr val="tx1"/>
+              </a:solidFill>
+            </a:ln>
+          </p:spPr>
+          <p:style>
+            <a:lnRef idx="2">
+              <a:schemeClr val="accent1">
+                <a:shade val="50000"/>
+              </a:schemeClr>
+            </a:lnRef>
+            <a:fillRef idx="1">
+              <a:schemeClr val="accent1"/>
+            </a:fillRef>
+            <a:effectRef idx="0">
+              <a:schemeClr val="accent1"/>
+            </a:effectRef>
+            <a:fontRef idx="minor">
+              <a:schemeClr val="lt1"/>
+            </a:fontRef>
+          </p:style>
+          <p:txBody>
+            <a:bodyPr rtlCol="0" anchor="ctr"/>
+            <a:lstStyle/>
+            <a:p>
+              <a:pPr algn="ctr"/>
+              <a:endParaRPr lang="zh-CN" altLang="en-US"/>
+            </a:p>
+          </p:txBody>
+        </p:sp>
+        <p:sp>
+          <p:nvSpPr>
+            <p:cNvPr id="60" name="矩形: 圆角 178">
+              <a:extLst>
+                <a:ext uri="{FF2B5EF4-FFF2-40B4-BE49-F238E27FC236}">
+                  <a16:creationId xmlns:a16="http://schemas.microsoft.com/office/drawing/2014/main" id="{55F34983-3016-49E8-82E7-5182AA2D96F5}"/>
+                </a:ext>
+              </a:extLst>
+            </p:cNvPr>
+            <p:cNvSpPr/>
+            <p:nvPr/>
+          </p:nvSpPr>
+          <p:spPr>
+            <a:xfrm>
+              <a:off x="4245618" y="2793417"/>
+              <a:ext cx="790562" cy="460143"/>
+            </a:xfrm>
+            <a:prstGeom prst="roundRect">
+              <a:avLst/>
+            </a:prstGeom>
+            <a:noFill/>
+            <a:ln>
+              <a:solidFill>
+                <a:schemeClr val="tx1"/>
+              </a:solidFill>
+            </a:ln>
+          </p:spPr>
+          <p:style>
+            <a:lnRef idx="2">
+              <a:schemeClr val="accent1">
+                <a:shade val="50000"/>
+              </a:schemeClr>
+            </a:lnRef>
+            <a:fillRef idx="1">
+              <a:schemeClr val="accent1"/>
+            </a:fillRef>
+            <a:effectRef idx="0">
+              <a:schemeClr val="accent1"/>
+            </a:effectRef>
+            <a:fontRef idx="minor">
+              <a:schemeClr val="lt1"/>
+            </a:fontRef>
+          </p:style>
+          <p:txBody>
+            <a:bodyPr rtlCol="0" anchor="ctr"/>
+            <a:lstStyle/>
+            <a:p>
+              <a:pPr algn="ctr"/>
+              <a:r>
+                <a:rPr lang="en-US" altLang="zh-CN" sz="1400" b="1" dirty="0">
+                  <a:solidFill>
+                    <a:schemeClr val="tx1"/>
+                  </a:solidFill>
+                </a:rPr>
+                <a:t>Pilot</a:t>
+              </a:r>
+              <a:endParaRPr lang="zh-CN" altLang="en-US" sz="1400" b="1" dirty="0">
+                <a:solidFill>
+                  <a:schemeClr val="tx1"/>
+                </a:solidFill>
+              </a:endParaRPr>
+            </a:p>
+          </p:txBody>
+        </p:sp>
+        <p:sp>
+          <p:nvSpPr>
+            <p:cNvPr id="61" name="矩形: 圆角 179">
+              <a:extLst>
+                <a:ext uri="{FF2B5EF4-FFF2-40B4-BE49-F238E27FC236}">
+                  <a16:creationId xmlns:a16="http://schemas.microsoft.com/office/drawing/2014/main" id="{34001735-0A96-4F98-9919-4881715F0248}"/>
+                </a:ext>
+              </a:extLst>
+            </p:cNvPr>
+            <p:cNvSpPr/>
+            <p:nvPr/>
+          </p:nvSpPr>
+          <p:spPr>
+            <a:xfrm>
+              <a:off x="4236454" y="3352972"/>
+              <a:ext cx="790562" cy="460143"/>
+            </a:xfrm>
+            <a:prstGeom prst="roundRect">
+              <a:avLst/>
+            </a:prstGeom>
+            <a:noFill/>
+            <a:ln>
+              <a:solidFill>
+                <a:schemeClr val="tx1"/>
+              </a:solidFill>
+            </a:ln>
+          </p:spPr>
+          <p:style>
+            <a:lnRef idx="2">
+              <a:schemeClr val="accent1">
+                <a:shade val="50000"/>
+              </a:schemeClr>
+            </a:lnRef>
+            <a:fillRef idx="1">
+              <a:schemeClr val="accent1"/>
+            </a:fillRef>
+            <a:effectRef idx="0">
+              <a:schemeClr val="accent1"/>
+            </a:effectRef>
+            <a:fontRef idx="minor">
+              <a:schemeClr val="lt1"/>
+            </a:fontRef>
+          </p:style>
+          <p:txBody>
+            <a:bodyPr rtlCol="0" anchor="ctr"/>
+            <a:lstStyle/>
+            <a:p>
+              <a:pPr algn="ctr"/>
+              <a:r>
+                <a:rPr lang="en-US" altLang="zh-CN" sz="1400" b="1" dirty="0">
+                  <a:solidFill>
+                    <a:schemeClr val="tx1"/>
+                  </a:solidFill>
+                </a:rPr>
+                <a:t>Mixer</a:t>
+              </a:r>
+              <a:endParaRPr lang="zh-CN" altLang="en-US" sz="1400" b="1" dirty="0">
+                <a:solidFill>
+                  <a:schemeClr val="tx1"/>
+                </a:solidFill>
+              </a:endParaRPr>
+            </a:p>
+          </p:txBody>
+        </p:sp>
+        <p:sp>
+          <p:nvSpPr>
+            <p:cNvPr id="62" name="矩形: 圆角 180">
+              <a:extLst>
+                <a:ext uri="{FF2B5EF4-FFF2-40B4-BE49-F238E27FC236}">
+                  <a16:creationId xmlns:a16="http://schemas.microsoft.com/office/drawing/2014/main" id="{97EBAC6E-D363-4454-B674-3F02F1898F5C}"/>
+                </a:ext>
+              </a:extLst>
+            </p:cNvPr>
+            <p:cNvSpPr/>
+            <p:nvPr/>
+          </p:nvSpPr>
+          <p:spPr>
+            <a:xfrm>
+              <a:off x="4241343" y="3977857"/>
+              <a:ext cx="790562" cy="460143"/>
+            </a:xfrm>
+            <a:prstGeom prst="roundRect">
+              <a:avLst/>
+            </a:prstGeom>
+            <a:noFill/>
+            <a:ln>
+              <a:solidFill>
+                <a:schemeClr val="tx1"/>
+              </a:solidFill>
+            </a:ln>
+          </p:spPr>
+          <p:style>
+            <a:lnRef idx="2">
+              <a:schemeClr val="accent1">
+                <a:shade val="50000"/>
+              </a:schemeClr>
+            </a:lnRef>
+            <a:fillRef idx="1">
+              <a:schemeClr val="accent1"/>
+            </a:fillRef>
+            <a:effectRef idx="0">
+              <a:schemeClr val="accent1"/>
+            </a:effectRef>
+            <a:fontRef idx="minor">
+              <a:schemeClr val="lt1"/>
+            </a:fontRef>
+          </p:style>
+          <p:txBody>
+            <a:bodyPr rtlCol="0" anchor="ctr"/>
+            <a:lstStyle/>
+            <a:p>
+              <a:pPr algn="ctr"/>
+              <a:r>
+                <a:rPr lang="en-US" altLang="zh-CN" sz="1400" b="1" dirty="0">
+                  <a:solidFill>
+                    <a:schemeClr val="tx1"/>
+                  </a:solidFill>
+                </a:rPr>
+                <a:t>Citadel</a:t>
+              </a:r>
+              <a:endParaRPr lang="zh-CN" altLang="en-US" sz="1400" b="1" dirty="0">
+                <a:solidFill>
+                  <a:schemeClr val="tx1"/>
+                </a:solidFill>
+              </a:endParaRPr>
+            </a:p>
+          </p:txBody>
+        </p:sp>
+        <p:grpSp>
+          <p:nvGrpSpPr>
+            <p:cNvPr id="63" name="组合 62">
+              <a:extLst>
+                <a:ext uri="{FF2B5EF4-FFF2-40B4-BE49-F238E27FC236}">
+                  <a16:creationId xmlns:a16="http://schemas.microsoft.com/office/drawing/2014/main" id="{A3711D66-5BCE-4260-8539-BFA0A8B711CD}"/>
+                </a:ext>
+              </a:extLst>
+            </p:cNvPr>
+            <p:cNvGrpSpPr/>
+            <p:nvPr/>
+          </p:nvGrpSpPr>
+          <p:grpSpPr>
+            <a:xfrm>
+              <a:off x="4160546" y="2379616"/>
+              <a:ext cx="880144" cy="342552"/>
+              <a:chOff x="4131556" y="2453741"/>
+              <a:chExt cx="880144" cy="342552"/>
+            </a:xfrm>
+          </p:grpSpPr>
+          <p:sp>
+            <p:nvSpPr>
+              <p:cNvPr id="64" name="文本框 63">
+                <a:extLst>
+                  <a:ext uri="{FF2B5EF4-FFF2-40B4-BE49-F238E27FC236}">
+                    <a16:creationId xmlns:a16="http://schemas.microsoft.com/office/drawing/2014/main" id="{0593C00C-D2FE-487A-85EA-DB74C93B42C6}"/>
+                  </a:ext>
+                </a:extLst>
+              </p:cNvPr>
+              <p:cNvSpPr txBox="1"/>
+              <p:nvPr/>
+            </p:nvSpPr>
+            <p:spPr>
+              <a:xfrm>
+                <a:off x="4131556" y="2457739"/>
+                <a:ext cx="614288" cy="338554"/>
+              </a:xfrm>
+              <a:prstGeom prst="rect">
+                <a:avLst/>
+              </a:prstGeom>
+              <a:noFill/>
+            </p:spPr>
+            <p:txBody>
+              <a:bodyPr wrap="square" rtlCol="0">
+                <a:spAutoFit/>
+              </a:bodyPr>
+              <a:lstStyle/>
+              <a:p>
+                <a:r>
+                  <a:rPr lang="en-US" altLang="zh-CN" sz="1600" dirty="0">
+                    <a:latin typeface="Arial Rounded MT Bold" panose="020F0704030504030204" pitchFamily="34" charset="0"/>
+                  </a:rPr>
+                  <a:t>Istio</a:t>
+                </a:r>
+                <a:endParaRPr lang="zh-CN" altLang="en-US" sz="1600" dirty="0">
+                  <a:latin typeface="Arial Rounded MT Bold" panose="020F0704030504030204" pitchFamily="34" charset="0"/>
+                </a:endParaRPr>
+              </a:p>
+            </p:txBody>
+          </p:sp>
+          <p:pic>
+            <p:nvPicPr>
+              <p:cNvPr id="65" name="图片 64">
+                <a:extLst>
+                  <a:ext uri="{FF2B5EF4-FFF2-40B4-BE49-F238E27FC236}">
+                    <a16:creationId xmlns:a16="http://schemas.microsoft.com/office/drawing/2014/main" id="{E2C68F18-02A7-4887-B800-F8F8AA727DFE}"/>
+                  </a:ext>
+                </a:extLst>
+              </p:cNvPr>
+              <p:cNvPicPr>
+                <a:picLocks noChangeAspect="1"/>
+              </p:cNvPicPr>
+              <p:nvPr/>
+            </p:nvPicPr>
+            <p:blipFill>
+              <a:blip r:embed="rId6">
+                <a:extLst>
+                  <a:ext uri="{28A0092B-C50C-407E-A947-70E740481C1C}">
+                    <a14:useLocalDpi xmlns:a14="http://schemas.microsoft.com/office/drawing/2010/main" val="0"/>
+                  </a:ext>
+                </a:extLst>
+              </a:blip>
+              <a:stretch>
+                <a:fillRect/>
+              </a:stretch>
+            </p:blipFill>
+            <p:spPr>
+              <a:xfrm>
+                <a:off x="4675138" y="2453741"/>
+                <a:ext cx="336562" cy="315772"/>
+              </a:xfrm>
+              <a:prstGeom prst="rect">
+                <a:avLst/>
+              </a:prstGeom>
+            </p:spPr>
+          </p:pic>
+        </p:grpSp>
+      </p:grpSp>
+      <p:cxnSp>
+        <p:nvCxnSpPr>
+          <p:cNvPr id="70" name="直接箭头连接符 69">
+            <a:extLst>
+              <a:ext uri="{FF2B5EF4-FFF2-40B4-BE49-F238E27FC236}">
+                <a16:creationId xmlns:a16="http://schemas.microsoft.com/office/drawing/2014/main" id="{1D5DAD3C-D1BB-4151-A634-91ACB6AA95C5}"/>
+              </a:ext>
+            </a:extLst>
+          </p:cNvPr>
+          <p:cNvCxnSpPr>
+            <a:stCxn id="21" idx="3"/>
+            <a:endCxn id="61" idx="1"/>
+          </p:cNvCxnSpPr>
+          <p:nvPr/>
+        </p:nvCxnSpPr>
+        <p:spPr>
+          <a:xfrm>
+            <a:off x="3367618" y="2233469"/>
+            <a:ext cx="932041" cy="579425"/>
+          </a:xfrm>
+          <a:prstGeom prst="straightConnector1">
+            <a:avLst/>
+          </a:prstGeom>
+          <a:ln w="12700">
+            <a:solidFill>
+              <a:schemeClr val="tx1"/>
+            </a:solidFill>
+            <a:tailEnd type="triangle"/>
+          </a:ln>
+        </p:spPr>
+        <p:style>
+          <a:lnRef idx="1">
+            <a:schemeClr val="accent1"/>
+          </a:lnRef>
+          <a:fillRef idx="0">
+            <a:schemeClr val="accent1"/>
+          </a:fillRef>
+          <a:effectRef idx="0">
+            <a:schemeClr val="accent1"/>
+          </a:effectRef>
+          <a:fontRef idx="minor">
+            <a:schemeClr val="tx1"/>
+          </a:fontRef>
+        </p:style>
+      </p:cxnSp>
+      <p:grpSp>
+        <p:nvGrpSpPr>
+          <p:cNvPr id="78" name="组合 77">
+            <a:extLst>
+              <a:ext uri="{FF2B5EF4-FFF2-40B4-BE49-F238E27FC236}">
+                <a16:creationId xmlns:a16="http://schemas.microsoft.com/office/drawing/2014/main" id="{9EF26797-31F0-40E3-8CE0-EC7BA448B24C}"/>
+              </a:ext>
+            </a:extLst>
+          </p:cNvPr>
+          <p:cNvGrpSpPr/>
+          <p:nvPr/>
+        </p:nvGrpSpPr>
+        <p:grpSpPr>
+          <a:xfrm>
+            <a:off x="6705802" y="785933"/>
+            <a:ext cx="1251258" cy="1158935"/>
+            <a:chOff x="10287392" y="2494640"/>
+            <a:chExt cx="1537623" cy="1386334"/>
+          </a:xfrm>
+        </p:grpSpPr>
+        <p:pic>
+          <p:nvPicPr>
+            <p:cNvPr id="79" name="图片 78">
+              <a:extLst>
+                <a:ext uri="{FF2B5EF4-FFF2-40B4-BE49-F238E27FC236}">
+                  <a16:creationId xmlns:a16="http://schemas.microsoft.com/office/drawing/2014/main" id="{1457C225-3188-4CA3-B425-457ED549C2D0}"/>
+                </a:ext>
+              </a:extLst>
+            </p:cNvPr>
+            <p:cNvPicPr preferRelativeResize="0">
+              <a:picLocks noChangeAspect="1"/>
+            </p:cNvPicPr>
+            <p:nvPr/>
+          </p:nvPicPr>
+          <p:blipFill>
+            <a:blip r:embed="rId7">
+              <a:extLst>
+                <a:ext uri="{28A0092B-C50C-407E-A947-70E740481C1C}">
+                  <a14:useLocalDpi xmlns:a14="http://schemas.microsoft.com/office/drawing/2010/main" val="0"/>
+                </a:ext>
+              </a:extLst>
+            </a:blip>
+            <a:stretch>
+              <a:fillRect/>
+            </a:stretch>
+          </p:blipFill>
+          <p:spPr>
+            <a:xfrm>
+              <a:off x="10287392" y="2494640"/>
+              <a:ext cx="1186528" cy="1121269"/>
+            </a:xfrm>
+            <a:prstGeom prst="rect">
+              <a:avLst/>
+            </a:prstGeom>
+          </p:spPr>
+        </p:pic>
+        <p:sp>
+          <p:nvSpPr>
+            <p:cNvPr id="80" name="文本框 79">
+              <a:extLst>
+                <a:ext uri="{FF2B5EF4-FFF2-40B4-BE49-F238E27FC236}">
+                  <a16:creationId xmlns:a16="http://schemas.microsoft.com/office/drawing/2014/main" id="{72A427C5-DC09-40ED-81D2-86D34B79A080}"/>
+                </a:ext>
+              </a:extLst>
+            </p:cNvPr>
+            <p:cNvSpPr txBox="1"/>
+            <p:nvPr/>
+          </p:nvSpPr>
+          <p:spPr>
+            <a:xfrm>
+              <a:off x="10390395" y="3475991"/>
+              <a:ext cx="1434620" cy="404983"/>
+            </a:xfrm>
+            <a:prstGeom prst="rect">
+              <a:avLst/>
+            </a:prstGeom>
+            <a:noFill/>
+          </p:spPr>
+          <p:txBody>
+            <a:bodyPr wrap="square" rtlCol="0">
+              <a:spAutoFit/>
+            </a:bodyPr>
+            <a:lstStyle/>
+            <a:p>
+              <a:r>
+                <a:rPr lang="en-US" altLang="zh-CN" sz="1600" dirty="0">
+                  <a:latin typeface="Arial Rounded MT Bold" panose="020F0704030504030204" pitchFamily="34" charset="0"/>
+                </a:rPr>
+                <a:t>Logstash</a:t>
+              </a:r>
+              <a:endParaRPr lang="zh-CN" altLang="en-US" sz="1600" dirty="0">
+                <a:latin typeface="Arial Rounded MT Bold" panose="020F0704030504030204" pitchFamily="34" charset="0"/>
+              </a:endParaRPr>
+            </a:p>
+          </p:txBody>
+        </p:sp>
+      </p:grpSp>
+      <p:grpSp>
+        <p:nvGrpSpPr>
+          <p:cNvPr id="86" name="组合 85"/>
+          <p:cNvGrpSpPr/>
+          <p:nvPr/>
+        </p:nvGrpSpPr>
+        <p:grpSpPr>
+          <a:xfrm>
+            <a:off x="3515521" y="990152"/>
+            <a:ext cx="3190281" cy="276999"/>
+            <a:chOff x="3505937" y="1113570"/>
+            <a:chExt cx="3190281" cy="276999"/>
+          </a:xfrm>
+        </p:grpSpPr>
+        <p:sp>
+          <p:nvSpPr>
+            <p:cNvPr id="81" name="文本框 80">
+              <a:extLst>
+                <a:ext uri="{FF2B5EF4-FFF2-40B4-BE49-F238E27FC236}">
+                  <a16:creationId xmlns:a16="http://schemas.microsoft.com/office/drawing/2014/main" id="{724B9F02-F62E-4A02-9DCD-AD5A998239E5}"/>
+                </a:ext>
+              </a:extLst>
+            </p:cNvPr>
+            <p:cNvSpPr txBox="1"/>
+            <p:nvPr/>
+          </p:nvSpPr>
+          <p:spPr>
+            <a:xfrm>
+              <a:off x="5697340" y="1113570"/>
+              <a:ext cx="621824" cy="276999"/>
+            </a:xfrm>
+            <a:prstGeom prst="rect">
+              <a:avLst/>
+            </a:prstGeom>
+            <a:noFill/>
+          </p:spPr>
+          <p:txBody>
+            <a:bodyPr wrap="square" rtlCol="0">
+              <a:spAutoFit/>
+            </a:bodyPr>
+            <a:lstStyle/>
+            <a:p>
+              <a:r>
+                <a:rPr lang="en-US" altLang="zh-CN" sz="1200" dirty="0" smtClean="0">
+                  <a:latin typeface="Arial Rounded MT Bold" panose="020F0704030504030204" pitchFamily="34" charset="0"/>
+                </a:rPr>
+                <a:t>Log</a:t>
+              </a:r>
+              <a:endParaRPr lang="zh-CN" altLang="en-US" sz="1200" dirty="0">
+                <a:latin typeface="Arial Rounded MT Bold" panose="020F0704030504030204" pitchFamily="34" charset="0"/>
+              </a:endParaRPr>
+            </a:p>
+          </p:txBody>
+        </p:sp>
+        <p:cxnSp>
+          <p:nvCxnSpPr>
+            <p:cNvPr id="82" name="直接箭头连接符 81">
+              <a:extLst>
+                <a:ext uri="{FF2B5EF4-FFF2-40B4-BE49-F238E27FC236}">
+                  <a16:creationId xmlns:a16="http://schemas.microsoft.com/office/drawing/2014/main" id="{D28CD575-3354-427B-9250-0692575F9390}"/>
+                </a:ext>
+              </a:extLst>
+            </p:cNvPr>
+            <p:cNvCxnSpPr>
+              <a:stCxn id="42" idx="3"/>
+              <a:endCxn id="79" idx="1"/>
+            </p:cNvCxnSpPr>
+            <p:nvPr/>
+          </p:nvCxnSpPr>
+          <p:spPr>
+            <a:xfrm flipV="1">
+              <a:off x="3505937" y="1378025"/>
+              <a:ext cx="3190281" cy="11495"/>
+            </a:xfrm>
+            <a:prstGeom prst="straightConnector1">
+              <a:avLst/>
+            </a:prstGeom>
+            <a:ln w="12700">
+              <a:solidFill>
+                <a:schemeClr val="tx1"/>
+              </a:solidFill>
+              <a:tailEnd type="triangle"/>
+            </a:ln>
+          </p:spPr>
+          <p:style>
+            <a:lnRef idx="1">
+              <a:schemeClr val="accent1"/>
+            </a:lnRef>
+            <a:fillRef idx="0">
+              <a:schemeClr val="accent1"/>
+            </a:fillRef>
+            <a:effectRef idx="0">
+              <a:schemeClr val="accent1"/>
+            </a:effectRef>
+            <a:fontRef idx="minor">
+              <a:schemeClr val="tx1"/>
+            </a:fontRef>
+          </p:style>
+        </p:cxnSp>
+      </p:grpSp>
+      <p:cxnSp>
+        <p:nvCxnSpPr>
+          <p:cNvPr id="83" name="直接箭头连接符 82">
+            <a:extLst>
+              <a:ext uri="{FF2B5EF4-FFF2-40B4-BE49-F238E27FC236}">
+                <a16:creationId xmlns:a16="http://schemas.microsoft.com/office/drawing/2014/main" id="{1D5DAD3C-D1BB-4151-A634-91ACB6AA95C5}"/>
+              </a:ext>
+            </a:extLst>
+          </p:cNvPr>
+          <p:cNvCxnSpPr>
+            <a:stCxn id="53" idx="3"/>
+            <a:endCxn id="61" idx="1"/>
+          </p:cNvCxnSpPr>
+          <p:nvPr/>
+        </p:nvCxnSpPr>
+        <p:spPr>
+          <a:xfrm flipV="1">
+            <a:off x="3381372" y="2812894"/>
+            <a:ext cx="918287" cy="564476"/>
+          </a:xfrm>
+          <a:prstGeom prst="straightConnector1">
+            <a:avLst/>
+          </a:prstGeom>
+          <a:ln w="12700">
+            <a:solidFill>
+              <a:schemeClr val="tx1"/>
+            </a:solidFill>
+            <a:tailEnd type="triangle"/>
+          </a:ln>
+        </p:spPr>
+        <p:style>
+          <a:lnRef idx="1">
+            <a:schemeClr val="accent1"/>
+          </a:lnRef>
+          <a:fillRef idx="0">
+            <a:schemeClr val="accent1"/>
+          </a:fillRef>
+          <a:effectRef idx="0">
+            <a:schemeClr val="accent1"/>
+          </a:effectRef>
+          <a:fontRef idx="minor">
+            <a:schemeClr val="tx1"/>
+          </a:fontRef>
+        </p:style>
+      </p:cxnSp>
+      <p:sp>
+        <p:nvSpPr>
+          <p:cNvPr id="92" name="矩形: 圆角 148">
+            <a:extLst>
+              <a:ext uri="{FF2B5EF4-FFF2-40B4-BE49-F238E27FC236}">
+                <a16:creationId xmlns:a16="http://schemas.microsoft.com/office/drawing/2014/main" id="{385F6317-E158-426A-9A88-8FB313A6BC75}"/>
+              </a:ext>
+            </a:extLst>
+          </p:cNvPr>
+          <p:cNvSpPr/>
+          <p:nvPr/>
+        </p:nvSpPr>
+        <p:spPr>
+          <a:xfrm>
+            <a:off x="6738399" y="3652105"/>
+            <a:ext cx="1887441" cy="696369"/>
+          </a:xfrm>
+          <a:prstGeom prst="roundRect">
+            <a:avLst/>
+          </a:prstGeom>
+          <a:noFill/>
+          <a:ln>
+            <a:solidFill>
+              <a:schemeClr val="tx1"/>
+            </a:solidFill>
+          </a:ln>
+        </p:spPr>
+        <p:style>
+          <a:lnRef idx="2">
+            <a:schemeClr val="accent1">
+              <a:shade val="50000"/>
+            </a:schemeClr>
+          </a:lnRef>
+          <a:fillRef idx="1">
+            <a:schemeClr val="accent1"/>
+          </a:fillRef>
+          <a:effectRef idx="0">
+            <a:schemeClr val="accent1"/>
+          </a:effectRef>
+          <a:fontRef idx="minor">
+            <a:schemeClr val="lt1"/>
+          </a:fontRef>
+        </p:style>
+        <p:txBody>
+          <a:bodyPr rtlCol="0" anchor="ctr"/>
+          <a:lstStyle/>
+          <a:p>
+            <a:pPr algn="ctr"/>
+            <a:r>
+              <a:rPr lang="en-US" altLang="zh-CN" sz="1600" dirty="0">
+                <a:solidFill>
+                  <a:schemeClr val="tx1"/>
+                </a:solidFill>
+                <a:latin typeface="Arial Rounded MT Bold" panose="020F0704030504030204" pitchFamily="34" charset="0"/>
+              </a:rPr>
+              <a:t>LogVisualization </a:t>
+            </a:r>
+            <a:r>
+              <a:rPr lang="en-US" altLang="zh-CN" sz="1600" dirty="0" smtClean="0">
+                <a:solidFill>
+                  <a:schemeClr val="tx1"/>
+                </a:solidFill>
+                <a:latin typeface="Arial Rounded MT Bold" panose="020F0704030504030204" pitchFamily="34" charset="0"/>
+              </a:rPr>
+              <a:t>UI</a:t>
+            </a:r>
+            <a:endParaRPr lang="zh-CN" altLang="en-US" sz="1600" dirty="0">
+              <a:solidFill>
+                <a:schemeClr val="tx1"/>
+              </a:solidFill>
+              <a:latin typeface="Arial Rounded MT Bold" panose="020F0704030504030204" pitchFamily="34" charset="0"/>
+            </a:endParaRPr>
+          </a:p>
+        </p:txBody>
+      </p:sp>
+      <p:grpSp>
+        <p:nvGrpSpPr>
+          <p:cNvPr id="93" name="组合 92"/>
+          <p:cNvGrpSpPr/>
+          <p:nvPr/>
+        </p:nvGrpSpPr>
+        <p:grpSpPr>
+          <a:xfrm>
+            <a:off x="5266526" y="2372780"/>
+            <a:ext cx="1481220" cy="296555"/>
+            <a:chOff x="3649016" y="297573"/>
+            <a:chExt cx="2991284" cy="296555"/>
+          </a:xfrm>
+        </p:grpSpPr>
+        <p:sp>
+          <p:nvSpPr>
+            <p:cNvPr id="94" name="文本框 93">
+              <a:extLst>
+                <a:ext uri="{FF2B5EF4-FFF2-40B4-BE49-F238E27FC236}">
+                  <a16:creationId xmlns:a16="http://schemas.microsoft.com/office/drawing/2014/main" id="{724B9F02-F62E-4A02-9DCD-AD5A998239E5}"/>
+                </a:ext>
+              </a:extLst>
+            </p:cNvPr>
+            <p:cNvSpPr txBox="1"/>
+            <p:nvPr/>
+          </p:nvSpPr>
+          <p:spPr>
+            <a:xfrm>
+              <a:off x="4408039" y="297573"/>
+              <a:ext cx="2232261" cy="276999"/>
+            </a:xfrm>
+            <a:prstGeom prst="rect">
+              <a:avLst/>
+            </a:prstGeom>
+            <a:noFill/>
+          </p:spPr>
+          <p:txBody>
+            <a:bodyPr wrap="square" rtlCol="0">
+              <a:spAutoFit/>
+            </a:bodyPr>
+            <a:lstStyle/>
+            <a:p>
+              <a:r>
+                <a:rPr lang="en-US" altLang="zh-CN" sz="1200" dirty="0" smtClean="0">
+                  <a:latin typeface="Arial Rounded MT Bold" panose="020F0704030504030204" pitchFamily="34" charset="0"/>
+                </a:rPr>
+                <a:t>Trace</a:t>
+              </a:r>
+              <a:endParaRPr lang="zh-CN" altLang="en-US" sz="1200" dirty="0">
+                <a:latin typeface="Arial Rounded MT Bold" panose="020F0704030504030204" pitchFamily="34" charset="0"/>
+              </a:endParaRPr>
+            </a:p>
+          </p:txBody>
+        </p:sp>
+        <p:cxnSp>
+          <p:nvCxnSpPr>
+            <p:cNvPr id="95" name="直接箭头连接符 94">
+              <a:extLst>
+                <a:ext uri="{FF2B5EF4-FFF2-40B4-BE49-F238E27FC236}">
+                  <a16:creationId xmlns:a16="http://schemas.microsoft.com/office/drawing/2014/main" id="{D28CD575-3354-427B-9250-0692575F9390}"/>
+                </a:ext>
+              </a:extLst>
+            </p:cNvPr>
+            <p:cNvCxnSpPr>
+              <a:stCxn id="59" idx="3"/>
+              <a:endCxn id="91" idx="1"/>
+            </p:cNvCxnSpPr>
+            <p:nvPr/>
+          </p:nvCxnSpPr>
+          <p:spPr>
+            <a:xfrm>
+              <a:off x="3649016" y="584912"/>
+              <a:ext cx="2972408" cy="9216"/>
+            </a:xfrm>
+            <a:prstGeom prst="straightConnector1">
+              <a:avLst/>
+            </a:prstGeom>
+            <a:ln w="12700">
+              <a:solidFill>
+                <a:schemeClr val="tx1"/>
+              </a:solidFill>
+              <a:tailEnd type="triangle"/>
+            </a:ln>
+          </p:spPr>
+          <p:style>
+            <a:lnRef idx="1">
+              <a:schemeClr val="accent1"/>
+            </a:lnRef>
+            <a:fillRef idx="0">
+              <a:schemeClr val="accent1"/>
+            </a:fillRef>
+            <a:effectRef idx="0">
+              <a:schemeClr val="accent1"/>
+            </a:effectRef>
+            <a:fontRef idx="minor">
+              <a:schemeClr val="tx1"/>
+            </a:fontRef>
+          </p:style>
+        </p:cxnSp>
+      </p:grpSp>
+      <p:grpSp>
+        <p:nvGrpSpPr>
+          <p:cNvPr id="97" name="组合 96">
+            <a:extLst>
+              <a:ext uri="{FF2B5EF4-FFF2-40B4-BE49-F238E27FC236}">
+                <a16:creationId xmlns:a16="http://schemas.microsoft.com/office/drawing/2014/main" id="{10FF194F-E8A6-46C6-B898-AD7F057A8E61}"/>
+              </a:ext>
+            </a:extLst>
+          </p:cNvPr>
+          <p:cNvGrpSpPr/>
+          <p:nvPr/>
+        </p:nvGrpSpPr>
+        <p:grpSpPr>
+          <a:xfrm>
+            <a:off x="9183792" y="2241520"/>
+            <a:ext cx="1590952" cy="1085688"/>
+            <a:chOff x="5073958" y="2588639"/>
+            <a:chExt cx="1590952" cy="1085688"/>
+          </a:xfrm>
+        </p:grpSpPr>
+        <p:pic>
+          <p:nvPicPr>
+            <p:cNvPr id="98" name="图片 97">
+              <a:extLst>
+                <a:ext uri="{FF2B5EF4-FFF2-40B4-BE49-F238E27FC236}">
+                  <a16:creationId xmlns:a16="http://schemas.microsoft.com/office/drawing/2014/main" id="{17A9F8E6-1A96-40C9-8F86-520FD696DE03}"/>
+                </a:ext>
+              </a:extLst>
+            </p:cNvPr>
+            <p:cNvPicPr>
+              <a:picLocks noChangeAspect="1"/>
+            </p:cNvPicPr>
+            <p:nvPr/>
+          </p:nvPicPr>
+          <p:blipFill>
+            <a:blip r:embed="rId8">
+              <a:extLst>
+                <a:ext uri="{28A0092B-C50C-407E-A947-70E740481C1C}">
+                  <a14:useLocalDpi xmlns:a14="http://schemas.microsoft.com/office/drawing/2010/main" val="0"/>
+                </a:ext>
+              </a:extLst>
+            </a:blip>
+            <a:stretch>
+              <a:fillRect/>
+            </a:stretch>
+          </p:blipFill>
+          <p:spPr>
+            <a:xfrm>
+              <a:off x="5436241" y="2588639"/>
+              <a:ext cx="866386" cy="840394"/>
+            </a:xfrm>
+            <a:prstGeom prst="rect">
+              <a:avLst/>
+            </a:prstGeom>
+          </p:spPr>
+        </p:pic>
+        <p:sp>
+          <p:nvSpPr>
+            <p:cNvPr id="99" name="文本框 98">
+              <a:extLst>
+                <a:ext uri="{FF2B5EF4-FFF2-40B4-BE49-F238E27FC236}">
+                  <a16:creationId xmlns:a16="http://schemas.microsoft.com/office/drawing/2014/main" id="{F790856E-D274-489A-9843-6426C84C63DB}"/>
+                </a:ext>
+              </a:extLst>
+            </p:cNvPr>
+            <p:cNvSpPr txBox="1"/>
+            <p:nvPr/>
+          </p:nvSpPr>
+          <p:spPr>
+            <a:xfrm>
+              <a:off x="5073958" y="3335773"/>
+              <a:ext cx="1590952" cy="338554"/>
+            </a:xfrm>
+            <a:prstGeom prst="rect">
+              <a:avLst/>
+            </a:prstGeom>
+            <a:noFill/>
+          </p:spPr>
+          <p:txBody>
+            <a:bodyPr wrap="square" rtlCol="0">
+              <a:spAutoFit/>
+            </a:bodyPr>
+            <a:lstStyle/>
+            <a:p>
+              <a:r>
+                <a:rPr lang="en-US" altLang="zh-CN" sz="1600" dirty="0">
+                  <a:latin typeface="Arial Rounded MT Bold" panose="020F0704030504030204" pitchFamily="34" charset="0"/>
+                </a:rPr>
+                <a:t>Elasticsearch</a:t>
+              </a:r>
+              <a:endParaRPr lang="zh-CN" altLang="en-US" sz="1600" dirty="0">
+                <a:latin typeface="Arial Rounded MT Bold" panose="020F0704030504030204" pitchFamily="34" charset="0"/>
+              </a:endParaRPr>
+            </a:p>
+          </p:txBody>
+        </p:sp>
+      </p:grpSp>
+      <p:grpSp>
+        <p:nvGrpSpPr>
+          <p:cNvPr id="100" name="组合 99"/>
+          <p:cNvGrpSpPr/>
+          <p:nvPr/>
+        </p:nvGrpSpPr>
+        <p:grpSpPr>
+          <a:xfrm>
+            <a:off x="7671352" y="983355"/>
+            <a:ext cx="2307916" cy="1258165"/>
+            <a:chOff x="3904802" y="1143863"/>
+            <a:chExt cx="2307916" cy="1258165"/>
+          </a:xfrm>
+        </p:grpSpPr>
+        <p:sp>
+          <p:nvSpPr>
+            <p:cNvPr id="101" name="文本框 100">
+              <a:extLst>
+                <a:ext uri="{FF2B5EF4-FFF2-40B4-BE49-F238E27FC236}">
+                  <a16:creationId xmlns:a16="http://schemas.microsoft.com/office/drawing/2014/main" id="{724B9F02-F62E-4A02-9DCD-AD5A998239E5}"/>
+                </a:ext>
+              </a:extLst>
+            </p:cNvPr>
+            <p:cNvSpPr txBox="1"/>
+            <p:nvPr/>
+          </p:nvSpPr>
+          <p:spPr>
+            <a:xfrm>
+              <a:off x="4731290" y="1143863"/>
+              <a:ext cx="685952" cy="276999"/>
+            </a:xfrm>
+            <a:prstGeom prst="rect">
+              <a:avLst/>
+            </a:prstGeom>
+            <a:noFill/>
+          </p:spPr>
+          <p:txBody>
+            <a:bodyPr wrap="square" rtlCol="0">
+              <a:spAutoFit/>
+            </a:bodyPr>
+            <a:lstStyle/>
+            <a:p>
+              <a:pPr algn="ctr"/>
+              <a:r>
+                <a:rPr lang="en-US" altLang="zh-CN" sz="1200" dirty="0" smtClean="0">
+                  <a:latin typeface="Arial Rounded MT Bold" panose="020F0704030504030204" pitchFamily="34" charset="0"/>
+                </a:rPr>
+                <a:t>L</a:t>
+              </a:r>
+              <a:r>
+                <a:rPr lang="en-US" altLang="zh-CN" sz="1200" dirty="0" smtClean="0">
+                  <a:latin typeface="Arial Rounded MT Bold" panose="020F0704030504030204" pitchFamily="34" charset="0"/>
+                </a:rPr>
+                <a:t>og</a:t>
+              </a:r>
+              <a:endParaRPr lang="zh-CN" altLang="en-US" sz="1200" dirty="0">
+                <a:latin typeface="Arial Rounded MT Bold" panose="020F0704030504030204" pitchFamily="34" charset="0"/>
+              </a:endParaRPr>
+            </a:p>
+          </p:txBody>
+        </p:sp>
+        <p:cxnSp>
+          <p:nvCxnSpPr>
+            <p:cNvPr id="102" name="直接箭头连接符 101">
+              <a:extLst>
+                <a:ext uri="{FF2B5EF4-FFF2-40B4-BE49-F238E27FC236}">
+                  <a16:creationId xmlns:a16="http://schemas.microsoft.com/office/drawing/2014/main" id="{D28CD575-3354-427B-9250-0692575F9390}"/>
+                </a:ext>
+              </a:extLst>
+            </p:cNvPr>
+            <p:cNvCxnSpPr>
+              <a:stCxn id="79" idx="3"/>
+              <a:endCxn id="98" idx="0"/>
+            </p:cNvCxnSpPr>
+            <p:nvPr/>
+          </p:nvCxnSpPr>
+          <p:spPr>
+            <a:xfrm>
+              <a:off x="3904802" y="1415115"/>
+              <a:ext cx="2307916" cy="986913"/>
+            </a:xfrm>
+            <a:prstGeom prst="bentConnector2">
+              <a:avLst/>
+            </a:prstGeom>
+            <a:ln w="12700">
+              <a:solidFill>
+                <a:schemeClr val="tx1"/>
+              </a:solidFill>
+              <a:tailEnd type="triangle"/>
+            </a:ln>
+          </p:spPr>
+          <p:style>
+            <a:lnRef idx="1">
+              <a:schemeClr val="accent1"/>
+            </a:lnRef>
+            <a:fillRef idx="0">
+              <a:schemeClr val="accent1"/>
+            </a:fillRef>
+            <a:effectRef idx="0">
+              <a:schemeClr val="accent1"/>
+            </a:effectRef>
+            <a:fontRef idx="minor">
+              <a:schemeClr val="tx1"/>
+            </a:fontRef>
+          </p:style>
+        </p:cxnSp>
+      </p:grpSp>
+      <p:grpSp>
+        <p:nvGrpSpPr>
+          <p:cNvPr id="128" name="组合 127"/>
+          <p:cNvGrpSpPr/>
+          <p:nvPr/>
+        </p:nvGrpSpPr>
+        <p:grpSpPr>
+          <a:xfrm>
+            <a:off x="6738399" y="2348698"/>
+            <a:ext cx="1198625" cy="979828"/>
+            <a:chOff x="6659889" y="2341700"/>
+            <a:chExt cx="1198625" cy="979828"/>
+          </a:xfrm>
+        </p:grpSpPr>
+        <p:grpSp>
+          <p:nvGrpSpPr>
+            <p:cNvPr id="96" name="组合 95"/>
+            <p:cNvGrpSpPr/>
+            <p:nvPr/>
+          </p:nvGrpSpPr>
+          <p:grpSpPr>
+            <a:xfrm>
+              <a:off x="6659889" y="2341700"/>
+              <a:ext cx="1198625" cy="641274"/>
+              <a:chOff x="6659889" y="3689984"/>
+              <a:chExt cx="1231896" cy="641274"/>
+            </a:xfrm>
+          </p:grpSpPr>
+          <p:pic>
+            <p:nvPicPr>
+              <p:cNvPr id="89" name="图片 88">
+                <a:extLst>
+                  <a:ext uri="{FF2B5EF4-FFF2-40B4-BE49-F238E27FC236}">
+                    <a16:creationId xmlns:a16="http://schemas.microsoft.com/office/drawing/2014/main" id="{21855B8C-D135-4B3B-95B3-8481E7CADBC1}"/>
+                  </a:ext>
+                </a:extLst>
+              </p:cNvPr>
+              <p:cNvPicPr>
+                <a:picLocks noChangeAspect="1"/>
+              </p:cNvPicPr>
+              <p:nvPr/>
+            </p:nvPicPr>
+            <p:blipFill rotWithShape="1">
+              <a:blip r:embed="rId9">
+                <a:extLst>
+                  <a:ext uri="{28A0092B-C50C-407E-A947-70E740481C1C}">
+                    <a14:useLocalDpi xmlns:a14="http://schemas.microsoft.com/office/drawing/2010/main" val="0"/>
+                  </a:ext>
+                </a:extLst>
+              </a:blip>
+              <a:srcRect t="16488" b="15283"/>
+              <a:stretch/>
+            </p:blipFill>
+            <p:spPr>
+              <a:xfrm>
+                <a:off x="6826234" y="3740837"/>
+                <a:ext cx="899206" cy="525209"/>
+              </a:xfrm>
+              <a:prstGeom prst="rect">
+                <a:avLst/>
+              </a:prstGeom>
+            </p:spPr>
+          </p:pic>
+          <p:sp>
+            <p:nvSpPr>
+              <p:cNvPr id="91" name="矩形: 圆角 137">
+                <a:extLst>
+                  <a:ext uri="{FF2B5EF4-FFF2-40B4-BE49-F238E27FC236}">
+                    <a16:creationId xmlns:a16="http://schemas.microsoft.com/office/drawing/2014/main" id="{939B2D2D-F2D9-44AB-8E4D-C6597F248399}"/>
+                  </a:ext>
+                </a:extLst>
+              </p:cNvPr>
+              <p:cNvSpPr/>
+              <p:nvPr/>
+            </p:nvSpPr>
+            <p:spPr>
+              <a:xfrm>
+                <a:off x="6659889" y="3689984"/>
+                <a:ext cx="1231896" cy="641274"/>
+              </a:xfrm>
+              <a:prstGeom prst="roundRect">
+                <a:avLst/>
+              </a:prstGeom>
+              <a:noFill/>
+              <a:ln>
+                <a:solidFill>
+                  <a:schemeClr val="tx1"/>
+                </a:solidFill>
+              </a:ln>
+            </p:spPr>
+            <p:style>
+              <a:lnRef idx="2">
+                <a:schemeClr val="accent1">
+                  <a:shade val="50000"/>
+                </a:schemeClr>
+              </a:lnRef>
+              <a:fillRef idx="1">
+                <a:schemeClr val="accent1"/>
+              </a:fillRef>
+              <a:effectRef idx="0">
+                <a:schemeClr val="accent1"/>
+              </a:effectRef>
+              <a:fontRef idx="minor">
+                <a:schemeClr val="lt1"/>
+              </a:fontRef>
+            </p:style>
+            <p:txBody>
+              <a:bodyPr rtlCol="0" anchor="ctr"/>
+              <a:lstStyle/>
+              <a:p>
+                <a:pPr algn="ctr"/>
+                <a:endParaRPr lang="zh-CN" altLang="en-US" sz="1400" b="1" dirty="0">
+                  <a:solidFill>
+                    <a:schemeClr val="tx1"/>
+                  </a:solidFill>
+                </a:endParaRPr>
+              </a:p>
+            </p:txBody>
+          </p:sp>
+        </p:grpSp>
+        <p:sp>
+          <p:nvSpPr>
+            <p:cNvPr id="108" name="文本框 107">
+              <a:extLst>
+                <a:ext uri="{FF2B5EF4-FFF2-40B4-BE49-F238E27FC236}">
+                  <a16:creationId xmlns:a16="http://schemas.microsoft.com/office/drawing/2014/main" id="{72A427C5-DC09-40ED-81D2-86D34B79A080}"/>
+                </a:ext>
+              </a:extLst>
+            </p:cNvPr>
+            <p:cNvSpPr txBox="1"/>
+            <p:nvPr/>
+          </p:nvSpPr>
+          <p:spPr>
+            <a:xfrm>
+              <a:off x="6896814" y="2982974"/>
+              <a:ext cx="799847" cy="338554"/>
+            </a:xfrm>
+            <a:prstGeom prst="rect">
+              <a:avLst/>
+            </a:prstGeom>
+            <a:noFill/>
+          </p:spPr>
+          <p:txBody>
+            <a:bodyPr wrap="square" rtlCol="0">
+              <a:spAutoFit/>
+            </a:bodyPr>
+            <a:lstStyle/>
+            <a:p>
+              <a:r>
+                <a:rPr lang="en-US" altLang="zh-CN" sz="1600" dirty="0" smtClean="0">
+                  <a:latin typeface="Arial Rounded MT Bold" panose="020F0704030504030204" pitchFamily="34" charset="0"/>
+                </a:rPr>
+                <a:t>Zipkin</a:t>
+              </a:r>
+              <a:endParaRPr lang="zh-CN" altLang="en-US" sz="1600" dirty="0">
+                <a:latin typeface="Arial Rounded MT Bold" panose="020F0704030504030204" pitchFamily="34" charset="0"/>
+              </a:endParaRPr>
+            </a:p>
+          </p:txBody>
+        </p:sp>
+      </p:grpSp>
+      <p:cxnSp>
+        <p:nvCxnSpPr>
+          <p:cNvPr id="111" name="直接箭头连接符 110">
+            <a:extLst>
+              <a:ext uri="{FF2B5EF4-FFF2-40B4-BE49-F238E27FC236}">
+                <a16:creationId xmlns:a16="http://schemas.microsoft.com/office/drawing/2014/main" id="{D28CD575-3354-427B-9250-0692575F9390}"/>
+              </a:ext>
+            </a:extLst>
+          </p:cNvPr>
+          <p:cNvCxnSpPr>
+            <a:stCxn id="91" idx="3"/>
+            <a:endCxn id="98" idx="1"/>
+          </p:cNvCxnSpPr>
+          <p:nvPr/>
+        </p:nvCxnSpPr>
+        <p:spPr>
+          <a:xfrm flipV="1">
+            <a:off x="7937024" y="2661717"/>
+            <a:ext cx="1609051" cy="7618"/>
+          </a:xfrm>
+          <a:prstGeom prst="straightConnector1">
+            <a:avLst/>
+          </a:prstGeom>
+          <a:ln w="12700">
+            <a:solidFill>
+              <a:schemeClr val="tx1"/>
+            </a:solidFill>
+            <a:tailEnd type="triangle"/>
+          </a:ln>
+        </p:spPr>
+        <p:style>
+          <a:lnRef idx="1">
+            <a:schemeClr val="accent1"/>
+          </a:lnRef>
+          <a:fillRef idx="0">
+            <a:schemeClr val="accent1"/>
+          </a:fillRef>
+          <a:effectRef idx="0">
+            <a:schemeClr val="accent1"/>
+          </a:effectRef>
+          <a:fontRef idx="minor">
+            <a:schemeClr val="tx1"/>
+          </a:fontRef>
+        </p:style>
+      </p:cxnSp>
+      <p:sp>
+        <p:nvSpPr>
+          <p:cNvPr id="114" name="文本框 113">
+            <a:extLst>
+              <a:ext uri="{FF2B5EF4-FFF2-40B4-BE49-F238E27FC236}">
+                <a16:creationId xmlns:a16="http://schemas.microsoft.com/office/drawing/2014/main" id="{724B9F02-F62E-4A02-9DCD-AD5A998239E5}"/>
+              </a:ext>
+            </a:extLst>
+          </p:cNvPr>
+          <p:cNvSpPr txBox="1"/>
+          <p:nvPr/>
+        </p:nvSpPr>
+        <p:spPr>
+          <a:xfrm>
+            <a:off x="8492693" y="2368446"/>
+            <a:ext cx="962870" cy="276999"/>
+          </a:xfrm>
+          <a:prstGeom prst="rect">
+            <a:avLst/>
+          </a:prstGeom>
+          <a:noFill/>
+        </p:spPr>
+        <p:txBody>
+          <a:bodyPr wrap="square" rtlCol="0">
+            <a:spAutoFit/>
+          </a:bodyPr>
+          <a:lstStyle/>
+          <a:p>
+            <a:r>
+              <a:rPr lang="en-US" altLang="zh-CN" sz="1200" dirty="0" smtClean="0">
+                <a:latin typeface="Arial Rounded MT Bold" panose="020F0704030504030204" pitchFamily="34" charset="0"/>
+              </a:rPr>
+              <a:t>Trace</a:t>
+            </a:r>
+            <a:endParaRPr lang="zh-CN" altLang="en-US" sz="1200" dirty="0">
+              <a:latin typeface="Arial Rounded MT Bold" panose="020F0704030504030204" pitchFamily="34" charset="0"/>
+            </a:endParaRPr>
+          </a:p>
+        </p:txBody>
+      </p:sp>
+      <p:grpSp>
+        <p:nvGrpSpPr>
+          <p:cNvPr id="120" name="组合 119"/>
+          <p:cNvGrpSpPr/>
+          <p:nvPr/>
+        </p:nvGrpSpPr>
+        <p:grpSpPr>
+          <a:xfrm>
+            <a:off x="6729540" y="4794087"/>
+            <a:ext cx="1838885" cy="896607"/>
+            <a:chOff x="6941889" y="3869617"/>
+            <a:chExt cx="1838885" cy="708231"/>
+          </a:xfrm>
+        </p:grpSpPr>
+        <p:sp>
+          <p:nvSpPr>
+            <p:cNvPr id="118" name="文本框 117">
+              <a:extLst>
+                <a:ext uri="{FF2B5EF4-FFF2-40B4-BE49-F238E27FC236}">
+                  <a16:creationId xmlns:a16="http://schemas.microsoft.com/office/drawing/2014/main" id="{9D7D98D0-C435-4188-92DE-772366D37F97}"/>
+                </a:ext>
+              </a:extLst>
+            </p:cNvPr>
+            <p:cNvSpPr txBox="1"/>
+            <p:nvPr/>
+          </p:nvSpPr>
+          <p:spPr>
+            <a:xfrm>
+              <a:off x="6948125" y="3993073"/>
+              <a:ext cx="1832649" cy="584775"/>
+            </a:xfrm>
+            <a:prstGeom prst="rect">
+              <a:avLst/>
+            </a:prstGeom>
+            <a:noFill/>
+          </p:spPr>
+          <p:txBody>
+            <a:bodyPr wrap="square" rtlCol="0">
+              <a:spAutoFit/>
+            </a:bodyPr>
+            <a:lstStyle/>
+            <a:p>
+              <a:r>
+                <a:rPr lang="en-US" altLang="zh-CN" sz="1600" dirty="0" smtClean="0">
+                  <a:latin typeface="Arial Rounded MT Bold" panose="020F0704030504030204" pitchFamily="34" charset="0"/>
+                </a:rPr>
+                <a:t>LogVisualization</a:t>
+              </a:r>
+            </a:p>
+            <a:p>
+              <a:pPr algn="ctr"/>
+              <a:r>
+                <a:rPr lang="en-US" altLang="zh-CN" sz="1600" dirty="0" smtClean="0">
+                  <a:latin typeface="Arial Rounded MT Bold" panose="020F0704030504030204" pitchFamily="34" charset="0"/>
+                </a:rPr>
+                <a:t>Backend</a:t>
+              </a:r>
+              <a:endParaRPr lang="zh-CN" altLang="en-US" sz="1600" dirty="0">
+                <a:latin typeface="Arial Rounded MT Bold" panose="020F0704030504030204" pitchFamily="34" charset="0"/>
+              </a:endParaRPr>
+            </a:p>
+          </p:txBody>
+        </p:sp>
+        <p:sp>
+          <p:nvSpPr>
+            <p:cNvPr id="119" name="矩形: 圆角 148">
+              <a:extLst>
+                <a:ext uri="{FF2B5EF4-FFF2-40B4-BE49-F238E27FC236}">
+                  <a16:creationId xmlns:a16="http://schemas.microsoft.com/office/drawing/2014/main" id="{385F6317-E158-426A-9A88-8FB313A6BC75}"/>
+                </a:ext>
+              </a:extLst>
+            </p:cNvPr>
+            <p:cNvSpPr/>
+            <p:nvPr/>
+          </p:nvSpPr>
+          <p:spPr>
+            <a:xfrm>
+              <a:off x="6941889" y="3869617"/>
+              <a:ext cx="1763153" cy="673258"/>
+            </a:xfrm>
+            <a:prstGeom prst="roundRect">
+              <a:avLst/>
+            </a:prstGeom>
+            <a:noFill/>
+            <a:ln>
+              <a:solidFill>
+                <a:schemeClr val="tx1"/>
+              </a:solidFill>
+            </a:ln>
+          </p:spPr>
+          <p:style>
+            <a:lnRef idx="2">
+              <a:schemeClr val="accent1">
+                <a:shade val="50000"/>
+              </a:schemeClr>
+            </a:lnRef>
+            <a:fillRef idx="1">
+              <a:schemeClr val="accent1"/>
+            </a:fillRef>
+            <a:effectRef idx="0">
+              <a:schemeClr val="accent1"/>
+            </a:effectRef>
+            <a:fontRef idx="minor">
+              <a:schemeClr val="lt1"/>
+            </a:fontRef>
+          </p:style>
+          <p:txBody>
+            <a:bodyPr rtlCol="0" anchor="ctr"/>
+            <a:lstStyle/>
+            <a:p>
+              <a:pPr algn="ctr"/>
+              <a:endParaRPr lang="zh-CN" altLang="en-US" sz="1400" b="1" dirty="0">
+                <a:solidFill>
+                  <a:schemeClr val="tx1"/>
+                </a:solidFill>
+              </a:endParaRPr>
+            </a:p>
+          </p:txBody>
+        </p:sp>
+      </p:grpSp>
+      <p:grpSp>
+        <p:nvGrpSpPr>
+          <p:cNvPr id="130" name="组合 129"/>
+          <p:cNvGrpSpPr/>
+          <p:nvPr/>
+        </p:nvGrpSpPr>
+        <p:grpSpPr>
+          <a:xfrm>
+            <a:off x="5339934" y="4941051"/>
+            <a:ext cx="1839955" cy="279202"/>
+            <a:chOff x="3479371" y="1191864"/>
+            <a:chExt cx="1839955" cy="279202"/>
+          </a:xfrm>
+        </p:grpSpPr>
+        <p:sp>
+          <p:nvSpPr>
+            <p:cNvPr id="131" name="文本框 130">
+              <a:extLst>
+                <a:ext uri="{FF2B5EF4-FFF2-40B4-BE49-F238E27FC236}">
+                  <a16:creationId xmlns:a16="http://schemas.microsoft.com/office/drawing/2014/main" id="{724B9F02-F62E-4A02-9DCD-AD5A998239E5}"/>
+                </a:ext>
+              </a:extLst>
+            </p:cNvPr>
+            <p:cNvSpPr txBox="1"/>
+            <p:nvPr/>
+          </p:nvSpPr>
+          <p:spPr>
+            <a:xfrm>
+              <a:off x="3479371" y="1191864"/>
+              <a:ext cx="1839955" cy="276999"/>
+            </a:xfrm>
+            <a:prstGeom prst="rect">
+              <a:avLst/>
+            </a:prstGeom>
+            <a:noFill/>
+          </p:spPr>
+          <p:txBody>
+            <a:bodyPr wrap="square" rtlCol="0">
+              <a:spAutoFit/>
+            </a:bodyPr>
+            <a:lstStyle/>
+            <a:p>
+              <a:r>
+                <a:rPr lang="en-US" altLang="zh-CN" sz="1200" dirty="0" smtClean="0">
+                  <a:latin typeface="Arial Rounded MT Bold" panose="020F0704030504030204" pitchFamily="34" charset="0"/>
+                </a:rPr>
+                <a:t>Node &amp; Pod Info</a:t>
+              </a:r>
+              <a:endParaRPr lang="zh-CN" altLang="en-US" sz="1200" dirty="0">
+                <a:latin typeface="Arial Rounded MT Bold" panose="020F0704030504030204" pitchFamily="34" charset="0"/>
+              </a:endParaRPr>
+            </a:p>
+          </p:txBody>
+        </p:sp>
+        <p:cxnSp>
+          <p:nvCxnSpPr>
+            <p:cNvPr id="132" name="直接箭头连接符 131">
+              <a:extLst>
+                <a:ext uri="{FF2B5EF4-FFF2-40B4-BE49-F238E27FC236}">
+                  <a16:creationId xmlns:a16="http://schemas.microsoft.com/office/drawing/2014/main" id="{D28CD575-3354-427B-9250-0692575F9390}"/>
+                </a:ext>
+              </a:extLst>
+            </p:cNvPr>
+            <p:cNvCxnSpPr>
+              <a:endCxn id="119" idx="1"/>
+            </p:cNvCxnSpPr>
+            <p:nvPr/>
+          </p:nvCxnSpPr>
+          <p:spPr>
+            <a:xfrm>
+              <a:off x="3522574" y="1468863"/>
+              <a:ext cx="1346403" cy="2203"/>
+            </a:xfrm>
+            <a:prstGeom prst="straightConnector1">
+              <a:avLst/>
+            </a:prstGeom>
+            <a:ln w="12700">
+              <a:solidFill>
+                <a:schemeClr val="tx1"/>
+              </a:solidFill>
+              <a:tailEnd type="triangle"/>
+            </a:ln>
+          </p:spPr>
+          <p:style>
+            <a:lnRef idx="1">
+              <a:schemeClr val="accent1"/>
+            </a:lnRef>
+            <a:fillRef idx="0">
+              <a:schemeClr val="accent1"/>
+            </a:fillRef>
+            <a:effectRef idx="0">
+              <a:schemeClr val="accent1"/>
+            </a:effectRef>
+            <a:fontRef idx="minor">
+              <a:schemeClr val="tx1"/>
+            </a:fontRef>
+          </p:style>
+        </p:cxnSp>
+      </p:grpSp>
+      <p:cxnSp>
+        <p:nvCxnSpPr>
+          <p:cNvPr id="140" name="直接箭头连接符 101">
+            <a:extLst>
+              <a:ext uri="{FF2B5EF4-FFF2-40B4-BE49-F238E27FC236}">
+                <a16:creationId xmlns:a16="http://schemas.microsoft.com/office/drawing/2014/main" id="{D28CD575-3354-427B-9250-0692575F9390}"/>
+              </a:ext>
+            </a:extLst>
+          </p:cNvPr>
+          <p:cNvCxnSpPr>
+            <a:endCxn id="99" idx="2"/>
+          </p:cNvCxnSpPr>
+          <p:nvPr/>
+        </p:nvCxnSpPr>
+        <p:spPr>
+          <a:xfrm rot="5400000" flipH="1" flipV="1">
+            <a:off x="8389357" y="3489639"/>
+            <a:ext cx="1752342" cy="1427480"/>
+          </a:xfrm>
+          <a:prstGeom prst="bentConnector3">
+            <a:avLst>
+              <a:gd name="adj1" fmla="val -442"/>
+            </a:avLst>
+          </a:prstGeom>
+          <a:ln w="12700">
+            <a:solidFill>
+              <a:schemeClr val="tx1"/>
+            </a:solidFill>
+            <a:tailEnd type="triangle"/>
+          </a:ln>
+        </p:spPr>
+        <p:style>
+          <a:lnRef idx="1">
+            <a:schemeClr val="accent1"/>
+          </a:lnRef>
+          <a:fillRef idx="0">
+            <a:schemeClr val="accent1"/>
+          </a:fillRef>
+          <a:effectRef idx="0">
+            <a:schemeClr val="accent1"/>
+          </a:effectRef>
+          <a:fontRef idx="minor">
+            <a:schemeClr val="tx1"/>
+          </a:fontRef>
+        </p:style>
+      </p:cxnSp>
+      <p:cxnSp>
+        <p:nvCxnSpPr>
+          <p:cNvPr id="150" name="直接箭头连接符 101">
+            <a:extLst>
+              <a:ext uri="{FF2B5EF4-FFF2-40B4-BE49-F238E27FC236}">
+                <a16:creationId xmlns:a16="http://schemas.microsoft.com/office/drawing/2014/main" id="{D28CD575-3354-427B-9250-0692575F9390}"/>
+              </a:ext>
+            </a:extLst>
+          </p:cNvPr>
+          <p:cNvCxnSpPr>
+            <a:endCxn id="118" idx="3"/>
+          </p:cNvCxnSpPr>
+          <p:nvPr/>
+        </p:nvCxnSpPr>
+        <p:spPr>
+          <a:xfrm rot="5400000">
+            <a:off x="8414220" y="3531577"/>
+            <a:ext cx="1943166" cy="1634755"/>
+          </a:xfrm>
+          <a:prstGeom prst="bentConnector2">
+            <a:avLst/>
+          </a:prstGeom>
+          <a:ln w="12700">
+            <a:solidFill>
+              <a:schemeClr val="tx1"/>
+            </a:solidFill>
+            <a:tailEnd type="triangle"/>
+          </a:ln>
+        </p:spPr>
+        <p:style>
+          <a:lnRef idx="1">
+            <a:schemeClr val="accent1"/>
+          </a:lnRef>
+          <a:fillRef idx="0">
+            <a:schemeClr val="accent1"/>
+          </a:fillRef>
+          <a:effectRef idx="0">
+            <a:schemeClr val="accent1"/>
+          </a:effectRef>
+          <a:fontRef idx="minor">
+            <a:schemeClr val="tx1"/>
+          </a:fontRef>
+        </p:style>
+      </p:cxnSp>
+      <p:sp>
+        <p:nvSpPr>
+          <p:cNvPr id="162" name="文本框 161">
+            <a:extLst>
+              <a:ext uri="{FF2B5EF4-FFF2-40B4-BE49-F238E27FC236}">
+                <a16:creationId xmlns:a16="http://schemas.microsoft.com/office/drawing/2014/main" id="{724B9F02-F62E-4A02-9DCD-AD5A998239E5}"/>
+              </a:ext>
+            </a:extLst>
+          </p:cNvPr>
+          <p:cNvSpPr txBox="1"/>
+          <p:nvPr/>
+        </p:nvSpPr>
+        <p:spPr>
+          <a:xfrm>
+            <a:off x="8571632" y="4807216"/>
+            <a:ext cx="1375214" cy="276999"/>
+          </a:xfrm>
+          <a:prstGeom prst="rect">
+            <a:avLst/>
+          </a:prstGeom>
+          <a:noFill/>
+        </p:spPr>
+        <p:txBody>
+          <a:bodyPr wrap="square" rtlCol="0">
+            <a:spAutoFit/>
+          </a:bodyPr>
+          <a:lstStyle/>
+          <a:p>
+            <a:r>
+              <a:rPr lang="en-US" altLang="zh-CN" sz="1200" dirty="0" smtClean="0">
+                <a:latin typeface="Arial Rounded MT Bold" panose="020F0704030504030204" pitchFamily="34" charset="0"/>
+              </a:rPr>
+              <a:t>Node &amp; Pod Info</a:t>
+            </a:r>
+            <a:endParaRPr lang="zh-CN" altLang="en-US" sz="1200" dirty="0">
+              <a:latin typeface="Arial Rounded MT Bold" panose="020F0704030504030204" pitchFamily="34" charset="0"/>
+            </a:endParaRPr>
+          </a:p>
+        </p:txBody>
+      </p:sp>
+      <p:sp>
+        <p:nvSpPr>
+          <p:cNvPr id="163" name="文本框 162">
+            <a:extLst>
+              <a:ext uri="{FF2B5EF4-FFF2-40B4-BE49-F238E27FC236}">
+                <a16:creationId xmlns:a16="http://schemas.microsoft.com/office/drawing/2014/main" id="{724B9F02-F62E-4A02-9DCD-AD5A998239E5}"/>
+              </a:ext>
+            </a:extLst>
+          </p:cNvPr>
+          <p:cNvSpPr txBox="1"/>
+          <p:nvPr/>
+        </p:nvSpPr>
+        <p:spPr>
+          <a:xfrm>
+            <a:off x="8492693" y="5359847"/>
+            <a:ext cx="2269752" cy="276999"/>
+          </a:xfrm>
+          <a:prstGeom prst="rect">
+            <a:avLst/>
+          </a:prstGeom>
+          <a:noFill/>
+        </p:spPr>
+        <p:txBody>
+          <a:bodyPr wrap="square" rtlCol="0">
+            <a:spAutoFit/>
+          </a:bodyPr>
+          <a:lstStyle/>
+          <a:p>
+            <a:r>
+              <a:rPr lang="en-US" altLang="zh-CN" sz="1200" dirty="0" smtClean="0">
+                <a:latin typeface="Arial Rounded MT Bold" panose="020F0704030504030204" pitchFamily="34" charset="0"/>
+              </a:rPr>
+              <a:t>Node &amp; Pod Info, Log, Trace</a:t>
+            </a:r>
+            <a:endParaRPr lang="zh-CN" altLang="en-US" sz="1200" dirty="0">
+              <a:latin typeface="Arial Rounded MT Bold" panose="020F0704030504030204" pitchFamily="34" charset="0"/>
+            </a:endParaRPr>
+          </a:p>
+        </p:txBody>
+      </p:sp>
+      <p:cxnSp>
+        <p:nvCxnSpPr>
+          <p:cNvPr id="167" name="直接箭头连接符 166">
+            <a:extLst>
+              <a:ext uri="{FF2B5EF4-FFF2-40B4-BE49-F238E27FC236}">
+                <a16:creationId xmlns:a16="http://schemas.microsoft.com/office/drawing/2014/main" id="{D28CD575-3354-427B-9250-0692575F9390}"/>
+              </a:ext>
+            </a:extLst>
+          </p:cNvPr>
+          <p:cNvCxnSpPr/>
+          <p:nvPr/>
+        </p:nvCxnSpPr>
+        <p:spPr>
+          <a:xfrm flipV="1">
+            <a:off x="7478178" y="4356967"/>
+            <a:ext cx="0" cy="437120"/>
+          </a:xfrm>
+          <a:prstGeom prst="straightConnector1">
+            <a:avLst/>
+          </a:prstGeom>
+          <a:ln w="12700">
+            <a:solidFill>
+              <a:schemeClr val="tx1"/>
+            </a:solidFill>
+            <a:tailEnd type="triangle"/>
+          </a:ln>
+        </p:spPr>
+        <p:style>
+          <a:lnRef idx="1">
+            <a:schemeClr val="accent1"/>
+          </a:lnRef>
+          <a:fillRef idx="0">
+            <a:schemeClr val="accent1"/>
+          </a:fillRef>
+          <a:effectRef idx="0">
+            <a:schemeClr val="accent1"/>
+          </a:effectRef>
+          <a:fontRef idx="minor">
+            <a:schemeClr val="tx1"/>
+          </a:fontRef>
+        </p:style>
+      </p:cxnSp>
+      <p:cxnSp>
+        <p:nvCxnSpPr>
+          <p:cNvPr id="178" name="直接箭头连接符 177">
+            <a:extLst>
+              <a:ext uri="{FF2B5EF4-FFF2-40B4-BE49-F238E27FC236}">
+                <a16:creationId xmlns:a16="http://schemas.microsoft.com/office/drawing/2014/main" id="{D28CD575-3354-427B-9250-0692575F9390}"/>
+              </a:ext>
+            </a:extLst>
+          </p:cNvPr>
+          <p:cNvCxnSpPr/>
+          <p:nvPr/>
+        </p:nvCxnSpPr>
+        <p:spPr>
+          <a:xfrm>
+            <a:off x="7871291" y="4350191"/>
+            <a:ext cx="4625" cy="437120"/>
+          </a:xfrm>
+          <a:prstGeom prst="straightConnector1">
+            <a:avLst/>
+          </a:prstGeom>
+          <a:ln w="12700">
+            <a:solidFill>
+              <a:schemeClr val="tx1"/>
+            </a:solidFill>
+            <a:tailEnd type="triangle"/>
+          </a:ln>
+        </p:spPr>
+        <p:style>
+          <a:lnRef idx="1">
+            <a:schemeClr val="accent1"/>
+          </a:lnRef>
+          <a:fillRef idx="0">
+            <a:schemeClr val="accent1"/>
+          </a:fillRef>
+          <a:effectRef idx="0">
+            <a:schemeClr val="accent1"/>
+          </a:effectRef>
+          <a:fontRef idx="minor">
+            <a:schemeClr val="tx1"/>
+          </a:fontRef>
+        </p:style>
+      </p:cxnSp>
+    </p:spTree>
+    <p:extLst>
+      <p:ext uri="{BB962C8B-B14F-4D97-AF65-F5344CB8AC3E}">
+        <p14:creationId xmlns:p14="http://schemas.microsoft.com/office/powerpoint/2010/main" val="1050379749"/>
+      </p:ext>
+    </p:extLst>
+  </p:cSld>
+  <p:clrMapOvr>
+    <a:masterClrMapping/>
+  </p:clrMapOvr>
+</p:sld>
+</file>
+
 <file path=ppt/theme/theme1.xml><?xml version="1.0" encoding="utf-8"?>
 <a:theme xmlns:a="http://schemas.openxmlformats.org/drawingml/2006/main" name="Office 主题​​">
   <a:themeElements>

--- a/architecture.pptx
+++ b/architecture.pptx
@@ -14630,7 +14630,7 @@
                     <a:solidFill>
                       <a:schemeClr val="bg1"/>
                     </a:solidFill>
-                    <a:ln>
+                    <a:ln w="19050">
                       <a:solidFill>
                         <a:schemeClr val="tx1"/>
                       </a:solidFill>
@@ -14724,7 +14724,7 @@
                     <a:solidFill>
                       <a:schemeClr val="bg1"/>
                     </a:solidFill>
-                    <a:ln>
+                    <a:ln w="19050">
                       <a:solidFill>
                         <a:schemeClr val="tx1"/>
                       </a:solidFill>
@@ -14982,7 +14982,7 @@
                         <a:solidFill>
                           <a:schemeClr val="bg1"/>
                         </a:solidFill>
-                        <a:ln>
+                        <a:ln w="19050">
                           <a:solidFill>
                             <a:schemeClr val="tx1"/>
                           </a:solidFill>
@@ -15076,7 +15076,7 @@
                         <a:solidFill>
                           <a:schemeClr val="bg1"/>
                         </a:solidFill>
-                        <a:ln>
+                        <a:ln w="19050">
                           <a:solidFill>
                             <a:schemeClr val="tx1"/>
                           </a:solidFill>
@@ -15296,7 +15296,7 @@
                     <a:solidFill>
                       <a:schemeClr val="bg1"/>
                     </a:solidFill>
-                    <a:ln>
+                    <a:ln w="19050">
                       <a:solidFill>
                         <a:schemeClr val="tx1"/>
                       </a:solidFill>
@@ -15429,7 +15429,7 @@
               <a:solidFill>
                 <a:schemeClr val="bg1"/>
               </a:solidFill>
-              <a:ln>
+              <a:ln w="19050">
                 <a:solidFill>
                   <a:schemeClr val="tx1"/>
                 </a:solidFill>
@@ -15524,7 +15524,7 @@
             <a:solidFill>
               <a:schemeClr val="bg1"/>
             </a:solidFill>
-            <a:ln>
+            <a:ln w="19050">
               <a:solidFill>
                 <a:schemeClr val="tx1"/>
               </a:solidFill>
@@ -15655,7 +15655,7 @@
             <a:solidFill>
               <a:schemeClr val="bg1"/>
             </a:solidFill>
-            <a:ln>
+            <a:ln w="19050">
               <a:solidFill>
                 <a:schemeClr val="tx1"/>
               </a:solidFill>
@@ -15875,13 +15875,7 @@
                   <a:rPr lang="en-US" altLang="zh-CN" sz="1400" dirty="0">
                     <a:latin typeface="Arial Rounded MT Bold" panose="020F0704030504030204" pitchFamily="34" charset="0"/>
                   </a:rPr>
-                  <a:t>Node </a:t>
-                </a:r>
-                <a:r>
-                  <a:rPr lang="en-US" altLang="zh-CN" sz="1400" dirty="0">
-                    <a:latin typeface="Arial Rounded MT Bold" panose="020F0704030504030204" pitchFamily="34" charset="0"/>
-                  </a:rPr>
-                  <a:t>N</a:t>
+                  <a:t>Node N</a:t>
                 </a:r>
                 <a:endParaRPr lang="zh-CN" altLang="en-US" sz="1400" dirty="0">
                   <a:latin typeface="Arial Rounded MT Bold" panose="020F0704030504030204" pitchFamily="34" charset="0"/>
@@ -15905,10 +15899,10 @@
         </p:nvGrpSpPr>
         <p:grpSpPr>
           <a:xfrm>
-            <a:off x="4116456" y="1483064"/>
-            <a:ext cx="1150070" cy="2354109"/>
+            <a:off x="4113459" y="1451462"/>
+            <a:ext cx="1150070" cy="1718589"/>
             <a:chOff x="4053251" y="2253214"/>
-            <a:chExt cx="1150070" cy="2354109"/>
+            <a:chExt cx="1150070" cy="1718589"/>
           </a:xfrm>
         </p:grpSpPr>
         <p:sp>
@@ -15926,7 +15920,7 @@
           <p:spPr>
             <a:xfrm>
               <a:off x="4053251" y="2253214"/>
-              <a:ext cx="1150070" cy="2354109"/>
+              <a:ext cx="1150070" cy="1718589"/>
             </a:xfrm>
             <a:prstGeom prst="roundRect">
               <a:avLst/>
@@ -15984,7 +15978,7 @@
               <a:avLst/>
             </a:prstGeom>
             <a:noFill/>
-            <a:ln>
+            <a:ln w="19050">
               <a:solidFill>
                 <a:schemeClr val="tx1"/>
               </a:solidFill>
@@ -16048,7 +16042,7 @@
               <a:avLst/>
             </a:prstGeom>
             <a:noFill/>
-            <a:ln>
+            <a:ln w="19050">
               <a:solidFill>
                 <a:schemeClr val="tx1"/>
               </a:solidFill>
@@ -16082,70 +16076,6 @@
                   </a:solidFill>
                 </a:rPr>
                 <a:t>Mixer</a:t>
-              </a:r>
-              <a:endParaRPr lang="zh-CN" altLang="en-US" sz="1400" b="1" dirty="0">
-                <a:solidFill>
-                  <a:schemeClr val="tx1"/>
-                </a:solidFill>
-              </a:endParaRPr>
-            </a:p>
-          </p:txBody>
-        </p:sp>
-        <p:sp>
-          <p:nvSpPr>
-            <p:cNvPr id="62" name="矩形: 圆角 180">
-              <a:extLst>
-                <a:ext uri="{FF2B5EF4-FFF2-40B4-BE49-F238E27FC236}">
-                  <a16:creationId xmlns:a16="http://schemas.microsoft.com/office/drawing/2014/main" id="{97EBAC6E-D363-4454-B674-3F02F1898F5C}"/>
-                </a:ext>
-              </a:extLst>
-            </p:cNvPr>
-            <p:cNvSpPr/>
-            <p:nvPr/>
-          </p:nvSpPr>
-          <p:spPr>
-            <a:xfrm>
-              <a:off x="4241343" y="3977857"/>
-              <a:ext cx="790562" cy="460143"/>
-            </a:xfrm>
-            <a:prstGeom prst="roundRect">
-              <a:avLst/>
-            </a:prstGeom>
-            <a:noFill/>
-            <a:ln>
-              <a:solidFill>
-                <a:schemeClr val="tx1"/>
-              </a:solidFill>
-            </a:ln>
-          </p:spPr>
-          <p:style>
-            <a:lnRef idx="2">
-              <a:schemeClr val="accent1">
-                <a:shade val="50000"/>
-              </a:schemeClr>
-            </a:lnRef>
-            <a:fillRef idx="1">
-              <a:schemeClr val="accent1"/>
-            </a:fillRef>
-            <a:effectRef idx="0">
-              <a:schemeClr val="accent1"/>
-            </a:effectRef>
-            <a:fontRef idx="minor">
-              <a:schemeClr val="lt1"/>
-            </a:fontRef>
-          </p:style>
-          <p:txBody>
-            <a:bodyPr rtlCol="0" anchor="ctr"/>
-            <a:lstStyle/>
-            <a:p>
-              <a:pPr algn="ctr"/>
-              <a:r>
-                <a:rPr lang="en-US" altLang="zh-CN" sz="1400" b="1" dirty="0">
-                  <a:solidFill>
-                    <a:schemeClr val="tx1"/>
-                  </a:solidFill>
-                </a:rPr>
-                <a:t>Citadel</a:t>
               </a:r>
               <a:endParaRPr lang="zh-CN" altLang="en-US" sz="1400" b="1" dirty="0">
                 <a:solidFill>
@@ -16271,12 +16201,12 @@
         <p:spPr>
           <a:xfrm>
             <a:off x="3367618" y="2233469"/>
-            <a:ext cx="932041" cy="579425"/>
+            <a:ext cx="929044" cy="547823"/>
           </a:xfrm>
           <a:prstGeom prst="straightConnector1">
             <a:avLst/>
           </a:prstGeom>
-          <a:ln w="12700">
+          <a:ln w="19050">
             <a:solidFill>
               <a:schemeClr val="tx1"/>
             </a:solidFill>
@@ -16312,7 +16242,7 @@
         </p:nvGrpSpPr>
         <p:grpSpPr>
           <a:xfrm>
-            <a:off x="6705802" y="785933"/>
+            <a:off x="7057493" y="785933"/>
             <a:ext cx="1251258" cy="1158935"/>
             <a:chOff x="10287392" y="2494640"/>
             <a:chExt cx="1537623" cy="1386334"/>
@@ -16403,10 +16333,10 @@
         </p:nvGrpSpPr>
         <p:grpSpPr>
           <a:xfrm>
-            <a:off x="3515521" y="990152"/>
-            <a:ext cx="3190281" cy="276999"/>
-            <a:chOff x="3505937" y="1113570"/>
-            <a:chExt cx="3190281" cy="276999"/>
+            <a:off x="3515521" y="928650"/>
+            <a:ext cx="3541972" cy="338554"/>
+            <a:chOff x="3505937" y="1052068"/>
+            <a:chExt cx="3541972" cy="338554"/>
           </a:xfrm>
         </p:grpSpPr>
         <p:sp>
@@ -16423,8 +16353,8 @@
           </p:nvSpPr>
           <p:spPr>
             <a:xfrm>
-              <a:off x="5697340" y="1113570"/>
-              <a:ext cx="621824" cy="276999"/>
+              <a:off x="5757565" y="1052068"/>
+              <a:ext cx="621824" cy="338554"/>
             </a:xfrm>
             <a:prstGeom prst="rect">
               <a:avLst/>
@@ -16438,12 +16368,12 @@
             <a:lstStyle/>
             <a:p>
               <a:r>
-                <a:rPr lang="en-US" altLang="zh-CN" sz="1200" dirty="0" smtClean="0">
+                <a:rPr lang="en-US" altLang="zh-CN" sz="1600" dirty="0" smtClean="0">
                   <a:latin typeface="Arial Rounded MT Bold" panose="020F0704030504030204" pitchFamily="34" charset="0"/>
                 </a:rPr>
                 <a:t>Log</a:t>
               </a:r>
-              <a:endParaRPr lang="zh-CN" altLang="en-US" sz="1200" dirty="0">
+              <a:endParaRPr lang="zh-CN" altLang="en-US" sz="1600" dirty="0">
                 <a:latin typeface="Arial Rounded MT Bold" panose="020F0704030504030204" pitchFamily="34" charset="0"/>
               </a:endParaRPr>
             </a:p>
@@ -16467,12 +16397,12 @@
           <p:spPr>
             <a:xfrm flipV="1">
               <a:off x="3505937" y="1378025"/>
-              <a:ext cx="3190281" cy="11495"/>
+              <a:ext cx="3541972" cy="11495"/>
             </a:xfrm>
             <a:prstGeom prst="straightConnector1">
               <a:avLst/>
             </a:prstGeom>
-            <a:ln w="12700">
+            <a:ln w="19050">
               <a:solidFill>
                 <a:schemeClr val="tx1"/>
               </a:solidFill>
@@ -16512,13 +16442,13 @@
         </p:nvCxnSpPr>
         <p:spPr>
           <a:xfrm flipV="1">
-            <a:off x="3381372" y="2812894"/>
-            <a:ext cx="918287" cy="564476"/>
+            <a:off x="3381372" y="2781292"/>
+            <a:ext cx="915290" cy="596078"/>
           </a:xfrm>
           <a:prstGeom prst="straightConnector1">
             <a:avLst/>
           </a:prstGeom>
-          <a:ln w="12700">
+          <a:ln w="19050">
             <a:solidFill>
               <a:schemeClr val="tx1"/>
             </a:solidFill>
@@ -16561,7 +16491,7 @@
             <a:avLst/>
           </a:prstGeom>
           <a:noFill/>
-          <a:ln>
+          <a:ln w="19050">
             <a:solidFill>
               <a:schemeClr val="tx1"/>
             </a:solidFill>
@@ -16623,10 +16553,10 @@
         </p:nvGrpSpPr>
         <p:grpSpPr>
           <a:xfrm>
-            <a:off x="5266526" y="2372780"/>
-            <a:ext cx="1481220" cy="296555"/>
-            <a:chOff x="3649016" y="297573"/>
-            <a:chExt cx="2991284" cy="296555"/>
+            <a:off x="5366500" y="2346970"/>
+            <a:ext cx="1681305" cy="338554"/>
+            <a:chOff x="3850911" y="271763"/>
+            <a:chExt cx="3395350" cy="338554"/>
           </a:xfrm>
         </p:grpSpPr>
         <p:sp>
@@ -16643,8 +16573,8 @@
           </p:nvSpPr>
           <p:spPr>
             <a:xfrm>
-              <a:off x="4408039" y="297573"/>
-              <a:ext cx="2232261" cy="276999"/>
+              <a:off x="4425556" y="271763"/>
+              <a:ext cx="2232261" cy="338554"/>
             </a:xfrm>
             <a:prstGeom prst="rect">
               <a:avLst/>
@@ -16658,12 +16588,12 @@
             <a:lstStyle/>
             <a:p>
               <a:r>
-                <a:rPr lang="en-US" altLang="zh-CN" sz="1200" dirty="0" smtClean="0">
+                <a:rPr lang="en-US" altLang="zh-CN" sz="1600" dirty="0" smtClean="0">
                   <a:latin typeface="Arial Rounded MT Bold" panose="020F0704030504030204" pitchFamily="34" charset="0"/>
                 </a:rPr>
                 <a:t>Trace</a:t>
               </a:r>
-              <a:endParaRPr lang="zh-CN" altLang="en-US" sz="1200" dirty="0">
+              <a:endParaRPr lang="zh-CN" altLang="en-US" sz="1600" dirty="0">
                 <a:latin typeface="Arial Rounded MT Bold" panose="020F0704030504030204" pitchFamily="34" charset="0"/>
               </a:endParaRPr>
             </a:p>
@@ -16679,20 +16609,19 @@
               </a:extLst>
             </p:cNvPr>
             <p:cNvCxnSpPr>
-              <a:stCxn id="59" idx="3"/>
               <a:endCxn id="91" idx="1"/>
             </p:cNvCxnSpPr>
             <p:nvPr/>
           </p:nvCxnSpPr>
           <p:spPr>
             <a:xfrm>
-              <a:off x="3649016" y="584912"/>
-              <a:ext cx="2972408" cy="9216"/>
+              <a:off x="3850911" y="571362"/>
+              <a:ext cx="3395350" cy="0"/>
             </a:xfrm>
             <a:prstGeom prst="straightConnector1">
               <a:avLst/>
             </a:prstGeom>
-            <a:ln w="12700">
+            <a:ln w="19050">
               <a:solidFill>
                 <a:schemeClr val="tx1"/>
               </a:solidFill>
@@ -16820,10 +16749,10 @@
         </p:nvGrpSpPr>
         <p:grpSpPr>
           <a:xfrm>
-            <a:off x="7671352" y="983355"/>
-            <a:ext cx="2307916" cy="1258165"/>
-            <a:chOff x="3904802" y="1143863"/>
-            <a:chExt cx="2307916" cy="1258165"/>
+            <a:off x="8023043" y="949503"/>
+            <a:ext cx="1956225" cy="1292017"/>
+            <a:chOff x="4256493" y="1110011"/>
+            <a:chExt cx="1956225" cy="1292017"/>
           </a:xfrm>
         </p:grpSpPr>
         <p:sp>
@@ -16840,8 +16769,8 @@
           </p:nvSpPr>
           <p:spPr>
             <a:xfrm>
-              <a:off x="4731290" y="1143863"/>
-              <a:ext cx="685952" cy="276999"/>
+              <a:off x="4766192" y="1110011"/>
+              <a:ext cx="685952" cy="338554"/>
             </a:xfrm>
             <a:prstGeom prst="rect">
               <a:avLst/>
@@ -16856,18 +16785,12 @@
             <a:p>
               <a:pPr algn="ctr"/>
               <a:r>
-                <a:rPr lang="en-US" altLang="zh-CN" sz="1200" dirty="0" smtClean="0">
+                <a:rPr lang="en-US" altLang="zh-CN" sz="1600" dirty="0" smtClean="0">
                   <a:latin typeface="Arial Rounded MT Bold" panose="020F0704030504030204" pitchFamily="34" charset="0"/>
                 </a:rPr>
-                <a:t>L</a:t>
+                <a:t>Log</a:t>
               </a:r>
-              <a:r>
-                <a:rPr lang="en-US" altLang="zh-CN" sz="1200" dirty="0" smtClean="0">
-                  <a:latin typeface="Arial Rounded MT Bold" panose="020F0704030504030204" pitchFamily="34" charset="0"/>
-                </a:rPr>
-                <a:t>og</a:t>
-              </a:r>
-              <a:endParaRPr lang="zh-CN" altLang="en-US" sz="1200" dirty="0">
+              <a:endParaRPr lang="zh-CN" altLang="en-US" sz="1600" dirty="0">
                 <a:latin typeface="Arial Rounded MT Bold" panose="020F0704030504030204" pitchFamily="34" charset="0"/>
               </a:endParaRPr>
             </a:p>
@@ -16890,13 +16813,13 @@
           </p:nvCxnSpPr>
           <p:spPr>
             <a:xfrm>
-              <a:off x="3904802" y="1415115"/>
-              <a:ext cx="2307916" cy="986913"/>
+              <a:off x="4256493" y="1415115"/>
+              <a:ext cx="1956225" cy="986913"/>
             </a:xfrm>
             <a:prstGeom prst="bentConnector2">
               <a:avLst/>
             </a:prstGeom>
-            <a:ln w="12700">
+            <a:ln w="19050">
               <a:solidFill>
                 <a:schemeClr val="tx1"/>
               </a:solidFill>
@@ -16927,7 +16850,7 @@
         </p:nvGrpSpPr>
         <p:grpSpPr>
           <a:xfrm>
-            <a:off x="6738399" y="2348698"/>
+            <a:off x="7047805" y="2325932"/>
             <a:ext cx="1198625" cy="979828"/>
             <a:chOff x="6659889" y="2341700"/>
             <a:chExt cx="1198625" cy="979828"/>
@@ -17003,7 +16926,7 @@
                 <a:avLst/>
               </a:prstGeom>
               <a:noFill/>
-              <a:ln>
+              <a:ln w="19050">
                 <a:solidFill>
                   <a:schemeClr val="tx1"/>
                 </a:solidFill>
@@ -17096,14 +17019,14 @@
           <p:nvPr/>
         </p:nvCxnSpPr>
         <p:spPr>
-          <a:xfrm flipV="1">
-            <a:off x="7937024" y="2661717"/>
-            <a:ext cx="1609051" cy="7618"/>
+          <a:xfrm>
+            <a:off x="8246430" y="2646569"/>
+            <a:ext cx="1299645" cy="15148"/>
           </a:xfrm>
           <a:prstGeom prst="straightConnector1">
             <a:avLst/>
           </a:prstGeom>
-          <a:ln w="12700">
+          <a:ln w="19050">
             <a:solidFill>
               <a:schemeClr val="tx1"/>
             </a:solidFill>
@@ -17139,8 +17062,8 @@
         </p:nvSpPr>
         <p:spPr>
           <a:xfrm>
-            <a:off x="8492693" y="2368446"/>
-            <a:ext cx="962870" cy="276999"/>
+            <a:off x="8534963" y="2340675"/>
+            <a:ext cx="962870" cy="338554"/>
           </a:xfrm>
           <a:prstGeom prst="rect">
             <a:avLst/>
@@ -17154,12 +17077,12 @@
           <a:lstStyle/>
           <a:p>
             <a:r>
-              <a:rPr lang="en-US" altLang="zh-CN" sz="1200" dirty="0" smtClean="0">
+              <a:rPr lang="en-US" altLang="zh-CN" sz="1600" dirty="0" smtClean="0">
                 <a:latin typeface="Arial Rounded MT Bold" panose="020F0704030504030204" pitchFamily="34" charset="0"/>
               </a:rPr>
               <a:t>Trace</a:t>
             </a:r>
-            <a:endParaRPr lang="zh-CN" altLang="en-US" sz="1200" dirty="0">
+            <a:endParaRPr lang="zh-CN" altLang="en-US" sz="1600" dirty="0">
               <a:latin typeface="Arial Rounded MT Bold" panose="020F0704030504030204" pitchFamily="34" charset="0"/>
             </a:endParaRPr>
           </a:p>
@@ -17249,7 +17172,7 @@
               <a:avLst/>
             </a:prstGeom>
             <a:noFill/>
-            <a:ln>
+            <a:ln w="19050">
               <a:solidFill>
                 <a:schemeClr val="tx1"/>
               </a:solidFill>
@@ -17361,7 +17284,7 @@
             <a:prstGeom prst="straightConnector1">
               <a:avLst/>
             </a:prstGeom>
-            <a:ln w="12700">
+            <a:ln w="19050">
               <a:solidFill>
                 <a:schemeClr val="tx1"/>
               </a:solidFill>
@@ -17408,7 +17331,7 @@
               <a:gd name="adj1" fmla="val -442"/>
             </a:avLst>
           </a:prstGeom>
-          <a:ln w="12700">
+          <a:ln w="19050">
             <a:solidFill>
               <a:schemeClr val="tx1"/>
             </a:solidFill>
@@ -17452,7 +17375,7 @@
           <a:prstGeom prst="bentConnector2">
             <a:avLst/>
           </a:prstGeom>
-          <a:ln w="12700">
+          <a:ln w="19050">
             <a:solidFill>
               <a:schemeClr val="tx1"/>
             </a:solidFill>
@@ -17574,7 +17497,7 @@
           <a:prstGeom prst="straightConnector1">
             <a:avLst/>
           </a:prstGeom>
-          <a:ln w="12700">
+          <a:ln w="19050">
             <a:solidFill>
               <a:schemeClr val="tx1"/>
             </a:solidFill>
@@ -17616,7 +17539,7 @@
           <a:prstGeom prst="straightConnector1">
             <a:avLst/>
           </a:prstGeom>
-          <a:ln w="12700">
+          <a:ln w="19050">
             <a:solidFill>
               <a:schemeClr val="tx1"/>
             </a:solidFill>
@@ -17638,6 +17561,130 @@
           </a:fontRef>
         </p:style>
       </p:cxnSp>
+      <p:cxnSp>
+        <p:nvCxnSpPr>
+          <p:cNvPr id="103" name="直接箭头连接符 102">
+            <a:extLst>
+              <a:ext uri="{FF2B5EF4-FFF2-40B4-BE49-F238E27FC236}">
+                <a16:creationId xmlns:a16="http://schemas.microsoft.com/office/drawing/2014/main" id="{1D5DAD3C-D1BB-4151-A634-91ACB6AA95C5}"/>
+              </a:ext>
+            </a:extLst>
+          </p:cNvPr>
+          <p:cNvCxnSpPr/>
+          <p:nvPr/>
+        </p:nvCxnSpPr>
+        <p:spPr>
+          <a:xfrm flipH="1">
+            <a:off x="7868757" y="3288880"/>
+            <a:ext cx="2534" cy="346345"/>
+          </a:xfrm>
+          <a:prstGeom prst="straightConnector1">
+            <a:avLst/>
+          </a:prstGeom>
+          <a:ln w="19050">
+            <a:solidFill>
+              <a:schemeClr val="tx1"/>
+            </a:solidFill>
+            <a:tailEnd type="triangle"/>
+          </a:ln>
+        </p:spPr>
+        <p:style>
+          <a:lnRef idx="1">
+            <a:schemeClr val="accent1"/>
+          </a:lnRef>
+          <a:fillRef idx="0">
+            <a:schemeClr val="accent1"/>
+          </a:fillRef>
+          <a:effectRef idx="0">
+            <a:schemeClr val="accent1"/>
+          </a:effectRef>
+          <a:fontRef idx="minor">
+            <a:schemeClr val="tx1"/>
+          </a:fontRef>
+        </p:style>
+      </p:cxnSp>
+      <p:cxnSp>
+        <p:nvCxnSpPr>
+          <p:cNvPr id="104" name="直接箭头连接符 103">
+            <a:extLst>
+              <a:ext uri="{FF2B5EF4-FFF2-40B4-BE49-F238E27FC236}">
+                <a16:creationId xmlns:a16="http://schemas.microsoft.com/office/drawing/2014/main" id="{D28CD575-3354-427B-9250-0692575F9390}"/>
+              </a:ext>
+            </a:extLst>
+          </p:cNvPr>
+          <p:cNvCxnSpPr/>
+          <p:nvPr/>
+        </p:nvCxnSpPr>
+        <p:spPr>
+          <a:xfrm flipV="1">
+            <a:off x="7478178" y="3294655"/>
+            <a:ext cx="0" cy="357450"/>
+          </a:xfrm>
+          <a:prstGeom prst="straightConnector1">
+            <a:avLst/>
+          </a:prstGeom>
+          <a:ln w="19050">
+            <a:solidFill>
+              <a:schemeClr val="tx1"/>
+            </a:solidFill>
+            <a:tailEnd type="triangle"/>
+          </a:ln>
+        </p:spPr>
+        <p:style>
+          <a:lnRef idx="1">
+            <a:schemeClr val="accent1"/>
+          </a:lnRef>
+          <a:fillRef idx="0">
+            <a:schemeClr val="accent1"/>
+          </a:fillRef>
+          <a:effectRef idx="0">
+            <a:schemeClr val="accent1"/>
+          </a:effectRef>
+          <a:fontRef idx="minor">
+            <a:schemeClr val="tx1"/>
+          </a:fontRef>
+        </p:style>
+      </p:cxnSp>
+      <p:sp>
+        <p:nvSpPr>
+          <p:cNvPr id="105" name="文本框 104">
+            <a:extLst>
+              <a:ext uri="{FF2B5EF4-FFF2-40B4-BE49-F238E27FC236}">
+                <a16:creationId xmlns:a16="http://schemas.microsoft.com/office/drawing/2014/main" id="{724B9F02-F62E-4A02-9DCD-AD5A998239E5}"/>
+              </a:ext>
+            </a:extLst>
+          </p:cNvPr>
+          <p:cNvSpPr txBox="1"/>
+          <p:nvPr/>
+        </p:nvSpPr>
+        <p:spPr>
+          <a:xfrm>
+            <a:off x="7838352" y="3292113"/>
+            <a:ext cx="1264098" cy="276999"/>
+          </a:xfrm>
+          <a:prstGeom prst="rect">
+            <a:avLst/>
+          </a:prstGeom>
+          <a:noFill/>
+        </p:spPr>
+        <p:txBody>
+          <a:bodyPr wrap="square" rtlCol="0">
+            <a:spAutoFit/>
+          </a:bodyPr>
+          <a:lstStyle/>
+          <a:p>
+            <a:r>
+              <a:rPr lang="en-US" altLang="zh-CN" sz="1200" dirty="0" smtClean="0">
+                <a:latin typeface="Arial Rounded MT Bold" panose="020F0704030504030204" pitchFamily="34" charset="0"/>
+              </a:rPr>
+              <a:t>Dependencies</a:t>
+            </a:r>
+            <a:endParaRPr lang="zh-CN" altLang="en-US" sz="1200" dirty="0">
+              <a:latin typeface="Arial Rounded MT Bold" panose="020F0704030504030204" pitchFamily="34" charset="0"/>
+            </a:endParaRPr>
+          </a:p>
+        </p:txBody>
+      </p:sp>
     </p:spTree>
     <p:extLst>
       <p:ext uri="{BB962C8B-B14F-4D97-AF65-F5344CB8AC3E}">

--- a/architecture.pptx
+++ b/architecture.pptx
@@ -5,10 +5,11 @@
     <p:sldMasterId id="2147483648" r:id="rId1"/>
   </p:sldMasterIdLst>
   <p:sldIdLst>
-    <p:sldId id="259" r:id="rId2"/>
-    <p:sldId id="258" r:id="rId3"/>
-    <p:sldId id="256" r:id="rId4"/>
-    <p:sldId id="261" r:id="rId5"/>
+    <p:sldId id="262" r:id="rId2"/>
+    <p:sldId id="259" r:id="rId3"/>
+    <p:sldId id="258" r:id="rId4"/>
+    <p:sldId id="256" r:id="rId5"/>
+    <p:sldId id="261" r:id="rId6"/>
   </p:sldIdLst>
   <p:sldSz cx="12192000" cy="6858000"/>
   <p:notesSz cx="6858000" cy="9144000"/>
@@ -262,7 +263,7 @@
           <a:p>
             <a:fld id="{474C422C-BDF9-41D1-A812-954CCA4F011F}" type="datetimeFigureOut">
               <a:rPr lang="zh-CN" altLang="en-US" smtClean="0"/>
-              <a:t>2018/8/27</a:t>
+              <a:t>2018/8/30</a:t>
             </a:fld>
             <a:endParaRPr lang="zh-CN" altLang="en-US"/>
           </a:p>
@@ -460,7 +461,7 @@
           <a:p>
             <a:fld id="{474C422C-BDF9-41D1-A812-954CCA4F011F}" type="datetimeFigureOut">
               <a:rPr lang="zh-CN" altLang="en-US" smtClean="0"/>
-              <a:t>2018/8/27</a:t>
+              <a:t>2018/8/30</a:t>
             </a:fld>
             <a:endParaRPr lang="zh-CN" altLang="en-US"/>
           </a:p>
@@ -668,7 +669,7 @@
           <a:p>
             <a:fld id="{474C422C-BDF9-41D1-A812-954CCA4F011F}" type="datetimeFigureOut">
               <a:rPr lang="zh-CN" altLang="en-US" smtClean="0"/>
-              <a:t>2018/8/27</a:t>
+              <a:t>2018/8/30</a:t>
             </a:fld>
             <a:endParaRPr lang="zh-CN" altLang="en-US"/>
           </a:p>
@@ -866,7 +867,7 @@
           <a:p>
             <a:fld id="{474C422C-BDF9-41D1-A812-954CCA4F011F}" type="datetimeFigureOut">
               <a:rPr lang="zh-CN" altLang="en-US" smtClean="0"/>
-              <a:t>2018/8/27</a:t>
+              <a:t>2018/8/30</a:t>
             </a:fld>
             <a:endParaRPr lang="zh-CN" altLang="en-US"/>
           </a:p>
@@ -1141,7 +1142,7 @@
           <a:p>
             <a:fld id="{474C422C-BDF9-41D1-A812-954CCA4F011F}" type="datetimeFigureOut">
               <a:rPr lang="zh-CN" altLang="en-US" smtClean="0"/>
-              <a:t>2018/8/27</a:t>
+              <a:t>2018/8/30</a:t>
             </a:fld>
             <a:endParaRPr lang="zh-CN" altLang="en-US"/>
           </a:p>
@@ -1406,7 +1407,7 @@
           <a:p>
             <a:fld id="{474C422C-BDF9-41D1-A812-954CCA4F011F}" type="datetimeFigureOut">
               <a:rPr lang="zh-CN" altLang="en-US" smtClean="0"/>
-              <a:t>2018/8/27</a:t>
+              <a:t>2018/8/30</a:t>
             </a:fld>
             <a:endParaRPr lang="zh-CN" altLang="en-US"/>
           </a:p>
@@ -1818,7 +1819,7 @@
           <a:p>
             <a:fld id="{474C422C-BDF9-41D1-A812-954CCA4F011F}" type="datetimeFigureOut">
               <a:rPr lang="zh-CN" altLang="en-US" smtClean="0"/>
-              <a:t>2018/8/27</a:t>
+              <a:t>2018/8/30</a:t>
             </a:fld>
             <a:endParaRPr lang="zh-CN" altLang="en-US"/>
           </a:p>
@@ -1959,7 +1960,7 @@
           <a:p>
             <a:fld id="{474C422C-BDF9-41D1-A812-954CCA4F011F}" type="datetimeFigureOut">
               <a:rPr lang="zh-CN" altLang="en-US" smtClean="0"/>
-              <a:t>2018/8/27</a:t>
+              <a:t>2018/8/30</a:t>
             </a:fld>
             <a:endParaRPr lang="zh-CN" altLang="en-US"/>
           </a:p>
@@ -2072,7 +2073,7 @@
           <a:p>
             <a:fld id="{474C422C-BDF9-41D1-A812-954CCA4F011F}" type="datetimeFigureOut">
               <a:rPr lang="zh-CN" altLang="en-US" smtClean="0"/>
-              <a:t>2018/8/27</a:t>
+              <a:t>2018/8/30</a:t>
             </a:fld>
             <a:endParaRPr lang="zh-CN" altLang="en-US"/>
           </a:p>
@@ -2383,7 +2384,7 @@
           <a:p>
             <a:fld id="{474C422C-BDF9-41D1-A812-954CCA4F011F}" type="datetimeFigureOut">
               <a:rPr lang="zh-CN" altLang="en-US" smtClean="0"/>
-              <a:t>2018/8/27</a:t>
+              <a:t>2018/8/30</a:t>
             </a:fld>
             <a:endParaRPr lang="zh-CN" altLang="en-US"/>
           </a:p>
@@ -2671,7 +2672,7 @@
           <a:p>
             <a:fld id="{474C422C-BDF9-41D1-A812-954CCA4F011F}" type="datetimeFigureOut">
               <a:rPr lang="zh-CN" altLang="en-US" smtClean="0"/>
-              <a:t>2018/8/27</a:t>
+              <a:t>2018/8/30</a:t>
             </a:fld>
             <a:endParaRPr lang="zh-CN" altLang="en-US"/>
           </a:p>
@@ -2912,7 +2913,7 @@
           <a:p>
             <a:fld id="{474C422C-BDF9-41D1-A812-954CCA4F011F}" type="datetimeFigureOut">
               <a:rPr lang="zh-CN" altLang="en-US" smtClean="0"/>
-              <a:t>2018/8/27</a:t>
+              <a:t>2018/8/30</a:t>
             </a:fld>
             <a:endParaRPr lang="zh-CN" altLang="en-US"/>
           </a:p>
@@ -3331,6 +3332,1120 @@
       </p:grpSpPr>
       <p:sp>
         <p:nvSpPr>
+          <p:cNvPr id="4" name="矩形 3">
+            <a:extLst>
+              <a:ext uri="{FF2B5EF4-FFF2-40B4-BE49-F238E27FC236}">
+                <a16:creationId xmlns:a16="http://schemas.microsoft.com/office/drawing/2014/main" id="{37546FCA-2D0C-4412-9DE2-CC1BF66A55DE}"/>
+              </a:ext>
+            </a:extLst>
+          </p:cNvPr>
+          <p:cNvSpPr/>
+          <p:nvPr/>
+        </p:nvSpPr>
+        <p:spPr>
+          <a:xfrm>
+            <a:off x="639810" y="2608290"/>
+            <a:ext cx="1981729" cy="1049310"/>
+          </a:xfrm>
+          <a:prstGeom prst="rect">
+            <a:avLst/>
+          </a:prstGeom>
+          <a:noFill/>
+          <a:ln w="28575">
+            <a:solidFill>
+              <a:schemeClr val="tx1"/>
+            </a:solidFill>
+          </a:ln>
+        </p:spPr>
+        <p:style>
+          <a:lnRef idx="2">
+            <a:schemeClr val="accent1">
+              <a:shade val="50000"/>
+            </a:schemeClr>
+          </a:lnRef>
+          <a:fillRef idx="1">
+            <a:schemeClr val="accent1"/>
+          </a:fillRef>
+          <a:effectRef idx="0">
+            <a:schemeClr val="accent1"/>
+          </a:effectRef>
+          <a:fontRef idx="minor">
+            <a:schemeClr val="lt1"/>
+          </a:fontRef>
+        </p:style>
+        <p:txBody>
+          <a:bodyPr rtlCol="0" anchor="ctr"/>
+          <a:lstStyle/>
+          <a:p>
+            <a:pPr algn="ctr"/>
+            <a:r>
+              <a:rPr lang="en-US" altLang="zh-CN" sz="2400" b="1" dirty="0">
+                <a:solidFill>
+                  <a:schemeClr val="tx1"/>
+                </a:solidFill>
+              </a:rPr>
+              <a:t>Microservice System</a:t>
+            </a:r>
+            <a:endParaRPr lang="zh-CN" altLang="en-US" sz="2400" b="1" dirty="0">
+              <a:solidFill>
+                <a:schemeClr val="tx1"/>
+              </a:solidFill>
+            </a:endParaRPr>
+          </a:p>
+        </p:txBody>
+      </p:sp>
+      <p:sp>
+        <p:nvSpPr>
+          <p:cNvPr id="6" name="矩形 5">
+            <a:extLst>
+              <a:ext uri="{FF2B5EF4-FFF2-40B4-BE49-F238E27FC236}">
+                <a16:creationId xmlns:a16="http://schemas.microsoft.com/office/drawing/2014/main" id="{58BB2C9E-0797-49C4-9060-50BAFB3E4369}"/>
+              </a:ext>
+            </a:extLst>
+          </p:cNvPr>
+          <p:cNvSpPr/>
+          <p:nvPr/>
+        </p:nvSpPr>
+        <p:spPr>
+          <a:xfrm>
+            <a:off x="4534107" y="1222043"/>
+            <a:ext cx="1981729" cy="3814652"/>
+          </a:xfrm>
+          <a:prstGeom prst="rect">
+            <a:avLst/>
+          </a:prstGeom>
+          <a:noFill/>
+          <a:ln w="28575">
+            <a:solidFill>
+              <a:schemeClr val="tx1"/>
+            </a:solidFill>
+          </a:ln>
+        </p:spPr>
+        <p:style>
+          <a:lnRef idx="2">
+            <a:schemeClr val="accent1">
+              <a:shade val="50000"/>
+            </a:schemeClr>
+          </a:lnRef>
+          <a:fillRef idx="1">
+            <a:schemeClr val="accent1"/>
+          </a:fillRef>
+          <a:effectRef idx="0">
+            <a:schemeClr val="accent1"/>
+          </a:effectRef>
+          <a:fontRef idx="minor">
+            <a:schemeClr val="lt1"/>
+          </a:fontRef>
+        </p:style>
+        <p:txBody>
+          <a:bodyPr vert="horz" rtlCol="0" anchor="t" anchorCtr="0"/>
+          <a:lstStyle/>
+          <a:p>
+            <a:pPr algn="ctr"/>
+            <a:r>
+              <a:rPr lang="en-US" altLang="zh-CN" sz="2400" b="1" dirty="0">
+                <a:solidFill>
+                  <a:schemeClr val="tx1"/>
+                </a:solidFill>
+              </a:rPr>
+              <a:t>Analysor</a:t>
+            </a:r>
+            <a:endParaRPr lang="zh-CN" altLang="en-US" sz="2400" b="1" dirty="0">
+              <a:solidFill>
+                <a:schemeClr val="tx1"/>
+              </a:solidFill>
+            </a:endParaRPr>
+          </a:p>
+        </p:txBody>
+      </p:sp>
+      <p:sp>
+        <p:nvSpPr>
+          <p:cNvPr id="2" name="流程图: 多文档 1">
+            <a:extLst>
+              <a:ext uri="{FF2B5EF4-FFF2-40B4-BE49-F238E27FC236}">
+                <a16:creationId xmlns:a16="http://schemas.microsoft.com/office/drawing/2014/main" id="{41B45160-F629-4442-8C57-3104DBBA035A}"/>
+              </a:ext>
+            </a:extLst>
+          </p:cNvPr>
+          <p:cNvSpPr/>
+          <p:nvPr/>
+        </p:nvSpPr>
+        <p:spPr>
+          <a:xfrm>
+            <a:off x="639809" y="4504994"/>
+            <a:ext cx="2043433" cy="810153"/>
+          </a:xfrm>
+          <a:prstGeom prst="flowChartMultidocument">
+            <a:avLst/>
+          </a:prstGeom>
+          <a:solidFill>
+            <a:schemeClr val="bg1"/>
+          </a:solidFill>
+          <a:ln w="28575">
+            <a:solidFill>
+              <a:schemeClr val="tx1"/>
+            </a:solidFill>
+          </a:ln>
+        </p:spPr>
+        <p:style>
+          <a:lnRef idx="2">
+            <a:schemeClr val="accent1">
+              <a:shade val="50000"/>
+            </a:schemeClr>
+          </a:lnRef>
+          <a:fillRef idx="1">
+            <a:schemeClr val="accent1"/>
+          </a:fillRef>
+          <a:effectRef idx="0">
+            <a:schemeClr val="accent1"/>
+          </a:effectRef>
+          <a:fontRef idx="minor">
+            <a:schemeClr val="lt1"/>
+          </a:fontRef>
+        </p:style>
+        <p:txBody>
+          <a:bodyPr rtlCol="0" anchor="ctr"/>
+          <a:lstStyle/>
+          <a:p>
+            <a:pPr algn="ctr"/>
+            <a:r>
+              <a:rPr lang="en-US" altLang="zh-CN" sz="2400" b="1" dirty="0">
+                <a:solidFill>
+                  <a:schemeClr val="tx1"/>
+                </a:solidFill>
+              </a:rPr>
+              <a:t>Test Cases</a:t>
+            </a:r>
+            <a:endParaRPr lang="zh-CN" altLang="en-US" sz="2400" b="1" dirty="0">
+              <a:solidFill>
+                <a:schemeClr val="tx1"/>
+              </a:solidFill>
+            </a:endParaRPr>
+          </a:p>
+        </p:txBody>
+      </p:sp>
+      <p:cxnSp>
+        <p:nvCxnSpPr>
+          <p:cNvPr id="10" name="直接箭头连接符 9">
+            <a:extLst>
+              <a:ext uri="{FF2B5EF4-FFF2-40B4-BE49-F238E27FC236}">
+                <a16:creationId xmlns:a16="http://schemas.microsoft.com/office/drawing/2014/main" id="{AB94F293-D0B5-4429-9111-69FD74176698}"/>
+              </a:ext>
+            </a:extLst>
+          </p:cNvPr>
+          <p:cNvCxnSpPr>
+            <a:cxnSpLocks/>
+            <a:endCxn id="4" idx="2"/>
+          </p:cNvCxnSpPr>
+          <p:nvPr/>
+        </p:nvCxnSpPr>
+        <p:spPr>
+          <a:xfrm flipV="1">
+            <a:off x="1630675" y="3657600"/>
+            <a:ext cx="0" cy="885211"/>
+          </a:xfrm>
+          <a:prstGeom prst="straightConnector1">
+            <a:avLst/>
+          </a:prstGeom>
+          <a:ln w="31750">
+            <a:solidFill>
+              <a:schemeClr val="tx1"/>
+            </a:solidFill>
+            <a:tailEnd type="triangle"/>
+          </a:ln>
+        </p:spPr>
+        <p:style>
+          <a:lnRef idx="1">
+            <a:schemeClr val="accent1"/>
+          </a:lnRef>
+          <a:fillRef idx="0">
+            <a:schemeClr val="accent1"/>
+          </a:fillRef>
+          <a:effectRef idx="0">
+            <a:schemeClr val="accent1"/>
+          </a:effectRef>
+          <a:fontRef idx="minor">
+            <a:schemeClr val="tx1"/>
+          </a:fontRef>
+        </p:style>
+      </p:cxnSp>
+      <p:sp>
+        <p:nvSpPr>
+          <p:cNvPr id="11" name="矩形 10">
+            <a:extLst>
+              <a:ext uri="{FF2B5EF4-FFF2-40B4-BE49-F238E27FC236}">
+                <a16:creationId xmlns:a16="http://schemas.microsoft.com/office/drawing/2014/main" id="{0A28667C-4C84-4F02-B605-2507BC07E3B4}"/>
+              </a:ext>
+            </a:extLst>
+          </p:cNvPr>
+          <p:cNvSpPr/>
+          <p:nvPr/>
+        </p:nvSpPr>
+        <p:spPr>
+          <a:xfrm>
+            <a:off x="9727361" y="1812677"/>
+            <a:ext cx="727251" cy="2767953"/>
+          </a:xfrm>
+          <a:prstGeom prst="rect">
+            <a:avLst/>
+          </a:prstGeom>
+          <a:noFill/>
+          <a:ln w="28575">
+            <a:solidFill>
+              <a:schemeClr val="tx1"/>
+            </a:solidFill>
+          </a:ln>
+        </p:spPr>
+        <p:style>
+          <a:lnRef idx="2">
+            <a:schemeClr val="accent1">
+              <a:shade val="50000"/>
+            </a:schemeClr>
+          </a:lnRef>
+          <a:fillRef idx="1">
+            <a:schemeClr val="accent1"/>
+          </a:fillRef>
+          <a:effectRef idx="0">
+            <a:schemeClr val="accent1"/>
+          </a:effectRef>
+          <a:fontRef idx="minor">
+            <a:schemeClr val="lt1"/>
+          </a:fontRef>
+        </p:style>
+        <p:txBody>
+          <a:bodyPr vert="eaVert" rtlCol="0" anchor="ctr" anchorCtr="0"/>
+          <a:lstStyle/>
+          <a:p>
+            <a:pPr algn="ctr"/>
+            <a:r>
+              <a:rPr lang="en-US" altLang="zh-CN" sz="2400" b="1" dirty="0">
+                <a:solidFill>
+                  <a:schemeClr val="tx1"/>
+                </a:solidFill>
+              </a:rPr>
+              <a:t>Visualization</a:t>
+            </a:r>
+            <a:endParaRPr lang="zh-CN" altLang="en-US" sz="2400" b="1" dirty="0">
+              <a:solidFill>
+                <a:schemeClr val="tx1"/>
+              </a:solidFill>
+            </a:endParaRPr>
+          </a:p>
+        </p:txBody>
+      </p:sp>
+      <p:cxnSp>
+        <p:nvCxnSpPr>
+          <p:cNvPr id="13" name="直接箭头连接符 12">
+            <a:extLst>
+              <a:ext uri="{FF2B5EF4-FFF2-40B4-BE49-F238E27FC236}">
+                <a16:creationId xmlns:a16="http://schemas.microsoft.com/office/drawing/2014/main" id="{0DA8C749-4BAB-47AF-9BD8-3AC8B6126C79}"/>
+              </a:ext>
+            </a:extLst>
+          </p:cNvPr>
+          <p:cNvCxnSpPr>
+            <a:cxnSpLocks/>
+            <a:stCxn id="4" idx="3"/>
+          </p:cNvCxnSpPr>
+          <p:nvPr/>
+        </p:nvCxnSpPr>
+        <p:spPr>
+          <a:xfrm flipV="1">
+            <a:off x="2621539" y="1812677"/>
+            <a:ext cx="1897992" cy="1320268"/>
+          </a:xfrm>
+          <a:prstGeom prst="straightConnector1">
+            <a:avLst/>
+          </a:prstGeom>
+          <a:ln w="31750">
+            <a:solidFill>
+              <a:schemeClr val="tx1"/>
+            </a:solidFill>
+            <a:tailEnd type="triangle"/>
+          </a:ln>
+        </p:spPr>
+        <p:style>
+          <a:lnRef idx="1">
+            <a:schemeClr val="accent1"/>
+          </a:lnRef>
+          <a:fillRef idx="0">
+            <a:schemeClr val="accent1"/>
+          </a:fillRef>
+          <a:effectRef idx="0">
+            <a:schemeClr val="accent1"/>
+          </a:effectRef>
+          <a:fontRef idx="minor">
+            <a:schemeClr val="tx1"/>
+          </a:fontRef>
+        </p:style>
+      </p:cxnSp>
+      <p:cxnSp>
+        <p:nvCxnSpPr>
+          <p:cNvPr id="14" name="直接箭头连接符 13">
+            <a:extLst>
+              <a:ext uri="{FF2B5EF4-FFF2-40B4-BE49-F238E27FC236}">
+                <a16:creationId xmlns:a16="http://schemas.microsoft.com/office/drawing/2014/main" id="{C4504B5E-BA03-458C-8FA6-BE659EEDB2A4}"/>
+              </a:ext>
+            </a:extLst>
+          </p:cNvPr>
+          <p:cNvCxnSpPr>
+            <a:cxnSpLocks/>
+            <a:stCxn id="4" idx="3"/>
+          </p:cNvCxnSpPr>
+          <p:nvPr/>
+        </p:nvCxnSpPr>
+        <p:spPr>
+          <a:xfrm flipV="1">
+            <a:off x="2621539" y="3095126"/>
+            <a:ext cx="1897992" cy="37819"/>
+          </a:xfrm>
+          <a:prstGeom prst="straightConnector1">
+            <a:avLst/>
+          </a:prstGeom>
+          <a:ln w="31750">
+            <a:solidFill>
+              <a:schemeClr val="tx1"/>
+            </a:solidFill>
+            <a:tailEnd type="triangle"/>
+          </a:ln>
+        </p:spPr>
+        <p:style>
+          <a:lnRef idx="1">
+            <a:schemeClr val="accent1"/>
+          </a:lnRef>
+          <a:fillRef idx="0">
+            <a:schemeClr val="accent1"/>
+          </a:fillRef>
+          <a:effectRef idx="0">
+            <a:schemeClr val="accent1"/>
+          </a:effectRef>
+          <a:fontRef idx="minor">
+            <a:schemeClr val="tx1"/>
+          </a:fontRef>
+        </p:style>
+      </p:cxnSp>
+      <p:cxnSp>
+        <p:nvCxnSpPr>
+          <p:cNvPr id="18" name="直接箭头连接符 17">
+            <a:extLst>
+              <a:ext uri="{FF2B5EF4-FFF2-40B4-BE49-F238E27FC236}">
+                <a16:creationId xmlns:a16="http://schemas.microsoft.com/office/drawing/2014/main" id="{9D7FB4F0-677F-4D7F-8362-40D44A2A9013}"/>
+              </a:ext>
+            </a:extLst>
+          </p:cNvPr>
+          <p:cNvCxnSpPr>
+            <a:cxnSpLocks/>
+            <a:stCxn id="4" idx="3"/>
+          </p:cNvCxnSpPr>
+          <p:nvPr/>
+        </p:nvCxnSpPr>
+        <p:spPr>
+          <a:xfrm>
+            <a:off x="2621539" y="3132945"/>
+            <a:ext cx="1897992" cy="1409866"/>
+          </a:xfrm>
+          <a:prstGeom prst="straightConnector1">
+            <a:avLst/>
+          </a:prstGeom>
+          <a:ln w="31750">
+            <a:solidFill>
+              <a:schemeClr val="tx1"/>
+            </a:solidFill>
+            <a:tailEnd type="triangle"/>
+          </a:ln>
+        </p:spPr>
+        <p:style>
+          <a:lnRef idx="1">
+            <a:schemeClr val="accent1"/>
+          </a:lnRef>
+          <a:fillRef idx="0">
+            <a:schemeClr val="accent1"/>
+          </a:fillRef>
+          <a:effectRef idx="0">
+            <a:schemeClr val="accent1"/>
+          </a:effectRef>
+          <a:fontRef idx="minor">
+            <a:schemeClr val="tx1"/>
+          </a:fontRef>
+        </p:style>
+      </p:cxnSp>
+      <p:sp>
+        <p:nvSpPr>
+          <p:cNvPr id="21" name="文本框 20">
+            <a:extLst>
+              <a:ext uri="{FF2B5EF4-FFF2-40B4-BE49-F238E27FC236}">
+                <a16:creationId xmlns:a16="http://schemas.microsoft.com/office/drawing/2014/main" id="{3D45DF2F-E1EB-49AA-BAB3-F66B93345206}"/>
+              </a:ext>
+            </a:extLst>
+          </p:cNvPr>
+          <p:cNvSpPr txBox="1"/>
+          <p:nvPr/>
+        </p:nvSpPr>
+        <p:spPr>
+          <a:xfrm rot="19449089">
+            <a:off x="2537801" y="1996405"/>
+            <a:ext cx="1981729" cy="369332"/>
+          </a:xfrm>
+          <a:prstGeom prst="rect">
+            <a:avLst/>
+          </a:prstGeom>
+          <a:noFill/>
+        </p:spPr>
+        <p:txBody>
+          <a:bodyPr wrap="square" rtlCol="0">
+            <a:spAutoFit/>
+          </a:bodyPr>
+          <a:lstStyle/>
+          <a:p>
+            <a:r>
+              <a:rPr lang="en-US" altLang="zh-CN" b="1" dirty="0"/>
+              <a:t>Trace with Status</a:t>
+            </a:r>
+            <a:endParaRPr lang="zh-CN" altLang="en-US" b="1" dirty="0"/>
+          </a:p>
+        </p:txBody>
+      </p:sp>
+      <p:sp>
+        <p:nvSpPr>
+          <p:cNvPr id="32" name="文本框 31">
+            <a:extLst>
+              <a:ext uri="{FF2B5EF4-FFF2-40B4-BE49-F238E27FC236}">
+                <a16:creationId xmlns:a16="http://schemas.microsoft.com/office/drawing/2014/main" id="{D3EFCABC-6F47-4A65-87E9-C3AFA0D7699C}"/>
+              </a:ext>
+            </a:extLst>
+          </p:cNvPr>
+          <p:cNvSpPr txBox="1"/>
+          <p:nvPr/>
+        </p:nvSpPr>
+        <p:spPr>
+          <a:xfrm>
+            <a:off x="3048783" y="2757596"/>
+            <a:ext cx="1430971" cy="369332"/>
+          </a:xfrm>
+          <a:prstGeom prst="rect">
+            <a:avLst/>
+          </a:prstGeom>
+          <a:noFill/>
+        </p:spPr>
+        <p:txBody>
+          <a:bodyPr wrap="square" rtlCol="0">
+            <a:spAutoFit/>
+          </a:bodyPr>
+          <a:lstStyle/>
+          <a:p>
+            <a:r>
+              <a:rPr lang="en-US" altLang="zh-CN" b="1" dirty="0"/>
+              <a:t>Cluster Info</a:t>
+            </a:r>
+            <a:endParaRPr lang="zh-CN" altLang="en-US" b="1" dirty="0"/>
+          </a:p>
+        </p:txBody>
+      </p:sp>
+      <p:sp>
+        <p:nvSpPr>
+          <p:cNvPr id="33" name="文本框 32">
+            <a:extLst>
+              <a:ext uri="{FF2B5EF4-FFF2-40B4-BE49-F238E27FC236}">
+                <a16:creationId xmlns:a16="http://schemas.microsoft.com/office/drawing/2014/main" id="{3195BCFD-5609-44B8-BD0B-EF51023B7EAD}"/>
+              </a:ext>
+            </a:extLst>
+          </p:cNvPr>
+          <p:cNvSpPr txBox="1"/>
+          <p:nvPr/>
+        </p:nvSpPr>
+        <p:spPr>
+          <a:xfrm rot="2220264">
+            <a:off x="2484354" y="3886748"/>
+            <a:ext cx="2136112" cy="369332"/>
+          </a:xfrm>
+          <a:prstGeom prst="rect">
+            <a:avLst/>
+          </a:prstGeom>
+          <a:noFill/>
+        </p:spPr>
+        <p:txBody>
+          <a:bodyPr wrap="square" rtlCol="0">
+            <a:spAutoFit/>
+          </a:bodyPr>
+          <a:lstStyle/>
+          <a:p>
+            <a:r>
+              <a:rPr lang="en-US" altLang="zh-CN" b="1" dirty="0"/>
+              <a:t>Enhanced Log Info</a:t>
+            </a:r>
+            <a:endParaRPr lang="zh-CN" altLang="en-US" b="1" dirty="0"/>
+          </a:p>
+        </p:txBody>
+      </p:sp>
+      <p:cxnSp>
+        <p:nvCxnSpPr>
+          <p:cNvPr id="34" name="直接箭头连接符 33">
+            <a:extLst>
+              <a:ext uri="{FF2B5EF4-FFF2-40B4-BE49-F238E27FC236}">
+                <a16:creationId xmlns:a16="http://schemas.microsoft.com/office/drawing/2014/main" id="{4407DAC9-48A3-4C88-9503-0D370DDDCBFE}"/>
+              </a:ext>
+            </a:extLst>
+          </p:cNvPr>
+          <p:cNvCxnSpPr>
+            <a:cxnSpLocks/>
+            <a:endCxn id="11" idx="1"/>
+          </p:cNvCxnSpPr>
+          <p:nvPr/>
+        </p:nvCxnSpPr>
+        <p:spPr>
+          <a:xfrm>
+            <a:off x="6533448" y="1743044"/>
+            <a:ext cx="3193913" cy="1453610"/>
+          </a:xfrm>
+          <a:prstGeom prst="straightConnector1">
+            <a:avLst/>
+          </a:prstGeom>
+          <a:ln w="31750">
+            <a:solidFill>
+              <a:schemeClr val="tx1"/>
+            </a:solidFill>
+            <a:tailEnd type="triangle"/>
+          </a:ln>
+        </p:spPr>
+        <p:style>
+          <a:lnRef idx="1">
+            <a:schemeClr val="accent1"/>
+          </a:lnRef>
+          <a:fillRef idx="0">
+            <a:schemeClr val="accent1"/>
+          </a:fillRef>
+          <a:effectRef idx="0">
+            <a:schemeClr val="accent1"/>
+          </a:effectRef>
+          <a:fontRef idx="minor">
+            <a:schemeClr val="tx1"/>
+          </a:fontRef>
+        </p:style>
+      </p:cxnSp>
+      <p:sp>
+        <p:nvSpPr>
+          <p:cNvPr id="37" name="文本框 36">
+            <a:extLst>
+              <a:ext uri="{FF2B5EF4-FFF2-40B4-BE49-F238E27FC236}">
+                <a16:creationId xmlns:a16="http://schemas.microsoft.com/office/drawing/2014/main" id="{17156328-9682-47BB-B169-DF28F844EDE7}"/>
+              </a:ext>
+            </a:extLst>
+          </p:cNvPr>
+          <p:cNvSpPr txBox="1"/>
+          <p:nvPr/>
+        </p:nvSpPr>
+        <p:spPr>
+          <a:xfrm rot="1532159">
+            <a:off x="6963550" y="2150534"/>
+            <a:ext cx="2587205" cy="369332"/>
+          </a:xfrm>
+          <a:prstGeom prst="rect">
+            <a:avLst/>
+          </a:prstGeom>
+          <a:noFill/>
+        </p:spPr>
+        <p:txBody>
+          <a:bodyPr wrap="square" rtlCol="0">
+            <a:spAutoFit/>
+          </a:bodyPr>
+          <a:lstStyle/>
+          <a:p>
+            <a:pPr algn="ctr"/>
+            <a:r>
+              <a:rPr lang="en-US" altLang="zh-CN" b="1" dirty="0"/>
+              <a:t>Statistical Information</a:t>
+            </a:r>
+            <a:endParaRPr lang="zh-CN" altLang="en-US" b="1" dirty="0"/>
+          </a:p>
+        </p:txBody>
+      </p:sp>
+      <p:cxnSp>
+        <p:nvCxnSpPr>
+          <p:cNvPr id="38" name="直接箭头连接符 37">
+            <a:extLst>
+              <a:ext uri="{FF2B5EF4-FFF2-40B4-BE49-F238E27FC236}">
+                <a16:creationId xmlns:a16="http://schemas.microsoft.com/office/drawing/2014/main" id="{63CE22DF-0FCA-4700-8E66-FA4DD357420E}"/>
+              </a:ext>
+            </a:extLst>
+          </p:cNvPr>
+          <p:cNvCxnSpPr>
+            <a:cxnSpLocks/>
+            <a:endCxn id="11" idx="1"/>
+          </p:cNvCxnSpPr>
+          <p:nvPr/>
+        </p:nvCxnSpPr>
+        <p:spPr>
+          <a:xfrm>
+            <a:off x="6515836" y="2656986"/>
+            <a:ext cx="3211525" cy="539668"/>
+          </a:xfrm>
+          <a:prstGeom prst="straightConnector1">
+            <a:avLst/>
+          </a:prstGeom>
+          <a:ln w="31750">
+            <a:solidFill>
+              <a:schemeClr val="tx1"/>
+            </a:solidFill>
+            <a:tailEnd type="triangle"/>
+          </a:ln>
+        </p:spPr>
+        <p:style>
+          <a:lnRef idx="1">
+            <a:schemeClr val="accent1"/>
+          </a:lnRef>
+          <a:fillRef idx="0">
+            <a:schemeClr val="accent1"/>
+          </a:fillRef>
+          <a:effectRef idx="0">
+            <a:schemeClr val="accent1"/>
+          </a:effectRef>
+          <a:fontRef idx="minor">
+            <a:schemeClr val="tx1"/>
+          </a:fontRef>
+        </p:style>
+      </p:cxnSp>
+      <p:sp>
+        <p:nvSpPr>
+          <p:cNvPr id="42" name="文本框 41">
+            <a:extLst>
+              <a:ext uri="{FF2B5EF4-FFF2-40B4-BE49-F238E27FC236}">
+                <a16:creationId xmlns:a16="http://schemas.microsoft.com/office/drawing/2014/main" id="{3A154823-46E8-4642-99AF-6A5467C03A28}"/>
+              </a:ext>
+            </a:extLst>
+          </p:cNvPr>
+          <p:cNvSpPr txBox="1"/>
+          <p:nvPr/>
+        </p:nvSpPr>
+        <p:spPr>
+          <a:xfrm rot="778470">
+            <a:off x="6493620" y="2198369"/>
+            <a:ext cx="1900810" cy="646331"/>
+          </a:xfrm>
+          <a:prstGeom prst="rect">
+            <a:avLst/>
+          </a:prstGeom>
+          <a:noFill/>
+        </p:spPr>
+        <p:txBody>
+          <a:bodyPr wrap="square" rtlCol="0">
+            <a:spAutoFit/>
+          </a:bodyPr>
+          <a:lstStyle/>
+          <a:p>
+            <a:pPr algn="ctr"/>
+            <a:r>
+              <a:rPr lang="en-US" altLang="zh-CN" b="1" dirty="0"/>
+              <a:t>Logs of Specified Trace</a:t>
+            </a:r>
+            <a:endParaRPr lang="zh-CN" altLang="en-US" b="1" dirty="0"/>
+          </a:p>
+        </p:txBody>
+      </p:sp>
+      <p:cxnSp>
+        <p:nvCxnSpPr>
+          <p:cNvPr id="43" name="直接箭头连接符 42">
+            <a:extLst>
+              <a:ext uri="{FF2B5EF4-FFF2-40B4-BE49-F238E27FC236}">
+                <a16:creationId xmlns:a16="http://schemas.microsoft.com/office/drawing/2014/main" id="{7F902B0A-F415-48FD-A438-EBE596001F75}"/>
+              </a:ext>
+            </a:extLst>
+          </p:cNvPr>
+          <p:cNvCxnSpPr>
+            <a:cxnSpLocks/>
+            <a:endCxn id="11" idx="1"/>
+          </p:cNvCxnSpPr>
+          <p:nvPr/>
+        </p:nvCxnSpPr>
+        <p:spPr>
+          <a:xfrm flipV="1">
+            <a:off x="6505947" y="3196654"/>
+            <a:ext cx="3221414" cy="717134"/>
+          </a:xfrm>
+          <a:prstGeom prst="straightConnector1">
+            <a:avLst/>
+          </a:prstGeom>
+          <a:ln w="31750">
+            <a:solidFill>
+              <a:schemeClr val="tx1"/>
+            </a:solidFill>
+            <a:tailEnd type="triangle"/>
+          </a:ln>
+        </p:spPr>
+        <p:style>
+          <a:lnRef idx="1">
+            <a:schemeClr val="accent1"/>
+          </a:lnRef>
+          <a:fillRef idx="0">
+            <a:schemeClr val="accent1"/>
+          </a:fillRef>
+          <a:effectRef idx="0">
+            <a:schemeClr val="accent1"/>
+          </a:effectRef>
+          <a:fontRef idx="minor">
+            <a:schemeClr val="tx1"/>
+          </a:fontRef>
+        </p:style>
+      </p:cxnSp>
+      <p:cxnSp>
+        <p:nvCxnSpPr>
+          <p:cNvPr id="44" name="直接箭头连接符 43">
+            <a:extLst>
+              <a:ext uri="{FF2B5EF4-FFF2-40B4-BE49-F238E27FC236}">
+                <a16:creationId xmlns:a16="http://schemas.microsoft.com/office/drawing/2014/main" id="{3CE6F84A-7ECB-45CC-89C3-661A9725BB20}"/>
+              </a:ext>
+            </a:extLst>
+          </p:cNvPr>
+          <p:cNvCxnSpPr>
+            <a:cxnSpLocks/>
+            <a:endCxn id="11" idx="1"/>
+          </p:cNvCxnSpPr>
+          <p:nvPr/>
+        </p:nvCxnSpPr>
+        <p:spPr>
+          <a:xfrm flipV="1">
+            <a:off x="6525836" y="3196654"/>
+            <a:ext cx="3201525" cy="1383976"/>
+          </a:xfrm>
+          <a:prstGeom prst="straightConnector1">
+            <a:avLst/>
+          </a:prstGeom>
+          <a:ln w="31750">
+            <a:solidFill>
+              <a:schemeClr val="tx1"/>
+            </a:solidFill>
+            <a:tailEnd type="triangle"/>
+          </a:ln>
+        </p:spPr>
+        <p:style>
+          <a:lnRef idx="1">
+            <a:schemeClr val="accent1"/>
+          </a:lnRef>
+          <a:fillRef idx="0">
+            <a:schemeClr val="accent1"/>
+          </a:fillRef>
+          <a:effectRef idx="0">
+            <a:schemeClr val="accent1"/>
+          </a:effectRef>
+          <a:fontRef idx="minor">
+            <a:schemeClr val="tx1"/>
+          </a:fontRef>
+        </p:style>
+      </p:cxnSp>
+      <p:cxnSp>
+        <p:nvCxnSpPr>
+          <p:cNvPr id="45" name="直接箭头连接符 44">
+            <a:extLst>
+              <a:ext uri="{FF2B5EF4-FFF2-40B4-BE49-F238E27FC236}">
+                <a16:creationId xmlns:a16="http://schemas.microsoft.com/office/drawing/2014/main" id="{06B086F9-6E79-4F0C-8B6B-7B2C6778EF9F}"/>
+              </a:ext>
+            </a:extLst>
+          </p:cNvPr>
+          <p:cNvCxnSpPr>
+            <a:cxnSpLocks/>
+            <a:endCxn id="11" idx="1"/>
+          </p:cNvCxnSpPr>
+          <p:nvPr/>
+        </p:nvCxnSpPr>
+        <p:spPr>
+          <a:xfrm flipV="1">
+            <a:off x="6581404" y="3196654"/>
+            <a:ext cx="3145957" cy="118400"/>
+          </a:xfrm>
+          <a:prstGeom prst="straightConnector1">
+            <a:avLst/>
+          </a:prstGeom>
+          <a:ln w="31750">
+            <a:solidFill>
+              <a:schemeClr val="tx1"/>
+            </a:solidFill>
+            <a:tailEnd type="triangle"/>
+          </a:ln>
+        </p:spPr>
+        <p:style>
+          <a:lnRef idx="1">
+            <a:schemeClr val="accent1"/>
+          </a:lnRef>
+          <a:fillRef idx="0">
+            <a:schemeClr val="accent1"/>
+          </a:fillRef>
+          <a:effectRef idx="0">
+            <a:schemeClr val="accent1"/>
+          </a:effectRef>
+          <a:fontRef idx="minor">
+            <a:schemeClr val="tx1"/>
+          </a:fontRef>
+        </p:style>
+      </p:cxnSp>
+      <p:sp>
+        <p:nvSpPr>
+          <p:cNvPr id="50" name="文本框 49">
+            <a:extLst>
+              <a:ext uri="{FF2B5EF4-FFF2-40B4-BE49-F238E27FC236}">
+                <a16:creationId xmlns:a16="http://schemas.microsoft.com/office/drawing/2014/main" id="{3E7422CD-D7C4-40AC-91DB-832D4EE87D76}"/>
+              </a:ext>
+            </a:extLst>
+          </p:cNvPr>
+          <p:cNvSpPr txBox="1"/>
+          <p:nvPr/>
+        </p:nvSpPr>
+        <p:spPr>
+          <a:xfrm>
+            <a:off x="6379759" y="2941394"/>
+            <a:ext cx="2283318" cy="369332"/>
+          </a:xfrm>
+          <a:prstGeom prst="rect">
+            <a:avLst/>
+          </a:prstGeom>
+          <a:noFill/>
+        </p:spPr>
+        <p:txBody>
+          <a:bodyPr wrap="square" rtlCol="0">
+            <a:spAutoFit/>
+          </a:bodyPr>
+          <a:lstStyle/>
+          <a:p>
+            <a:pPr algn="ctr"/>
+            <a:r>
+              <a:rPr lang="en-US" altLang="zh-CN" b="1" dirty="0"/>
+              <a:t>Sequence Analysis</a:t>
+            </a:r>
+            <a:endParaRPr lang="zh-CN" altLang="en-US" b="1" dirty="0"/>
+          </a:p>
+        </p:txBody>
+      </p:sp>
+      <p:sp>
+        <p:nvSpPr>
+          <p:cNvPr id="51" name="文本框 50">
+            <a:extLst>
+              <a:ext uri="{FF2B5EF4-FFF2-40B4-BE49-F238E27FC236}">
+                <a16:creationId xmlns:a16="http://schemas.microsoft.com/office/drawing/2014/main" id="{7DCE9F2D-313B-4171-8C81-DD7AC9723F0F}"/>
+              </a:ext>
+            </a:extLst>
+          </p:cNvPr>
+          <p:cNvSpPr txBox="1"/>
+          <p:nvPr/>
+        </p:nvSpPr>
+        <p:spPr>
+          <a:xfrm rot="20794544">
+            <a:off x="6465682" y="3620193"/>
+            <a:ext cx="2283318" cy="369332"/>
+          </a:xfrm>
+          <a:prstGeom prst="rect">
+            <a:avLst/>
+          </a:prstGeom>
+          <a:noFill/>
+        </p:spPr>
+        <p:txBody>
+          <a:bodyPr wrap="square" rtlCol="0">
+            <a:spAutoFit/>
+          </a:bodyPr>
+          <a:lstStyle/>
+          <a:p>
+            <a:pPr algn="ctr"/>
+            <a:r>
+              <a:rPr lang="en-US" altLang="zh-CN" b="1" dirty="0"/>
+              <a:t>Instance Analysis</a:t>
+            </a:r>
+            <a:endParaRPr lang="zh-CN" altLang="en-US" b="1" dirty="0"/>
+          </a:p>
+        </p:txBody>
+      </p:sp>
+      <p:sp>
+        <p:nvSpPr>
+          <p:cNvPr id="52" name="文本框 51">
+            <a:extLst>
+              <a:ext uri="{FF2B5EF4-FFF2-40B4-BE49-F238E27FC236}">
+                <a16:creationId xmlns:a16="http://schemas.microsoft.com/office/drawing/2014/main" id="{D97ECC6C-56E8-4EA6-9EC5-D4CDAB50A801}"/>
+              </a:ext>
+            </a:extLst>
+          </p:cNvPr>
+          <p:cNvSpPr txBox="1"/>
+          <p:nvPr/>
+        </p:nvSpPr>
+        <p:spPr>
+          <a:xfrm rot="20204384">
+            <a:off x="6638425" y="4112600"/>
+            <a:ext cx="2283318" cy="369332"/>
+          </a:xfrm>
+          <a:prstGeom prst="rect">
+            <a:avLst/>
+          </a:prstGeom>
+          <a:noFill/>
+        </p:spPr>
+        <p:txBody>
+          <a:bodyPr wrap="square" rtlCol="0">
+            <a:spAutoFit/>
+          </a:bodyPr>
+          <a:lstStyle/>
+          <a:p>
+            <a:pPr algn="ctr"/>
+            <a:r>
+              <a:rPr lang="en-US" altLang="zh-CN" b="1" dirty="0"/>
+              <a:t>Cluster Analysis</a:t>
+            </a:r>
+            <a:endParaRPr lang="zh-CN" altLang="en-US" b="1" dirty="0"/>
+          </a:p>
+        </p:txBody>
+      </p:sp>
+      <p:sp>
+        <p:nvSpPr>
+          <p:cNvPr id="53" name="矩形 52">
+            <a:extLst>
+              <a:ext uri="{FF2B5EF4-FFF2-40B4-BE49-F238E27FC236}">
+                <a16:creationId xmlns:a16="http://schemas.microsoft.com/office/drawing/2014/main" id="{7783AB5A-8615-4AF9-A04B-998E06D982B8}"/>
+              </a:ext>
+            </a:extLst>
+          </p:cNvPr>
+          <p:cNvSpPr/>
+          <p:nvPr/>
+        </p:nvSpPr>
+        <p:spPr>
+          <a:xfrm>
+            <a:off x="4674412" y="1890515"/>
+            <a:ext cx="1691229" cy="1383977"/>
+          </a:xfrm>
+          <a:prstGeom prst="rect">
+            <a:avLst/>
+          </a:prstGeom>
+          <a:noFill/>
+          <a:ln w="22225">
+            <a:solidFill>
+              <a:schemeClr val="tx1"/>
+            </a:solidFill>
+          </a:ln>
+        </p:spPr>
+        <p:style>
+          <a:lnRef idx="2">
+            <a:schemeClr val="accent1">
+              <a:shade val="50000"/>
+            </a:schemeClr>
+          </a:lnRef>
+          <a:fillRef idx="1">
+            <a:schemeClr val="accent1"/>
+          </a:fillRef>
+          <a:effectRef idx="0">
+            <a:schemeClr val="accent1"/>
+          </a:effectRef>
+          <a:fontRef idx="minor">
+            <a:schemeClr val="lt1"/>
+          </a:fontRef>
+        </p:style>
+        <p:txBody>
+          <a:bodyPr rtlCol="0" anchor="ctr"/>
+          <a:lstStyle/>
+          <a:p>
+            <a:pPr algn="ctr"/>
+            <a:r>
+              <a:rPr lang="en-US" altLang="zh-CN" b="1" dirty="0">
+                <a:solidFill>
+                  <a:schemeClr val="tx1"/>
+                </a:solidFill>
+              </a:rPr>
+              <a:t>Asynchronous Invocation Analysis Algorithm</a:t>
+            </a:r>
+            <a:endParaRPr lang="zh-CN" altLang="en-US" b="1" dirty="0">
+              <a:solidFill>
+                <a:schemeClr val="tx1"/>
+              </a:solidFill>
+            </a:endParaRPr>
+          </a:p>
+        </p:txBody>
+      </p:sp>
+      <p:sp>
+        <p:nvSpPr>
+          <p:cNvPr id="54" name="矩形 53">
+            <a:extLst>
+              <a:ext uri="{FF2B5EF4-FFF2-40B4-BE49-F238E27FC236}">
+                <a16:creationId xmlns:a16="http://schemas.microsoft.com/office/drawing/2014/main" id="{B23EBADB-9408-422C-8D00-87EA5444F00A}"/>
+              </a:ext>
+            </a:extLst>
+          </p:cNvPr>
+          <p:cNvSpPr/>
+          <p:nvPr/>
+        </p:nvSpPr>
+        <p:spPr>
+          <a:xfrm>
+            <a:off x="4674412" y="3676758"/>
+            <a:ext cx="1695984" cy="828236"/>
+          </a:xfrm>
+          <a:prstGeom prst="rect">
+            <a:avLst/>
+          </a:prstGeom>
+          <a:noFill/>
+          <a:ln w="22225">
+            <a:solidFill>
+              <a:schemeClr val="tx1"/>
+            </a:solidFill>
+          </a:ln>
+        </p:spPr>
+        <p:style>
+          <a:lnRef idx="2">
+            <a:schemeClr val="accent1">
+              <a:shade val="50000"/>
+            </a:schemeClr>
+          </a:lnRef>
+          <a:fillRef idx="1">
+            <a:schemeClr val="accent1"/>
+          </a:fillRef>
+          <a:effectRef idx="0">
+            <a:schemeClr val="accent1"/>
+          </a:effectRef>
+          <a:fontRef idx="minor">
+            <a:schemeClr val="lt1"/>
+          </a:fontRef>
+        </p:style>
+        <p:txBody>
+          <a:bodyPr rtlCol="0" anchor="ctr"/>
+          <a:lstStyle/>
+          <a:p>
+            <a:pPr algn="ctr"/>
+            <a:r>
+              <a:rPr lang="en-US" altLang="zh-CN" b="1" dirty="0">
+                <a:solidFill>
+                  <a:schemeClr val="tx1"/>
+                </a:solidFill>
+              </a:rPr>
+              <a:t>Spectral Clustering Algorithm</a:t>
+            </a:r>
+            <a:endParaRPr lang="zh-CN" altLang="en-US" b="1" dirty="0">
+              <a:solidFill>
+                <a:schemeClr val="tx1"/>
+              </a:solidFill>
+            </a:endParaRPr>
+          </a:p>
+        </p:txBody>
+      </p:sp>
+    </p:spTree>
+    <p:extLst>
+      <p:ext uri="{BB962C8B-B14F-4D97-AF65-F5344CB8AC3E}">
+        <p14:creationId xmlns:p14="http://schemas.microsoft.com/office/powerpoint/2010/main" val="3249409453"/>
+      </p:ext>
+    </p:extLst>
+  </p:cSld>
+  <p:clrMapOvr>
+    <a:masterClrMapping/>
+  </p:clrMapOvr>
+</p:sld>
+</file>
+
+<file path=ppt/slides/slide2.xml><?xml version="1.0" encoding="utf-8"?>
+<p:sld xmlns:a="http://schemas.openxmlformats.org/drawingml/2006/main" xmlns:r="http://schemas.openxmlformats.org/officeDocument/2006/relationships" xmlns:p="http://schemas.openxmlformats.org/presentationml/2006/main">
+  <p:cSld>
+    <p:spTree>
+      <p:nvGrpSpPr>
+        <p:cNvPr id="1" name=""/>
+        <p:cNvGrpSpPr/>
+        <p:nvPr/>
+      </p:nvGrpSpPr>
+      <p:grpSpPr>
+        <a:xfrm>
+          <a:off x="0" y="0"/>
+          <a:ext cx="0" cy="0"/>
+          <a:chOff x="0" y="0"/>
+          <a:chExt cx="0" cy="0"/>
+        </a:xfrm>
+      </p:grpSpPr>
+      <p:sp>
+        <p:nvSpPr>
           <p:cNvPr id="7" name="矩形 6">
             <a:extLst>
               <a:ext uri="{FF2B5EF4-FFF2-40B4-BE49-F238E27FC236}">
@@ -4743,7 +5858,7 @@
 </p:sld>
 </file>
 
-<file path=ppt/slides/slide2.xml><?xml version="1.0" encoding="utf-8"?>
+<file path=ppt/slides/slide3.xml><?xml version="1.0" encoding="utf-8"?>
 <p:sld xmlns:a="http://schemas.openxmlformats.org/drawingml/2006/main" xmlns:r="http://schemas.openxmlformats.org/officeDocument/2006/relationships" xmlns:p="http://schemas.openxmlformats.org/presentationml/2006/main">
   <p:cSld>
     <p:spTree>
@@ -9470,7 +10585,7 @@
 </p:sld>
 </file>
 
-<file path=ppt/slides/slide3.xml><?xml version="1.0" encoding="utf-8"?>
+<file path=ppt/slides/slide4.xml><?xml version="1.0" encoding="utf-8"?>
 <p:sld xmlns:a="http://schemas.openxmlformats.org/drawingml/2006/main" xmlns:r="http://schemas.openxmlformats.org/officeDocument/2006/relationships" xmlns:p="http://schemas.openxmlformats.org/presentationml/2006/main">
   <p:cSld>
     <p:spTree>
@@ -14246,7 +15361,7 @@
 </p:sld>
 </file>
 
-<file path=ppt/slides/slide4.xml><?xml version="1.0" encoding="utf-8"?>
+<file path=ppt/slides/slide5.xml><?xml version="1.0" encoding="utf-8"?>
 <p:sld xmlns:a="http://schemas.openxmlformats.org/drawingml/2006/main" xmlns:r="http://schemas.openxmlformats.org/officeDocument/2006/relationships" xmlns:p="http://schemas.openxmlformats.org/presentationml/2006/main">
   <p:cSld>
     <p:spTree>
@@ -14690,7 +15805,7 @@
                     <a:lstStyle/>
                     <a:p>
                       <a:r>
-                        <a:rPr lang="en-US" altLang="zh-CN" sz="1000" dirty="0" smtClean="0">
+                        <a:rPr lang="en-US" altLang="zh-CN" sz="1000" dirty="0">
                           <a:latin typeface="Arial Rounded MT Bold" panose="020F0704030504030204" pitchFamily="34" charset="0"/>
                         </a:rPr>
                         <a:t>Pod 1</a:t>
@@ -15042,7 +16157,7 @@
                         <a:lstStyle/>
                         <a:p>
                           <a:r>
-                            <a:rPr lang="en-US" altLang="zh-CN" sz="1000" dirty="0" smtClean="0">
+                            <a:rPr lang="en-US" altLang="zh-CN" sz="1000" dirty="0">
                               <a:latin typeface="Arial Rounded MT Bold" panose="020F0704030504030204" pitchFamily="34" charset="0"/>
                             </a:rPr>
                             <a:t>Pod 2</a:t>
@@ -15490,7 +16605,7 @@
             <a:lstStyle/>
             <a:p>
               <a:r>
-                <a:rPr lang="en-US" altLang="zh-CN" sz="1000" dirty="0" smtClean="0">
+                <a:rPr lang="en-US" altLang="zh-CN" sz="1000" dirty="0">
                   <a:latin typeface="Arial Rounded MT Bold" panose="020F0704030504030204" pitchFamily="34" charset="0"/>
                 </a:rPr>
                 <a:t>Pod M</a:t>
@@ -16368,7 +17483,7 @@
             <a:lstStyle/>
             <a:p>
               <a:r>
-                <a:rPr lang="en-US" altLang="zh-CN" sz="1600" dirty="0" smtClean="0">
+                <a:rPr lang="en-US" altLang="zh-CN" sz="1600" dirty="0">
                   <a:latin typeface="Arial Rounded MT Bold" panose="020F0704030504030204" pitchFamily="34" charset="0"/>
                 </a:rPr>
                 <a:t>Log</a:t>
@@ -16525,16 +17640,7 @@
                 </a:solidFill>
                 <a:latin typeface="Arial Rounded MT Bold" panose="020F0704030504030204" pitchFamily="34" charset="0"/>
               </a:rPr>
-              <a:t>LogVisualization </a:t>
-            </a:r>
-            <a:r>
-              <a:rPr lang="en-US" altLang="zh-CN" sz="1600" dirty="0" smtClean="0">
-                <a:solidFill>
-                  <a:schemeClr val="tx1"/>
-                </a:solidFill>
-                <a:latin typeface="Arial Rounded MT Bold" panose="020F0704030504030204" pitchFamily="34" charset="0"/>
-              </a:rPr>
-              <a:t>UI</a:t>
+              <a:t>LogVisualization UI</a:t>
             </a:r>
             <a:endParaRPr lang="zh-CN" altLang="en-US" sz="1600" dirty="0">
               <a:solidFill>
@@ -16588,7 +17694,7 @@
             <a:lstStyle/>
             <a:p>
               <a:r>
-                <a:rPr lang="en-US" altLang="zh-CN" sz="1600" dirty="0" smtClean="0">
+                <a:rPr lang="en-US" altLang="zh-CN" sz="1600" dirty="0">
                   <a:latin typeface="Arial Rounded MT Bold" panose="020F0704030504030204" pitchFamily="34" charset="0"/>
                 </a:rPr>
                 <a:t>Trace</a:t>
@@ -16785,7 +17891,7 @@
             <a:p>
               <a:pPr algn="ctr"/>
               <a:r>
-                <a:rPr lang="en-US" altLang="zh-CN" sz="1600" dirty="0" smtClean="0">
+                <a:rPr lang="en-US" altLang="zh-CN" sz="1600" dirty="0">
                   <a:latin typeface="Arial Rounded MT Bold" panose="020F0704030504030204" pitchFamily="34" charset="0"/>
                 </a:rPr>
                 <a:t>Log</a:t>
@@ -16991,7 +18097,7 @@
             <a:lstStyle/>
             <a:p>
               <a:r>
-                <a:rPr lang="en-US" altLang="zh-CN" sz="1600" dirty="0" smtClean="0">
+                <a:rPr lang="en-US" altLang="zh-CN" sz="1600" dirty="0">
                   <a:latin typeface="Arial Rounded MT Bold" panose="020F0704030504030204" pitchFamily="34" charset="0"/>
                 </a:rPr>
                 <a:t>Zipkin</a:t>
@@ -17077,7 +18183,7 @@
           <a:lstStyle/>
           <a:p>
             <a:r>
-              <a:rPr lang="en-US" altLang="zh-CN" sz="1600" dirty="0" smtClean="0">
+              <a:rPr lang="en-US" altLang="zh-CN" sz="1600" dirty="0">
                 <a:latin typeface="Arial Rounded MT Bold" panose="020F0704030504030204" pitchFamily="34" charset="0"/>
               </a:rPr>
               <a:t>Trace</a:t>
@@ -17131,7 +18237,7 @@
             <a:lstStyle/>
             <a:p>
               <a:r>
-                <a:rPr lang="en-US" altLang="zh-CN" sz="1600" dirty="0" smtClean="0">
+                <a:rPr lang="en-US" altLang="zh-CN" sz="1600" dirty="0">
                   <a:latin typeface="Arial Rounded MT Bold" panose="020F0704030504030204" pitchFamily="34" charset="0"/>
                 </a:rPr>
                 <a:t>LogVisualization</a:t>
@@ -17140,7 +18246,7 @@
             <a:p>
               <a:pPr algn="ctr"/>
               <a:r>
-                <a:rPr lang="en-US" altLang="zh-CN" sz="1600" dirty="0" smtClean="0">
+                <a:rPr lang="en-US" altLang="zh-CN" sz="1600" dirty="0">
                   <a:latin typeface="Arial Rounded MT Bold" panose="020F0704030504030204" pitchFamily="34" charset="0"/>
                 </a:rPr>
                 <a:t>Backend</a:t>
@@ -17251,7 +18357,7 @@
             <a:lstStyle/>
             <a:p>
               <a:r>
-                <a:rPr lang="en-US" altLang="zh-CN" sz="1200" dirty="0" smtClean="0">
+                <a:rPr lang="en-US" altLang="zh-CN" sz="1200" dirty="0">
                   <a:latin typeface="Arial Rounded MT Bold" panose="020F0704030504030204" pitchFamily="34" charset="0"/>
                 </a:rPr>
                 <a:t>Node &amp; Pod Info</a:t>
@@ -17426,7 +18532,7 @@
           <a:lstStyle/>
           <a:p>
             <a:r>
-              <a:rPr lang="en-US" altLang="zh-CN" sz="1200" dirty="0" smtClean="0">
+              <a:rPr lang="en-US" altLang="zh-CN" sz="1200" dirty="0">
                 <a:latin typeface="Arial Rounded MT Bold" panose="020F0704030504030204" pitchFamily="34" charset="0"/>
               </a:rPr>
               <a:t>Node &amp; Pod Info</a:t>
@@ -17466,7 +18572,7 @@
           <a:lstStyle/>
           <a:p>
             <a:r>
-              <a:rPr lang="en-US" altLang="zh-CN" sz="1200" dirty="0" smtClean="0">
+              <a:rPr lang="en-US" altLang="zh-CN" sz="1200" dirty="0">
                 <a:latin typeface="Arial Rounded MT Bold" panose="020F0704030504030204" pitchFamily="34" charset="0"/>
               </a:rPr>
               <a:t>Node &amp; Pod Info, Log, Trace</a:t>
@@ -17674,7 +18780,7 @@
           <a:lstStyle/>
           <a:p>
             <a:r>
-              <a:rPr lang="en-US" altLang="zh-CN" sz="1200" dirty="0" smtClean="0">
+              <a:rPr lang="en-US" altLang="zh-CN" sz="1200" dirty="0">
                 <a:latin typeface="Arial Rounded MT Bold" panose="020F0704030504030204" pitchFamily="34" charset="0"/>
               </a:rPr>
               <a:t>Dependencies</a:t>
